--- a/Documentation/IOT-SMART-HOME-Firebot-and-Device-Automation.pptx
+++ b/Documentation/IOT-SMART-HOME-Firebot-and-Device-Automation.pptx
@@ -2,7 +2,7 @@
 <file path=ppt/presentation.xml><?xml version="1.0" encoding="utf-8"?>
 <p:presentation xmlns:a="http://schemas.openxmlformats.org/drawingml/2006/main" xmlns:r="http://schemas.openxmlformats.org/officeDocument/2006/relationships" xmlns:p="http://schemas.openxmlformats.org/presentationml/2006/main" saveSubsetFonts="1">
   <p:sldMasterIdLst>
-    <p:sldMasterId id="2147483725" r:id="rId1"/>
+    <p:sldMasterId id="2147483761" r:id="rId1"/>
   </p:sldMasterIdLst>
   <p:sldIdLst>
     <p:sldId id="256" r:id="rId2"/>
@@ -2501,8 +2501,8 @@
                 <a:satOff val="0"/>
                 <a:lumOff val="0"/>
                 <a:alphaOff val="0"/>
-                <a:tint val="98000"/>
-                <a:lumMod val="114000"/>
+                <a:tint val="96000"/>
+                <a:lumMod val="102000"/>
               </a:schemeClr>
             </a:gs>
             <a:gs pos="100000">
@@ -2511,22 +2511,20 @@
                 <a:satOff val="0"/>
                 <a:lumOff val="0"/>
                 <a:alphaOff val="0"/>
-                <a:shade val="90000"/>
-                <a:lumMod val="84000"/>
+                <a:shade val="88000"/>
+                <a:lumMod val="94000"/>
               </a:schemeClr>
             </a:gs>
           </a:gsLst>
-          <a:lin ang="5400000" scaled="0"/>
+          <a:path path="circle">
+            <a:fillToRect l="50000" t="100000" r="100000" b="50000"/>
+          </a:path>
         </a:gradFill>
         <a:ln>
           <a:noFill/>
         </a:ln>
         <a:effectLst>
-          <a:outerShdw blurRad="38100" dist="25400" dir="5400000" rotWithShape="0">
-            <a:srgbClr val="000000">
-              <a:alpha val="45000"/>
-            </a:srgbClr>
-          </a:outerShdw>
+          <a:reflection blurRad="12700" stA="26000" endPos="32000" dist="12700" dir="5400000" sy="-100000" rotWithShape="0"/>
         </a:effectLst>
         <a:scene3d>
           <a:camera prst="orthographicFront"/>
@@ -2609,11 +2607,7 @@
           <a:noFill/>
         </a:ln>
         <a:effectLst>
-          <a:outerShdw blurRad="38100" dist="25400" dir="5400000" rotWithShape="0">
-            <a:srgbClr val="000000">
-              <a:alpha val="45000"/>
-            </a:srgbClr>
-          </a:outerShdw>
+          <a:reflection blurRad="12700" stA="26000" endPos="32000" dist="12700" dir="5400000" sy="-100000" rotWithShape="0"/>
         </a:effectLst>
         <a:scene3d>
           <a:camera prst="orthographicFront"/>
@@ -2690,8 +2684,8 @@
                 <a:satOff val="0"/>
                 <a:lumOff val="0"/>
                 <a:alphaOff val="0"/>
-                <a:tint val="98000"/>
-                <a:lumMod val="114000"/>
+                <a:tint val="96000"/>
+                <a:lumMod val="102000"/>
               </a:schemeClr>
             </a:gs>
             <a:gs pos="100000">
@@ -2700,22 +2694,20 @@
                 <a:satOff val="0"/>
                 <a:lumOff val="0"/>
                 <a:alphaOff val="0"/>
-                <a:shade val="90000"/>
-                <a:lumMod val="84000"/>
+                <a:shade val="88000"/>
+                <a:lumMod val="94000"/>
               </a:schemeClr>
             </a:gs>
           </a:gsLst>
-          <a:lin ang="5400000" scaled="0"/>
+          <a:path path="circle">
+            <a:fillToRect l="50000" t="100000" r="100000" b="50000"/>
+          </a:path>
         </a:gradFill>
         <a:ln>
           <a:noFill/>
         </a:ln>
         <a:effectLst>
-          <a:outerShdw blurRad="38100" dist="25400" dir="5400000" rotWithShape="0">
-            <a:srgbClr val="000000">
-              <a:alpha val="45000"/>
-            </a:srgbClr>
-          </a:outerShdw>
+          <a:reflection blurRad="12700" stA="26000" endPos="32000" dist="12700" dir="5400000" sy="-100000" rotWithShape="0"/>
         </a:effectLst>
         <a:scene3d>
           <a:camera prst="orthographicFront"/>
@@ -2795,11 +2787,7 @@
           <a:noFill/>
         </a:ln>
         <a:effectLst>
-          <a:outerShdw blurRad="38100" dist="25400" dir="5400000" rotWithShape="0">
-            <a:srgbClr val="000000">
-              <a:alpha val="45000"/>
-            </a:srgbClr>
-          </a:outerShdw>
+          <a:reflection blurRad="12700" stA="26000" endPos="32000" dist="12700" dir="5400000" sy="-100000" rotWithShape="0"/>
         </a:effectLst>
         <a:scene3d>
           <a:camera prst="orthographicFront"/>
@@ -2834,7 +2822,7 @@
         </a:bodyPr>
         <a:lstStyle/>
         <a:p>
-          <a:pPr lvl="0" algn="ctr" defTabSz="800100">
+          <a:pPr lvl="0" algn="ctr" defTabSz="933450">
             <a:lnSpc>
               <a:spcPct val="90000"/>
             </a:lnSpc>
@@ -2845,7 +2833,7 @@
               <a:spcPct val="35000"/>
             </a:spcAft>
           </a:pPr>
-          <a:endParaRPr lang="en-IN" sz="1800" kern="1200"/>
+          <a:endParaRPr lang="en-IN" sz="2100" kern="1200"/>
         </a:p>
       </dsp:txBody>
       <dsp:txXfrm rot="-5400000">
@@ -2876,8 +2864,8 @@
                 <a:satOff val="0"/>
                 <a:lumOff val="0"/>
                 <a:alphaOff val="0"/>
-                <a:tint val="98000"/>
-                <a:lumMod val="114000"/>
+                <a:tint val="96000"/>
+                <a:lumMod val="102000"/>
               </a:schemeClr>
             </a:gs>
             <a:gs pos="100000">
@@ -2886,22 +2874,20 @@
                 <a:satOff val="0"/>
                 <a:lumOff val="0"/>
                 <a:alphaOff val="0"/>
-                <a:shade val="90000"/>
-                <a:lumMod val="84000"/>
+                <a:shade val="88000"/>
+                <a:lumMod val="94000"/>
               </a:schemeClr>
             </a:gs>
           </a:gsLst>
-          <a:lin ang="5400000" scaled="0"/>
+          <a:path path="circle">
+            <a:fillToRect l="50000" t="100000" r="100000" b="50000"/>
+          </a:path>
         </a:gradFill>
         <a:ln>
           <a:noFill/>
         </a:ln>
         <a:effectLst>
-          <a:outerShdw blurRad="38100" dist="25400" dir="5400000" rotWithShape="0">
-            <a:srgbClr val="000000">
-              <a:alpha val="45000"/>
-            </a:srgbClr>
-          </a:outerShdw>
+          <a:reflection blurRad="12700" stA="26000" endPos="32000" dist="12700" dir="5400000" sy="-100000" rotWithShape="0"/>
         </a:effectLst>
         <a:scene3d>
           <a:camera prst="orthographicFront"/>
@@ -2928,12 +2914,12 @@
         </a:fontRef>
       </dsp:style>
       <dsp:txBody>
-        <a:bodyPr spcFirstLastPara="0" vert="horz" wrap="square" lIns="83820" tIns="83820" rIns="83820" bIns="83820" numCol="1" spcCol="1270" anchor="ctr" anchorCtr="0">
+        <a:bodyPr spcFirstLastPara="0" vert="horz" wrap="square" lIns="102870" tIns="102870" rIns="102870" bIns="102870" numCol="1" spcCol="1270" anchor="ctr" anchorCtr="0">
           <a:noAutofit/>
         </a:bodyPr>
         <a:lstStyle/>
         <a:p>
-          <a:pPr lvl="0" algn="ctr" defTabSz="977900">
+          <a:pPr lvl="0" algn="ctr" defTabSz="1200150">
             <a:lnSpc>
               <a:spcPct val="90000"/>
             </a:lnSpc>
@@ -2945,7 +2931,7 @@
             </a:spcAft>
           </a:pPr>
           <a:r>
-            <a:rPr lang="en-IN" sz="2200" kern="1200" dirty="0"/>
+            <a:rPr lang="en-IN" sz="2700" kern="1200" dirty="0"/>
             <a:t>Database</a:t>
           </a:r>
         </a:p>
@@ -2984,11 +2970,7 @@
           <a:noFill/>
         </a:ln>
         <a:effectLst>
-          <a:outerShdw blurRad="38100" dist="25400" dir="5400000" rotWithShape="0">
-            <a:srgbClr val="000000">
-              <a:alpha val="45000"/>
-            </a:srgbClr>
-          </a:outerShdw>
+          <a:reflection blurRad="12700" stA="26000" endPos="32000" dist="12700" dir="5400000" sy="-100000" rotWithShape="0"/>
         </a:effectLst>
         <a:scene3d>
           <a:camera prst="orthographicFront"/>
@@ -3065,8 +3047,8 @@
                 <a:satOff val="0"/>
                 <a:lumOff val="0"/>
                 <a:alphaOff val="0"/>
-                <a:tint val="98000"/>
-                <a:lumMod val="114000"/>
+                <a:tint val="96000"/>
+                <a:lumMod val="102000"/>
               </a:schemeClr>
             </a:gs>
             <a:gs pos="100000">
@@ -3075,22 +3057,20 @@
                 <a:satOff val="0"/>
                 <a:lumOff val="0"/>
                 <a:alphaOff val="0"/>
-                <a:shade val="90000"/>
-                <a:lumMod val="84000"/>
+                <a:shade val="88000"/>
+                <a:lumMod val="94000"/>
               </a:schemeClr>
             </a:gs>
           </a:gsLst>
-          <a:lin ang="5400000" scaled="0"/>
+          <a:path path="circle">
+            <a:fillToRect l="50000" t="100000" r="100000" b="50000"/>
+          </a:path>
         </a:gradFill>
         <a:ln>
           <a:noFill/>
         </a:ln>
         <a:effectLst>
-          <a:outerShdw blurRad="38100" dist="25400" dir="5400000" rotWithShape="0">
-            <a:srgbClr val="000000">
-              <a:alpha val="45000"/>
-            </a:srgbClr>
-          </a:outerShdw>
+          <a:reflection blurRad="12700" stA="26000" endPos="32000" dist="12700" dir="5400000" sy="-100000" rotWithShape="0"/>
         </a:effectLst>
         <a:scene3d>
           <a:camera prst="orthographicFront"/>
@@ -3174,11 +3154,7 @@
           <a:noFill/>
         </a:ln>
         <a:effectLst>
-          <a:outerShdw blurRad="38100" dist="25400" dir="5400000" rotWithShape="0">
-            <a:srgbClr val="000000">
-              <a:alpha val="45000"/>
-            </a:srgbClr>
-          </a:outerShdw>
+          <a:reflection blurRad="12700" stA="26000" endPos="32000" dist="12700" dir="5400000" sy="-100000" rotWithShape="0"/>
         </a:effectLst>
         <a:scene3d>
           <a:camera prst="orthographicFront"/>
@@ -3255,8 +3231,8 @@
                 <a:satOff val="0"/>
                 <a:lumOff val="0"/>
                 <a:alphaOff val="0"/>
-                <a:tint val="98000"/>
-                <a:lumMod val="114000"/>
+                <a:tint val="96000"/>
+                <a:lumMod val="102000"/>
               </a:schemeClr>
             </a:gs>
             <a:gs pos="100000">
@@ -3265,22 +3241,20 @@
                 <a:satOff val="0"/>
                 <a:lumOff val="0"/>
                 <a:alphaOff val="0"/>
-                <a:shade val="90000"/>
-                <a:lumMod val="84000"/>
+                <a:shade val="88000"/>
+                <a:lumMod val="94000"/>
               </a:schemeClr>
             </a:gs>
           </a:gsLst>
-          <a:lin ang="5400000" scaled="0"/>
+          <a:path path="circle">
+            <a:fillToRect l="50000" t="100000" r="100000" b="50000"/>
+          </a:path>
         </a:gradFill>
         <a:ln>
           <a:noFill/>
         </a:ln>
         <a:effectLst>
-          <a:outerShdw blurRad="38100" dist="25400" dir="5400000" rotWithShape="0">
-            <a:srgbClr val="000000">
-              <a:alpha val="45000"/>
-            </a:srgbClr>
-          </a:outerShdw>
+          <a:reflection blurRad="12700" stA="26000" endPos="32000" dist="12700" dir="5400000" sy="-100000" rotWithShape="0"/>
         </a:effectLst>
         <a:scene3d>
           <a:camera prst="orthographicFront"/>
@@ -3307,12 +3281,12 @@
         </a:fontRef>
       </dsp:style>
       <dsp:txBody>
-        <a:bodyPr spcFirstLastPara="0" vert="horz" wrap="square" lIns="83820" tIns="83820" rIns="83820" bIns="83820" numCol="1" spcCol="1270" anchor="ctr" anchorCtr="0">
+        <a:bodyPr spcFirstLastPara="0" vert="horz" wrap="square" lIns="102870" tIns="102870" rIns="102870" bIns="102870" numCol="1" spcCol="1270" anchor="ctr" anchorCtr="0">
           <a:noAutofit/>
         </a:bodyPr>
         <a:lstStyle/>
         <a:p>
-          <a:pPr lvl="0" algn="ctr" defTabSz="977900">
+          <a:pPr lvl="0" algn="ctr" defTabSz="1200150">
             <a:lnSpc>
               <a:spcPct val="90000"/>
             </a:lnSpc>
@@ -3324,10 +3298,10 @@
             </a:spcAft>
           </a:pPr>
           <a:r>
-            <a:rPr lang="en-IN" sz="2200" kern="1200" dirty="0" smtClean="0"/>
+            <a:rPr lang="en-IN" sz="2700" kern="1200" dirty="0" smtClean="0"/>
             <a:t>Firebot</a:t>
           </a:r>
-          <a:endParaRPr lang="en-IN" sz="2200" kern="1200" dirty="0"/>
+          <a:endParaRPr lang="en-IN" sz="2700" kern="1200" dirty="0"/>
         </a:p>
       </dsp:txBody>
       <dsp:txXfrm>
@@ -3370,8 +3344,8 @@
                 <a:satOff val="0"/>
                 <a:lumOff val="0"/>
                 <a:alphaOff val="0"/>
-                <a:tint val="98000"/>
-                <a:lumMod val="114000"/>
+                <a:tint val="96000"/>
+                <a:lumMod val="102000"/>
               </a:schemeClr>
             </a:gs>
             <a:gs pos="100000">
@@ -3380,22 +3354,20 @@
                 <a:satOff val="0"/>
                 <a:lumOff val="0"/>
                 <a:alphaOff val="0"/>
-                <a:shade val="90000"/>
-                <a:lumMod val="84000"/>
+                <a:shade val="88000"/>
+                <a:lumMod val="94000"/>
               </a:schemeClr>
             </a:gs>
           </a:gsLst>
-          <a:lin ang="5400000" scaled="0"/>
+          <a:path path="circle">
+            <a:fillToRect l="50000" t="100000" r="100000" b="50000"/>
+          </a:path>
         </a:gradFill>
         <a:ln>
           <a:noFill/>
         </a:ln>
         <a:effectLst>
-          <a:outerShdw blurRad="38100" dist="25400" dir="5400000" rotWithShape="0">
-            <a:srgbClr val="000000">
-              <a:alpha val="45000"/>
-            </a:srgbClr>
-          </a:outerShdw>
+          <a:reflection blurRad="12700" stA="26000" endPos="32000" dist="12700" dir="5400000" sy="-100000" rotWithShape="0"/>
         </a:effectLst>
         <a:scene3d>
           <a:camera prst="orthographicFront"/>
@@ -3478,11 +3450,7 @@
           <a:noFill/>
         </a:ln>
         <a:effectLst>
-          <a:outerShdw blurRad="38100" dist="25400" dir="5400000" rotWithShape="0">
-            <a:srgbClr val="000000">
-              <a:alpha val="45000"/>
-            </a:srgbClr>
-          </a:outerShdw>
+          <a:reflection blurRad="12700" stA="26000" endPos="32000" dist="12700" dir="5400000" sy="-100000" rotWithShape="0"/>
         </a:effectLst>
         <a:scene3d>
           <a:camera prst="orthographicFront"/>
@@ -3559,8 +3527,8 @@
                 <a:satOff val="0"/>
                 <a:lumOff val="0"/>
                 <a:alphaOff val="0"/>
-                <a:tint val="98000"/>
-                <a:lumMod val="114000"/>
+                <a:tint val="96000"/>
+                <a:lumMod val="102000"/>
               </a:schemeClr>
             </a:gs>
             <a:gs pos="100000">
@@ -3569,22 +3537,20 @@
                 <a:satOff val="0"/>
                 <a:lumOff val="0"/>
                 <a:alphaOff val="0"/>
-                <a:shade val="90000"/>
-                <a:lumMod val="84000"/>
+                <a:shade val="88000"/>
+                <a:lumMod val="94000"/>
               </a:schemeClr>
             </a:gs>
           </a:gsLst>
-          <a:lin ang="5400000" scaled="0"/>
+          <a:path path="circle">
+            <a:fillToRect l="50000" t="100000" r="100000" b="50000"/>
+          </a:path>
         </a:gradFill>
         <a:ln>
           <a:noFill/>
         </a:ln>
         <a:effectLst>
-          <a:outerShdw blurRad="38100" dist="25400" dir="5400000" rotWithShape="0">
-            <a:srgbClr val="000000">
-              <a:alpha val="45000"/>
-            </a:srgbClr>
-          </a:outerShdw>
+          <a:reflection blurRad="12700" stA="26000" endPos="32000" dist="12700" dir="5400000" sy="-100000" rotWithShape="0"/>
         </a:effectLst>
         <a:scene3d>
           <a:camera prst="orthographicFront"/>
@@ -3664,11 +3630,7 @@
           <a:noFill/>
         </a:ln>
         <a:effectLst>
-          <a:outerShdw blurRad="38100" dist="25400" dir="5400000" rotWithShape="0">
-            <a:srgbClr val="000000">
-              <a:alpha val="45000"/>
-            </a:srgbClr>
-          </a:outerShdw>
+          <a:reflection blurRad="12700" stA="26000" endPos="32000" dist="12700" dir="5400000" sy="-100000" rotWithShape="0"/>
         </a:effectLst>
         <a:scene3d>
           <a:camera prst="orthographicFront"/>
@@ -3745,8 +3707,8 @@
                 <a:satOff val="0"/>
                 <a:lumOff val="0"/>
                 <a:alphaOff val="0"/>
-                <a:tint val="98000"/>
-                <a:lumMod val="114000"/>
+                <a:tint val="96000"/>
+                <a:lumMod val="102000"/>
               </a:schemeClr>
             </a:gs>
             <a:gs pos="100000">
@@ -3755,22 +3717,20 @@
                 <a:satOff val="0"/>
                 <a:lumOff val="0"/>
                 <a:alphaOff val="0"/>
-                <a:shade val="90000"/>
-                <a:lumMod val="84000"/>
+                <a:shade val="88000"/>
+                <a:lumMod val="94000"/>
               </a:schemeClr>
             </a:gs>
           </a:gsLst>
-          <a:lin ang="5400000" scaled="0"/>
+          <a:path path="circle">
+            <a:fillToRect l="50000" t="100000" r="100000" b="50000"/>
+          </a:path>
         </a:gradFill>
         <a:ln>
           <a:noFill/>
         </a:ln>
         <a:effectLst>
-          <a:outerShdw blurRad="38100" dist="25400" dir="5400000" rotWithShape="0">
-            <a:srgbClr val="000000">
-              <a:alpha val="45000"/>
-            </a:srgbClr>
-          </a:outerShdw>
+          <a:reflection blurRad="12700" stA="26000" endPos="32000" dist="12700" dir="5400000" sy="-100000" rotWithShape="0"/>
         </a:effectLst>
         <a:scene3d>
           <a:camera prst="orthographicFront"/>
@@ -3850,11 +3810,7 @@
           <a:noFill/>
         </a:ln>
         <a:effectLst>
-          <a:outerShdw blurRad="38100" dist="25400" dir="5400000" rotWithShape="0">
-            <a:srgbClr val="000000">
-              <a:alpha val="45000"/>
-            </a:srgbClr>
-          </a:outerShdw>
+          <a:reflection blurRad="12700" stA="26000" endPos="32000" dist="12700" dir="5400000" sy="-100000" rotWithShape="0"/>
         </a:effectLst>
         <a:scene3d>
           <a:camera prst="orthographicFront"/>
@@ -3931,8 +3887,8 @@
                 <a:satOff val="0"/>
                 <a:lumOff val="0"/>
                 <a:alphaOff val="0"/>
-                <a:tint val="98000"/>
-                <a:lumMod val="114000"/>
+                <a:tint val="96000"/>
+                <a:lumMod val="102000"/>
               </a:schemeClr>
             </a:gs>
             <a:gs pos="100000">
@@ -3941,22 +3897,20 @@
                 <a:satOff val="0"/>
                 <a:lumOff val="0"/>
                 <a:alphaOff val="0"/>
-                <a:shade val="90000"/>
-                <a:lumMod val="84000"/>
+                <a:shade val="88000"/>
+                <a:lumMod val="94000"/>
               </a:schemeClr>
             </a:gs>
           </a:gsLst>
-          <a:lin ang="5400000" scaled="0"/>
+          <a:path path="circle">
+            <a:fillToRect l="50000" t="100000" r="100000" b="50000"/>
+          </a:path>
         </a:gradFill>
         <a:ln>
           <a:noFill/>
         </a:ln>
         <a:effectLst>
-          <a:outerShdw blurRad="38100" dist="25400" dir="5400000" rotWithShape="0">
-            <a:srgbClr val="000000">
-              <a:alpha val="45000"/>
-            </a:srgbClr>
-          </a:outerShdw>
+          <a:reflection blurRad="12700" stA="26000" endPos="32000" dist="12700" dir="5400000" sy="-100000" rotWithShape="0"/>
         </a:effectLst>
         <a:scene3d>
           <a:camera prst="orthographicFront"/>
@@ -4039,11 +3993,7 @@
           <a:noFill/>
         </a:ln>
         <a:effectLst>
-          <a:outerShdw blurRad="38100" dist="25400" dir="5400000" rotWithShape="0">
-            <a:srgbClr val="000000">
-              <a:alpha val="45000"/>
-            </a:srgbClr>
-          </a:outerShdw>
+          <a:reflection blurRad="12700" stA="26000" endPos="32000" dist="12700" dir="5400000" sy="-100000" rotWithShape="0"/>
         </a:effectLst>
         <a:scene3d>
           <a:camera prst="orthographicFront"/>
@@ -4120,8 +4070,8 @@
                 <a:satOff val="0"/>
                 <a:lumOff val="0"/>
                 <a:alphaOff val="0"/>
-                <a:tint val="98000"/>
-                <a:lumMod val="114000"/>
+                <a:tint val="96000"/>
+                <a:lumMod val="102000"/>
               </a:schemeClr>
             </a:gs>
             <a:gs pos="100000">
@@ -4130,22 +4080,20 @@
                 <a:satOff val="0"/>
                 <a:lumOff val="0"/>
                 <a:alphaOff val="0"/>
-                <a:shade val="90000"/>
-                <a:lumMod val="84000"/>
+                <a:shade val="88000"/>
+                <a:lumMod val="94000"/>
               </a:schemeClr>
             </a:gs>
           </a:gsLst>
-          <a:lin ang="5400000" scaled="0"/>
+          <a:path path="circle">
+            <a:fillToRect l="50000" t="100000" r="100000" b="50000"/>
+          </a:path>
         </a:gradFill>
         <a:ln>
           <a:noFill/>
         </a:ln>
         <a:effectLst>
-          <a:outerShdw blurRad="38100" dist="25400" dir="5400000" rotWithShape="0">
-            <a:srgbClr val="000000">
-              <a:alpha val="45000"/>
-            </a:srgbClr>
-          </a:outerShdw>
+          <a:reflection blurRad="12700" stA="26000" endPos="32000" dist="12700" dir="5400000" sy="-100000" rotWithShape="0"/>
         </a:effectLst>
         <a:scene3d>
           <a:camera prst="orthographicFront"/>
@@ -7078,7 +7026,7 @@
 </file>
 
 <file path=ppt/slideLayouts/slideLayout1.xml><?xml version="1.0" encoding="utf-8"?>
-<p:sldLayout xmlns:a="http://schemas.openxmlformats.org/drawingml/2006/main" xmlns:r="http://schemas.openxmlformats.org/officeDocument/2006/relationships" xmlns:p="http://schemas.openxmlformats.org/presentationml/2006/main" type="title" preserve="1">
+<p:sldLayout xmlns:a="http://schemas.openxmlformats.org/drawingml/2006/main" xmlns:r="http://schemas.openxmlformats.org/officeDocument/2006/relationships" xmlns:p="http://schemas.openxmlformats.org/presentationml/2006/main" showMasterSp="0" type="title" preserve="1">
   <p:cSld name="Title Slide">
     <p:spTree>
       <p:nvGrpSpPr>
@@ -7094,6 +7042,319 @@
           <a:chExt cx="0" cy="0"/>
         </a:xfrm>
       </p:grpSpPr>
+      <p:grpSp>
+        <p:nvGrpSpPr>
+          <p:cNvPr id="19" name="Group 18"/>
+          <p:cNvGrpSpPr/>
+          <p:nvPr/>
+        </p:nvGrpSpPr>
+        <p:grpSpPr>
+          <a:xfrm>
+            <a:off x="546100" y="-4763"/>
+            <a:ext cx="5014912" cy="6862763"/>
+            <a:chOff x="2928938" y="-4763"/>
+            <a:chExt cx="5014912" cy="6862763"/>
+          </a:xfrm>
+        </p:grpSpPr>
+        <p:sp>
+          <p:nvSpPr>
+            <p:cNvPr id="22" name="Freeform 6"/>
+            <p:cNvSpPr/>
+            <p:nvPr/>
+          </p:nvSpPr>
+          <p:spPr bwMode="auto">
+            <a:xfrm>
+              <a:off x="3367088" y="-4763"/>
+              <a:ext cx="1063625" cy="2782888"/>
+            </a:xfrm>
+            <a:custGeom>
+              <a:avLst/>
+              <a:gdLst/>
+              <a:ahLst/>
+              <a:cxnLst/>
+              <a:rect l="0" t="0" r="r" b="b"/>
+              <a:pathLst>
+                <a:path w="670" h="1753">
+                  <a:moveTo>
+                    <a:pt x="0" y="1696"/>
+                  </a:moveTo>
+                  <a:lnTo>
+                    <a:pt x="225" y="1753"/>
+                  </a:lnTo>
+                  <a:lnTo>
+                    <a:pt x="670" y="0"/>
+                  </a:lnTo>
+                  <a:lnTo>
+                    <a:pt x="430" y="0"/>
+                  </a:lnTo>
+                  <a:lnTo>
+                    <a:pt x="0" y="1696"/>
+                  </a:lnTo>
+                  <a:close/>
+                </a:path>
+              </a:pathLst>
+            </a:custGeom>
+            <a:solidFill>
+              <a:schemeClr val="accent1"/>
+            </a:solidFill>
+            <a:ln>
+              <a:noFill/>
+            </a:ln>
+          </p:spPr>
+        </p:sp>
+        <p:sp>
+          <p:nvSpPr>
+            <p:cNvPr id="23" name="Freeform 7"/>
+            <p:cNvSpPr/>
+            <p:nvPr/>
+          </p:nvSpPr>
+          <p:spPr bwMode="auto">
+            <a:xfrm>
+              <a:off x="2928938" y="-4763"/>
+              <a:ext cx="1035050" cy="2673350"/>
+            </a:xfrm>
+            <a:custGeom>
+              <a:avLst/>
+              <a:gdLst/>
+              <a:ahLst/>
+              <a:cxnLst/>
+              <a:rect l="0" t="0" r="r" b="b"/>
+              <a:pathLst>
+                <a:path w="652" h="1684">
+                  <a:moveTo>
+                    <a:pt x="225" y="1684"/>
+                  </a:moveTo>
+                  <a:lnTo>
+                    <a:pt x="652" y="0"/>
+                  </a:lnTo>
+                  <a:lnTo>
+                    <a:pt x="411" y="0"/>
+                  </a:lnTo>
+                  <a:lnTo>
+                    <a:pt x="0" y="1627"/>
+                  </a:lnTo>
+                  <a:lnTo>
+                    <a:pt x="219" y="1681"/>
+                  </a:lnTo>
+                  <a:lnTo>
+                    <a:pt x="225" y="1684"/>
+                  </a:lnTo>
+                  <a:close/>
+                </a:path>
+              </a:pathLst>
+            </a:custGeom>
+            <a:solidFill>
+              <a:schemeClr val="tx1">
+                <a:lumMod val="65000"/>
+                <a:lumOff val="35000"/>
+              </a:schemeClr>
+            </a:solidFill>
+            <a:ln>
+              <a:noFill/>
+            </a:ln>
+          </p:spPr>
+        </p:sp>
+        <p:sp>
+          <p:nvSpPr>
+            <p:cNvPr id="24" name="Freeform 9"/>
+            <p:cNvSpPr/>
+            <p:nvPr/>
+          </p:nvSpPr>
+          <p:spPr bwMode="auto">
+            <a:xfrm>
+              <a:off x="2928938" y="2582862"/>
+              <a:ext cx="2693987" cy="4275138"/>
+            </a:xfrm>
+            <a:custGeom>
+              <a:avLst/>
+              <a:gdLst/>
+              <a:ahLst/>
+              <a:cxnLst/>
+              <a:rect l="0" t="0" r="r" b="b"/>
+              <a:pathLst>
+                <a:path w="1697" h="2693">
+                  <a:moveTo>
+                    <a:pt x="0" y="0"/>
+                  </a:moveTo>
+                  <a:lnTo>
+                    <a:pt x="1622" y="2693"/>
+                  </a:lnTo>
+                  <a:lnTo>
+                    <a:pt x="1697" y="2693"/>
+                  </a:lnTo>
+                  <a:lnTo>
+                    <a:pt x="0" y="0"/>
+                  </a:lnTo>
+                  <a:close/>
+                </a:path>
+              </a:pathLst>
+            </a:custGeom>
+            <a:solidFill>
+              <a:schemeClr val="tx1">
+                <a:lumMod val="85000"/>
+                <a:lumOff val="15000"/>
+              </a:schemeClr>
+            </a:solidFill>
+            <a:ln>
+              <a:noFill/>
+            </a:ln>
+          </p:spPr>
+        </p:sp>
+        <p:sp>
+          <p:nvSpPr>
+            <p:cNvPr id="25" name="Freeform 10"/>
+            <p:cNvSpPr/>
+            <p:nvPr/>
+          </p:nvSpPr>
+          <p:spPr bwMode="auto">
+            <a:xfrm>
+              <a:off x="3371850" y="2692400"/>
+              <a:ext cx="3332162" cy="4165600"/>
+            </a:xfrm>
+            <a:custGeom>
+              <a:avLst/>
+              <a:gdLst/>
+              <a:ahLst/>
+              <a:cxnLst/>
+              <a:rect l="0" t="0" r="r" b="b"/>
+              <a:pathLst>
+                <a:path w="2099" h="2624">
+                  <a:moveTo>
+                    <a:pt x="2099" y="2624"/>
+                  </a:moveTo>
+                  <a:lnTo>
+                    <a:pt x="0" y="0"/>
+                  </a:lnTo>
+                  <a:lnTo>
+                    <a:pt x="2021" y="2624"/>
+                  </a:lnTo>
+                  <a:lnTo>
+                    <a:pt x="2099" y="2624"/>
+                  </a:lnTo>
+                  <a:close/>
+                </a:path>
+              </a:pathLst>
+            </a:custGeom>
+            <a:solidFill>
+              <a:schemeClr val="accent1">
+                <a:lumMod val="50000"/>
+              </a:schemeClr>
+            </a:solidFill>
+            <a:ln>
+              <a:noFill/>
+            </a:ln>
+          </p:spPr>
+        </p:sp>
+        <p:sp>
+          <p:nvSpPr>
+            <p:cNvPr id="26" name="Freeform 11"/>
+            <p:cNvSpPr/>
+            <p:nvPr/>
+          </p:nvSpPr>
+          <p:spPr bwMode="auto">
+            <a:xfrm>
+              <a:off x="3367088" y="2687637"/>
+              <a:ext cx="4576762" cy="4170363"/>
+            </a:xfrm>
+            <a:custGeom>
+              <a:avLst/>
+              <a:gdLst/>
+              <a:ahLst/>
+              <a:cxnLst/>
+              <a:rect l="0" t="0" r="r" b="b"/>
+              <a:pathLst>
+                <a:path w="2883" h="2627">
+                  <a:moveTo>
+                    <a:pt x="0" y="0"/>
+                  </a:moveTo>
+                  <a:lnTo>
+                    <a:pt x="3" y="3"/>
+                  </a:lnTo>
+                  <a:lnTo>
+                    <a:pt x="2102" y="2627"/>
+                  </a:lnTo>
+                  <a:lnTo>
+                    <a:pt x="2883" y="2627"/>
+                  </a:lnTo>
+                  <a:lnTo>
+                    <a:pt x="225" y="57"/>
+                  </a:lnTo>
+                  <a:lnTo>
+                    <a:pt x="0" y="0"/>
+                  </a:lnTo>
+                  <a:close/>
+                </a:path>
+              </a:pathLst>
+            </a:custGeom>
+            <a:solidFill>
+              <a:schemeClr val="accent1">
+                <a:lumMod val="75000"/>
+              </a:schemeClr>
+            </a:solidFill>
+            <a:ln>
+              <a:noFill/>
+            </a:ln>
+          </p:spPr>
+        </p:sp>
+        <p:sp>
+          <p:nvSpPr>
+            <p:cNvPr id="27" name="Freeform 12"/>
+            <p:cNvSpPr/>
+            <p:nvPr/>
+          </p:nvSpPr>
+          <p:spPr bwMode="auto">
+            <a:xfrm>
+              <a:off x="2928938" y="2578100"/>
+              <a:ext cx="3584575" cy="4279900"/>
+            </a:xfrm>
+            <a:custGeom>
+              <a:avLst/>
+              <a:gdLst/>
+              <a:ahLst/>
+              <a:cxnLst/>
+              <a:rect l="0" t="0" r="r" b="b"/>
+              <a:pathLst>
+                <a:path w="2258" h="2696">
+                  <a:moveTo>
+                    <a:pt x="2258" y="2696"/>
+                  </a:moveTo>
+                  <a:lnTo>
+                    <a:pt x="264" y="111"/>
+                  </a:lnTo>
+                  <a:lnTo>
+                    <a:pt x="228" y="60"/>
+                  </a:lnTo>
+                  <a:lnTo>
+                    <a:pt x="225" y="57"/>
+                  </a:lnTo>
+                  <a:lnTo>
+                    <a:pt x="0" y="0"/>
+                  </a:lnTo>
+                  <a:lnTo>
+                    <a:pt x="0" y="3"/>
+                  </a:lnTo>
+                  <a:lnTo>
+                    <a:pt x="1697" y="2696"/>
+                  </a:lnTo>
+                  <a:lnTo>
+                    <a:pt x="2258" y="2696"/>
+                  </a:lnTo>
+                  <a:close/>
+                </a:path>
+              </a:pathLst>
+            </a:custGeom>
+            <a:solidFill>
+              <a:schemeClr val="tx1">
+                <a:lumMod val="75000"/>
+                <a:lumOff val="25000"/>
+              </a:schemeClr>
+            </a:solidFill>
+            <a:ln>
+              <a:noFill/>
+            </a:ln>
+          </p:spPr>
+        </p:sp>
+      </p:grpSp>
       <p:sp>
         <p:nvSpPr>
           <p:cNvPr id="2" name="Title 1"/>
@@ -7106,15 +7367,19 @@
         </p:nvSpPr>
         <p:spPr>
           <a:xfrm>
-            <a:off x="1154955" y="1447800"/>
-            <a:ext cx="8825658" cy="3329581"/>
+            <a:off x="2928401" y="1380068"/>
+            <a:ext cx="8574622" cy="2616199"/>
           </a:xfrm>
         </p:spPr>
         <p:txBody>
-          <a:bodyPr anchor="b"/>
+          <a:bodyPr anchor="b">
+            <a:normAutofit/>
+          </a:bodyPr>
           <a:lstStyle>
-            <a:lvl1pPr>
-              <a:defRPr sz="7200"/>
+            <a:lvl1pPr algn="r">
+              <a:defRPr sz="6000">
+                <a:effectLst/>
+              </a:defRPr>
             </a:lvl1pPr>
           </a:lstStyle>
           <a:p>
@@ -7138,21 +7403,20 @@
         </p:nvSpPr>
         <p:spPr>
           <a:xfrm>
-            <a:off x="1154955" y="4777380"/>
-            <a:ext cx="8825658" cy="861420"/>
+            <a:off x="4515377" y="3996267"/>
+            <a:ext cx="6987645" cy="1388534"/>
           </a:xfrm>
         </p:spPr>
         <p:txBody>
-          <a:bodyPr anchor="t"/>
+          <a:bodyPr anchor="t">
+            <a:normAutofit/>
+          </a:bodyPr>
           <a:lstStyle>
-            <a:lvl1pPr marL="0" indent="0" algn="l">
+            <a:lvl1pPr marL="0" indent="0" algn="r">
               <a:buNone/>
-              <a:defRPr cap="all">
+              <a:defRPr sz="2100">
                 <a:solidFill>
-                  <a:schemeClr val="bg2">
-                    <a:lumMod val="40000"/>
-                    <a:lumOff val="60000"/>
-                  </a:schemeClr>
+                  <a:schemeClr val="tx1"/>
                 </a:solidFill>
               </a:defRPr>
             </a:lvl1pPr>
@@ -7279,7 +7543,12 @@
             <p:ph type="ftr" sz="quarter" idx="11"/>
           </p:nvPr>
         </p:nvSpPr>
-        <p:spPr/>
+        <p:spPr>
+          <a:xfrm>
+            <a:off x="5332412" y="5883275"/>
+            <a:ext cx="4324044" cy="365125"/>
+          </a:xfrm>
+        </p:spPr>
         <p:txBody>
           <a:bodyPr/>
           <a:lstStyle/>
@@ -7314,7 +7583,7 @@
     </p:spTree>
     <p:extLst>
       <p:ext uri="{BB962C8B-B14F-4D97-AF65-F5344CB8AC3E}">
-        <p14:creationId xmlns:p14="http://schemas.microsoft.com/office/powerpoint/2010/main" val="3442184627"/>
+        <p14:creationId xmlns:p14="http://schemas.microsoft.com/office/powerpoint/2010/main" val="352102116"/>
       </p:ext>
     </p:extLst>
   </p:cSld>
@@ -7353,8 +7622,8 @@
         </p:nvSpPr>
         <p:spPr>
           <a:xfrm>
-            <a:off x="1154956" y="4800587"/>
-            <a:ext cx="8825657" cy="566738"/>
+            <a:off x="1484311" y="4732865"/>
+            <a:ext cx="10018711" cy="566738"/>
           </a:xfrm>
         </p:spPr>
         <p:txBody>
@@ -7362,7 +7631,7 @@
             <a:normAutofit/>
           </a:bodyPr>
           <a:lstStyle>
-            <a:lvl1pPr algn="l">
+            <a:lvl1pPr algn="ctr">
               <a:defRPr sz="2400" b="0"/>
             </a:lvl1pPr>
           </a:lstStyle>
@@ -7387,20 +7656,36 @@
         </p:nvSpPr>
         <p:spPr>
           <a:xfrm>
-            <a:off x="1154955" y="685800"/>
-            <a:ext cx="8825658" cy="3640666"/>
+            <a:off x="2386012" y="932112"/>
+            <a:ext cx="8225944" cy="3164976"/>
           </a:xfrm>
           <a:prstGeom prst="roundRect">
             <a:avLst>
-              <a:gd name="adj" fmla="val 1858"/>
+              <a:gd name="adj" fmla="val 4380"/>
             </a:avLst>
           </a:prstGeom>
+          <a:ln w="38100">
+            <a:gradFill flip="none" rotWithShape="1">
+              <a:gsLst>
+                <a:gs pos="0">
+                  <a:schemeClr val="bg2"/>
+                </a:gs>
+                <a:gs pos="100000">
+                  <a:schemeClr val="bg2">
+                    <a:lumMod val="75000"/>
+                  </a:schemeClr>
+                </a:gs>
+              </a:gsLst>
+              <a:lin ang="5400000" scaled="0"/>
+              <a:tileRect/>
+            </a:gradFill>
+          </a:ln>
           <a:effectLst>
-            <a:outerShdw blurRad="50800" dist="50800" dir="5400000" algn="tl" rotWithShape="0">
+            <a:innerShdw blurRad="57150" dist="38100" dir="14460000">
               <a:srgbClr val="000000">
-                <a:alpha val="43000"/>
+                <a:alpha val="70000"/>
               </a:srgbClr>
-            </a:outerShdw>
+            </a:innerShdw>
           </a:effectLst>
         </p:spPr>
         <p:txBody>
@@ -7466,8 +7751,8 @@
         </p:nvSpPr>
         <p:spPr>
           <a:xfrm>
-            <a:off x="1154956" y="5367325"/>
-            <a:ext cx="8825656" cy="493712"/>
+            <a:off x="1484311" y="5299603"/>
+            <a:ext cx="10018711" cy="493712"/>
           </a:xfrm>
         </p:spPr>
         <p:txBody>
@@ -7475,9 +7760,9 @@
             <a:normAutofit/>
           </a:bodyPr>
           <a:lstStyle>
-            <a:lvl1pPr marL="0" indent="0">
+            <a:lvl1pPr marL="0" indent="0" algn="ctr">
               <a:buNone/>
-              <a:defRPr sz="1200"/>
+              <a:defRPr sz="1400"/>
             </a:lvl1pPr>
             <a:lvl2pPr marL="457200" indent="0">
               <a:buNone/>
@@ -7589,7 +7874,7 @@
     </p:spTree>
     <p:extLst>
       <p:ext uri="{BB962C8B-B14F-4D97-AF65-F5344CB8AC3E}">
-        <p14:creationId xmlns:p14="http://schemas.microsoft.com/office/powerpoint/2010/main" val="4198013064"/>
+        <p14:creationId xmlns:p14="http://schemas.microsoft.com/office/powerpoint/2010/main" val="899564234"/>
       </p:ext>
     </p:extLst>
   </p:cSld>
@@ -7628,40 +7913,8 @@
         </p:nvSpPr>
         <p:spPr>
           <a:xfrm>
-            <a:off x="1154954" y="1447800"/>
-            <a:ext cx="8825659" cy="1981200"/>
-          </a:xfrm>
-        </p:spPr>
-        <p:txBody>
-          <a:bodyPr/>
-          <a:lstStyle>
-            <a:lvl1pPr>
-              <a:defRPr sz="4800"/>
-            </a:lvl1pPr>
-          </a:lstStyle>
-          <a:p>
-            <a:r>
-              <a:rPr lang="en-US" smtClean="0"/>
-              <a:t>Click to edit Master title style</a:t>
-            </a:r>
-            <a:endParaRPr lang="en-US" dirty="0"/>
-          </a:p>
-        </p:txBody>
-      </p:sp>
-      <p:sp>
-        <p:nvSpPr>
-          <p:cNvPr id="8" name="Text Placeholder 3"/>
-          <p:cNvSpPr>
-            <a:spLocks noGrp="1"/>
-          </p:cNvSpPr>
-          <p:nvPr>
-            <p:ph type="body" sz="half" idx="2"/>
-          </p:nvPr>
-        </p:nvSpPr>
-        <p:spPr>
-          <a:xfrm>
-            <a:off x="1154954" y="3657600"/>
-            <a:ext cx="8825659" cy="2362200"/>
+            <a:off x="1484312" y="685800"/>
+            <a:ext cx="10018711" cy="3048000"/>
           </a:xfrm>
         </p:spPr>
         <p:txBody>
@@ -7669,535 +7922,8 @@
             <a:normAutofit/>
           </a:bodyPr>
           <a:lstStyle>
-            <a:lvl1pPr marL="0" indent="0">
-              <a:buNone/>
-              <a:defRPr sz="1800"/>
-            </a:lvl1pPr>
-            <a:lvl2pPr marL="457200" indent="0">
-              <a:buNone/>
-              <a:defRPr sz="1200"/>
-            </a:lvl2pPr>
-            <a:lvl3pPr marL="914400" indent="0">
-              <a:buNone/>
-              <a:defRPr sz="1000"/>
-            </a:lvl3pPr>
-            <a:lvl4pPr marL="1371600" indent="0">
-              <a:buNone/>
-              <a:defRPr sz="900"/>
-            </a:lvl4pPr>
-            <a:lvl5pPr marL="1828800" indent="0">
-              <a:buNone/>
-              <a:defRPr sz="900"/>
-            </a:lvl5pPr>
-            <a:lvl6pPr marL="2286000" indent="0">
-              <a:buNone/>
-              <a:defRPr sz="900"/>
-            </a:lvl6pPr>
-            <a:lvl7pPr marL="2743200" indent="0">
-              <a:buNone/>
-              <a:defRPr sz="900"/>
-            </a:lvl7pPr>
-            <a:lvl8pPr marL="3200400" indent="0">
-              <a:buNone/>
-              <a:defRPr sz="900"/>
-            </a:lvl8pPr>
-            <a:lvl9pPr marL="3657600" indent="0">
-              <a:buNone/>
-              <a:defRPr sz="900"/>
-            </a:lvl9pPr>
-          </a:lstStyle>
-          <a:p>
-            <a:pPr lvl="0"/>
-            <a:r>
-              <a:rPr lang="en-US" smtClean="0"/>
-              <a:t>Edit Master text styles</a:t>
-            </a:r>
-          </a:p>
-        </p:txBody>
-      </p:sp>
-      <p:sp>
-        <p:nvSpPr>
-          <p:cNvPr id="4" name="Date Placeholder 3"/>
-          <p:cNvSpPr>
-            <a:spLocks noGrp="1"/>
-          </p:cNvSpPr>
-          <p:nvPr>
-            <p:ph type="dt" sz="half" idx="10"/>
-          </p:nvPr>
-        </p:nvSpPr>
-        <p:spPr/>
-        <p:txBody>
-          <a:bodyPr/>
-          <a:lstStyle/>
-          <a:p>
-            <a:fld id="{F1E0E487-B63A-4AEA-92B6-7087F2C7175D}" type="datetimeFigureOut">
-              <a:rPr lang="en-IN" smtClean="0"/>
-              <a:t>04-11-2018</a:t>
-            </a:fld>
-            <a:endParaRPr lang="en-IN"/>
-          </a:p>
-        </p:txBody>
-      </p:sp>
-      <p:sp>
-        <p:nvSpPr>
-          <p:cNvPr id="5" name="Footer Placeholder 4"/>
-          <p:cNvSpPr>
-            <a:spLocks noGrp="1"/>
-          </p:cNvSpPr>
-          <p:nvPr>
-            <p:ph type="ftr" sz="quarter" idx="11"/>
-          </p:nvPr>
-        </p:nvSpPr>
-        <p:spPr/>
-        <p:txBody>
-          <a:bodyPr/>
-          <a:lstStyle/>
-          <a:p>
-            <a:endParaRPr lang="en-IN"/>
-          </a:p>
-        </p:txBody>
-      </p:sp>
-      <p:sp>
-        <p:nvSpPr>
-          <p:cNvPr id="6" name="Slide Number Placeholder 5"/>
-          <p:cNvSpPr>
-            <a:spLocks noGrp="1"/>
-          </p:cNvSpPr>
-          <p:nvPr>
-            <p:ph type="sldNum" sz="quarter" idx="12"/>
-          </p:nvPr>
-        </p:nvSpPr>
-        <p:spPr/>
-        <p:txBody>
-          <a:bodyPr/>
-          <a:lstStyle/>
-          <a:p>
-            <a:fld id="{8F2E2E9F-A203-4C72-94A4-F4CDA3C755F8}" type="slidenum">
-              <a:rPr lang="en-IN" smtClean="0"/>
-              <a:t>‹#›</a:t>
-            </a:fld>
-            <a:endParaRPr lang="en-IN"/>
-          </a:p>
-        </p:txBody>
-      </p:sp>
-    </p:spTree>
-    <p:extLst>
-      <p:ext uri="{BB962C8B-B14F-4D97-AF65-F5344CB8AC3E}">
-        <p14:creationId xmlns:p14="http://schemas.microsoft.com/office/powerpoint/2010/main" val="1852796915"/>
-      </p:ext>
-    </p:extLst>
-  </p:cSld>
-  <p:clrMapOvr>
-    <a:masterClrMapping/>
-  </p:clrMapOvr>
-</p:sldLayout>
-</file>
-
-<file path=ppt/slideLayouts/slideLayout12.xml><?xml version="1.0" encoding="utf-8"?>
-<p:sldLayout xmlns:a="http://schemas.openxmlformats.org/drawingml/2006/main" xmlns:r="http://schemas.openxmlformats.org/officeDocument/2006/relationships" xmlns:p="http://schemas.openxmlformats.org/presentationml/2006/main" preserve="1">
-  <p:cSld name="Quote with Caption">
-    <p:spTree>
-      <p:nvGrpSpPr>
-        <p:cNvPr id="1" name=""/>
-        <p:cNvGrpSpPr/>
-        <p:nvPr/>
-      </p:nvGrpSpPr>
-      <p:grpSpPr>
-        <a:xfrm>
-          <a:off x="0" y="0"/>
-          <a:ext cx="0" cy="0"/>
-          <a:chOff x="0" y="0"/>
-          <a:chExt cx="0" cy="0"/>
-        </a:xfrm>
-      </p:grpSpPr>
-      <p:sp>
-        <p:nvSpPr>
-          <p:cNvPr id="2" name="Title 1"/>
-          <p:cNvSpPr>
-            <a:spLocks noGrp="1"/>
-          </p:cNvSpPr>
-          <p:nvPr>
-            <p:ph type="title"/>
-          </p:nvPr>
-        </p:nvSpPr>
-        <p:spPr>
-          <a:xfrm>
-            <a:off x="1574801" y="1447800"/>
-            <a:ext cx="7999315" cy="2323374"/>
-          </a:xfrm>
-        </p:spPr>
-        <p:txBody>
-          <a:bodyPr/>
-          <a:lstStyle>
-            <a:lvl1pPr>
-              <a:defRPr sz="4800"/>
-            </a:lvl1pPr>
-          </a:lstStyle>
-          <a:p>
-            <a:r>
-              <a:rPr lang="en-US" smtClean="0"/>
-              <a:t>Click to edit Master title style</a:t>
-            </a:r>
-            <a:endParaRPr lang="en-US" dirty="0"/>
-          </a:p>
-        </p:txBody>
-      </p:sp>
-      <p:sp>
-        <p:nvSpPr>
-          <p:cNvPr id="11" name="Text Placeholder 3"/>
-          <p:cNvSpPr>
-            <a:spLocks noGrp="1"/>
-          </p:cNvSpPr>
-          <p:nvPr>
-            <p:ph type="body" sz="half" idx="14"/>
-          </p:nvPr>
-        </p:nvSpPr>
-        <p:spPr>
-          <a:xfrm>
-            <a:off x="1930400" y="3771174"/>
-            <a:ext cx="7279649" cy="342174"/>
-          </a:xfrm>
-        </p:spPr>
-        <p:txBody>
-          <a:bodyPr vert="horz" lIns="91440" tIns="45720" rIns="91440" bIns="45720" rtlCol="0" anchor="t">
-            <a:normAutofit/>
-          </a:bodyPr>
-          <a:lstStyle>
-            <a:lvl1pPr marL="0" indent="0">
-              <a:buNone/>
-              <a:defRPr lang="en-US" sz="1400" b="0" i="0" kern="1200" cap="small" dirty="0">
-                <a:solidFill>
-                  <a:schemeClr val="bg2">
-                    <a:lumMod val="40000"/>
-                    <a:lumOff val="60000"/>
-                  </a:schemeClr>
-                </a:solidFill>
-                <a:latin typeface="+mj-lt"/>
-                <a:ea typeface="+mj-ea"/>
-                <a:cs typeface="+mj-cs"/>
-              </a:defRPr>
-            </a:lvl1pPr>
-            <a:lvl2pPr marL="457200" indent="0">
-              <a:buNone/>
-              <a:defRPr sz="1200"/>
-            </a:lvl2pPr>
-            <a:lvl3pPr marL="914400" indent="0">
-              <a:buNone/>
-              <a:defRPr sz="1000"/>
-            </a:lvl3pPr>
-            <a:lvl4pPr marL="1371600" indent="0">
-              <a:buNone/>
-              <a:defRPr sz="900"/>
-            </a:lvl4pPr>
-            <a:lvl5pPr marL="1828800" indent="0">
-              <a:buNone/>
-              <a:defRPr sz="900"/>
-            </a:lvl5pPr>
-            <a:lvl6pPr marL="2286000" indent="0">
-              <a:buNone/>
-              <a:defRPr sz="900"/>
-            </a:lvl6pPr>
-            <a:lvl7pPr marL="2743200" indent="0">
-              <a:buNone/>
-              <a:defRPr sz="900"/>
-            </a:lvl7pPr>
-            <a:lvl8pPr marL="3200400" indent="0">
-              <a:buNone/>
-              <a:defRPr sz="900"/>
-            </a:lvl8pPr>
-            <a:lvl9pPr marL="3657600" indent="0">
-              <a:buNone/>
-              <a:defRPr sz="900"/>
-            </a:lvl9pPr>
-          </a:lstStyle>
-          <a:p>
-            <a:pPr marL="0" lvl="0" indent="0">
-              <a:buNone/>
-            </a:pPr>
-            <a:r>
-              <a:rPr lang="en-US" smtClean="0"/>
-              <a:t>Edit Master text styles</a:t>
-            </a:r>
-          </a:p>
-        </p:txBody>
-      </p:sp>
-      <p:sp>
-        <p:nvSpPr>
-          <p:cNvPr id="10" name="Text Placeholder 3"/>
-          <p:cNvSpPr>
-            <a:spLocks noGrp="1"/>
-          </p:cNvSpPr>
-          <p:nvPr>
-            <p:ph type="body" sz="half" idx="2"/>
-          </p:nvPr>
-        </p:nvSpPr>
-        <p:spPr>
-          <a:xfrm>
-            <a:off x="1154954" y="4350657"/>
-            <a:ext cx="8825659" cy="1676400"/>
-          </a:xfrm>
-        </p:spPr>
-        <p:txBody>
-          <a:bodyPr anchor="ctr">
-            <a:normAutofit/>
-          </a:bodyPr>
-          <a:lstStyle>
-            <a:lvl1pPr marL="0" indent="0">
-              <a:buNone/>
-              <a:defRPr sz="1800"/>
-            </a:lvl1pPr>
-            <a:lvl2pPr marL="457200" indent="0">
-              <a:buNone/>
-              <a:defRPr sz="1200"/>
-            </a:lvl2pPr>
-            <a:lvl3pPr marL="914400" indent="0">
-              <a:buNone/>
-              <a:defRPr sz="1000"/>
-            </a:lvl3pPr>
-            <a:lvl4pPr marL="1371600" indent="0">
-              <a:buNone/>
-              <a:defRPr sz="900"/>
-            </a:lvl4pPr>
-            <a:lvl5pPr marL="1828800" indent="0">
-              <a:buNone/>
-              <a:defRPr sz="900"/>
-            </a:lvl5pPr>
-            <a:lvl6pPr marL="2286000" indent="0">
-              <a:buNone/>
-              <a:defRPr sz="900"/>
-            </a:lvl6pPr>
-            <a:lvl7pPr marL="2743200" indent="0">
-              <a:buNone/>
-              <a:defRPr sz="900"/>
-            </a:lvl7pPr>
-            <a:lvl8pPr marL="3200400" indent="0">
-              <a:buNone/>
-              <a:defRPr sz="900"/>
-            </a:lvl8pPr>
-            <a:lvl9pPr marL="3657600" indent="0">
-              <a:buNone/>
-              <a:defRPr sz="900"/>
-            </a:lvl9pPr>
-          </a:lstStyle>
-          <a:p>
-            <a:pPr lvl="0"/>
-            <a:r>
-              <a:rPr lang="en-US" smtClean="0"/>
-              <a:t>Edit Master text styles</a:t>
-            </a:r>
-          </a:p>
-        </p:txBody>
-      </p:sp>
-      <p:sp>
-        <p:nvSpPr>
-          <p:cNvPr id="4" name="Date Placeholder 3"/>
-          <p:cNvSpPr>
-            <a:spLocks noGrp="1"/>
-          </p:cNvSpPr>
-          <p:nvPr>
-            <p:ph type="dt" sz="half" idx="10"/>
-          </p:nvPr>
-        </p:nvSpPr>
-        <p:spPr/>
-        <p:txBody>
-          <a:bodyPr/>
-          <a:lstStyle/>
-          <a:p>
-            <a:fld id="{F1E0E487-B63A-4AEA-92B6-7087F2C7175D}" type="datetimeFigureOut">
-              <a:rPr lang="en-IN" smtClean="0"/>
-              <a:t>04-11-2018</a:t>
-            </a:fld>
-            <a:endParaRPr lang="en-IN"/>
-          </a:p>
-        </p:txBody>
-      </p:sp>
-      <p:sp>
-        <p:nvSpPr>
-          <p:cNvPr id="5" name="Footer Placeholder 4"/>
-          <p:cNvSpPr>
-            <a:spLocks noGrp="1"/>
-          </p:cNvSpPr>
-          <p:nvPr>
-            <p:ph type="ftr" sz="quarter" idx="11"/>
-          </p:nvPr>
-        </p:nvSpPr>
-        <p:spPr/>
-        <p:txBody>
-          <a:bodyPr/>
-          <a:lstStyle/>
-          <a:p>
-            <a:endParaRPr lang="en-IN"/>
-          </a:p>
-        </p:txBody>
-      </p:sp>
-      <p:sp>
-        <p:nvSpPr>
-          <p:cNvPr id="6" name="Slide Number Placeholder 5"/>
-          <p:cNvSpPr>
-            <a:spLocks noGrp="1"/>
-          </p:cNvSpPr>
-          <p:nvPr>
-            <p:ph type="sldNum" sz="quarter" idx="12"/>
-          </p:nvPr>
-        </p:nvSpPr>
-        <p:spPr/>
-        <p:txBody>
-          <a:bodyPr/>
-          <a:lstStyle/>
-          <a:p>
-            <a:fld id="{8F2E2E9F-A203-4C72-94A4-F4CDA3C755F8}" type="slidenum">
-              <a:rPr lang="en-IN" smtClean="0"/>
-              <a:t>‹#›</a:t>
-            </a:fld>
-            <a:endParaRPr lang="en-IN"/>
-          </a:p>
-        </p:txBody>
-      </p:sp>
-      <p:sp>
-        <p:nvSpPr>
-          <p:cNvPr id="12" name="TextBox 11"/>
-          <p:cNvSpPr txBox="1"/>
-          <p:nvPr/>
-        </p:nvSpPr>
-        <p:spPr>
-          <a:xfrm>
-            <a:off x="898295" y="971253"/>
-            <a:ext cx="801912" cy="1969770"/>
-          </a:xfrm>
-          <a:prstGeom prst="rect">
-            <a:avLst/>
-          </a:prstGeom>
-          <a:noFill/>
-        </p:spPr>
-        <p:txBody>
-          <a:bodyPr wrap="square" rtlCol="0">
-            <a:spAutoFit/>
-          </a:bodyPr>
-          <a:lstStyle>
-            <a:defPPr>
-              <a:defRPr lang="en-US"/>
-            </a:defPPr>
-            <a:lvl1pPr algn="r">
-              <a:defRPr sz="12200" b="0" i="0">
-                <a:solidFill>
-                  <a:schemeClr val="bg2">
-                    <a:lumMod val="40000"/>
-                    <a:lumOff val="60000"/>
-                  </a:schemeClr>
-                </a:solidFill>
-                <a:latin typeface="Arial"/>
-                <a:ea typeface="+mj-ea"/>
-                <a:cs typeface="+mj-cs"/>
-              </a:defRPr>
-            </a:lvl1pPr>
-          </a:lstStyle>
-          <a:p>
-            <a:pPr lvl="0"/>
-            <a:r>
-              <a:rPr lang="en-US" dirty="0"/>
-              <a:t>“</a:t>
-            </a:r>
-          </a:p>
-        </p:txBody>
-      </p:sp>
-      <p:sp>
-        <p:nvSpPr>
-          <p:cNvPr id="15" name="TextBox 14"/>
-          <p:cNvSpPr txBox="1"/>
-          <p:nvPr/>
-        </p:nvSpPr>
-        <p:spPr>
-          <a:xfrm>
-            <a:off x="9330490" y="2613787"/>
-            <a:ext cx="801912" cy="1969770"/>
-          </a:xfrm>
-          <a:prstGeom prst="rect">
-            <a:avLst/>
-          </a:prstGeom>
-          <a:noFill/>
-        </p:spPr>
-        <p:txBody>
-          <a:bodyPr wrap="square" rtlCol="0">
-            <a:spAutoFit/>
-          </a:bodyPr>
-          <a:lstStyle>
-            <a:defPPr>
-              <a:defRPr lang="en-US"/>
-            </a:defPPr>
-            <a:lvl1pPr algn="r">
-              <a:defRPr sz="12200" b="0" i="0">
-                <a:solidFill>
-                  <a:schemeClr val="bg2">
-                    <a:lumMod val="40000"/>
-                    <a:lumOff val="60000"/>
-                  </a:schemeClr>
-                </a:solidFill>
-                <a:latin typeface="Arial"/>
-                <a:ea typeface="+mj-ea"/>
-                <a:cs typeface="+mj-cs"/>
-              </a:defRPr>
-            </a:lvl1pPr>
-          </a:lstStyle>
-          <a:p>
-            <a:pPr lvl="0"/>
-            <a:r>
-              <a:rPr lang="en-US" dirty="0"/>
-              <a:t>”</a:t>
-            </a:r>
-          </a:p>
-        </p:txBody>
-      </p:sp>
-    </p:spTree>
-    <p:extLst>
-      <p:ext uri="{BB962C8B-B14F-4D97-AF65-F5344CB8AC3E}">
-        <p14:creationId xmlns:p14="http://schemas.microsoft.com/office/powerpoint/2010/main" val="1353300001"/>
-      </p:ext>
-    </p:extLst>
-  </p:cSld>
-  <p:clrMapOvr>
-    <a:masterClrMapping/>
-  </p:clrMapOvr>
-</p:sldLayout>
-</file>
-
-<file path=ppt/slideLayouts/slideLayout13.xml><?xml version="1.0" encoding="utf-8"?>
-<p:sldLayout xmlns:a="http://schemas.openxmlformats.org/drawingml/2006/main" xmlns:r="http://schemas.openxmlformats.org/officeDocument/2006/relationships" xmlns:p="http://schemas.openxmlformats.org/presentationml/2006/main" preserve="1">
-  <p:cSld name="Name Card">
-    <p:spTree>
-      <p:nvGrpSpPr>
-        <p:cNvPr id="1" name=""/>
-        <p:cNvGrpSpPr/>
-        <p:nvPr/>
-      </p:nvGrpSpPr>
-      <p:grpSpPr>
-        <a:xfrm>
-          <a:off x="0" y="0"/>
-          <a:ext cx="0" cy="0"/>
-          <a:chOff x="0" y="0"/>
-          <a:chExt cx="0" cy="0"/>
-        </a:xfrm>
-      </p:grpSpPr>
-      <p:sp>
-        <p:nvSpPr>
-          <p:cNvPr id="2" name="Title 1"/>
-          <p:cNvSpPr>
-            <a:spLocks noGrp="1"/>
-          </p:cNvSpPr>
-          <p:nvPr>
-            <p:ph type="title"/>
-          </p:nvPr>
-        </p:nvSpPr>
-        <p:spPr>
-          <a:xfrm>
-            <a:off x="1154954" y="3124201"/>
-            <a:ext cx="8825660" cy="1653180"/>
-          </a:xfrm>
-        </p:spPr>
-        <p:txBody>
-          <a:bodyPr anchor="b"/>
-          <a:lstStyle>
-            <a:lvl1pPr algn="l">
-              <a:defRPr sz="4000" b="0" cap="none"/>
+            <a:lvl1pPr algn="ctr">
+              <a:defRPr sz="3200" b="0" cap="none"/>
             </a:lvl1pPr>
           </a:lstStyle>
           <a:p>
@@ -8221,21 +7947,20 @@
         </p:nvSpPr>
         <p:spPr>
           <a:xfrm>
-            <a:off x="1154954" y="4777381"/>
-            <a:ext cx="8825659" cy="860400"/>
+            <a:off x="1484312" y="4343400"/>
+            <a:ext cx="10018713" cy="1447800"/>
           </a:xfrm>
         </p:spPr>
         <p:txBody>
-          <a:bodyPr anchor="t"/>
+          <a:bodyPr anchor="ctr">
+            <a:normAutofit/>
+          </a:bodyPr>
           <a:lstStyle>
-            <a:lvl1pPr marL="0" indent="0" algn="l">
+            <a:lvl1pPr marL="0" indent="0" algn="ctr">
               <a:buNone/>
-              <a:defRPr sz="2000" cap="none">
+              <a:defRPr sz="2000">
                 <a:solidFill>
-                  <a:schemeClr val="bg2">
-                    <a:lumMod val="40000"/>
-                    <a:lumOff val="60000"/>
-                  </a:schemeClr>
+                  <a:schemeClr val="tx1"/>
                 </a:solidFill>
               </a:defRPr>
             </a:lvl1pPr>
@@ -8397,7 +8122,7 @@
     </p:spTree>
     <p:extLst>
       <p:ext uri="{BB962C8B-B14F-4D97-AF65-F5344CB8AC3E}">
-        <p14:creationId xmlns:p14="http://schemas.microsoft.com/office/powerpoint/2010/main" val="1262655145"/>
+        <p14:creationId xmlns:p14="http://schemas.microsoft.com/office/powerpoint/2010/main" val="2553572432"/>
       </p:ext>
     </p:extLst>
   </p:cSld>
@@ -8407,9 +8132,9 @@
 </p:sldLayout>
 </file>
 
-<file path=ppt/slideLayouts/slideLayout14.xml><?xml version="1.0" encoding="utf-8"?>
+<file path=ppt/slideLayouts/slideLayout12.xml><?xml version="1.0" encoding="utf-8"?>
 <p:sldLayout xmlns:a="http://schemas.openxmlformats.org/drawingml/2006/main" xmlns:r="http://schemas.openxmlformats.org/officeDocument/2006/relationships" xmlns:p="http://schemas.openxmlformats.org/presentationml/2006/main" preserve="1">
-  <p:cSld name="3 Column">
+  <p:cSld name="Quote with Caption">
     <p:spTree>
       <p:nvGrpSpPr>
         <p:cNvPr id="1" name=""/>
@@ -8426,6 +8151,238 @@
       </p:grpSpPr>
       <p:sp>
         <p:nvSpPr>
+          <p:cNvPr id="14" name="TextBox 13"/>
+          <p:cNvSpPr txBox="1"/>
+          <p:nvPr/>
+        </p:nvSpPr>
+        <p:spPr>
+          <a:xfrm>
+            <a:off x="1598612" y="863023"/>
+            <a:ext cx="609600" cy="584776"/>
+          </a:xfrm>
+          <a:prstGeom prst="rect">
+            <a:avLst/>
+          </a:prstGeom>
+        </p:spPr>
+        <p:txBody>
+          <a:bodyPr vert="horz" lIns="91440" tIns="45720" rIns="91440" bIns="45720" rtlCol="0" anchor="ctr">
+            <a:noAutofit/>
+          </a:bodyPr>
+          <a:lstStyle>
+            <a:lvl1pPr>
+              <a:spcBef>
+                <a:spcPct val="0"/>
+              </a:spcBef>
+              <a:buNone/>
+              <a:defRPr sz="3200" b="0" cap="all">
+                <a:ln w="3175" cmpd="sng">
+                  <a:noFill/>
+                </a:ln>
+                <a:effectLst>
+                  <a:glow rad="38100">
+                    <a:schemeClr val="bg1">
+                      <a:lumMod val="65000"/>
+                      <a:lumOff val="35000"/>
+                      <a:alpha val="40000"/>
+                    </a:schemeClr>
+                  </a:glow>
+                  <a:outerShdw blurRad="28575" dist="38100" dir="14040000" algn="tl" rotWithShape="0">
+                    <a:srgbClr val="000000">
+                      <a:alpha val="25000"/>
+                    </a:srgbClr>
+                  </a:outerShdw>
+                </a:effectLst>
+              </a:defRPr>
+            </a:lvl1pPr>
+            <a:lvl2pPr>
+              <a:defRPr>
+                <a:solidFill>
+                  <a:schemeClr val="tx2"/>
+                </a:solidFill>
+              </a:defRPr>
+            </a:lvl2pPr>
+            <a:lvl3pPr>
+              <a:defRPr>
+                <a:solidFill>
+                  <a:schemeClr val="tx2"/>
+                </a:solidFill>
+              </a:defRPr>
+            </a:lvl3pPr>
+            <a:lvl4pPr>
+              <a:defRPr>
+                <a:solidFill>
+                  <a:schemeClr val="tx2"/>
+                </a:solidFill>
+              </a:defRPr>
+            </a:lvl4pPr>
+            <a:lvl5pPr>
+              <a:defRPr>
+                <a:solidFill>
+                  <a:schemeClr val="tx2"/>
+                </a:solidFill>
+              </a:defRPr>
+            </a:lvl5pPr>
+            <a:lvl6pPr>
+              <a:defRPr>
+                <a:solidFill>
+                  <a:schemeClr val="tx2"/>
+                </a:solidFill>
+              </a:defRPr>
+            </a:lvl6pPr>
+            <a:lvl7pPr>
+              <a:defRPr>
+                <a:solidFill>
+                  <a:schemeClr val="tx2"/>
+                </a:solidFill>
+              </a:defRPr>
+            </a:lvl7pPr>
+            <a:lvl8pPr>
+              <a:defRPr>
+                <a:solidFill>
+                  <a:schemeClr val="tx2"/>
+                </a:solidFill>
+              </a:defRPr>
+            </a:lvl8pPr>
+            <a:lvl9pPr>
+              <a:defRPr>
+                <a:solidFill>
+                  <a:schemeClr val="tx2"/>
+                </a:solidFill>
+              </a:defRPr>
+            </a:lvl9pPr>
+          </a:lstStyle>
+          <a:p>
+            <a:pPr lvl="0"/>
+            <a:r>
+              <a:rPr lang="en-US" sz="8000" dirty="0">
+                <a:solidFill>
+                  <a:schemeClr val="tx1"/>
+                </a:solidFill>
+                <a:effectLst/>
+              </a:rPr>
+              <a:t>“</a:t>
+            </a:r>
+          </a:p>
+        </p:txBody>
+      </p:sp>
+      <p:sp>
+        <p:nvSpPr>
+          <p:cNvPr id="15" name="TextBox 14"/>
+          <p:cNvSpPr txBox="1"/>
+          <p:nvPr/>
+        </p:nvSpPr>
+        <p:spPr>
+          <a:xfrm>
+            <a:off x="10893425" y="2819399"/>
+            <a:ext cx="609600" cy="584776"/>
+          </a:xfrm>
+          <a:prstGeom prst="rect">
+            <a:avLst/>
+          </a:prstGeom>
+        </p:spPr>
+        <p:txBody>
+          <a:bodyPr vert="horz" lIns="91440" tIns="45720" rIns="91440" bIns="45720" rtlCol="0" anchor="ctr">
+            <a:noAutofit/>
+          </a:bodyPr>
+          <a:lstStyle>
+            <a:lvl1pPr>
+              <a:spcBef>
+                <a:spcPct val="0"/>
+              </a:spcBef>
+              <a:buNone/>
+              <a:defRPr sz="3200" b="0" cap="all">
+                <a:ln w="3175" cmpd="sng">
+                  <a:noFill/>
+                </a:ln>
+                <a:effectLst>
+                  <a:glow rad="38100">
+                    <a:schemeClr val="bg1">
+                      <a:lumMod val="65000"/>
+                      <a:lumOff val="35000"/>
+                      <a:alpha val="40000"/>
+                    </a:schemeClr>
+                  </a:glow>
+                  <a:outerShdw blurRad="28575" dist="38100" dir="14040000" algn="tl" rotWithShape="0">
+                    <a:srgbClr val="000000">
+                      <a:alpha val="25000"/>
+                    </a:srgbClr>
+                  </a:outerShdw>
+                </a:effectLst>
+              </a:defRPr>
+            </a:lvl1pPr>
+            <a:lvl2pPr>
+              <a:defRPr>
+                <a:solidFill>
+                  <a:schemeClr val="tx2"/>
+                </a:solidFill>
+              </a:defRPr>
+            </a:lvl2pPr>
+            <a:lvl3pPr>
+              <a:defRPr>
+                <a:solidFill>
+                  <a:schemeClr val="tx2"/>
+                </a:solidFill>
+              </a:defRPr>
+            </a:lvl3pPr>
+            <a:lvl4pPr>
+              <a:defRPr>
+                <a:solidFill>
+                  <a:schemeClr val="tx2"/>
+                </a:solidFill>
+              </a:defRPr>
+            </a:lvl4pPr>
+            <a:lvl5pPr>
+              <a:defRPr>
+                <a:solidFill>
+                  <a:schemeClr val="tx2"/>
+                </a:solidFill>
+              </a:defRPr>
+            </a:lvl5pPr>
+            <a:lvl6pPr>
+              <a:defRPr>
+                <a:solidFill>
+                  <a:schemeClr val="tx2"/>
+                </a:solidFill>
+              </a:defRPr>
+            </a:lvl6pPr>
+            <a:lvl7pPr>
+              <a:defRPr>
+                <a:solidFill>
+                  <a:schemeClr val="tx2"/>
+                </a:solidFill>
+              </a:defRPr>
+            </a:lvl7pPr>
+            <a:lvl8pPr>
+              <a:defRPr>
+                <a:solidFill>
+                  <a:schemeClr val="tx2"/>
+                </a:solidFill>
+              </a:defRPr>
+            </a:lvl8pPr>
+            <a:lvl9pPr>
+              <a:defRPr>
+                <a:solidFill>
+                  <a:schemeClr val="tx2"/>
+                </a:solidFill>
+              </a:defRPr>
+            </a:lvl9pPr>
+          </a:lstStyle>
+          <a:p>
+            <a:pPr lvl="0" algn="r"/>
+            <a:r>
+              <a:rPr lang="en-US" sz="8000" dirty="0">
+                <a:solidFill>
+                  <a:schemeClr val="tx1"/>
+                </a:solidFill>
+                <a:effectLst/>
+              </a:rPr>
+              <a:t>”</a:t>
+            </a:r>
+          </a:p>
+        </p:txBody>
+      </p:sp>
+      <p:sp>
+        <p:nvSpPr>
           <p:cNvPr id="2" name="Title 1"/>
           <p:cNvSpPr>
             <a:spLocks noGrp="1"/>
@@ -8434,12 +8391,23 @@
             <p:ph type="title"/>
           </p:nvPr>
         </p:nvSpPr>
-        <p:spPr/>
+        <p:spPr>
+          <a:xfrm>
+            <a:off x="2208212" y="685800"/>
+            <a:ext cx="8990012" cy="2743199"/>
+          </a:xfrm>
+        </p:spPr>
         <p:txBody>
-          <a:bodyPr/>
+          <a:bodyPr anchor="ctr">
+            <a:normAutofit/>
+          </a:bodyPr>
           <a:lstStyle>
-            <a:lvl1pPr>
-              <a:defRPr sz="4200"/>
+            <a:lvl1pPr algn="ctr">
+              <a:defRPr sz="3200" b="0" cap="none">
+                <a:solidFill>
+                  <a:schemeClr val="tx1"/>
+                </a:solidFill>
+              </a:defRPr>
             </a:lvl1pPr>
           </a:lstStyle>
           <a:p>
@@ -8448,6 +8416,62 @@
               <a:t>Click to edit Master title style</a:t>
             </a:r>
             <a:endParaRPr lang="en-US" dirty="0"/>
+          </a:p>
+        </p:txBody>
+      </p:sp>
+      <p:sp>
+        <p:nvSpPr>
+          <p:cNvPr id="10" name="Text Placeholder 9"/>
+          <p:cNvSpPr>
+            <a:spLocks noGrp="1"/>
+          </p:cNvSpPr>
+          <p:nvPr>
+            <p:ph type="body" sz="quarter" idx="13"/>
+          </p:nvPr>
+        </p:nvSpPr>
+        <p:spPr>
+          <a:xfrm>
+            <a:off x="2436811" y="3428999"/>
+            <a:ext cx="8532815" cy="381000"/>
+          </a:xfrm>
+        </p:spPr>
+        <p:txBody>
+          <a:bodyPr anchor="ctr">
+            <a:normAutofit/>
+          </a:bodyPr>
+          <a:lstStyle>
+            <a:lvl1pPr marL="0" indent="0">
+              <a:buFontTx/>
+              <a:buNone/>
+              <a:defRPr sz="1800"/>
+            </a:lvl1pPr>
+            <a:lvl2pPr marL="457200" indent="0">
+              <a:buFontTx/>
+              <a:buNone/>
+              <a:defRPr/>
+            </a:lvl2pPr>
+            <a:lvl3pPr marL="914400" indent="0">
+              <a:buFontTx/>
+              <a:buNone/>
+              <a:defRPr/>
+            </a:lvl3pPr>
+            <a:lvl4pPr marL="1371600" indent="0">
+              <a:buFontTx/>
+              <a:buNone/>
+              <a:defRPr/>
+            </a:lvl4pPr>
+            <a:lvl5pPr marL="1828800" indent="0">
+              <a:buFontTx/>
+              <a:buNone/>
+              <a:defRPr/>
+            </a:lvl5pPr>
+          </a:lstStyle>
+          <a:p>
+            <a:pPr lvl="0"/>
+            <a:r>
+              <a:rPr lang="en-US" smtClean="0"/>
+              <a:t>Edit Master text styles</a:t>
+            </a:r>
           </a:p>
         </p:txBody>
       </p:sp>
@@ -8463,2029 +8487,20 @@
         </p:nvSpPr>
         <p:spPr>
           <a:xfrm>
-            <a:off x="632947" y="1981200"/>
-            <a:ext cx="2946866" cy="576262"/>
+            <a:off x="1484311" y="4343400"/>
+            <a:ext cx="10018711" cy="1447800"/>
           </a:xfrm>
         </p:spPr>
         <p:txBody>
-          <a:bodyPr anchor="b">
-            <a:noAutofit/>
-          </a:bodyPr>
-          <a:lstStyle>
-            <a:lvl1pPr marL="0" indent="0">
-              <a:buNone/>
-              <a:defRPr sz="2400" b="0">
-                <a:solidFill>
-                  <a:schemeClr val="bg2">
-                    <a:lumMod val="40000"/>
-                    <a:lumOff val="60000"/>
-                  </a:schemeClr>
-                </a:solidFill>
-              </a:defRPr>
-            </a:lvl1pPr>
-            <a:lvl2pPr marL="457200" indent="0">
-              <a:buNone/>
-              <a:defRPr sz="2000" b="1"/>
-            </a:lvl2pPr>
-            <a:lvl3pPr marL="914400" indent="0">
-              <a:buNone/>
-              <a:defRPr sz="1800" b="1"/>
-            </a:lvl3pPr>
-            <a:lvl4pPr marL="1371600" indent="0">
-              <a:buNone/>
-              <a:defRPr sz="1600" b="1"/>
-            </a:lvl4pPr>
-            <a:lvl5pPr marL="1828800" indent="0">
-              <a:buNone/>
-              <a:defRPr sz="1600" b="1"/>
-            </a:lvl5pPr>
-            <a:lvl6pPr marL="2286000" indent="0">
-              <a:buNone/>
-              <a:defRPr sz="1600" b="1"/>
-            </a:lvl6pPr>
-            <a:lvl7pPr marL="2743200" indent="0">
-              <a:buNone/>
-              <a:defRPr sz="1600" b="1"/>
-            </a:lvl7pPr>
-            <a:lvl8pPr marL="3200400" indent="0">
-              <a:buNone/>
-              <a:defRPr sz="1600" b="1"/>
-            </a:lvl8pPr>
-            <a:lvl9pPr marL="3657600" indent="0">
-              <a:buNone/>
-              <a:defRPr sz="1600" b="1"/>
-            </a:lvl9pPr>
-          </a:lstStyle>
-          <a:p>
-            <a:pPr lvl="0"/>
-            <a:r>
-              <a:rPr lang="en-US" smtClean="0"/>
-              <a:t>Edit Master text styles</a:t>
-            </a:r>
-          </a:p>
-        </p:txBody>
-      </p:sp>
-      <p:sp>
-        <p:nvSpPr>
-          <p:cNvPr id="16" name="Text Placeholder 3"/>
-          <p:cNvSpPr>
-            <a:spLocks noGrp="1"/>
-          </p:cNvSpPr>
-          <p:nvPr>
-            <p:ph type="body" sz="half" idx="15"/>
-          </p:nvPr>
-        </p:nvSpPr>
-        <p:spPr>
-          <a:xfrm>
-            <a:off x="652463" y="2667000"/>
-            <a:ext cx="2927350" cy="3589338"/>
-          </a:xfrm>
-        </p:spPr>
-        <p:txBody>
-          <a:bodyPr anchor="t">
-            <a:normAutofit/>
-          </a:bodyPr>
-          <a:lstStyle>
-            <a:lvl1pPr marL="0" indent="0">
-              <a:buNone/>
-              <a:defRPr sz="1400"/>
-            </a:lvl1pPr>
-            <a:lvl2pPr marL="457200" indent="0">
-              <a:buNone/>
-              <a:defRPr sz="1200"/>
-            </a:lvl2pPr>
-            <a:lvl3pPr marL="914400" indent="0">
-              <a:buNone/>
-              <a:defRPr sz="1000"/>
-            </a:lvl3pPr>
-            <a:lvl4pPr marL="1371600" indent="0">
-              <a:buNone/>
-              <a:defRPr sz="900"/>
-            </a:lvl4pPr>
-            <a:lvl5pPr marL="1828800" indent="0">
-              <a:buNone/>
-              <a:defRPr sz="900"/>
-            </a:lvl5pPr>
-            <a:lvl6pPr marL="2286000" indent="0">
-              <a:buNone/>
-              <a:defRPr sz="900"/>
-            </a:lvl6pPr>
-            <a:lvl7pPr marL="2743200" indent="0">
-              <a:buNone/>
-              <a:defRPr sz="900"/>
-            </a:lvl7pPr>
-            <a:lvl8pPr marL="3200400" indent="0">
-              <a:buNone/>
-              <a:defRPr sz="900"/>
-            </a:lvl8pPr>
-            <a:lvl9pPr marL="3657600" indent="0">
-              <a:buNone/>
-              <a:defRPr sz="900"/>
-            </a:lvl9pPr>
-          </a:lstStyle>
-          <a:p>
-            <a:pPr lvl="0"/>
-            <a:r>
-              <a:rPr lang="en-US" smtClean="0"/>
-              <a:t>Edit Master text styles</a:t>
-            </a:r>
-          </a:p>
-        </p:txBody>
-      </p:sp>
-      <p:sp>
-        <p:nvSpPr>
-          <p:cNvPr id="5" name="Text Placeholder 4"/>
-          <p:cNvSpPr>
-            <a:spLocks noGrp="1"/>
-          </p:cNvSpPr>
-          <p:nvPr>
-            <p:ph type="body" sz="quarter" idx="3"/>
-          </p:nvPr>
-        </p:nvSpPr>
-        <p:spPr>
-          <a:xfrm>
-            <a:off x="3883659" y="1981200"/>
-            <a:ext cx="2936241" cy="576262"/>
-          </a:xfrm>
-        </p:spPr>
-        <p:txBody>
-          <a:bodyPr anchor="b">
-            <a:noAutofit/>
-          </a:bodyPr>
-          <a:lstStyle>
-            <a:lvl1pPr marL="0" indent="0">
-              <a:buNone/>
-              <a:defRPr sz="2400" b="0">
-                <a:solidFill>
-                  <a:schemeClr val="bg2">
-                    <a:lumMod val="40000"/>
-                    <a:lumOff val="60000"/>
-                  </a:schemeClr>
-                </a:solidFill>
-              </a:defRPr>
-            </a:lvl1pPr>
-            <a:lvl2pPr marL="457200" indent="0">
-              <a:buNone/>
-              <a:defRPr sz="2000" b="1"/>
-            </a:lvl2pPr>
-            <a:lvl3pPr marL="914400" indent="0">
-              <a:buNone/>
-              <a:defRPr sz="1800" b="1"/>
-            </a:lvl3pPr>
-            <a:lvl4pPr marL="1371600" indent="0">
-              <a:buNone/>
-              <a:defRPr sz="1600" b="1"/>
-            </a:lvl4pPr>
-            <a:lvl5pPr marL="1828800" indent="0">
-              <a:buNone/>
-              <a:defRPr sz="1600" b="1"/>
-            </a:lvl5pPr>
-            <a:lvl6pPr marL="2286000" indent="0">
-              <a:buNone/>
-              <a:defRPr sz="1600" b="1"/>
-            </a:lvl6pPr>
-            <a:lvl7pPr marL="2743200" indent="0">
-              <a:buNone/>
-              <a:defRPr sz="1600" b="1"/>
-            </a:lvl7pPr>
-            <a:lvl8pPr marL="3200400" indent="0">
-              <a:buNone/>
-              <a:defRPr sz="1600" b="1"/>
-            </a:lvl8pPr>
-            <a:lvl9pPr marL="3657600" indent="0">
-              <a:buNone/>
-              <a:defRPr sz="1600" b="1"/>
-            </a:lvl9pPr>
-          </a:lstStyle>
-          <a:p>
-            <a:pPr lvl="0"/>
-            <a:r>
-              <a:rPr lang="en-US" smtClean="0"/>
-              <a:t>Edit Master text styles</a:t>
-            </a:r>
-          </a:p>
-        </p:txBody>
-      </p:sp>
-      <p:sp>
-        <p:nvSpPr>
-          <p:cNvPr id="19" name="Text Placeholder 3"/>
-          <p:cNvSpPr>
-            <a:spLocks noGrp="1"/>
-          </p:cNvSpPr>
-          <p:nvPr>
-            <p:ph type="body" sz="half" idx="16"/>
-          </p:nvPr>
-        </p:nvSpPr>
-        <p:spPr>
-          <a:xfrm>
-            <a:off x="3873106" y="2667000"/>
-            <a:ext cx="2946794" cy="3589338"/>
-          </a:xfrm>
-        </p:spPr>
-        <p:txBody>
-          <a:bodyPr anchor="t">
-            <a:normAutofit/>
-          </a:bodyPr>
-          <a:lstStyle>
-            <a:lvl1pPr marL="0" indent="0">
-              <a:buNone/>
-              <a:defRPr sz="1400"/>
-            </a:lvl1pPr>
-            <a:lvl2pPr marL="457200" indent="0">
-              <a:buNone/>
-              <a:defRPr sz="1200"/>
-            </a:lvl2pPr>
-            <a:lvl3pPr marL="914400" indent="0">
-              <a:buNone/>
-              <a:defRPr sz="1000"/>
-            </a:lvl3pPr>
-            <a:lvl4pPr marL="1371600" indent="0">
-              <a:buNone/>
-              <a:defRPr sz="900"/>
-            </a:lvl4pPr>
-            <a:lvl5pPr marL="1828800" indent="0">
-              <a:buNone/>
-              <a:defRPr sz="900"/>
-            </a:lvl5pPr>
-            <a:lvl6pPr marL="2286000" indent="0">
-              <a:buNone/>
-              <a:defRPr sz="900"/>
-            </a:lvl6pPr>
-            <a:lvl7pPr marL="2743200" indent="0">
-              <a:buNone/>
-              <a:defRPr sz="900"/>
-            </a:lvl7pPr>
-            <a:lvl8pPr marL="3200400" indent="0">
-              <a:buNone/>
-              <a:defRPr sz="900"/>
-            </a:lvl8pPr>
-            <a:lvl9pPr marL="3657600" indent="0">
-              <a:buNone/>
-              <a:defRPr sz="900"/>
-            </a:lvl9pPr>
-          </a:lstStyle>
-          <a:p>
-            <a:pPr lvl="0"/>
-            <a:r>
-              <a:rPr lang="en-US" smtClean="0"/>
-              <a:t>Edit Master text styles</a:t>
-            </a:r>
-          </a:p>
-        </p:txBody>
-      </p:sp>
-      <p:sp>
-        <p:nvSpPr>
-          <p:cNvPr id="14" name="Text Placeholder 4"/>
-          <p:cNvSpPr>
-            <a:spLocks noGrp="1"/>
-          </p:cNvSpPr>
-          <p:nvPr>
-            <p:ph type="body" sz="quarter" idx="13"/>
-          </p:nvPr>
-        </p:nvSpPr>
-        <p:spPr>
-          <a:xfrm>
-            <a:off x="7124700" y="1981200"/>
-            <a:ext cx="2932113" cy="576262"/>
-          </a:xfrm>
-        </p:spPr>
-        <p:txBody>
-          <a:bodyPr anchor="b">
-            <a:noAutofit/>
-          </a:bodyPr>
-          <a:lstStyle>
-            <a:lvl1pPr marL="0" indent="0">
-              <a:buNone/>
-              <a:defRPr sz="2400" b="0">
-                <a:solidFill>
-                  <a:schemeClr val="bg2">
-                    <a:lumMod val="40000"/>
-                    <a:lumOff val="60000"/>
-                  </a:schemeClr>
-                </a:solidFill>
-              </a:defRPr>
-            </a:lvl1pPr>
-            <a:lvl2pPr marL="457200" indent="0">
-              <a:buNone/>
-              <a:defRPr sz="2000" b="1"/>
-            </a:lvl2pPr>
-            <a:lvl3pPr marL="914400" indent="0">
-              <a:buNone/>
-              <a:defRPr sz="1800" b="1"/>
-            </a:lvl3pPr>
-            <a:lvl4pPr marL="1371600" indent="0">
-              <a:buNone/>
-              <a:defRPr sz="1600" b="1"/>
-            </a:lvl4pPr>
-            <a:lvl5pPr marL="1828800" indent="0">
-              <a:buNone/>
-              <a:defRPr sz="1600" b="1"/>
-            </a:lvl5pPr>
-            <a:lvl6pPr marL="2286000" indent="0">
-              <a:buNone/>
-              <a:defRPr sz="1600" b="1"/>
-            </a:lvl6pPr>
-            <a:lvl7pPr marL="2743200" indent="0">
-              <a:buNone/>
-              <a:defRPr sz="1600" b="1"/>
-            </a:lvl7pPr>
-            <a:lvl8pPr marL="3200400" indent="0">
-              <a:buNone/>
-              <a:defRPr sz="1600" b="1"/>
-            </a:lvl8pPr>
-            <a:lvl9pPr marL="3657600" indent="0">
-              <a:buNone/>
-              <a:defRPr sz="1600" b="1"/>
-            </a:lvl9pPr>
-          </a:lstStyle>
-          <a:p>
-            <a:pPr lvl="0"/>
-            <a:r>
-              <a:rPr lang="en-US" smtClean="0"/>
-              <a:t>Edit Master text styles</a:t>
-            </a:r>
-          </a:p>
-        </p:txBody>
-      </p:sp>
-      <p:sp>
-        <p:nvSpPr>
-          <p:cNvPr id="20" name="Text Placeholder 3"/>
-          <p:cNvSpPr>
-            <a:spLocks noGrp="1"/>
-          </p:cNvSpPr>
-          <p:nvPr>
-            <p:ph type="body" sz="half" idx="17"/>
-          </p:nvPr>
-        </p:nvSpPr>
-        <p:spPr>
-          <a:xfrm>
-            <a:off x="7124700" y="2667000"/>
-            <a:ext cx="2932113" cy="3589338"/>
-          </a:xfrm>
-        </p:spPr>
-        <p:txBody>
-          <a:bodyPr anchor="t">
-            <a:normAutofit/>
-          </a:bodyPr>
-          <a:lstStyle>
-            <a:lvl1pPr marL="0" indent="0">
-              <a:buNone/>
-              <a:defRPr sz="1400"/>
-            </a:lvl1pPr>
-            <a:lvl2pPr marL="457200" indent="0">
-              <a:buNone/>
-              <a:defRPr sz="1200"/>
-            </a:lvl2pPr>
-            <a:lvl3pPr marL="914400" indent="0">
-              <a:buNone/>
-              <a:defRPr sz="1000"/>
-            </a:lvl3pPr>
-            <a:lvl4pPr marL="1371600" indent="0">
-              <a:buNone/>
-              <a:defRPr sz="900"/>
-            </a:lvl4pPr>
-            <a:lvl5pPr marL="1828800" indent="0">
-              <a:buNone/>
-              <a:defRPr sz="900"/>
-            </a:lvl5pPr>
-            <a:lvl6pPr marL="2286000" indent="0">
-              <a:buNone/>
-              <a:defRPr sz="900"/>
-            </a:lvl6pPr>
-            <a:lvl7pPr marL="2743200" indent="0">
-              <a:buNone/>
-              <a:defRPr sz="900"/>
-            </a:lvl7pPr>
-            <a:lvl8pPr marL="3200400" indent="0">
-              <a:buNone/>
-              <a:defRPr sz="900"/>
-            </a:lvl8pPr>
-            <a:lvl9pPr marL="3657600" indent="0">
-              <a:buNone/>
-              <a:defRPr sz="900"/>
-            </a:lvl9pPr>
-          </a:lstStyle>
-          <a:p>
-            <a:pPr lvl="0"/>
-            <a:r>
-              <a:rPr lang="en-US" smtClean="0"/>
-              <a:t>Edit Master text styles</a:t>
-            </a:r>
-          </a:p>
-        </p:txBody>
-      </p:sp>
-      <p:cxnSp>
-        <p:nvCxnSpPr>
-          <p:cNvPr id="17" name="Straight Connector 16"/>
-          <p:cNvCxnSpPr/>
-          <p:nvPr/>
-        </p:nvCxnSpPr>
-        <p:spPr>
-          <a:xfrm>
-            <a:off x="3726142" y="2133600"/>
-            <a:ext cx="0" cy="3962400"/>
-          </a:xfrm>
-          <a:prstGeom prst="line">
-            <a:avLst/>
-          </a:prstGeom>
-          <a:ln w="12700" cmpd="sng">
-            <a:solidFill>
-              <a:schemeClr val="bg2">
-                <a:lumMod val="40000"/>
-                <a:lumOff val="60000"/>
-                <a:alpha val="40000"/>
-              </a:schemeClr>
-            </a:solidFill>
-          </a:ln>
-        </p:spPr>
-        <p:style>
-          <a:lnRef idx="2">
-            <a:schemeClr val="accent1"/>
-          </a:lnRef>
-          <a:fillRef idx="0">
-            <a:schemeClr val="accent1"/>
-          </a:fillRef>
-          <a:effectRef idx="1">
-            <a:schemeClr val="accent1"/>
-          </a:effectRef>
-          <a:fontRef idx="minor">
-            <a:schemeClr val="tx1"/>
-          </a:fontRef>
-        </p:style>
-      </p:cxnSp>
-      <p:cxnSp>
-        <p:nvCxnSpPr>
-          <p:cNvPr id="18" name="Straight Connector 17"/>
-          <p:cNvCxnSpPr/>
-          <p:nvPr/>
-        </p:nvCxnSpPr>
-        <p:spPr>
-          <a:xfrm>
-            <a:off x="6962227" y="2133600"/>
-            <a:ext cx="0" cy="3966882"/>
-          </a:xfrm>
-          <a:prstGeom prst="line">
-            <a:avLst/>
-          </a:prstGeom>
-          <a:ln w="12700" cmpd="sng">
-            <a:solidFill>
-              <a:schemeClr val="bg2">
-                <a:lumMod val="40000"/>
-                <a:lumOff val="60000"/>
-                <a:alpha val="40000"/>
-              </a:schemeClr>
-            </a:solidFill>
-          </a:ln>
-        </p:spPr>
-        <p:style>
-          <a:lnRef idx="2">
-            <a:schemeClr val="accent1"/>
-          </a:lnRef>
-          <a:fillRef idx="0">
-            <a:schemeClr val="accent1"/>
-          </a:fillRef>
-          <a:effectRef idx="1">
-            <a:schemeClr val="accent1"/>
-          </a:effectRef>
-          <a:fontRef idx="minor">
-            <a:schemeClr val="tx1"/>
-          </a:fontRef>
-        </p:style>
-      </p:cxnSp>
-      <p:sp>
-        <p:nvSpPr>
-          <p:cNvPr id="7" name="Date Placeholder 3"/>
-          <p:cNvSpPr>
-            <a:spLocks noGrp="1"/>
-          </p:cNvSpPr>
-          <p:nvPr>
-            <p:ph type="dt" sz="half" idx="10"/>
-          </p:nvPr>
-        </p:nvSpPr>
-        <p:spPr/>
-        <p:txBody>
-          <a:bodyPr/>
-          <a:lstStyle/>
-          <a:p>
-            <a:fld id="{F1E0E487-B63A-4AEA-92B6-7087F2C7175D}" type="datetimeFigureOut">
-              <a:rPr lang="en-IN" smtClean="0"/>
-              <a:t>04-11-2018</a:t>
-            </a:fld>
-            <a:endParaRPr lang="en-IN"/>
-          </a:p>
-        </p:txBody>
-      </p:sp>
-      <p:sp>
-        <p:nvSpPr>
-          <p:cNvPr id="4" name="Footer Placeholder 4"/>
-          <p:cNvSpPr>
-            <a:spLocks noGrp="1"/>
-          </p:cNvSpPr>
-          <p:nvPr>
-            <p:ph type="ftr" sz="quarter" idx="11"/>
-          </p:nvPr>
-        </p:nvSpPr>
-        <p:spPr/>
-        <p:txBody>
-          <a:bodyPr/>
-          <a:lstStyle/>
-          <a:p>
-            <a:endParaRPr lang="en-IN"/>
-          </a:p>
-        </p:txBody>
-      </p:sp>
-      <p:sp>
-        <p:nvSpPr>
-          <p:cNvPr id="6" name="Slide Number Placeholder 5"/>
-          <p:cNvSpPr>
-            <a:spLocks noGrp="1"/>
-          </p:cNvSpPr>
-          <p:nvPr>
-            <p:ph type="sldNum" sz="quarter" idx="12"/>
-          </p:nvPr>
-        </p:nvSpPr>
-        <p:spPr/>
-        <p:txBody>
-          <a:bodyPr/>
-          <a:lstStyle/>
-          <a:p>
-            <a:fld id="{8F2E2E9F-A203-4C72-94A4-F4CDA3C755F8}" type="slidenum">
-              <a:rPr lang="en-IN" smtClean="0"/>
-              <a:t>‹#›</a:t>
-            </a:fld>
-            <a:endParaRPr lang="en-IN"/>
-          </a:p>
-        </p:txBody>
-      </p:sp>
-    </p:spTree>
-    <p:extLst>
-      <p:ext uri="{BB962C8B-B14F-4D97-AF65-F5344CB8AC3E}">
-        <p14:creationId xmlns:p14="http://schemas.microsoft.com/office/powerpoint/2010/main" val="3474537527"/>
-      </p:ext>
-    </p:extLst>
-  </p:cSld>
-  <p:clrMapOvr>
-    <a:masterClrMapping/>
-  </p:clrMapOvr>
-</p:sldLayout>
-</file>
-
-<file path=ppt/slideLayouts/slideLayout15.xml><?xml version="1.0" encoding="utf-8"?>
-<p:sldLayout xmlns:a="http://schemas.openxmlformats.org/drawingml/2006/main" xmlns:r="http://schemas.openxmlformats.org/officeDocument/2006/relationships" xmlns:p="http://schemas.openxmlformats.org/presentationml/2006/main" preserve="1">
-  <p:cSld name="3 Picture Column">
-    <p:spTree>
-      <p:nvGrpSpPr>
-        <p:cNvPr id="1" name=""/>
-        <p:cNvGrpSpPr/>
-        <p:nvPr/>
-      </p:nvGrpSpPr>
-      <p:grpSpPr>
-        <a:xfrm>
-          <a:off x="0" y="0"/>
-          <a:ext cx="0" cy="0"/>
-          <a:chOff x="0" y="0"/>
-          <a:chExt cx="0" cy="0"/>
-        </a:xfrm>
-      </p:grpSpPr>
-      <p:sp>
-        <p:nvSpPr>
-          <p:cNvPr id="2" name="Title 1"/>
-          <p:cNvSpPr>
-            <a:spLocks noGrp="1"/>
-          </p:cNvSpPr>
-          <p:nvPr>
-            <p:ph type="title"/>
-          </p:nvPr>
-        </p:nvSpPr>
-        <p:spPr/>
-        <p:txBody>
-          <a:bodyPr/>
-          <a:lstStyle>
-            <a:lvl1pPr>
-              <a:defRPr sz="4200"/>
-            </a:lvl1pPr>
-          </a:lstStyle>
-          <a:p>
-            <a:r>
-              <a:rPr lang="en-US" smtClean="0"/>
-              <a:t>Click to edit Master title style</a:t>
-            </a:r>
-            <a:endParaRPr lang="en-US" dirty="0"/>
-          </a:p>
-        </p:txBody>
-      </p:sp>
-      <p:sp>
-        <p:nvSpPr>
-          <p:cNvPr id="3" name="Text Placeholder 2"/>
-          <p:cNvSpPr>
-            <a:spLocks noGrp="1"/>
-          </p:cNvSpPr>
-          <p:nvPr>
-            <p:ph type="body" idx="1"/>
-          </p:nvPr>
-        </p:nvSpPr>
-        <p:spPr>
-          <a:xfrm>
-            <a:off x="652463" y="4250949"/>
-            <a:ext cx="2940050" cy="576262"/>
-          </a:xfrm>
-        </p:spPr>
-        <p:txBody>
-          <a:bodyPr anchor="b">
-            <a:noAutofit/>
-          </a:bodyPr>
-          <a:lstStyle>
-            <a:lvl1pPr marL="0" indent="0">
-              <a:buNone/>
-              <a:defRPr sz="2400" b="0">
-                <a:solidFill>
-                  <a:schemeClr val="bg2">
-                    <a:lumMod val="40000"/>
-                    <a:lumOff val="60000"/>
-                  </a:schemeClr>
-                </a:solidFill>
-              </a:defRPr>
-            </a:lvl1pPr>
-            <a:lvl2pPr marL="457200" indent="0">
-              <a:buNone/>
-              <a:defRPr sz="2000" b="1"/>
-            </a:lvl2pPr>
-            <a:lvl3pPr marL="914400" indent="0">
-              <a:buNone/>
-              <a:defRPr sz="1800" b="1"/>
-            </a:lvl3pPr>
-            <a:lvl4pPr marL="1371600" indent="0">
-              <a:buNone/>
-              <a:defRPr sz="1600" b="1"/>
-            </a:lvl4pPr>
-            <a:lvl5pPr marL="1828800" indent="0">
-              <a:buNone/>
-              <a:defRPr sz="1600" b="1"/>
-            </a:lvl5pPr>
-            <a:lvl6pPr marL="2286000" indent="0">
-              <a:buNone/>
-              <a:defRPr sz="1600" b="1"/>
-            </a:lvl6pPr>
-            <a:lvl7pPr marL="2743200" indent="0">
-              <a:buNone/>
-              <a:defRPr sz="1600" b="1"/>
-            </a:lvl7pPr>
-            <a:lvl8pPr marL="3200400" indent="0">
-              <a:buNone/>
-              <a:defRPr sz="1600" b="1"/>
-            </a:lvl8pPr>
-            <a:lvl9pPr marL="3657600" indent="0">
-              <a:buNone/>
-              <a:defRPr sz="1600" b="1"/>
-            </a:lvl9pPr>
-          </a:lstStyle>
-          <a:p>
-            <a:pPr lvl="0"/>
-            <a:r>
-              <a:rPr lang="en-US" smtClean="0"/>
-              <a:t>Edit Master text styles</a:t>
-            </a:r>
-          </a:p>
-        </p:txBody>
-      </p:sp>
-      <p:sp>
-        <p:nvSpPr>
-          <p:cNvPr id="29" name="Picture Placeholder 2"/>
-          <p:cNvSpPr>
-            <a:spLocks noGrp="1" noChangeAspect="1"/>
-          </p:cNvSpPr>
-          <p:nvPr>
-            <p:ph type="pic" idx="15"/>
-          </p:nvPr>
-        </p:nvSpPr>
-        <p:spPr>
-          <a:xfrm>
-            <a:off x="652463" y="2209800"/>
-            <a:ext cx="2940050" cy="1524000"/>
-          </a:xfrm>
-          <a:prstGeom prst="roundRect">
-            <a:avLst>
-              <a:gd name="adj" fmla="val 1858"/>
-            </a:avLst>
-          </a:prstGeom>
-          <a:effectLst>
-            <a:outerShdw blurRad="50800" dist="50800" dir="5400000" algn="tl" rotWithShape="0">
-              <a:srgbClr val="000000">
-                <a:alpha val="43000"/>
-              </a:srgbClr>
-            </a:outerShdw>
-          </a:effectLst>
-        </p:spPr>
-        <p:txBody>
-          <a:bodyPr anchor="t">
+          <a:bodyPr anchor="ctr">
             <a:normAutofit/>
           </a:bodyPr>
           <a:lstStyle>
             <a:lvl1pPr marL="0" indent="0" algn="ctr">
               <a:buNone/>
-              <a:defRPr sz="1600"/>
-            </a:lvl1pPr>
-            <a:lvl2pPr marL="457200" indent="0">
-              <a:buNone/>
-              <a:defRPr sz="1600"/>
-            </a:lvl2pPr>
-            <a:lvl3pPr marL="914400" indent="0">
-              <a:buNone/>
-              <a:defRPr sz="1600"/>
-            </a:lvl3pPr>
-            <a:lvl4pPr marL="1371600" indent="0">
-              <a:buNone/>
-              <a:defRPr sz="1600"/>
-            </a:lvl4pPr>
-            <a:lvl5pPr marL="1828800" indent="0">
-              <a:buNone/>
-              <a:defRPr sz="1600"/>
-            </a:lvl5pPr>
-            <a:lvl6pPr marL="2286000" indent="0">
-              <a:buNone/>
-              <a:defRPr sz="1600"/>
-            </a:lvl6pPr>
-            <a:lvl7pPr marL="2743200" indent="0">
-              <a:buNone/>
-              <a:defRPr sz="1600"/>
-            </a:lvl7pPr>
-            <a:lvl8pPr marL="3200400" indent="0">
-              <a:buNone/>
-              <a:defRPr sz="1600"/>
-            </a:lvl8pPr>
-            <a:lvl9pPr marL="3657600" indent="0">
-              <a:buNone/>
-              <a:defRPr sz="1600"/>
-            </a:lvl9pPr>
-          </a:lstStyle>
-          <a:p>
-            <a:r>
-              <a:rPr lang="en-US" smtClean="0"/>
-              <a:t>Click icon to add picture</a:t>
-            </a:r>
-            <a:endParaRPr lang="en-US" dirty="0"/>
-          </a:p>
-        </p:txBody>
-      </p:sp>
-      <p:sp>
-        <p:nvSpPr>
-          <p:cNvPr id="22" name="Text Placeholder 3"/>
-          <p:cNvSpPr>
-            <a:spLocks noGrp="1"/>
-          </p:cNvSpPr>
-          <p:nvPr>
-            <p:ph type="body" sz="half" idx="18"/>
-          </p:nvPr>
-        </p:nvSpPr>
-        <p:spPr>
-          <a:xfrm>
-            <a:off x="652463" y="4827211"/>
-            <a:ext cx="2940050" cy="659189"/>
-          </a:xfrm>
-        </p:spPr>
-        <p:txBody>
-          <a:bodyPr anchor="t">
-            <a:normAutofit/>
-          </a:bodyPr>
-          <a:lstStyle>
-            <a:lvl1pPr marL="0" indent="0">
-              <a:buNone/>
-              <a:defRPr sz="1400"/>
-            </a:lvl1pPr>
-            <a:lvl2pPr marL="457200" indent="0">
-              <a:buNone/>
-              <a:defRPr sz="1200"/>
-            </a:lvl2pPr>
-            <a:lvl3pPr marL="914400" indent="0">
-              <a:buNone/>
-              <a:defRPr sz="1000"/>
-            </a:lvl3pPr>
-            <a:lvl4pPr marL="1371600" indent="0">
-              <a:buNone/>
-              <a:defRPr sz="900"/>
-            </a:lvl4pPr>
-            <a:lvl5pPr marL="1828800" indent="0">
-              <a:buNone/>
-              <a:defRPr sz="900"/>
-            </a:lvl5pPr>
-            <a:lvl6pPr marL="2286000" indent="0">
-              <a:buNone/>
-              <a:defRPr sz="900"/>
-            </a:lvl6pPr>
-            <a:lvl7pPr marL="2743200" indent="0">
-              <a:buNone/>
-              <a:defRPr sz="900"/>
-            </a:lvl7pPr>
-            <a:lvl8pPr marL="3200400" indent="0">
-              <a:buNone/>
-              <a:defRPr sz="900"/>
-            </a:lvl8pPr>
-            <a:lvl9pPr marL="3657600" indent="0">
-              <a:buNone/>
-              <a:defRPr sz="900"/>
-            </a:lvl9pPr>
-          </a:lstStyle>
-          <a:p>
-            <a:pPr lvl="0"/>
-            <a:r>
-              <a:rPr lang="en-US" smtClean="0"/>
-              <a:t>Edit Master text styles</a:t>
-            </a:r>
-          </a:p>
-        </p:txBody>
-      </p:sp>
-      <p:sp>
-        <p:nvSpPr>
-          <p:cNvPr id="5" name="Text Placeholder 4"/>
-          <p:cNvSpPr>
-            <a:spLocks noGrp="1"/>
-          </p:cNvSpPr>
-          <p:nvPr>
-            <p:ph type="body" sz="quarter" idx="3"/>
-          </p:nvPr>
-        </p:nvSpPr>
-        <p:spPr>
-          <a:xfrm>
-            <a:off x="3889375" y="4250949"/>
-            <a:ext cx="2930525" cy="576262"/>
-          </a:xfrm>
-        </p:spPr>
-        <p:txBody>
-          <a:bodyPr anchor="b">
-            <a:noAutofit/>
-          </a:bodyPr>
-          <a:lstStyle>
-            <a:lvl1pPr marL="0" indent="0">
-              <a:buNone/>
-              <a:defRPr sz="2400" b="0">
+              <a:defRPr sz="2000">
                 <a:solidFill>
-                  <a:schemeClr val="bg2">
-                    <a:lumMod val="40000"/>
-                    <a:lumOff val="60000"/>
-                  </a:schemeClr>
-                </a:solidFill>
-              </a:defRPr>
-            </a:lvl1pPr>
-            <a:lvl2pPr marL="457200" indent="0">
-              <a:buNone/>
-              <a:defRPr sz="2000" b="1"/>
-            </a:lvl2pPr>
-            <a:lvl3pPr marL="914400" indent="0">
-              <a:buNone/>
-              <a:defRPr sz="1800" b="1"/>
-            </a:lvl3pPr>
-            <a:lvl4pPr marL="1371600" indent="0">
-              <a:buNone/>
-              <a:defRPr sz="1600" b="1"/>
-            </a:lvl4pPr>
-            <a:lvl5pPr marL="1828800" indent="0">
-              <a:buNone/>
-              <a:defRPr sz="1600" b="1"/>
-            </a:lvl5pPr>
-            <a:lvl6pPr marL="2286000" indent="0">
-              <a:buNone/>
-              <a:defRPr sz="1600" b="1"/>
-            </a:lvl6pPr>
-            <a:lvl7pPr marL="2743200" indent="0">
-              <a:buNone/>
-              <a:defRPr sz="1600" b="1"/>
-            </a:lvl7pPr>
-            <a:lvl8pPr marL="3200400" indent="0">
-              <a:buNone/>
-              <a:defRPr sz="1600" b="1"/>
-            </a:lvl8pPr>
-            <a:lvl9pPr marL="3657600" indent="0">
-              <a:buNone/>
-              <a:defRPr sz="1600" b="1"/>
-            </a:lvl9pPr>
-          </a:lstStyle>
-          <a:p>
-            <a:pPr lvl="0"/>
-            <a:r>
-              <a:rPr lang="en-US" smtClean="0"/>
-              <a:t>Edit Master text styles</a:t>
-            </a:r>
-          </a:p>
-        </p:txBody>
-      </p:sp>
-      <p:sp>
-        <p:nvSpPr>
-          <p:cNvPr id="30" name="Picture Placeholder 2"/>
-          <p:cNvSpPr>
-            <a:spLocks noGrp="1" noChangeAspect="1"/>
-          </p:cNvSpPr>
-          <p:nvPr>
-            <p:ph type="pic" idx="21"/>
-          </p:nvPr>
-        </p:nvSpPr>
-        <p:spPr>
-          <a:xfrm>
-            <a:off x="3889374" y="2209800"/>
-            <a:ext cx="2930525" cy="1524000"/>
-          </a:xfrm>
-          <a:prstGeom prst="roundRect">
-            <a:avLst>
-              <a:gd name="adj" fmla="val 1858"/>
-            </a:avLst>
-          </a:prstGeom>
-          <a:effectLst>
-            <a:outerShdw blurRad="50800" dist="50800" dir="5400000" algn="tl" rotWithShape="0">
-              <a:srgbClr val="000000">
-                <a:alpha val="43000"/>
-              </a:srgbClr>
-            </a:outerShdw>
-          </a:effectLst>
-        </p:spPr>
-        <p:txBody>
-          <a:bodyPr anchor="t">
-            <a:normAutofit/>
-          </a:bodyPr>
-          <a:lstStyle>
-            <a:lvl1pPr marL="0" indent="0" algn="ctr">
-              <a:buNone/>
-              <a:defRPr sz="1600"/>
-            </a:lvl1pPr>
-            <a:lvl2pPr marL="457200" indent="0">
-              <a:buNone/>
-              <a:defRPr sz="1600"/>
-            </a:lvl2pPr>
-            <a:lvl3pPr marL="914400" indent="0">
-              <a:buNone/>
-              <a:defRPr sz="1600"/>
-            </a:lvl3pPr>
-            <a:lvl4pPr marL="1371600" indent="0">
-              <a:buNone/>
-              <a:defRPr sz="1600"/>
-            </a:lvl4pPr>
-            <a:lvl5pPr marL="1828800" indent="0">
-              <a:buNone/>
-              <a:defRPr sz="1600"/>
-            </a:lvl5pPr>
-            <a:lvl6pPr marL="2286000" indent="0">
-              <a:buNone/>
-              <a:defRPr sz="1600"/>
-            </a:lvl6pPr>
-            <a:lvl7pPr marL="2743200" indent="0">
-              <a:buNone/>
-              <a:defRPr sz="1600"/>
-            </a:lvl7pPr>
-            <a:lvl8pPr marL="3200400" indent="0">
-              <a:buNone/>
-              <a:defRPr sz="1600"/>
-            </a:lvl8pPr>
-            <a:lvl9pPr marL="3657600" indent="0">
-              <a:buNone/>
-              <a:defRPr sz="1600"/>
-            </a:lvl9pPr>
-          </a:lstStyle>
-          <a:p>
-            <a:r>
-              <a:rPr lang="en-US" smtClean="0"/>
-              <a:t>Click icon to add picture</a:t>
-            </a:r>
-            <a:endParaRPr lang="en-US" dirty="0"/>
-          </a:p>
-        </p:txBody>
-      </p:sp>
-      <p:sp>
-        <p:nvSpPr>
-          <p:cNvPr id="23" name="Text Placeholder 3"/>
-          <p:cNvSpPr>
-            <a:spLocks noGrp="1"/>
-          </p:cNvSpPr>
-          <p:nvPr>
-            <p:ph type="body" sz="half" idx="19"/>
-          </p:nvPr>
-        </p:nvSpPr>
-        <p:spPr>
-          <a:xfrm>
-            <a:off x="3888022" y="4827210"/>
-            <a:ext cx="2934406" cy="659189"/>
-          </a:xfrm>
-        </p:spPr>
-        <p:txBody>
-          <a:bodyPr anchor="t">
-            <a:normAutofit/>
-          </a:bodyPr>
-          <a:lstStyle>
-            <a:lvl1pPr marL="0" indent="0">
-              <a:buNone/>
-              <a:defRPr sz="1400"/>
-            </a:lvl1pPr>
-            <a:lvl2pPr marL="457200" indent="0">
-              <a:buNone/>
-              <a:defRPr sz="1200"/>
-            </a:lvl2pPr>
-            <a:lvl3pPr marL="914400" indent="0">
-              <a:buNone/>
-              <a:defRPr sz="1000"/>
-            </a:lvl3pPr>
-            <a:lvl4pPr marL="1371600" indent="0">
-              <a:buNone/>
-              <a:defRPr sz="900"/>
-            </a:lvl4pPr>
-            <a:lvl5pPr marL="1828800" indent="0">
-              <a:buNone/>
-              <a:defRPr sz="900"/>
-            </a:lvl5pPr>
-            <a:lvl6pPr marL="2286000" indent="0">
-              <a:buNone/>
-              <a:defRPr sz="900"/>
-            </a:lvl6pPr>
-            <a:lvl7pPr marL="2743200" indent="0">
-              <a:buNone/>
-              <a:defRPr sz="900"/>
-            </a:lvl7pPr>
-            <a:lvl8pPr marL="3200400" indent="0">
-              <a:buNone/>
-              <a:defRPr sz="900"/>
-            </a:lvl8pPr>
-            <a:lvl9pPr marL="3657600" indent="0">
-              <a:buNone/>
-              <a:defRPr sz="900"/>
-            </a:lvl9pPr>
-          </a:lstStyle>
-          <a:p>
-            <a:pPr lvl="0"/>
-            <a:r>
-              <a:rPr lang="en-US" smtClean="0"/>
-              <a:t>Edit Master text styles</a:t>
-            </a:r>
-          </a:p>
-        </p:txBody>
-      </p:sp>
-      <p:sp>
-        <p:nvSpPr>
-          <p:cNvPr id="14" name="Text Placeholder 4"/>
-          <p:cNvSpPr>
-            <a:spLocks noGrp="1"/>
-          </p:cNvSpPr>
-          <p:nvPr>
-            <p:ph type="body" sz="quarter" idx="13"/>
-          </p:nvPr>
-        </p:nvSpPr>
-        <p:spPr>
-          <a:xfrm>
-            <a:off x="7124700" y="4250949"/>
-            <a:ext cx="2932113" cy="576262"/>
-          </a:xfrm>
-        </p:spPr>
-        <p:txBody>
-          <a:bodyPr anchor="b">
-            <a:noAutofit/>
-          </a:bodyPr>
-          <a:lstStyle>
-            <a:lvl1pPr marL="0" indent="0">
-              <a:buNone/>
-              <a:defRPr sz="2400" b="0">
-                <a:solidFill>
-                  <a:schemeClr val="bg2">
-                    <a:lumMod val="40000"/>
-                    <a:lumOff val="60000"/>
-                  </a:schemeClr>
-                </a:solidFill>
-              </a:defRPr>
-            </a:lvl1pPr>
-            <a:lvl2pPr marL="457200" indent="0">
-              <a:buNone/>
-              <a:defRPr sz="2000" b="1"/>
-            </a:lvl2pPr>
-            <a:lvl3pPr marL="914400" indent="0">
-              <a:buNone/>
-              <a:defRPr sz="1800" b="1"/>
-            </a:lvl3pPr>
-            <a:lvl4pPr marL="1371600" indent="0">
-              <a:buNone/>
-              <a:defRPr sz="1600" b="1"/>
-            </a:lvl4pPr>
-            <a:lvl5pPr marL="1828800" indent="0">
-              <a:buNone/>
-              <a:defRPr sz="1600" b="1"/>
-            </a:lvl5pPr>
-            <a:lvl6pPr marL="2286000" indent="0">
-              <a:buNone/>
-              <a:defRPr sz="1600" b="1"/>
-            </a:lvl6pPr>
-            <a:lvl7pPr marL="2743200" indent="0">
-              <a:buNone/>
-              <a:defRPr sz="1600" b="1"/>
-            </a:lvl7pPr>
-            <a:lvl8pPr marL="3200400" indent="0">
-              <a:buNone/>
-              <a:defRPr sz="1600" b="1"/>
-            </a:lvl8pPr>
-            <a:lvl9pPr marL="3657600" indent="0">
-              <a:buNone/>
-              <a:defRPr sz="1600" b="1"/>
-            </a:lvl9pPr>
-          </a:lstStyle>
-          <a:p>
-            <a:pPr lvl="0"/>
-            <a:r>
-              <a:rPr lang="en-US" smtClean="0"/>
-              <a:t>Edit Master text styles</a:t>
-            </a:r>
-          </a:p>
-        </p:txBody>
-      </p:sp>
-      <p:sp>
-        <p:nvSpPr>
-          <p:cNvPr id="31" name="Picture Placeholder 2"/>
-          <p:cNvSpPr>
-            <a:spLocks noGrp="1" noChangeAspect="1"/>
-          </p:cNvSpPr>
-          <p:nvPr>
-            <p:ph type="pic" idx="22"/>
-          </p:nvPr>
-        </p:nvSpPr>
-        <p:spPr>
-          <a:xfrm>
-            <a:off x="7124699" y="2209800"/>
-            <a:ext cx="2932113" cy="1524000"/>
-          </a:xfrm>
-          <a:prstGeom prst="roundRect">
-            <a:avLst>
-              <a:gd name="adj" fmla="val 1858"/>
-            </a:avLst>
-          </a:prstGeom>
-          <a:effectLst>
-            <a:outerShdw blurRad="50800" dist="50800" dir="5400000" algn="tl" rotWithShape="0">
-              <a:srgbClr val="000000">
-                <a:alpha val="43000"/>
-              </a:srgbClr>
-            </a:outerShdw>
-          </a:effectLst>
-        </p:spPr>
-        <p:txBody>
-          <a:bodyPr anchor="t">
-            <a:normAutofit/>
-          </a:bodyPr>
-          <a:lstStyle>
-            <a:lvl1pPr marL="0" indent="0" algn="ctr">
-              <a:buNone/>
-              <a:defRPr sz="1600"/>
-            </a:lvl1pPr>
-            <a:lvl2pPr marL="457200" indent="0">
-              <a:buNone/>
-              <a:defRPr sz="1600"/>
-            </a:lvl2pPr>
-            <a:lvl3pPr marL="914400" indent="0">
-              <a:buNone/>
-              <a:defRPr sz="1600"/>
-            </a:lvl3pPr>
-            <a:lvl4pPr marL="1371600" indent="0">
-              <a:buNone/>
-              <a:defRPr sz="1600"/>
-            </a:lvl4pPr>
-            <a:lvl5pPr marL="1828800" indent="0">
-              <a:buNone/>
-              <a:defRPr sz="1600"/>
-            </a:lvl5pPr>
-            <a:lvl6pPr marL="2286000" indent="0">
-              <a:buNone/>
-              <a:defRPr sz="1600"/>
-            </a:lvl6pPr>
-            <a:lvl7pPr marL="2743200" indent="0">
-              <a:buNone/>
-              <a:defRPr sz="1600"/>
-            </a:lvl7pPr>
-            <a:lvl8pPr marL="3200400" indent="0">
-              <a:buNone/>
-              <a:defRPr sz="1600"/>
-            </a:lvl8pPr>
-            <a:lvl9pPr marL="3657600" indent="0">
-              <a:buNone/>
-              <a:defRPr sz="1600"/>
-            </a:lvl9pPr>
-          </a:lstStyle>
-          <a:p>
-            <a:r>
-              <a:rPr lang="en-US" smtClean="0"/>
-              <a:t>Click icon to add picture</a:t>
-            </a:r>
-            <a:endParaRPr lang="en-US" dirty="0"/>
-          </a:p>
-        </p:txBody>
-      </p:sp>
-      <p:sp>
-        <p:nvSpPr>
-          <p:cNvPr id="24" name="Text Placeholder 3"/>
-          <p:cNvSpPr>
-            <a:spLocks noGrp="1"/>
-          </p:cNvSpPr>
-          <p:nvPr>
-            <p:ph type="body" sz="half" idx="20"/>
-          </p:nvPr>
-        </p:nvSpPr>
-        <p:spPr>
-          <a:xfrm>
-            <a:off x="7124575" y="4827208"/>
-            <a:ext cx="2935997" cy="659189"/>
-          </a:xfrm>
-        </p:spPr>
-        <p:txBody>
-          <a:bodyPr anchor="t">
-            <a:normAutofit/>
-          </a:bodyPr>
-          <a:lstStyle>
-            <a:lvl1pPr marL="0" indent="0">
-              <a:buNone/>
-              <a:defRPr sz="1400"/>
-            </a:lvl1pPr>
-            <a:lvl2pPr marL="457200" indent="0">
-              <a:buNone/>
-              <a:defRPr sz="1200"/>
-            </a:lvl2pPr>
-            <a:lvl3pPr marL="914400" indent="0">
-              <a:buNone/>
-              <a:defRPr sz="1000"/>
-            </a:lvl3pPr>
-            <a:lvl4pPr marL="1371600" indent="0">
-              <a:buNone/>
-              <a:defRPr sz="900"/>
-            </a:lvl4pPr>
-            <a:lvl5pPr marL="1828800" indent="0">
-              <a:buNone/>
-              <a:defRPr sz="900"/>
-            </a:lvl5pPr>
-            <a:lvl6pPr marL="2286000" indent="0">
-              <a:buNone/>
-              <a:defRPr sz="900"/>
-            </a:lvl6pPr>
-            <a:lvl7pPr marL="2743200" indent="0">
-              <a:buNone/>
-              <a:defRPr sz="900"/>
-            </a:lvl7pPr>
-            <a:lvl8pPr marL="3200400" indent="0">
-              <a:buNone/>
-              <a:defRPr sz="900"/>
-            </a:lvl8pPr>
-            <a:lvl9pPr marL="3657600" indent="0">
-              <a:buNone/>
-              <a:defRPr sz="900"/>
-            </a:lvl9pPr>
-          </a:lstStyle>
-          <a:p>
-            <a:pPr lvl="0"/>
-            <a:r>
-              <a:rPr lang="en-US" smtClean="0"/>
-              <a:t>Edit Master text styles</a:t>
-            </a:r>
-          </a:p>
-        </p:txBody>
-      </p:sp>
-      <p:cxnSp>
-        <p:nvCxnSpPr>
-          <p:cNvPr id="19" name="Straight Connector 18"/>
-          <p:cNvCxnSpPr/>
-          <p:nvPr/>
-        </p:nvCxnSpPr>
-        <p:spPr>
-          <a:xfrm>
-            <a:off x="3726142" y="2133600"/>
-            <a:ext cx="0" cy="3962400"/>
-          </a:xfrm>
-          <a:prstGeom prst="line">
-            <a:avLst/>
-          </a:prstGeom>
-          <a:ln w="12700" cmpd="sng">
-            <a:solidFill>
-              <a:schemeClr val="bg2">
-                <a:lumMod val="40000"/>
-                <a:lumOff val="60000"/>
-                <a:alpha val="40000"/>
-              </a:schemeClr>
-            </a:solidFill>
-          </a:ln>
-        </p:spPr>
-        <p:style>
-          <a:lnRef idx="2">
-            <a:schemeClr val="accent1"/>
-          </a:lnRef>
-          <a:fillRef idx="0">
-            <a:schemeClr val="accent1"/>
-          </a:fillRef>
-          <a:effectRef idx="1">
-            <a:schemeClr val="accent1"/>
-          </a:effectRef>
-          <a:fontRef idx="minor">
-            <a:schemeClr val="tx1"/>
-          </a:fontRef>
-        </p:style>
-      </p:cxnSp>
-      <p:cxnSp>
-        <p:nvCxnSpPr>
-          <p:cNvPr id="20" name="Straight Connector 19"/>
-          <p:cNvCxnSpPr/>
-          <p:nvPr/>
-        </p:nvCxnSpPr>
-        <p:spPr>
-          <a:xfrm>
-            <a:off x="6962227" y="2133600"/>
-            <a:ext cx="0" cy="3966882"/>
-          </a:xfrm>
-          <a:prstGeom prst="line">
-            <a:avLst/>
-          </a:prstGeom>
-          <a:ln w="12700" cmpd="sng">
-            <a:solidFill>
-              <a:schemeClr val="bg2">
-                <a:lumMod val="40000"/>
-                <a:lumOff val="60000"/>
-                <a:alpha val="40000"/>
-              </a:schemeClr>
-            </a:solidFill>
-          </a:ln>
-        </p:spPr>
-        <p:style>
-          <a:lnRef idx="2">
-            <a:schemeClr val="accent1"/>
-          </a:lnRef>
-          <a:fillRef idx="0">
-            <a:schemeClr val="accent1"/>
-          </a:fillRef>
-          <a:effectRef idx="1">
-            <a:schemeClr val="accent1"/>
-          </a:effectRef>
-          <a:fontRef idx="minor">
-            <a:schemeClr val="tx1"/>
-          </a:fontRef>
-        </p:style>
-      </p:cxnSp>
-      <p:sp>
-        <p:nvSpPr>
-          <p:cNvPr id="7" name="Date Placeholder 3"/>
-          <p:cNvSpPr>
-            <a:spLocks noGrp="1"/>
-          </p:cNvSpPr>
-          <p:nvPr>
-            <p:ph type="dt" sz="half" idx="10"/>
-          </p:nvPr>
-        </p:nvSpPr>
-        <p:spPr/>
-        <p:txBody>
-          <a:bodyPr/>
-          <a:lstStyle/>
-          <a:p>
-            <a:fld id="{F1E0E487-B63A-4AEA-92B6-7087F2C7175D}" type="datetimeFigureOut">
-              <a:rPr lang="en-IN" smtClean="0"/>
-              <a:t>04-11-2018</a:t>
-            </a:fld>
-            <a:endParaRPr lang="en-IN"/>
-          </a:p>
-        </p:txBody>
-      </p:sp>
-      <p:sp>
-        <p:nvSpPr>
-          <p:cNvPr id="4" name="Footer Placeholder 4"/>
-          <p:cNvSpPr>
-            <a:spLocks noGrp="1"/>
-          </p:cNvSpPr>
-          <p:nvPr>
-            <p:ph type="ftr" sz="quarter" idx="11"/>
-          </p:nvPr>
-        </p:nvSpPr>
-        <p:spPr/>
-        <p:txBody>
-          <a:bodyPr/>
-          <a:lstStyle/>
-          <a:p>
-            <a:endParaRPr lang="en-IN"/>
-          </a:p>
-        </p:txBody>
-      </p:sp>
-      <p:sp>
-        <p:nvSpPr>
-          <p:cNvPr id="6" name="Slide Number Placeholder 5"/>
-          <p:cNvSpPr>
-            <a:spLocks noGrp="1"/>
-          </p:cNvSpPr>
-          <p:nvPr>
-            <p:ph type="sldNum" sz="quarter" idx="12"/>
-          </p:nvPr>
-        </p:nvSpPr>
-        <p:spPr/>
-        <p:txBody>
-          <a:bodyPr/>
-          <a:lstStyle/>
-          <a:p>
-            <a:fld id="{8F2E2E9F-A203-4C72-94A4-F4CDA3C755F8}" type="slidenum">
-              <a:rPr lang="en-IN" smtClean="0"/>
-              <a:t>‹#›</a:t>
-            </a:fld>
-            <a:endParaRPr lang="en-IN"/>
-          </a:p>
-        </p:txBody>
-      </p:sp>
-    </p:spTree>
-    <p:extLst>
-      <p:ext uri="{BB962C8B-B14F-4D97-AF65-F5344CB8AC3E}">
-        <p14:creationId xmlns:p14="http://schemas.microsoft.com/office/powerpoint/2010/main" val="3466918378"/>
-      </p:ext>
-    </p:extLst>
-  </p:cSld>
-  <p:clrMapOvr>
-    <a:masterClrMapping/>
-  </p:clrMapOvr>
-</p:sldLayout>
-</file>
-
-<file path=ppt/slideLayouts/slideLayout16.xml><?xml version="1.0" encoding="utf-8"?>
-<p:sldLayout xmlns:a="http://schemas.openxmlformats.org/drawingml/2006/main" xmlns:r="http://schemas.openxmlformats.org/officeDocument/2006/relationships" xmlns:p="http://schemas.openxmlformats.org/presentationml/2006/main" type="vertTx" preserve="1">
-  <p:cSld name="Title and Vertical Text">
-    <p:spTree>
-      <p:nvGrpSpPr>
-        <p:cNvPr id="1" name=""/>
-        <p:cNvGrpSpPr/>
-        <p:nvPr/>
-      </p:nvGrpSpPr>
-      <p:grpSpPr>
-        <a:xfrm>
-          <a:off x="0" y="0"/>
-          <a:ext cx="0" cy="0"/>
-          <a:chOff x="0" y="0"/>
-          <a:chExt cx="0" cy="0"/>
-        </a:xfrm>
-      </p:grpSpPr>
-      <p:sp>
-        <p:nvSpPr>
-          <p:cNvPr id="2" name="Title 1"/>
-          <p:cNvSpPr>
-            <a:spLocks noGrp="1"/>
-          </p:cNvSpPr>
-          <p:nvPr>
-            <p:ph type="title"/>
-          </p:nvPr>
-        </p:nvSpPr>
-        <p:spPr/>
-        <p:txBody>
-          <a:bodyPr/>
-          <a:lstStyle/>
-          <a:p>
-            <a:r>
-              <a:rPr lang="en-US" smtClean="0"/>
-              <a:t>Click to edit Master title style</a:t>
-            </a:r>
-            <a:endParaRPr lang="en-US" dirty="0"/>
-          </a:p>
-        </p:txBody>
-      </p:sp>
-      <p:sp>
-        <p:nvSpPr>
-          <p:cNvPr id="3" name="Vertical Text Placeholder 2"/>
-          <p:cNvSpPr>
-            <a:spLocks noGrp="1"/>
-          </p:cNvSpPr>
-          <p:nvPr>
-            <p:ph type="body" orient="vert" idx="1"/>
-          </p:nvPr>
-        </p:nvSpPr>
-        <p:spPr/>
-        <p:txBody>
-          <a:bodyPr vert="eaVert" anchor="t" anchorCtr="0"/>
-          <a:lstStyle/>
-          <a:p>
-            <a:pPr lvl="0"/>
-            <a:r>
-              <a:rPr lang="en-US" smtClean="0"/>
-              <a:t>Edit Master text styles</a:t>
-            </a:r>
-          </a:p>
-          <a:p>
-            <a:pPr lvl="1"/>
-            <a:r>
-              <a:rPr lang="en-US" smtClean="0"/>
-              <a:t>Second level</a:t>
-            </a:r>
-          </a:p>
-          <a:p>
-            <a:pPr lvl="2"/>
-            <a:r>
-              <a:rPr lang="en-US" smtClean="0"/>
-              <a:t>Third level</a:t>
-            </a:r>
-          </a:p>
-          <a:p>
-            <a:pPr lvl="3"/>
-            <a:r>
-              <a:rPr lang="en-US" smtClean="0"/>
-              <a:t>Fourth level</a:t>
-            </a:r>
-          </a:p>
-          <a:p>
-            <a:pPr lvl="4"/>
-            <a:r>
-              <a:rPr lang="en-US" smtClean="0"/>
-              <a:t>Fifth level</a:t>
-            </a:r>
-            <a:endParaRPr lang="en-US" dirty="0"/>
-          </a:p>
-        </p:txBody>
-      </p:sp>
-      <p:sp>
-        <p:nvSpPr>
-          <p:cNvPr id="4" name="Date Placeholder 3"/>
-          <p:cNvSpPr>
-            <a:spLocks noGrp="1"/>
-          </p:cNvSpPr>
-          <p:nvPr>
-            <p:ph type="dt" sz="half" idx="10"/>
-          </p:nvPr>
-        </p:nvSpPr>
-        <p:spPr/>
-        <p:txBody>
-          <a:bodyPr/>
-          <a:lstStyle/>
-          <a:p>
-            <a:fld id="{F1E0E487-B63A-4AEA-92B6-7087F2C7175D}" type="datetimeFigureOut">
-              <a:rPr lang="en-IN" smtClean="0"/>
-              <a:t>04-11-2018</a:t>
-            </a:fld>
-            <a:endParaRPr lang="en-IN"/>
-          </a:p>
-        </p:txBody>
-      </p:sp>
-      <p:sp>
-        <p:nvSpPr>
-          <p:cNvPr id="5" name="Footer Placeholder 4"/>
-          <p:cNvSpPr>
-            <a:spLocks noGrp="1"/>
-          </p:cNvSpPr>
-          <p:nvPr>
-            <p:ph type="ftr" sz="quarter" idx="11"/>
-          </p:nvPr>
-        </p:nvSpPr>
-        <p:spPr/>
-        <p:txBody>
-          <a:bodyPr/>
-          <a:lstStyle/>
-          <a:p>
-            <a:endParaRPr lang="en-IN"/>
-          </a:p>
-        </p:txBody>
-      </p:sp>
-      <p:sp>
-        <p:nvSpPr>
-          <p:cNvPr id="6" name="Slide Number Placeholder 5"/>
-          <p:cNvSpPr>
-            <a:spLocks noGrp="1"/>
-          </p:cNvSpPr>
-          <p:nvPr>
-            <p:ph type="sldNum" sz="quarter" idx="12"/>
-          </p:nvPr>
-        </p:nvSpPr>
-        <p:spPr/>
-        <p:txBody>
-          <a:bodyPr/>
-          <a:lstStyle/>
-          <a:p>
-            <a:fld id="{8F2E2E9F-A203-4C72-94A4-F4CDA3C755F8}" type="slidenum">
-              <a:rPr lang="en-IN" smtClean="0"/>
-              <a:t>‹#›</a:t>
-            </a:fld>
-            <a:endParaRPr lang="en-IN"/>
-          </a:p>
-        </p:txBody>
-      </p:sp>
-    </p:spTree>
-    <p:extLst>
-      <p:ext uri="{BB962C8B-B14F-4D97-AF65-F5344CB8AC3E}">
-        <p14:creationId xmlns:p14="http://schemas.microsoft.com/office/powerpoint/2010/main" val="1711262243"/>
-      </p:ext>
-    </p:extLst>
-  </p:cSld>
-  <p:clrMapOvr>
-    <a:masterClrMapping/>
-  </p:clrMapOvr>
-</p:sldLayout>
-</file>
-
-<file path=ppt/slideLayouts/slideLayout17.xml><?xml version="1.0" encoding="utf-8"?>
-<p:sldLayout xmlns:a="http://schemas.openxmlformats.org/drawingml/2006/main" xmlns:r="http://schemas.openxmlformats.org/officeDocument/2006/relationships" xmlns:p="http://schemas.openxmlformats.org/presentationml/2006/main" type="vertTitleAndTx" preserve="1">
-  <p:cSld name="Vertical Title and Text">
-    <p:spTree>
-      <p:nvGrpSpPr>
-        <p:cNvPr id="1" name=""/>
-        <p:cNvGrpSpPr/>
-        <p:nvPr/>
-      </p:nvGrpSpPr>
-      <p:grpSpPr>
-        <a:xfrm>
-          <a:off x="0" y="0"/>
-          <a:ext cx="0" cy="0"/>
-          <a:chOff x="0" y="0"/>
-          <a:chExt cx="0" cy="0"/>
-        </a:xfrm>
-      </p:grpSpPr>
-      <p:sp>
-        <p:nvSpPr>
-          <p:cNvPr id="2" name="Vertical Title 1"/>
-          <p:cNvSpPr>
-            <a:spLocks noGrp="1"/>
-          </p:cNvSpPr>
-          <p:nvPr>
-            <p:ph type="title" orient="vert"/>
-          </p:nvPr>
-        </p:nvSpPr>
-        <p:spPr>
-          <a:xfrm>
-            <a:off x="8304212" y="430213"/>
-            <a:ext cx="1752601" cy="5826125"/>
-          </a:xfrm>
-        </p:spPr>
-        <p:txBody>
-          <a:bodyPr vert="eaVert" anchor="b" anchorCtr="0"/>
-          <a:lstStyle/>
-          <a:p>
-            <a:r>
-              <a:rPr lang="en-US" smtClean="0"/>
-              <a:t>Click to edit Master title style</a:t>
-            </a:r>
-            <a:endParaRPr lang="en-US" dirty="0"/>
-          </a:p>
-        </p:txBody>
-      </p:sp>
-      <p:sp>
-        <p:nvSpPr>
-          <p:cNvPr id="3" name="Vertical Text Placeholder 2"/>
-          <p:cNvSpPr>
-            <a:spLocks noGrp="1"/>
-          </p:cNvSpPr>
-          <p:nvPr>
-            <p:ph type="body" orient="vert" idx="1"/>
-          </p:nvPr>
-        </p:nvSpPr>
-        <p:spPr>
-          <a:xfrm>
-            <a:off x="652463" y="887414"/>
-            <a:ext cx="7423149" cy="5368924"/>
-          </a:xfrm>
-        </p:spPr>
-        <p:txBody>
-          <a:bodyPr vert="eaVert"/>
-          <a:lstStyle/>
-          <a:p>
-            <a:pPr lvl="0"/>
-            <a:r>
-              <a:rPr lang="en-US" smtClean="0"/>
-              <a:t>Edit Master text styles</a:t>
-            </a:r>
-          </a:p>
-          <a:p>
-            <a:pPr lvl="1"/>
-            <a:r>
-              <a:rPr lang="en-US" smtClean="0"/>
-              <a:t>Second level</a:t>
-            </a:r>
-          </a:p>
-          <a:p>
-            <a:pPr lvl="2"/>
-            <a:r>
-              <a:rPr lang="en-US" smtClean="0"/>
-              <a:t>Third level</a:t>
-            </a:r>
-          </a:p>
-          <a:p>
-            <a:pPr lvl="3"/>
-            <a:r>
-              <a:rPr lang="en-US" smtClean="0"/>
-              <a:t>Fourth level</a:t>
-            </a:r>
-          </a:p>
-          <a:p>
-            <a:pPr lvl="4"/>
-            <a:r>
-              <a:rPr lang="en-US" smtClean="0"/>
-              <a:t>Fifth level</a:t>
-            </a:r>
-            <a:endParaRPr lang="en-US" dirty="0"/>
-          </a:p>
-        </p:txBody>
-      </p:sp>
-      <p:sp>
-        <p:nvSpPr>
-          <p:cNvPr id="4" name="Date Placeholder 3"/>
-          <p:cNvSpPr>
-            <a:spLocks noGrp="1"/>
-          </p:cNvSpPr>
-          <p:nvPr>
-            <p:ph type="dt" sz="half" idx="10"/>
-          </p:nvPr>
-        </p:nvSpPr>
-        <p:spPr/>
-        <p:txBody>
-          <a:bodyPr/>
-          <a:lstStyle/>
-          <a:p>
-            <a:fld id="{F1E0E487-B63A-4AEA-92B6-7087F2C7175D}" type="datetimeFigureOut">
-              <a:rPr lang="en-IN" smtClean="0"/>
-              <a:t>04-11-2018</a:t>
-            </a:fld>
-            <a:endParaRPr lang="en-IN"/>
-          </a:p>
-        </p:txBody>
-      </p:sp>
-      <p:sp>
-        <p:nvSpPr>
-          <p:cNvPr id="5" name="Footer Placeholder 4"/>
-          <p:cNvSpPr>
-            <a:spLocks noGrp="1"/>
-          </p:cNvSpPr>
-          <p:nvPr>
-            <p:ph type="ftr" sz="quarter" idx="11"/>
-          </p:nvPr>
-        </p:nvSpPr>
-        <p:spPr/>
-        <p:txBody>
-          <a:bodyPr/>
-          <a:lstStyle/>
-          <a:p>
-            <a:endParaRPr lang="en-IN"/>
-          </a:p>
-        </p:txBody>
-      </p:sp>
-      <p:sp>
-        <p:nvSpPr>
-          <p:cNvPr id="6" name="Slide Number Placeholder 5"/>
-          <p:cNvSpPr>
-            <a:spLocks noGrp="1"/>
-          </p:cNvSpPr>
-          <p:nvPr>
-            <p:ph type="sldNum" sz="quarter" idx="12"/>
-          </p:nvPr>
-        </p:nvSpPr>
-        <p:spPr/>
-        <p:txBody>
-          <a:bodyPr/>
-          <a:lstStyle/>
-          <a:p>
-            <a:fld id="{8F2E2E9F-A203-4C72-94A4-F4CDA3C755F8}" type="slidenum">
-              <a:rPr lang="en-IN" smtClean="0"/>
-              <a:t>‹#›</a:t>
-            </a:fld>
-            <a:endParaRPr lang="en-IN"/>
-          </a:p>
-        </p:txBody>
-      </p:sp>
-    </p:spTree>
-    <p:extLst>
-      <p:ext uri="{BB962C8B-B14F-4D97-AF65-F5344CB8AC3E}">
-        <p14:creationId xmlns:p14="http://schemas.microsoft.com/office/powerpoint/2010/main" val="2038829703"/>
-      </p:ext>
-    </p:extLst>
-  </p:cSld>
-  <p:clrMapOvr>
-    <a:masterClrMapping/>
-  </p:clrMapOvr>
-</p:sldLayout>
-</file>
-
-<file path=ppt/slideLayouts/slideLayout2.xml><?xml version="1.0" encoding="utf-8"?>
-<p:sldLayout xmlns:a="http://schemas.openxmlformats.org/drawingml/2006/main" xmlns:r="http://schemas.openxmlformats.org/officeDocument/2006/relationships" xmlns:p="http://schemas.openxmlformats.org/presentationml/2006/main" type="obj" preserve="1">
-  <p:cSld name="Title and Content">
-    <p:spTree>
-      <p:nvGrpSpPr>
-        <p:cNvPr id="1" name=""/>
-        <p:cNvGrpSpPr/>
-        <p:nvPr/>
-      </p:nvGrpSpPr>
-      <p:grpSpPr>
-        <a:xfrm>
-          <a:off x="0" y="0"/>
-          <a:ext cx="0" cy="0"/>
-          <a:chOff x="0" y="0"/>
-          <a:chExt cx="0" cy="0"/>
-        </a:xfrm>
-      </p:grpSpPr>
-      <p:sp>
-        <p:nvSpPr>
-          <p:cNvPr id="2" name="Title 1"/>
-          <p:cNvSpPr>
-            <a:spLocks noGrp="1"/>
-          </p:cNvSpPr>
-          <p:nvPr>
-            <p:ph type="title"/>
-          </p:nvPr>
-        </p:nvSpPr>
-        <p:spPr/>
-        <p:txBody>
-          <a:bodyPr/>
-          <a:lstStyle/>
-          <a:p>
-            <a:r>
-              <a:rPr lang="en-US" smtClean="0"/>
-              <a:t>Click to edit Master title style</a:t>
-            </a:r>
-            <a:endParaRPr lang="en-US" dirty="0"/>
-          </a:p>
-        </p:txBody>
-      </p:sp>
-      <p:sp>
-        <p:nvSpPr>
-          <p:cNvPr id="3" name="Content Placeholder 2"/>
-          <p:cNvSpPr>
-            <a:spLocks noGrp="1"/>
-          </p:cNvSpPr>
-          <p:nvPr>
-            <p:ph idx="1"/>
-          </p:nvPr>
-        </p:nvSpPr>
-        <p:spPr/>
-        <p:txBody>
-          <a:bodyPr/>
-          <a:lstStyle/>
-          <a:p>
-            <a:pPr lvl="0"/>
-            <a:r>
-              <a:rPr lang="en-US" smtClean="0"/>
-              <a:t>Edit Master text styles</a:t>
-            </a:r>
-          </a:p>
-          <a:p>
-            <a:pPr lvl="1"/>
-            <a:r>
-              <a:rPr lang="en-US" smtClean="0"/>
-              <a:t>Second level</a:t>
-            </a:r>
-          </a:p>
-          <a:p>
-            <a:pPr lvl="2"/>
-            <a:r>
-              <a:rPr lang="en-US" smtClean="0"/>
-              <a:t>Third level</a:t>
-            </a:r>
-          </a:p>
-          <a:p>
-            <a:pPr lvl="3"/>
-            <a:r>
-              <a:rPr lang="en-US" smtClean="0"/>
-              <a:t>Fourth level</a:t>
-            </a:r>
-          </a:p>
-          <a:p>
-            <a:pPr lvl="4"/>
-            <a:r>
-              <a:rPr lang="en-US" smtClean="0"/>
-              <a:t>Fifth level</a:t>
-            </a:r>
-            <a:endParaRPr lang="en-US" dirty="0"/>
-          </a:p>
-        </p:txBody>
-      </p:sp>
-      <p:sp>
-        <p:nvSpPr>
-          <p:cNvPr id="7" name="Date Placeholder 3"/>
-          <p:cNvSpPr>
-            <a:spLocks noGrp="1"/>
-          </p:cNvSpPr>
-          <p:nvPr>
-            <p:ph type="dt" sz="half" idx="10"/>
-          </p:nvPr>
-        </p:nvSpPr>
-        <p:spPr/>
-        <p:txBody>
-          <a:bodyPr/>
-          <a:lstStyle/>
-          <a:p>
-            <a:fld id="{F1E0E487-B63A-4AEA-92B6-7087F2C7175D}" type="datetimeFigureOut">
-              <a:rPr lang="en-IN" smtClean="0"/>
-              <a:t>04-11-2018</a:t>
-            </a:fld>
-            <a:endParaRPr lang="en-IN"/>
-          </a:p>
-        </p:txBody>
-      </p:sp>
-      <p:sp>
-        <p:nvSpPr>
-          <p:cNvPr id="5" name="Footer Placeholder 4"/>
-          <p:cNvSpPr>
-            <a:spLocks noGrp="1"/>
-          </p:cNvSpPr>
-          <p:nvPr>
-            <p:ph type="ftr" sz="quarter" idx="11"/>
-          </p:nvPr>
-        </p:nvSpPr>
-        <p:spPr/>
-        <p:txBody>
-          <a:bodyPr/>
-          <a:lstStyle/>
-          <a:p>
-            <a:endParaRPr lang="en-IN"/>
-          </a:p>
-        </p:txBody>
-      </p:sp>
-      <p:sp>
-        <p:nvSpPr>
-          <p:cNvPr id="6" name="Slide Number Placeholder 5"/>
-          <p:cNvSpPr>
-            <a:spLocks noGrp="1"/>
-          </p:cNvSpPr>
-          <p:nvPr>
-            <p:ph type="sldNum" sz="quarter" idx="12"/>
-          </p:nvPr>
-        </p:nvSpPr>
-        <p:spPr/>
-        <p:txBody>
-          <a:bodyPr/>
-          <a:lstStyle/>
-          <a:p>
-            <a:fld id="{8F2E2E9F-A203-4C72-94A4-F4CDA3C755F8}" type="slidenum">
-              <a:rPr lang="en-IN" smtClean="0"/>
-              <a:t>‹#›</a:t>
-            </a:fld>
-            <a:endParaRPr lang="en-IN"/>
-          </a:p>
-        </p:txBody>
-      </p:sp>
-    </p:spTree>
-    <p:extLst>
-      <p:ext uri="{BB962C8B-B14F-4D97-AF65-F5344CB8AC3E}">
-        <p14:creationId xmlns:p14="http://schemas.microsoft.com/office/powerpoint/2010/main" val="949156802"/>
-      </p:ext>
-    </p:extLst>
-  </p:cSld>
-  <p:clrMapOvr>
-    <a:masterClrMapping/>
-  </p:clrMapOvr>
-</p:sldLayout>
-</file>
-
-<file path=ppt/slideLayouts/slideLayout3.xml><?xml version="1.0" encoding="utf-8"?>
-<p:sldLayout xmlns:a="http://schemas.openxmlformats.org/drawingml/2006/main" xmlns:r="http://schemas.openxmlformats.org/officeDocument/2006/relationships" xmlns:p="http://schemas.openxmlformats.org/presentationml/2006/main" type="secHead" preserve="1">
-  <p:cSld name="Section Header">
-    <p:spTree>
-      <p:nvGrpSpPr>
-        <p:cNvPr id="1" name=""/>
-        <p:cNvGrpSpPr/>
-        <p:nvPr/>
-      </p:nvGrpSpPr>
-      <p:grpSpPr>
-        <a:xfrm>
-          <a:off x="0" y="0"/>
-          <a:ext cx="0" cy="0"/>
-          <a:chOff x="0" y="0"/>
-          <a:chExt cx="0" cy="0"/>
-        </a:xfrm>
-      </p:grpSpPr>
-      <p:sp>
-        <p:nvSpPr>
-          <p:cNvPr id="2" name="Title 1"/>
-          <p:cNvSpPr>
-            <a:spLocks noGrp="1"/>
-          </p:cNvSpPr>
-          <p:nvPr>
-            <p:ph type="title"/>
-          </p:nvPr>
-        </p:nvSpPr>
-        <p:spPr>
-          <a:xfrm>
-            <a:off x="1154956" y="2861733"/>
-            <a:ext cx="8825657" cy="1915647"/>
-          </a:xfrm>
-        </p:spPr>
-        <p:txBody>
-          <a:bodyPr anchor="b"/>
-          <a:lstStyle>
-            <a:lvl1pPr algn="l">
-              <a:defRPr sz="4000" b="0" cap="none"/>
-            </a:lvl1pPr>
-          </a:lstStyle>
-          <a:p>
-            <a:r>
-              <a:rPr lang="en-US" smtClean="0"/>
-              <a:t>Click to edit Master title style</a:t>
-            </a:r>
-            <a:endParaRPr lang="en-US" dirty="0"/>
-          </a:p>
-        </p:txBody>
-      </p:sp>
-      <p:sp>
-        <p:nvSpPr>
-          <p:cNvPr id="3" name="Text Placeholder 2"/>
-          <p:cNvSpPr>
-            <a:spLocks noGrp="1"/>
-          </p:cNvSpPr>
-          <p:nvPr>
-            <p:ph type="body" idx="1"/>
-          </p:nvPr>
-        </p:nvSpPr>
-        <p:spPr>
-          <a:xfrm>
-            <a:off x="1154955" y="4777381"/>
-            <a:ext cx="8825658" cy="860400"/>
-          </a:xfrm>
-        </p:spPr>
-        <p:txBody>
-          <a:bodyPr anchor="t"/>
-          <a:lstStyle>
-            <a:lvl1pPr marL="0" indent="0" algn="l">
-              <a:buNone/>
-              <a:defRPr sz="2000" cap="all">
-                <a:solidFill>
-                  <a:schemeClr val="bg2">
-                    <a:lumMod val="40000"/>
-                    <a:lumOff val="60000"/>
-                  </a:schemeClr>
+                  <a:schemeClr val="tx1"/>
                 </a:solidFill>
               </a:defRPr>
             </a:lvl1pPr>
@@ -10647,7 +8662,1859 @@
     </p:spTree>
     <p:extLst>
       <p:ext uri="{BB962C8B-B14F-4D97-AF65-F5344CB8AC3E}">
-        <p14:creationId xmlns:p14="http://schemas.microsoft.com/office/powerpoint/2010/main" val="3118687220"/>
+        <p14:creationId xmlns:p14="http://schemas.microsoft.com/office/powerpoint/2010/main" val="3381728178"/>
+      </p:ext>
+    </p:extLst>
+  </p:cSld>
+  <p:clrMapOvr>
+    <a:masterClrMapping/>
+  </p:clrMapOvr>
+</p:sldLayout>
+</file>
+
+<file path=ppt/slideLayouts/slideLayout13.xml><?xml version="1.0" encoding="utf-8"?>
+<p:sldLayout xmlns:a="http://schemas.openxmlformats.org/drawingml/2006/main" xmlns:r="http://schemas.openxmlformats.org/officeDocument/2006/relationships" xmlns:p="http://schemas.openxmlformats.org/presentationml/2006/main" preserve="1">
+  <p:cSld name="Name Card">
+    <p:spTree>
+      <p:nvGrpSpPr>
+        <p:cNvPr id="1" name=""/>
+        <p:cNvGrpSpPr/>
+        <p:nvPr/>
+      </p:nvGrpSpPr>
+      <p:grpSpPr>
+        <a:xfrm>
+          <a:off x="0" y="0"/>
+          <a:ext cx="0" cy="0"/>
+          <a:chOff x="0" y="0"/>
+          <a:chExt cx="0" cy="0"/>
+        </a:xfrm>
+      </p:grpSpPr>
+      <p:sp>
+        <p:nvSpPr>
+          <p:cNvPr id="2" name="Title 1"/>
+          <p:cNvSpPr>
+            <a:spLocks noGrp="1"/>
+          </p:cNvSpPr>
+          <p:nvPr>
+            <p:ph type="title"/>
+          </p:nvPr>
+        </p:nvSpPr>
+        <p:spPr>
+          <a:xfrm>
+            <a:off x="1484313" y="3308581"/>
+            <a:ext cx="10018709" cy="1468800"/>
+          </a:xfrm>
+        </p:spPr>
+        <p:txBody>
+          <a:bodyPr anchor="b">
+            <a:normAutofit/>
+          </a:bodyPr>
+          <a:lstStyle>
+            <a:lvl1pPr algn="r">
+              <a:defRPr sz="3200" b="0" cap="none"/>
+            </a:lvl1pPr>
+          </a:lstStyle>
+          <a:p>
+            <a:r>
+              <a:rPr lang="en-US" smtClean="0"/>
+              <a:t>Click to edit Master title style</a:t>
+            </a:r>
+            <a:endParaRPr lang="en-US" dirty="0"/>
+          </a:p>
+        </p:txBody>
+      </p:sp>
+      <p:sp>
+        <p:nvSpPr>
+          <p:cNvPr id="3" name="Text Placeholder 2"/>
+          <p:cNvSpPr>
+            <a:spLocks noGrp="1"/>
+          </p:cNvSpPr>
+          <p:nvPr>
+            <p:ph type="body" idx="1"/>
+          </p:nvPr>
+        </p:nvSpPr>
+        <p:spPr>
+          <a:xfrm>
+            <a:off x="1484312" y="4777381"/>
+            <a:ext cx="10018710" cy="860400"/>
+          </a:xfrm>
+        </p:spPr>
+        <p:txBody>
+          <a:bodyPr anchor="t">
+            <a:normAutofit/>
+          </a:bodyPr>
+          <a:lstStyle>
+            <a:lvl1pPr marL="0" indent="0" algn="r">
+              <a:buNone/>
+              <a:defRPr sz="2000">
+                <a:solidFill>
+                  <a:schemeClr val="tx1"/>
+                </a:solidFill>
+              </a:defRPr>
+            </a:lvl1pPr>
+            <a:lvl2pPr marL="457200" indent="0">
+              <a:buNone/>
+              <a:defRPr sz="1800">
+                <a:solidFill>
+                  <a:schemeClr val="tx1">
+                    <a:tint val="75000"/>
+                  </a:schemeClr>
+                </a:solidFill>
+              </a:defRPr>
+            </a:lvl2pPr>
+            <a:lvl3pPr marL="914400" indent="0">
+              <a:buNone/>
+              <a:defRPr sz="1600">
+                <a:solidFill>
+                  <a:schemeClr val="tx1">
+                    <a:tint val="75000"/>
+                  </a:schemeClr>
+                </a:solidFill>
+              </a:defRPr>
+            </a:lvl3pPr>
+            <a:lvl4pPr marL="1371600" indent="0">
+              <a:buNone/>
+              <a:defRPr sz="1400">
+                <a:solidFill>
+                  <a:schemeClr val="tx1">
+                    <a:tint val="75000"/>
+                  </a:schemeClr>
+                </a:solidFill>
+              </a:defRPr>
+            </a:lvl4pPr>
+            <a:lvl5pPr marL="1828800" indent="0">
+              <a:buNone/>
+              <a:defRPr sz="1400">
+                <a:solidFill>
+                  <a:schemeClr val="tx1">
+                    <a:tint val="75000"/>
+                  </a:schemeClr>
+                </a:solidFill>
+              </a:defRPr>
+            </a:lvl5pPr>
+            <a:lvl6pPr marL="2286000" indent="0">
+              <a:buNone/>
+              <a:defRPr sz="1400">
+                <a:solidFill>
+                  <a:schemeClr val="tx1">
+                    <a:tint val="75000"/>
+                  </a:schemeClr>
+                </a:solidFill>
+              </a:defRPr>
+            </a:lvl6pPr>
+            <a:lvl7pPr marL="2743200" indent="0">
+              <a:buNone/>
+              <a:defRPr sz="1400">
+                <a:solidFill>
+                  <a:schemeClr val="tx1">
+                    <a:tint val="75000"/>
+                  </a:schemeClr>
+                </a:solidFill>
+              </a:defRPr>
+            </a:lvl7pPr>
+            <a:lvl8pPr marL="3200400" indent="0">
+              <a:buNone/>
+              <a:defRPr sz="1400">
+                <a:solidFill>
+                  <a:schemeClr val="tx1">
+                    <a:tint val="75000"/>
+                  </a:schemeClr>
+                </a:solidFill>
+              </a:defRPr>
+            </a:lvl8pPr>
+            <a:lvl9pPr marL="3657600" indent="0">
+              <a:buNone/>
+              <a:defRPr sz="1400">
+                <a:solidFill>
+                  <a:schemeClr val="tx1">
+                    <a:tint val="75000"/>
+                  </a:schemeClr>
+                </a:solidFill>
+              </a:defRPr>
+            </a:lvl9pPr>
+          </a:lstStyle>
+          <a:p>
+            <a:pPr lvl="0"/>
+            <a:r>
+              <a:rPr lang="en-US" smtClean="0"/>
+              <a:t>Edit Master text styles</a:t>
+            </a:r>
+          </a:p>
+        </p:txBody>
+      </p:sp>
+      <p:sp>
+        <p:nvSpPr>
+          <p:cNvPr id="4" name="Date Placeholder 3"/>
+          <p:cNvSpPr>
+            <a:spLocks noGrp="1"/>
+          </p:cNvSpPr>
+          <p:nvPr>
+            <p:ph type="dt" sz="half" idx="10"/>
+          </p:nvPr>
+        </p:nvSpPr>
+        <p:spPr/>
+        <p:txBody>
+          <a:bodyPr/>
+          <a:lstStyle/>
+          <a:p>
+            <a:fld id="{F1E0E487-B63A-4AEA-92B6-7087F2C7175D}" type="datetimeFigureOut">
+              <a:rPr lang="en-IN" smtClean="0"/>
+              <a:t>04-11-2018</a:t>
+            </a:fld>
+            <a:endParaRPr lang="en-IN"/>
+          </a:p>
+        </p:txBody>
+      </p:sp>
+      <p:sp>
+        <p:nvSpPr>
+          <p:cNvPr id="5" name="Footer Placeholder 4"/>
+          <p:cNvSpPr>
+            <a:spLocks noGrp="1"/>
+          </p:cNvSpPr>
+          <p:nvPr>
+            <p:ph type="ftr" sz="quarter" idx="11"/>
+          </p:nvPr>
+        </p:nvSpPr>
+        <p:spPr/>
+        <p:txBody>
+          <a:bodyPr/>
+          <a:lstStyle/>
+          <a:p>
+            <a:endParaRPr lang="en-IN"/>
+          </a:p>
+        </p:txBody>
+      </p:sp>
+      <p:sp>
+        <p:nvSpPr>
+          <p:cNvPr id="6" name="Slide Number Placeholder 5"/>
+          <p:cNvSpPr>
+            <a:spLocks noGrp="1"/>
+          </p:cNvSpPr>
+          <p:nvPr>
+            <p:ph type="sldNum" sz="quarter" idx="12"/>
+          </p:nvPr>
+        </p:nvSpPr>
+        <p:spPr/>
+        <p:txBody>
+          <a:bodyPr/>
+          <a:lstStyle/>
+          <a:p>
+            <a:fld id="{8F2E2E9F-A203-4C72-94A4-F4CDA3C755F8}" type="slidenum">
+              <a:rPr lang="en-IN" smtClean="0"/>
+              <a:t>‹#›</a:t>
+            </a:fld>
+            <a:endParaRPr lang="en-IN"/>
+          </a:p>
+        </p:txBody>
+      </p:sp>
+    </p:spTree>
+    <p:extLst>
+      <p:ext uri="{BB962C8B-B14F-4D97-AF65-F5344CB8AC3E}">
+        <p14:creationId xmlns:p14="http://schemas.microsoft.com/office/powerpoint/2010/main" val="2329923184"/>
+      </p:ext>
+    </p:extLst>
+  </p:cSld>
+  <p:clrMapOvr>
+    <a:masterClrMapping/>
+  </p:clrMapOvr>
+</p:sldLayout>
+</file>
+
+<file path=ppt/slideLayouts/slideLayout14.xml><?xml version="1.0" encoding="utf-8"?>
+<p:sldLayout xmlns:a="http://schemas.openxmlformats.org/drawingml/2006/main" xmlns:r="http://schemas.openxmlformats.org/officeDocument/2006/relationships" xmlns:p="http://schemas.openxmlformats.org/presentationml/2006/main" preserve="1">
+  <p:cSld name="Quote Name Card">
+    <p:spTree>
+      <p:nvGrpSpPr>
+        <p:cNvPr id="1" name=""/>
+        <p:cNvGrpSpPr/>
+        <p:nvPr/>
+      </p:nvGrpSpPr>
+      <p:grpSpPr>
+        <a:xfrm>
+          <a:off x="0" y="0"/>
+          <a:ext cx="0" cy="0"/>
+          <a:chOff x="0" y="0"/>
+          <a:chExt cx="0" cy="0"/>
+        </a:xfrm>
+      </p:grpSpPr>
+      <p:sp>
+        <p:nvSpPr>
+          <p:cNvPr id="14" name="TextBox 13"/>
+          <p:cNvSpPr txBox="1"/>
+          <p:nvPr/>
+        </p:nvSpPr>
+        <p:spPr>
+          <a:xfrm>
+            <a:off x="1598612" y="863023"/>
+            <a:ext cx="609600" cy="584776"/>
+          </a:xfrm>
+          <a:prstGeom prst="rect">
+            <a:avLst/>
+          </a:prstGeom>
+        </p:spPr>
+        <p:txBody>
+          <a:bodyPr vert="horz" lIns="91440" tIns="45720" rIns="91440" bIns="45720" rtlCol="0" anchor="ctr">
+            <a:noAutofit/>
+          </a:bodyPr>
+          <a:lstStyle>
+            <a:lvl1pPr>
+              <a:spcBef>
+                <a:spcPct val="0"/>
+              </a:spcBef>
+              <a:buNone/>
+              <a:defRPr sz="3200" b="0" cap="all">
+                <a:ln w="3175" cmpd="sng">
+                  <a:noFill/>
+                </a:ln>
+                <a:effectLst>
+                  <a:glow rad="38100">
+                    <a:schemeClr val="bg1">
+                      <a:lumMod val="65000"/>
+                      <a:lumOff val="35000"/>
+                      <a:alpha val="40000"/>
+                    </a:schemeClr>
+                  </a:glow>
+                  <a:outerShdw blurRad="28575" dist="38100" dir="14040000" algn="tl" rotWithShape="0">
+                    <a:srgbClr val="000000">
+                      <a:alpha val="25000"/>
+                    </a:srgbClr>
+                  </a:outerShdw>
+                </a:effectLst>
+              </a:defRPr>
+            </a:lvl1pPr>
+            <a:lvl2pPr>
+              <a:defRPr>
+                <a:solidFill>
+                  <a:schemeClr val="tx2"/>
+                </a:solidFill>
+              </a:defRPr>
+            </a:lvl2pPr>
+            <a:lvl3pPr>
+              <a:defRPr>
+                <a:solidFill>
+                  <a:schemeClr val="tx2"/>
+                </a:solidFill>
+              </a:defRPr>
+            </a:lvl3pPr>
+            <a:lvl4pPr>
+              <a:defRPr>
+                <a:solidFill>
+                  <a:schemeClr val="tx2"/>
+                </a:solidFill>
+              </a:defRPr>
+            </a:lvl4pPr>
+            <a:lvl5pPr>
+              <a:defRPr>
+                <a:solidFill>
+                  <a:schemeClr val="tx2"/>
+                </a:solidFill>
+              </a:defRPr>
+            </a:lvl5pPr>
+            <a:lvl6pPr>
+              <a:defRPr>
+                <a:solidFill>
+                  <a:schemeClr val="tx2"/>
+                </a:solidFill>
+              </a:defRPr>
+            </a:lvl6pPr>
+            <a:lvl7pPr>
+              <a:defRPr>
+                <a:solidFill>
+                  <a:schemeClr val="tx2"/>
+                </a:solidFill>
+              </a:defRPr>
+            </a:lvl7pPr>
+            <a:lvl8pPr>
+              <a:defRPr>
+                <a:solidFill>
+                  <a:schemeClr val="tx2"/>
+                </a:solidFill>
+              </a:defRPr>
+            </a:lvl8pPr>
+            <a:lvl9pPr>
+              <a:defRPr>
+                <a:solidFill>
+                  <a:schemeClr val="tx2"/>
+                </a:solidFill>
+              </a:defRPr>
+            </a:lvl9pPr>
+          </a:lstStyle>
+          <a:p>
+            <a:pPr lvl="0"/>
+            <a:r>
+              <a:rPr lang="en-US" sz="8000" dirty="0">
+                <a:solidFill>
+                  <a:schemeClr val="tx1"/>
+                </a:solidFill>
+                <a:effectLst/>
+              </a:rPr>
+              <a:t>“</a:t>
+            </a:r>
+          </a:p>
+        </p:txBody>
+      </p:sp>
+      <p:sp>
+        <p:nvSpPr>
+          <p:cNvPr id="15" name="TextBox 14"/>
+          <p:cNvSpPr txBox="1"/>
+          <p:nvPr/>
+        </p:nvSpPr>
+        <p:spPr>
+          <a:xfrm>
+            <a:off x="10893425" y="2819399"/>
+            <a:ext cx="609600" cy="584776"/>
+          </a:xfrm>
+          <a:prstGeom prst="rect">
+            <a:avLst/>
+          </a:prstGeom>
+        </p:spPr>
+        <p:txBody>
+          <a:bodyPr vert="horz" lIns="91440" tIns="45720" rIns="91440" bIns="45720" rtlCol="0" anchor="ctr">
+            <a:noAutofit/>
+          </a:bodyPr>
+          <a:lstStyle>
+            <a:lvl1pPr>
+              <a:spcBef>
+                <a:spcPct val="0"/>
+              </a:spcBef>
+              <a:buNone/>
+              <a:defRPr sz="3200" b="0" cap="all">
+                <a:ln w="3175" cmpd="sng">
+                  <a:noFill/>
+                </a:ln>
+                <a:effectLst>
+                  <a:glow rad="38100">
+                    <a:schemeClr val="bg1">
+                      <a:lumMod val="65000"/>
+                      <a:lumOff val="35000"/>
+                      <a:alpha val="40000"/>
+                    </a:schemeClr>
+                  </a:glow>
+                  <a:outerShdw blurRad="28575" dist="38100" dir="14040000" algn="tl" rotWithShape="0">
+                    <a:srgbClr val="000000">
+                      <a:alpha val="25000"/>
+                    </a:srgbClr>
+                  </a:outerShdw>
+                </a:effectLst>
+              </a:defRPr>
+            </a:lvl1pPr>
+            <a:lvl2pPr>
+              <a:defRPr>
+                <a:solidFill>
+                  <a:schemeClr val="tx2"/>
+                </a:solidFill>
+              </a:defRPr>
+            </a:lvl2pPr>
+            <a:lvl3pPr>
+              <a:defRPr>
+                <a:solidFill>
+                  <a:schemeClr val="tx2"/>
+                </a:solidFill>
+              </a:defRPr>
+            </a:lvl3pPr>
+            <a:lvl4pPr>
+              <a:defRPr>
+                <a:solidFill>
+                  <a:schemeClr val="tx2"/>
+                </a:solidFill>
+              </a:defRPr>
+            </a:lvl4pPr>
+            <a:lvl5pPr>
+              <a:defRPr>
+                <a:solidFill>
+                  <a:schemeClr val="tx2"/>
+                </a:solidFill>
+              </a:defRPr>
+            </a:lvl5pPr>
+            <a:lvl6pPr>
+              <a:defRPr>
+                <a:solidFill>
+                  <a:schemeClr val="tx2"/>
+                </a:solidFill>
+              </a:defRPr>
+            </a:lvl6pPr>
+            <a:lvl7pPr>
+              <a:defRPr>
+                <a:solidFill>
+                  <a:schemeClr val="tx2"/>
+                </a:solidFill>
+              </a:defRPr>
+            </a:lvl7pPr>
+            <a:lvl8pPr>
+              <a:defRPr>
+                <a:solidFill>
+                  <a:schemeClr val="tx2"/>
+                </a:solidFill>
+              </a:defRPr>
+            </a:lvl8pPr>
+            <a:lvl9pPr>
+              <a:defRPr>
+                <a:solidFill>
+                  <a:schemeClr val="tx2"/>
+                </a:solidFill>
+              </a:defRPr>
+            </a:lvl9pPr>
+          </a:lstStyle>
+          <a:p>
+            <a:pPr lvl="0" algn="r"/>
+            <a:r>
+              <a:rPr lang="en-US" sz="8000" dirty="0">
+                <a:solidFill>
+                  <a:schemeClr val="tx1"/>
+                </a:solidFill>
+                <a:effectLst/>
+              </a:rPr>
+              <a:t>”</a:t>
+            </a:r>
+          </a:p>
+        </p:txBody>
+      </p:sp>
+      <p:sp>
+        <p:nvSpPr>
+          <p:cNvPr id="2" name="Title 1"/>
+          <p:cNvSpPr>
+            <a:spLocks noGrp="1"/>
+          </p:cNvSpPr>
+          <p:nvPr>
+            <p:ph type="title"/>
+          </p:nvPr>
+        </p:nvSpPr>
+        <p:spPr>
+          <a:xfrm>
+            <a:off x="2208212" y="685800"/>
+            <a:ext cx="8990012" cy="2743199"/>
+          </a:xfrm>
+        </p:spPr>
+        <p:txBody>
+          <a:bodyPr anchor="ctr">
+            <a:normAutofit/>
+          </a:bodyPr>
+          <a:lstStyle>
+            <a:lvl1pPr algn="ctr">
+              <a:defRPr sz="3200" b="0" cap="none">
+                <a:solidFill>
+                  <a:schemeClr val="tx1"/>
+                </a:solidFill>
+              </a:defRPr>
+            </a:lvl1pPr>
+          </a:lstStyle>
+          <a:p>
+            <a:r>
+              <a:rPr lang="en-US" smtClean="0"/>
+              <a:t>Click to edit Master title style</a:t>
+            </a:r>
+            <a:endParaRPr lang="en-US" dirty="0"/>
+          </a:p>
+        </p:txBody>
+      </p:sp>
+      <p:sp>
+        <p:nvSpPr>
+          <p:cNvPr id="10" name="Text Placeholder 9"/>
+          <p:cNvSpPr>
+            <a:spLocks noGrp="1"/>
+          </p:cNvSpPr>
+          <p:nvPr>
+            <p:ph type="body" sz="quarter" idx="13"/>
+          </p:nvPr>
+        </p:nvSpPr>
+        <p:spPr>
+          <a:xfrm>
+            <a:off x="1484313" y="3886200"/>
+            <a:ext cx="10018710" cy="889000"/>
+          </a:xfrm>
+        </p:spPr>
+        <p:txBody>
+          <a:bodyPr vert="horz" lIns="91440" tIns="45720" rIns="91440" bIns="45720" rtlCol="0" anchor="b">
+            <a:normAutofit/>
+          </a:bodyPr>
+          <a:lstStyle>
+            <a:lvl1pPr algn="r">
+              <a:buNone/>
+              <a:defRPr lang="en-US" sz="2400" b="0" cap="none" dirty="0">
+                <a:ln w="3175" cmpd="sng">
+                  <a:noFill/>
+                </a:ln>
+                <a:solidFill>
+                  <a:schemeClr val="tx1"/>
+                </a:solidFill>
+                <a:effectLst/>
+              </a:defRPr>
+            </a:lvl1pPr>
+          </a:lstStyle>
+          <a:p>
+            <a:pPr marL="0" lvl="0">
+              <a:spcBef>
+                <a:spcPct val="0"/>
+              </a:spcBef>
+              <a:buNone/>
+            </a:pPr>
+            <a:r>
+              <a:rPr lang="en-US" smtClean="0"/>
+              <a:t>Edit Master text styles</a:t>
+            </a:r>
+          </a:p>
+        </p:txBody>
+      </p:sp>
+      <p:sp>
+        <p:nvSpPr>
+          <p:cNvPr id="3" name="Text Placeholder 2"/>
+          <p:cNvSpPr>
+            <a:spLocks noGrp="1"/>
+          </p:cNvSpPr>
+          <p:nvPr>
+            <p:ph type="body" idx="1"/>
+          </p:nvPr>
+        </p:nvSpPr>
+        <p:spPr>
+          <a:xfrm>
+            <a:off x="1484312" y="4775200"/>
+            <a:ext cx="10018710" cy="1016000"/>
+          </a:xfrm>
+        </p:spPr>
+        <p:txBody>
+          <a:bodyPr anchor="t">
+            <a:normAutofit/>
+          </a:bodyPr>
+          <a:lstStyle>
+            <a:lvl1pPr marL="0" indent="0" algn="r">
+              <a:buNone/>
+              <a:defRPr sz="1800">
+                <a:solidFill>
+                  <a:schemeClr val="tx1"/>
+                </a:solidFill>
+              </a:defRPr>
+            </a:lvl1pPr>
+            <a:lvl2pPr marL="457200" indent="0">
+              <a:buNone/>
+              <a:defRPr sz="1800">
+                <a:solidFill>
+                  <a:schemeClr val="tx1">
+                    <a:tint val="75000"/>
+                  </a:schemeClr>
+                </a:solidFill>
+              </a:defRPr>
+            </a:lvl2pPr>
+            <a:lvl3pPr marL="914400" indent="0">
+              <a:buNone/>
+              <a:defRPr sz="1600">
+                <a:solidFill>
+                  <a:schemeClr val="tx1">
+                    <a:tint val="75000"/>
+                  </a:schemeClr>
+                </a:solidFill>
+              </a:defRPr>
+            </a:lvl3pPr>
+            <a:lvl4pPr marL="1371600" indent="0">
+              <a:buNone/>
+              <a:defRPr sz="1400">
+                <a:solidFill>
+                  <a:schemeClr val="tx1">
+                    <a:tint val="75000"/>
+                  </a:schemeClr>
+                </a:solidFill>
+              </a:defRPr>
+            </a:lvl4pPr>
+            <a:lvl5pPr marL="1828800" indent="0">
+              <a:buNone/>
+              <a:defRPr sz="1400">
+                <a:solidFill>
+                  <a:schemeClr val="tx1">
+                    <a:tint val="75000"/>
+                  </a:schemeClr>
+                </a:solidFill>
+              </a:defRPr>
+            </a:lvl5pPr>
+            <a:lvl6pPr marL="2286000" indent="0">
+              <a:buNone/>
+              <a:defRPr sz="1400">
+                <a:solidFill>
+                  <a:schemeClr val="tx1">
+                    <a:tint val="75000"/>
+                  </a:schemeClr>
+                </a:solidFill>
+              </a:defRPr>
+            </a:lvl6pPr>
+            <a:lvl7pPr marL="2743200" indent="0">
+              <a:buNone/>
+              <a:defRPr sz="1400">
+                <a:solidFill>
+                  <a:schemeClr val="tx1">
+                    <a:tint val="75000"/>
+                  </a:schemeClr>
+                </a:solidFill>
+              </a:defRPr>
+            </a:lvl7pPr>
+            <a:lvl8pPr marL="3200400" indent="0">
+              <a:buNone/>
+              <a:defRPr sz="1400">
+                <a:solidFill>
+                  <a:schemeClr val="tx1">
+                    <a:tint val="75000"/>
+                  </a:schemeClr>
+                </a:solidFill>
+              </a:defRPr>
+            </a:lvl8pPr>
+            <a:lvl9pPr marL="3657600" indent="0">
+              <a:buNone/>
+              <a:defRPr sz="1400">
+                <a:solidFill>
+                  <a:schemeClr val="tx1">
+                    <a:tint val="75000"/>
+                  </a:schemeClr>
+                </a:solidFill>
+              </a:defRPr>
+            </a:lvl9pPr>
+          </a:lstStyle>
+          <a:p>
+            <a:pPr lvl="0"/>
+            <a:r>
+              <a:rPr lang="en-US" smtClean="0"/>
+              <a:t>Edit Master text styles</a:t>
+            </a:r>
+          </a:p>
+        </p:txBody>
+      </p:sp>
+      <p:sp>
+        <p:nvSpPr>
+          <p:cNvPr id="4" name="Date Placeholder 3"/>
+          <p:cNvSpPr>
+            <a:spLocks noGrp="1"/>
+          </p:cNvSpPr>
+          <p:nvPr>
+            <p:ph type="dt" sz="half" idx="10"/>
+          </p:nvPr>
+        </p:nvSpPr>
+        <p:spPr/>
+        <p:txBody>
+          <a:bodyPr/>
+          <a:lstStyle/>
+          <a:p>
+            <a:fld id="{F1E0E487-B63A-4AEA-92B6-7087F2C7175D}" type="datetimeFigureOut">
+              <a:rPr lang="en-IN" smtClean="0"/>
+              <a:t>04-11-2018</a:t>
+            </a:fld>
+            <a:endParaRPr lang="en-IN"/>
+          </a:p>
+        </p:txBody>
+      </p:sp>
+      <p:sp>
+        <p:nvSpPr>
+          <p:cNvPr id="5" name="Footer Placeholder 4"/>
+          <p:cNvSpPr>
+            <a:spLocks noGrp="1"/>
+          </p:cNvSpPr>
+          <p:nvPr>
+            <p:ph type="ftr" sz="quarter" idx="11"/>
+          </p:nvPr>
+        </p:nvSpPr>
+        <p:spPr/>
+        <p:txBody>
+          <a:bodyPr/>
+          <a:lstStyle/>
+          <a:p>
+            <a:endParaRPr lang="en-IN"/>
+          </a:p>
+        </p:txBody>
+      </p:sp>
+      <p:sp>
+        <p:nvSpPr>
+          <p:cNvPr id="6" name="Slide Number Placeholder 5"/>
+          <p:cNvSpPr>
+            <a:spLocks noGrp="1"/>
+          </p:cNvSpPr>
+          <p:nvPr>
+            <p:ph type="sldNum" sz="quarter" idx="12"/>
+          </p:nvPr>
+        </p:nvSpPr>
+        <p:spPr/>
+        <p:txBody>
+          <a:bodyPr/>
+          <a:lstStyle/>
+          <a:p>
+            <a:fld id="{8F2E2E9F-A203-4C72-94A4-F4CDA3C755F8}" type="slidenum">
+              <a:rPr lang="en-IN" smtClean="0"/>
+              <a:t>‹#›</a:t>
+            </a:fld>
+            <a:endParaRPr lang="en-IN"/>
+          </a:p>
+        </p:txBody>
+      </p:sp>
+    </p:spTree>
+    <p:extLst>
+      <p:ext uri="{BB962C8B-B14F-4D97-AF65-F5344CB8AC3E}">
+        <p14:creationId xmlns:p14="http://schemas.microsoft.com/office/powerpoint/2010/main" val="851924299"/>
+      </p:ext>
+    </p:extLst>
+  </p:cSld>
+  <p:clrMapOvr>
+    <a:masterClrMapping/>
+  </p:clrMapOvr>
+</p:sldLayout>
+</file>
+
+<file path=ppt/slideLayouts/slideLayout15.xml><?xml version="1.0" encoding="utf-8"?>
+<p:sldLayout xmlns:a="http://schemas.openxmlformats.org/drawingml/2006/main" xmlns:r="http://schemas.openxmlformats.org/officeDocument/2006/relationships" xmlns:p="http://schemas.openxmlformats.org/presentationml/2006/main" preserve="1">
+  <p:cSld name="True or False">
+    <p:spTree>
+      <p:nvGrpSpPr>
+        <p:cNvPr id="1" name=""/>
+        <p:cNvGrpSpPr/>
+        <p:nvPr/>
+      </p:nvGrpSpPr>
+      <p:grpSpPr>
+        <a:xfrm>
+          <a:off x="0" y="0"/>
+          <a:ext cx="0" cy="0"/>
+          <a:chOff x="0" y="0"/>
+          <a:chExt cx="0" cy="0"/>
+        </a:xfrm>
+      </p:grpSpPr>
+      <p:sp>
+        <p:nvSpPr>
+          <p:cNvPr id="2" name="Title 1"/>
+          <p:cNvSpPr>
+            <a:spLocks noGrp="1"/>
+          </p:cNvSpPr>
+          <p:nvPr>
+            <p:ph type="title"/>
+          </p:nvPr>
+        </p:nvSpPr>
+        <p:spPr>
+          <a:xfrm>
+            <a:off x="1484313" y="685800"/>
+            <a:ext cx="10018712" cy="2727325"/>
+          </a:xfrm>
+        </p:spPr>
+        <p:txBody>
+          <a:bodyPr vert="horz" lIns="91440" tIns="45720" rIns="91440" bIns="45720" rtlCol="0" anchor="ctr">
+            <a:normAutofit/>
+          </a:bodyPr>
+          <a:lstStyle>
+            <a:lvl1pPr>
+              <a:defRPr lang="en-US" b="0" dirty="0"/>
+            </a:lvl1pPr>
+          </a:lstStyle>
+          <a:p>
+            <a:pPr marL="0" lvl="0"/>
+            <a:r>
+              <a:rPr lang="en-US" smtClean="0"/>
+              <a:t>Click to edit Master title style</a:t>
+            </a:r>
+            <a:endParaRPr lang="en-US" dirty="0"/>
+          </a:p>
+        </p:txBody>
+      </p:sp>
+      <p:sp>
+        <p:nvSpPr>
+          <p:cNvPr id="10" name="Text Placeholder 9"/>
+          <p:cNvSpPr>
+            <a:spLocks noGrp="1"/>
+          </p:cNvSpPr>
+          <p:nvPr>
+            <p:ph type="body" sz="quarter" idx="13"/>
+          </p:nvPr>
+        </p:nvSpPr>
+        <p:spPr>
+          <a:xfrm>
+            <a:off x="1484312" y="3505200"/>
+            <a:ext cx="10018713" cy="838200"/>
+          </a:xfrm>
+        </p:spPr>
+        <p:txBody>
+          <a:bodyPr vert="horz" lIns="91440" tIns="45720" rIns="91440" bIns="45720" rtlCol="0" anchor="b">
+            <a:normAutofit/>
+          </a:bodyPr>
+          <a:lstStyle>
+            <a:lvl1pPr>
+              <a:buNone/>
+              <a:defRPr lang="en-US" sz="2800" b="0" cap="none" dirty="0">
+                <a:ln w="3175" cmpd="sng">
+                  <a:noFill/>
+                </a:ln>
+                <a:solidFill>
+                  <a:schemeClr val="tx1"/>
+                </a:solidFill>
+                <a:effectLst/>
+              </a:defRPr>
+            </a:lvl1pPr>
+          </a:lstStyle>
+          <a:p>
+            <a:pPr marL="0" lvl="0">
+              <a:spcBef>
+                <a:spcPct val="0"/>
+              </a:spcBef>
+              <a:buNone/>
+            </a:pPr>
+            <a:r>
+              <a:rPr lang="en-US" smtClean="0"/>
+              <a:t>Edit Master text styles</a:t>
+            </a:r>
+          </a:p>
+        </p:txBody>
+      </p:sp>
+      <p:sp>
+        <p:nvSpPr>
+          <p:cNvPr id="3" name="Text Placeholder 2"/>
+          <p:cNvSpPr>
+            <a:spLocks noGrp="1"/>
+          </p:cNvSpPr>
+          <p:nvPr>
+            <p:ph type="body" idx="1"/>
+          </p:nvPr>
+        </p:nvSpPr>
+        <p:spPr>
+          <a:xfrm>
+            <a:off x="1484311" y="4343400"/>
+            <a:ext cx="10018713" cy="1447800"/>
+          </a:xfrm>
+        </p:spPr>
+        <p:txBody>
+          <a:bodyPr anchor="t">
+            <a:normAutofit/>
+          </a:bodyPr>
+          <a:lstStyle>
+            <a:lvl1pPr marL="0" indent="0" algn="l">
+              <a:buNone/>
+              <a:defRPr sz="1800">
+                <a:solidFill>
+                  <a:schemeClr val="tx1"/>
+                </a:solidFill>
+              </a:defRPr>
+            </a:lvl1pPr>
+            <a:lvl2pPr marL="457200" indent="0">
+              <a:buNone/>
+              <a:defRPr sz="1800">
+                <a:solidFill>
+                  <a:schemeClr val="tx1">
+                    <a:tint val="75000"/>
+                  </a:schemeClr>
+                </a:solidFill>
+              </a:defRPr>
+            </a:lvl2pPr>
+            <a:lvl3pPr marL="914400" indent="0">
+              <a:buNone/>
+              <a:defRPr sz="1600">
+                <a:solidFill>
+                  <a:schemeClr val="tx1">
+                    <a:tint val="75000"/>
+                  </a:schemeClr>
+                </a:solidFill>
+              </a:defRPr>
+            </a:lvl3pPr>
+            <a:lvl4pPr marL="1371600" indent="0">
+              <a:buNone/>
+              <a:defRPr sz="1400">
+                <a:solidFill>
+                  <a:schemeClr val="tx1">
+                    <a:tint val="75000"/>
+                  </a:schemeClr>
+                </a:solidFill>
+              </a:defRPr>
+            </a:lvl4pPr>
+            <a:lvl5pPr marL="1828800" indent="0">
+              <a:buNone/>
+              <a:defRPr sz="1400">
+                <a:solidFill>
+                  <a:schemeClr val="tx1">
+                    <a:tint val="75000"/>
+                  </a:schemeClr>
+                </a:solidFill>
+              </a:defRPr>
+            </a:lvl5pPr>
+            <a:lvl6pPr marL="2286000" indent="0">
+              <a:buNone/>
+              <a:defRPr sz="1400">
+                <a:solidFill>
+                  <a:schemeClr val="tx1">
+                    <a:tint val="75000"/>
+                  </a:schemeClr>
+                </a:solidFill>
+              </a:defRPr>
+            </a:lvl6pPr>
+            <a:lvl7pPr marL="2743200" indent="0">
+              <a:buNone/>
+              <a:defRPr sz="1400">
+                <a:solidFill>
+                  <a:schemeClr val="tx1">
+                    <a:tint val="75000"/>
+                  </a:schemeClr>
+                </a:solidFill>
+              </a:defRPr>
+            </a:lvl7pPr>
+            <a:lvl8pPr marL="3200400" indent="0">
+              <a:buNone/>
+              <a:defRPr sz="1400">
+                <a:solidFill>
+                  <a:schemeClr val="tx1">
+                    <a:tint val="75000"/>
+                  </a:schemeClr>
+                </a:solidFill>
+              </a:defRPr>
+            </a:lvl8pPr>
+            <a:lvl9pPr marL="3657600" indent="0">
+              <a:buNone/>
+              <a:defRPr sz="1400">
+                <a:solidFill>
+                  <a:schemeClr val="tx1">
+                    <a:tint val="75000"/>
+                  </a:schemeClr>
+                </a:solidFill>
+              </a:defRPr>
+            </a:lvl9pPr>
+          </a:lstStyle>
+          <a:p>
+            <a:pPr lvl="0"/>
+            <a:r>
+              <a:rPr lang="en-US" smtClean="0"/>
+              <a:t>Edit Master text styles</a:t>
+            </a:r>
+          </a:p>
+        </p:txBody>
+      </p:sp>
+      <p:sp>
+        <p:nvSpPr>
+          <p:cNvPr id="4" name="Date Placeholder 3"/>
+          <p:cNvSpPr>
+            <a:spLocks noGrp="1"/>
+          </p:cNvSpPr>
+          <p:nvPr>
+            <p:ph type="dt" sz="half" idx="10"/>
+          </p:nvPr>
+        </p:nvSpPr>
+        <p:spPr/>
+        <p:txBody>
+          <a:bodyPr/>
+          <a:lstStyle/>
+          <a:p>
+            <a:fld id="{F1E0E487-B63A-4AEA-92B6-7087F2C7175D}" type="datetimeFigureOut">
+              <a:rPr lang="en-IN" smtClean="0"/>
+              <a:t>04-11-2018</a:t>
+            </a:fld>
+            <a:endParaRPr lang="en-IN"/>
+          </a:p>
+        </p:txBody>
+      </p:sp>
+      <p:sp>
+        <p:nvSpPr>
+          <p:cNvPr id="5" name="Footer Placeholder 4"/>
+          <p:cNvSpPr>
+            <a:spLocks noGrp="1"/>
+          </p:cNvSpPr>
+          <p:nvPr>
+            <p:ph type="ftr" sz="quarter" idx="11"/>
+          </p:nvPr>
+        </p:nvSpPr>
+        <p:spPr/>
+        <p:txBody>
+          <a:bodyPr/>
+          <a:lstStyle/>
+          <a:p>
+            <a:endParaRPr lang="en-IN"/>
+          </a:p>
+        </p:txBody>
+      </p:sp>
+      <p:sp>
+        <p:nvSpPr>
+          <p:cNvPr id="6" name="Slide Number Placeholder 5"/>
+          <p:cNvSpPr>
+            <a:spLocks noGrp="1"/>
+          </p:cNvSpPr>
+          <p:nvPr>
+            <p:ph type="sldNum" sz="quarter" idx="12"/>
+          </p:nvPr>
+        </p:nvSpPr>
+        <p:spPr/>
+        <p:txBody>
+          <a:bodyPr/>
+          <a:lstStyle/>
+          <a:p>
+            <a:fld id="{8F2E2E9F-A203-4C72-94A4-F4CDA3C755F8}" type="slidenum">
+              <a:rPr lang="en-IN" smtClean="0"/>
+              <a:t>‹#›</a:t>
+            </a:fld>
+            <a:endParaRPr lang="en-IN"/>
+          </a:p>
+        </p:txBody>
+      </p:sp>
+    </p:spTree>
+    <p:extLst>
+      <p:ext uri="{BB962C8B-B14F-4D97-AF65-F5344CB8AC3E}">
+        <p14:creationId xmlns:p14="http://schemas.microsoft.com/office/powerpoint/2010/main" val="3974324037"/>
+      </p:ext>
+    </p:extLst>
+  </p:cSld>
+  <p:clrMapOvr>
+    <a:masterClrMapping/>
+  </p:clrMapOvr>
+</p:sldLayout>
+</file>
+
+<file path=ppt/slideLayouts/slideLayout16.xml><?xml version="1.0" encoding="utf-8"?>
+<p:sldLayout xmlns:a="http://schemas.openxmlformats.org/drawingml/2006/main" xmlns:r="http://schemas.openxmlformats.org/officeDocument/2006/relationships" xmlns:p="http://schemas.openxmlformats.org/presentationml/2006/main" type="vertTx" preserve="1">
+  <p:cSld name="Title and Vertical Text">
+    <p:spTree>
+      <p:nvGrpSpPr>
+        <p:cNvPr id="1" name=""/>
+        <p:cNvGrpSpPr/>
+        <p:nvPr/>
+      </p:nvGrpSpPr>
+      <p:grpSpPr>
+        <a:xfrm>
+          <a:off x="0" y="0"/>
+          <a:ext cx="0" cy="0"/>
+          <a:chOff x="0" y="0"/>
+          <a:chExt cx="0" cy="0"/>
+        </a:xfrm>
+      </p:grpSpPr>
+      <p:sp>
+        <p:nvSpPr>
+          <p:cNvPr id="2" name="Title 1"/>
+          <p:cNvSpPr>
+            <a:spLocks noGrp="1"/>
+          </p:cNvSpPr>
+          <p:nvPr>
+            <p:ph type="title"/>
+          </p:nvPr>
+        </p:nvSpPr>
+        <p:spPr/>
+        <p:txBody>
+          <a:bodyPr/>
+          <a:lstStyle>
+            <a:lvl1pPr algn="ctr">
+              <a:defRPr/>
+            </a:lvl1pPr>
+          </a:lstStyle>
+          <a:p>
+            <a:r>
+              <a:rPr lang="en-US" smtClean="0"/>
+              <a:t>Click to edit Master title style</a:t>
+            </a:r>
+            <a:endParaRPr lang="en-US" dirty="0"/>
+          </a:p>
+        </p:txBody>
+      </p:sp>
+      <p:sp>
+        <p:nvSpPr>
+          <p:cNvPr id="3" name="Vertical Text Placeholder 2"/>
+          <p:cNvSpPr>
+            <a:spLocks noGrp="1"/>
+          </p:cNvSpPr>
+          <p:nvPr>
+            <p:ph type="body" orient="vert" idx="1"/>
+          </p:nvPr>
+        </p:nvSpPr>
+        <p:spPr/>
+        <p:txBody>
+          <a:bodyPr vert="eaVert" anchor="t"/>
+          <a:lstStyle/>
+          <a:p>
+            <a:pPr lvl="0"/>
+            <a:r>
+              <a:rPr lang="en-US" smtClean="0"/>
+              <a:t>Edit Master text styles</a:t>
+            </a:r>
+          </a:p>
+          <a:p>
+            <a:pPr lvl="1"/>
+            <a:r>
+              <a:rPr lang="en-US" smtClean="0"/>
+              <a:t>Second level</a:t>
+            </a:r>
+          </a:p>
+          <a:p>
+            <a:pPr lvl="2"/>
+            <a:r>
+              <a:rPr lang="en-US" smtClean="0"/>
+              <a:t>Third level</a:t>
+            </a:r>
+          </a:p>
+          <a:p>
+            <a:pPr lvl="3"/>
+            <a:r>
+              <a:rPr lang="en-US" smtClean="0"/>
+              <a:t>Fourth level</a:t>
+            </a:r>
+          </a:p>
+          <a:p>
+            <a:pPr lvl="4"/>
+            <a:r>
+              <a:rPr lang="en-US" smtClean="0"/>
+              <a:t>Fifth level</a:t>
+            </a:r>
+            <a:endParaRPr lang="en-US" dirty="0"/>
+          </a:p>
+        </p:txBody>
+      </p:sp>
+      <p:sp>
+        <p:nvSpPr>
+          <p:cNvPr id="4" name="Date Placeholder 3"/>
+          <p:cNvSpPr>
+            <a:spLocks noGrp="1"/>
+          </p:cNvSpPr>
+          <p:nvPr>
+            <p:ph type="dt" sz="half" idx="10"/>
+          </p:nvPr>
+        </p:nvSpPr>
+        <p:spPr/>
+        <p:txBody>
+          <a:bodyPr/>
+          <a:lstStyle/>
+          <a:p>
+            <a:fld id="{F1E0E487-B63A-4AEA-92B6-7087F2C7175D}" type="datetimeFigureOut">
+              <a:rPr lang="en-IN" smtClean="0"/>
+              <a:t>04-11-2018</a:t>
+            </a:fld>
+            <a:endParaRPr lang="en-IN"/>
+          </a:p>
+        </p:txBody>
+      </p:sp>
+      <p:sp>
+        <p:nvSpPr>
+          <p:cNvPr id="5" name="Footer Placeholder 4"/>
+          <p:cNvSpPr>
+            <a:spLocks noGrp="1"/>
+          </p:cNvSpPr>
+          <p:nvPr>
+            <p:ph type="ftr" sz="quarter" idx="11"/>
+          </p:nvPr>
+        </p:nvSpPr>
+        <p:spPr/>
+        <p:txBody>
+          <a:bodyPr/>
+          <a:lstStyle/>
+          <a:p>
+            <a:endParaRPr lang="en-IN"/>
+          </a:p>
+        </p:txBody>
+      </p:sp>
+      <p:sp>
+        <p:nvSpPr>
+          <p:cNvPr id="6" name="Slide Number Placeholder 5"/>
+          <p:cNvSpPr>
+            <a:spLocks noGrp="1"/>
+          </p:cNvSpPr>
+          <p:nvPr>
+            <p:ph type="sldNum" sz="quarter" idx="12"/>
+          </p:nvPr>
+        </p:nvSpPr>
+        <p:spPr/>
+        <p:txBody>
+          <a:bodyPr/>
+          <a:lstStyle/>
+          <a:p>
+            <a:fld id="{8F2E2E9F-A203-4C72-94A4-F4CDA3C755F8}" type="slidenum">
+              <a:rPr lang="en-IN" smtClean="0"/>
+              <a:t>‹#›</a:t>
+            </a:fld>
+            <a:endParaRPr lang="en-IN"/>
+          </a:p>
+        </p:txBody>
+      </p:sp>
+    </p:spTree>
+    <p:extLst>
+      <p:ext uri="{BB962C8B-B14F-4D97-AF65-F5344CB8AC3E}">
+        <p14:creationId xmlns:p14="http://schemas.microsoft.com/office/powerpoint/2010/main" val="1306425753"/>
+      </p:ext>
+    </p:extLst>
+  </p:cSld>
+  <p:clrMapOvr>
+    <a:masterClrMapping/>
+  </p:clrMapOvr>
+</p:sldLayout>
+</file>
+
+<file path=ppt/slideLayouts/slideLayout17.xml><?xml version="1.0" encoding="utf-8"?>
+<p:sldLayout xmlns:a="http://schemas.openxmlformats.org/drawingml/2006/main" xmlns:r="http://schemas.openxmlformats.org/officeDocument/2006/relationships" xmlns:p="http://schemas.openxmlformats.org/presentationml/2006/main" type="vertTitleAndTx" preserve="1">
+  <p:cSld name="Vertical Title and Text">
+    <p:spTree>
+      <p:nvGrpSpPr>
+        <p:cNvPr id="1" name=""/>
+        <p:cNvGrpSpPr/>
+        <p:nvPr/>
+      </p:nvGrpSpPr>
+      <p:grpSpPr>
+        <a:xfrm>
+          <a:off x="0" y="0"/>
+          <a:ext cx="0" cy="0"/>
+          <a:chOff x="0" y="0"/>
+          <a:chExt cx="0" cy="0"/>
+        </a:xfrm>
+      </p:grpSpPr>
+      <p:sp>
+        <p:nvSpPr>
+          <p:cNvPr id="2" name="Vertical Title 1"/>
+          <p:cNvSpPr>
+            <a:spLocks noGrp="1"/>
+          </p:cNvSpPr>
+          <p:nvPr>
+            <p:ph type="title" orient="vert"/>
+          </p:nvPr>
+        </p:nvSpPr>
+        <p:spPr>
+          <a:xfrm>
+            <a:off x="9732655" y="685800"/>
+            <a:ext cx="1770369" cy="5105400"/>
+          </a:xfrm>
+        </p:spPr>
+        <p:txBody>
+          <a:bodyPr vert="eaVert"/>
+          <a:lstStyle/>
+          <a:p>
+            <a:r>
+              <a:rPr lang="en-US" smtClean="0"/>
+              <a:t>Click to edit Master title style</a:t>
+            </a:r>
+            <a:endParaRPr lang="en-US" dirty="0"/>
+          </a:p>
+        </p:txBody>
+      </p:sp>
+      <p:sp>
+        <p:nvSpPr>
+          <p:cNvPr id="3" name="Vertical Text Placeholder 2"/>
+          <p:cNvSpPr>
+            <a:spLocks noGrp="1"/>
+          </p:cNvSpPr>
+          <p:nvPr>
+            <p:ph type="body" orient="vert" idx="1"/>
+          </p:nvPr>
+        </p:nvSpPr>
+        <p:spPr>
+          <a:xfrm>
+            <a:off x="1484312" y="685800"/>
+            <a:ext cx="8019742" cy="5105400"/>
+          </a:xfrm>
+        </p:spPr>
+        <p:txBody>
+          <a:bodyPr vert="eaVert" anchor="t"/>
+          <a:lstStyle/>
+          <a:p>
+            <a:pPr lvl="0"/>
+            <a:r>
+              <a:rPr lang="en-US" smtClean="0"/>
+              <a:t>Edit Master text styles</a:t>
+            </a:r>
+          </a:p>
+          <a:p>
+            <a:pPr lvl="1"/>
+            <a:r>
+              <a:rPr lang="en-US" smtClean="0"/>
+              <a:t>Second level</a:t>
+            </a:r>
+          </a:p>
+          <a:p>
+            <a:pPr lvl="2"/>
+            <a:r>
+              <a:rPr lang="en-US" smtClean="0"/>
+              <a:t>Third level</a:t>
+            </a:r>
+          </a:p>
+          <a:p>
+            <a:pPr lvl="3"/>
+            <a:r>
+              <a:rPr lang="en-US" smtClean="0"/>
+              <a:t>Fourth level</a:t>
+            </a:r>
+          </a:p>
+          <a:p>
+            <a:pPr lvl="4"/>
+            <a:r>
+              <a:rPr lang="en-US" smtClean="0"/>
+              <a:t>Fifth level</a:t>
+            </a:r>
+            <a:endParaRPr lang="en-US" dirty="0"/>
+          </a:p>
+        </p:txBody>
+      </p:sp>
+      <p:sp>
+        <p:nvSpPr>
+          <p:cNvPr id="4" name="Date Placeholder 3"/>
+          <p:cNvSpPr>
+            <a:spLocks noGrp="1"/>
+          </p:cNvSpPr>
+          <p:nvPr>
+            <p:ph type="dt" sz="half" idx="10"/>
+          </p:nvPr>
+        </p:nvSpPr>
+        <p:spPr/>
+        <p:txBody>
+          <a:bodyPr/>
+          <a:lstStyle/>
+          <a:p>
+            <a:fld id="{F1E0E487-B63A-4AEA-92B6-7087F2C7175D}" type="datetimeFigureOut">
+              <a:rPr lang="en-IN" smtClean="0"/>
+              <a:t>04-11-2018</a:t>
+            </a:fld>
+            <a:endParaRPr lang="en-IN"/>
+          </a:p>
+        </p:txBody>
+      </p:sp>
+      <p:sp>
+        <p:nvSpPr>
+          <p:cNvPr id="5" name="Footer Placeholder 4"/>
+          <p:cNvSpPr>
+            <a:spLocks noGrp="1"/>
+          </p:cNvSpPr>
+          <p:nvPr>
+            <p:ph type="ftr" sz="quarter" idx="11"/>
+          </p:nvPr>
+        </p:nvSpPr>
+        <p:spPr/>
+        <p:txBody>
+          <a:bodyPr/>
+          <a:lstStyle/>
+          <a:p>
+            <a:endParaRPr lang="en-IN"/>
+          </a:p>
+        </p:txBody>
+      </p:sp>
+      <p:sp>
+        <p:nvSpPr>
+          <p:cNvPr id="6" name="Slide Number Placeholder 5"/>
+          <p:cNvSpPr>
+            <a:spLocks noGrp="1"/>
+          </p:cNvSpPr>
+          <p:nvPr>
+            <p:ph type="sldNum" sz="quarter" idx="12"/>
+          </p:nvPr>
+        </p:nvSpPr>
+        <p:spPr/>
+        <p:txBody>
+          <a:bodyPr/>
+          <a:lstStyle/>
+          <a:p>
+            <a:fld id="{8F2E2E9F-A203-4C72-94A4-F4CDA3C755F8}" type="slidenum">
+              <a:rPr lang="en-IN" smtClean="0"/>
+              <a:t>‹#›</a:t>
+            </a:fld>
+            <a:endParaRPr lang="en-IN"/>
+          </a:p>
+        </p:txBody>
+      </p:sp>
+    </p:spTree>
+    <p:extLst>
+      <p:ext uri="{BB962C8B-B14F-4D97-AF65-F5344CB8AC3E}">
+        <p14:creationId xmlns:p14="http://schemas.microsoft.com/office/powerpoint/2010/main" val="3607849162"/>
+      </p:ext>
+    </p:extLst>
+  </p:cSld>
+  <p:clrMapOvr>
+    <a:masterClrMapping/>
+  </p:clrMapOvr>
+</p:sldLayout>
+</file>
+
+<file path=ppt/slideLayouts/slideLayout2.xml><?xml version="1.0" encoding="utf-8"?>
+<p:sldLayout xmlns:a="http://schemas.openxmlformats.org/drawingml/2006/main" xmlns:r="http://schemas.openxmlformats.org/officeDocument/2006/relationships" xmlns:p="http://schemas.openxmlformats.org/presentationml/2006/main" type="obj" preserve="1">
+  <p:cSld name="Title and Content">
+    <p:spTree>
+      <p:nvGrpSpPr>
+        <p:cNvPr id="1" name=""/>
+        <p:cNvGrpSpPr/>
+        <p:nvPr/>
+      </p:nvGrpSpPr>
+      <p:grpSpPr>
+        <a:xfrm>
+          <a:off x="0" y="0"/>
+          <a:ext cx="0" cy="0"/>
+          <a:chOff x="0" y="0"/>
+          <a:chExt cx="0" cy="0"/>
+        </a:xfrm>
+      </p:grpSpPr>
+      <p:sp>
+        <p:nvSpPr>
+          <p:cNvPr id="2" name="Title 1"/>
+          <p:cNvSpPr>
+            <a:spLocks noGrp="1"/>
+          </p:cNvSpPr>
+          <p:nvPr>
+            <p:ph type="title"/>
+          </p:nvPr>
+        </p:nvSpPr>
+        <p:spPr/>
+        <p:txBody>
+          <a:bodyPr/>
+          <a:lstStyle/>
+          <a:p>
+            <a:r>
+              <a:rPr lang="en-US" smtClean="0"/>
+              <a:t>Click to edit Master title style</a:t>
+            </a:r>
+            <a:endParaRPr lang="en-US" dirty="0"/>
+          </a:p>
+        </p:txBody>
+      </p:sp>
+      <p:sp>
+        <p:nvSpPr>
+          <p:cNvPr id="3" name="Content Placeholder 2"/>
+          <p:cNvSpPr>
+            <a:spLocks noGrp="1"/>
+          </p:cNvSpPr>
+          <p:nvPr>
+            <p:ph idx="1"/>
+          </p:nvPr>
+        </p:nvSpPr>
+        <p:spPr/>
+        <p:txBody>
+          <a:bodyPr anchor="ctr"/>
+          <a:lstStyle/>
+          <a:p>
+            <a:pPr lvl="0"/>
+            <a:r>
+              <a:rPr lang="en-US" smtClean="0"/>
+              <a:t>Edit Master text styles</a:t>
+            </a:r>
+          </a:p>
+          <a:p>
+            <a:pPr lvl="1"/>
+            <a:r>
+              <a:rPr lang="en-US" smtClean="0"/>
+              <a:t>Second level</a:t>
+            </a:r>
+          </a:p>
+          <a:p>
+            <a:pPr lvl="2"/>
+            <a:r>
+              <a:rPr lang="en-US" smtClean="0"/>
+              <a:t>Third level</a:t>
+            </a:r>
+          </a:p>
+          <a:p>
+            <a:pPr lvl="3"/>
+            <a:r>
+              <a:rPr lang="en-US" smtClean="0"/>
+              <a:t>Fourth level</a:t>
+            </a:r>
+          </a:p>
+          <a:p>
+            <a:pPr lvl="4"/>
+            <a:r>
+              <a:rPr lang="en-US" smtClean="0"/>
+              <a:t>Fifth level</a:t>
+            </a:r>
+            <a:endParaRPr lang="en-US" dirty="0"/>
+          </a:p>
+        </p:txBody>
+      </p:sp>
+      <p:sp>
+        <p:nvSpPr>
+          <p:cNvPr id="4" name="Date Placeholder 3"/>
+          <p:cNvSpPr>
+            <a:spLocks noGrp="1"/>
+          </p:cNvSpPr>
+          <p:nvPr>
+            <p:ph type="dt" sz="half" idx="10"/>
+          </p:nvPr>
+        </p:nvSpPr>
+        <p:spPr/>
+        <p:txBody>
+          <a:bodyPr/>
+          <a:lstStyle/>
+          <a:p>
+            <a:fld id="{F1E0E487-B63A-4AEA-92B6-7087F2C7175D}" type="datetimeFigureOut">
+              <a:rPr lang="en-IN" smtClean="0"/>
+              <a:t>04-11-2018</a:t>
+            </a:fld>
+            <a:endParaRPr lang="en-IN"/>
+          </a:p>
+        </p:txBody>
+      </p:sp>
+      <p:sp>
+        <p:nvSpPr>
+          <p:cNvPr id="5" name="Footer Placeholder 4"/>
+          <p:cNvSpPr>
+            <a:spLocks noGrp="1"/>
+          </p:cNvSpPr>
+          <p:nvPr>
+            <p:ph type="ftr" sz="quarter" idx="11"/>
+          </p:nvPr>
+        </p:nvSpPr>
+        <p:spPr/>
+        <p:txBody>
+          <a:bodyPr/>
+          <a:lstStyle/>
+          <a:p>
+            <a:endParaRPr lang="en-IN"/>
+          </a:p>
+        </p:txBody>
+      </p:sp>
+      <p:sp>
+        <p:nvSpPr>
+          <p:cNvPr id="6" name="Slide Number Placeholder 5"/>
+          <p:cNvSpPr>
+            <a:spLocks noGrp="1"/>
+          </p:cNvSpPr>
+          <p:nvPr>
+            <p:ph type="sldNum" sz="quarter" idx="12"/>
+          </p:nvPr>
+        </p:nvSpPr>
+        <p:spPr>
+          <a:xfrm>
+            <a:off x="10951856" y="5867131"/>
+            <a:ext cx="551167" cy="365125"/>
+          </a:xfrm>
+        </p:spPr>
+        <p:txBody>
+          <a:bodyPr/>
+          <a:lstStyle/>
+          <a:p>
+            <a:fld id="{8F2E2E9F-A203-4C72-94A4-F4CDA3C755F8}" type="slidenum">
+              <a:rPr lang="en-IN" smtClean="0"/>
+              <a:t>‹#›</a:t>
+            </a:fld>
+            <a:endParaRPr lang="en-IN"/>
+          </a:p>
+        </p:txBody>
+      </p:sp>
+    </p:spTree>
+    <p:extLst>
+      <p:ext uri="{BB962C8B-B14F-4D97-AF65-F5344CB8AC3E}">
+        <p14:creationId xmlns:p14="http://schemas.microsoft.com/office/powerpoint/2010/main" val="3282999750"/>
+      </p:ext>
+    </p:extLst>
+  </p:cSld>
+  <p:clrMapOvr>
+    <a:masterClrMapping/>
+  </p:clrMapOvr>
+</p:sldLayout>
+</file>
+
+<file path=ppt/slideLayouts/slideLayout3.xml><?xml version="1.0" encoding="utf-8"?>
+<p:sldLayout xmlns:a="http://schemas.openxmlformats.org/drawingml/2006/main" xmlns:r="http://schemas.openxmlformats.org/officeDocument/2006/relationships" xmlns:p="http://schemas.openxmlformats.org/presentationml/2006/main" type="secHead" preserve="1">
+  <p:cSld name="Section Header">
+    <p:spTree>
+      <p:nvGrpSpPr>
+        <p:cNvPr id="1" name=""/>
+        <p:cNvGrpSpPr/>
+        <p:nvPr/>
+      </p:nvGrpSpPr>
+      <p:grpSpPr>
+        <a:xfrm>
+          <a:off x="0" y="0"/>
+          <a:ext cx="0" cy="0"/>
+          <a:chOff x="0" y="0"/>
+          <a:chExt cx="0" cy="0"/>
+        </a:xfrm>
+      </p:grpSpPr>
+      <p:sp>
+        <p:nvSpPr>
+          <p:cNvPr id="2" name="Title 1"/>
+          <p:cNvSpPr>
+            <a:spLocks noGrp="1"/>
+          </p:cNvSpPr>
+          <p:nvPr>
+            <p:ph type="title"/>
+          </p:nvPr>
+        </p:nvSpPr>
+        <p:spPr>
+          <a:xfrm>
+            <a:off x="2572279" y="2666999"/>
+            <a:ext cx="8930747" cy="2110382"/>
+          </a:xfrm>
+        </p:spPr>
+        <p:txBody>
+          <a:bodyPr anchor="b"/>
+          <a:lstStyle>
+            <a:lvl1pPr algn="r">
+              <a:defRPr sz="4000" b="0" cap="none"/>
+            </a:lvl1pPr>
+          </a:lstStyle>
+          <a:p>
+            <a:r>
+              <a:rPr lang="en-US" smtClean="0"/>
+              <a:t>Click to edit Master title style</a:t>
+            </a:r>
+            <a:endParaRPr lang="en-US" dirty="0"/>
+          </a:p>
+        </p:txBody>
+      </p:sp>
+      <p:sp>
+        <p:nvSpPr>
+          <p:cNvPr id="3" name="Text Placeholder 2"/>
+          <p:cNvSpPr>
+            <a:spLocks noGrp="1"/>
+          </p:cNvSpPr>
+          <p:nvPr>
+            <p:ph type="body" idx="1"/>
+          </p:nvPr>
+        </p:nvSpPr>
+        <p:spPr>
+          <a:xfrm>
+            <a:off x="2572278" y="4777381"/>
+            <a:ext cx="8930748" cy="860400"/>
+          </a:xfrm>
+        </p:spPr>
+        <p:txBody>
+          <a:bodyPr anchor="t">
+            <a:normAutofit/>
+          </a:bodyPr>
+          <a:lstStyle>
+            <a:lvl1pPr marL="0" indent="0" algn="r">
+              <a:buNone/>
+              <a:defRPr sz="2000">
+                <a:solidFill>
+                  <a:schemeClr val="tx1"/>
+                </a:solidFill>
+              </a:defRPr>
+            </a:lvl1pPr>
+            <a:lvl2pPr marL="457200" indent="0">
+              <a:buNone/>
+              <a:defRPr sz="1800">
+                <a:solidFill>
+                  <a:schemeClr val="tx1">
+                    <a:tint val="75000"/>
+                  </a:schemeClr>
+                </a:solidFill>
+              </a:defRPr>
+            </a:lvl2pPr>
+            <a:lvl3pPr marL="914400" indent="0">
+              <a:buNone/>
+              <a:defRPr sz="1600">
+                <a:solidFill>
+                  <a:schemeClr val="tx1">
+                    <a:tint val="75000"/>
+                  </a:schemeClr>
+                </a:solidFill>
+              </a:defRPr>
+            </a:lvl3pPr>
+            <a:lvl4pPr marL="1371600" indent="0">
+              <a:buNone/>
+              <a:defRPr sz="1400">
+                <a:solidFill>
+                  <a:schemeClr val="tx1">
+                    <a:tint val="75000"/>
+                  </a:schemeClr>
+                </a:solidFill>
+              </a:defRPr>
+            </a:lvl4pPr>
+            <a:lvl5pPr marL="1828800" indent="0">
+              <a:buNone/>
+              <a:defRPr sz="1400">
+                <a:solidFill>
+                  <a:schemeClr val="tx1">
+                    <a:tint val="75000"/>
+                  </a:schemeClr>
+                </a:solidFill>
+              </a:defRPr>
+            </a:lvl5pPr>
+            <a:lvl6pPr marL="2286000" indent="0">
+              <a:buNone/>
+              <a:defRPr sz="1400">
+                <a:solidFill>
+                  <a:schemeClr val="tx1">
+                    <a:tint val="75000"/>
+                  </a:schemeClr>
+                </a:solidFill>
+              </a:defRPr>
+            </a:lvl6pPr>
+            <a:lvl7pPr marL="2743200" indent="0">
+              <a:buNone/>
+              <a:defRPr sz="1400">
+                <a:solidFill>
+                  <a:schemeClr val="tx1">
+                    <a:tint val="75000"/>
+                  </a:schemeClr>
+                </a:solidFill>
+              </a:defRPr>
+            </a:lvl7pPr>
+            <a:lvl8pPr marL="3200400" indent="0">
+              <a:buNone/>
+              <a:defRPr sz="1400">
+                <a:solidFill>
+                  <a:schemeClr val="tx1">
+                    <a:tint val="75000"/>
+                  </a:schemeClr>
+                </a:solidFill>
+              </a:defRPr>
+            </a:lvl8pPr>
+            <a:lvl9pPr marL="3657600" indent="0">
+              <a:buNone/>
+              <a:defRPr sz="1400">
+                <a:solidFill>
+                  <a:schemeClr val="tx1">
+                    <a:tint val="75000"/>
+                  </a:schemeClr>
+                </a:solidFill>
+              </a:defRPr>
+            </a:lvl9pPr>
+          </a:lstStyle>
+          <a:p>
+            <a:pPr lvl="0"/>
+            <a:r>
+              <a:rPr lang="en-US" smtClean="0"/>
+              <a:t>Edit Master text styles</a:t>
+            </a:r>
+          </a:p>
+        </p:txBody>
+      </p:sp>
+      <p:sp>
+        <p:nvSpPr>
+          <p:cNvPr id="4" name="Date Placeholder 3"/>
+          <p:cNvSpPr>
+            <a:spLocks noGrp="1"/>
+          </p:cNvSpPr>
+          <p:nvPr>
+            <p:ph type="dt" sz="half" idx="10"/>
+          </p:nvPr>
+        </p:nvSpPr>
+        <p:spPr/>
+        <p:txBody>
+          <a:bodyPr/>
+          <a:lstStyle/>
+          <a:p>
+            <a:fld id="{F1E0E487-B63A-4AEA-92B6-7087F2C7175D}" type="datetimeFigureOut">
+              <a:rPr lang="en-IN" smtClean="0"/>
+              <a:t>04-11-2018</a:t>
+            </a:fld>
+            <a:endParaRPr lang="en-IN"/>
+          </a:p>
+        </p:txBody>
+      </p:sp>
+      <p:sp>
+        <p:nvSpPr>
+          <p:cNvPr id="5" name="Footer Placeholder 4"/>
+          <p:cNvSpPr>
+            <a:spLocks noGrp="1"/>
+          </p:cNvSpPr>
+          <p:nvPr>
+            <p:ph type="ftr" sz="quarter" idx="11"/>
+          </p:nvPr>
+        </p:nvSpPr>
+        <p:spPr/>
+        <p:txBody>
+          <a:bodyPr/>
+          <a:lstStyle/>
+          <a:p>
+            <a:endParaRPr lang="en-IN"/>
+          </a:p>
+        </p:txBody>
+      </p:sp>
+      <p:sp>
+        <p:nvSpPr>
+          <p:cNvPr id="6" name="Slide Number Placeholder 5"/>
+          <p:cNvSpPr>
+            <a:spLocks noGrp="1"/>
+          </p:cNvSpPr>
+          <p:nvPr>
+            <p:ph type="sldNum" sz="quarter" idx="12"/>
+          </p:nvPr>
+        </p:nvSpPr>
+        <p:spPr/>
+        <p:txBody>
+          <a:bodyPr/>
+          <a:lstStyle/>
+          <a:p>
+            <a:fld id="{8F2E2E9F-A203-4C72-94A4-F4CDA3C755F8}" type="slidenum">
+              <a:rPr lang="en-IN" smtClean="0"/>
+              <a:t>‹#›</a:t>
+            </a:fld>
+            <a:endParaRPr lang="en-IN"/>
+          </a:p>
+        </p:txBody>
+      </p:sp>
+    </p:spTree>
+    <p:extLst>
+      <p:ext uri="{BB962C8B-B14F-4D97-AF65-F5344CB8AC3E}">
+        <p14:creationId xmlns:p14="http://schemas.microsoft.com/office/powerpoint/2010/main" val="3380125378"/>
       </p:ext>
     </p:extLst>
   </p:cSld>
@@ -10684,7 +10551,12 @@
             <p:ph type="title"/>
           </p:nvPr>
         </p:nvSpPr>
-        <p:spPr/>
+        <p:spPr>
+          <a:xfrm>
+            <a:off x="1484311" y="685800"/>
+            <a:ext cx="10018713" cy="1752599"/>
+          </a:xfrm>
+        </p:spPr>
         <p:txBody>
           <a:bodyPr/>
           <a:lstStyle/>
@@ -10709,8 +10581,8 @@
         </p:nvSpPr>
         <p:spPr>
           <a:xfrm>
-            <a:off x="1103312" y="2060575"/>
-            <a:ext cx="4396339" cy="4195763"/>
+            <a:off x="1484312" y="2666999"/>
+            <a:ext cx="4895055" cy="3124201"/>
           </a:xfrm>
         </p:spPr>
         <p:txBody>
@@ -10796,8 +10668,8 @@
         </p:nvSpPr>
         <p:spPr>
           <a:xfrm>
-            <a:off x="5654493" y="2056092"/>
-            <a:ext cx="4396341" cy="4200245"/>
+            <a:off x="6607967" y="2667000"/>
+            <a:ext cx="4895056" cy="3124200"/>
           </a:xfrm>
         </p:spPr>
         <p:txBody>
@@ -10939,7 +10811,7 @@
     </p:spTree>
     <p:extLst>
       <p:ext uri="{BB962C8B-B14F-4D97-AF65-F5344CB8AC3E}">
-        <p14:creationId xmlns:p14="http://schemas.microsoft.com/office/powerpoint/2010/main" val="2180636048"/>
+        <p14:creationId xmlns:p14="http://schemas.microsoft.com/office/powerpoint/2010/main" val="3011919517"/>
       </p:ext>
     </p:extLst>
   </p:cSld>
@@ -11005,8 +10877,8 @@
         </p:nvSpPr>
         <p:spPr>
           <a:xfrm>
-            <a:off x="1103313" y="1905000"/>
-            <a:ext cx="4396338" cy="576262"/>
+            <a:off x="1772179" y="2658533"/>
+            <a:ext cx="4607188" cy="576262"/>
           </a:xfrm>
         </p:spPr>
         <p:txBody>
@@ -11016,11 +10888,10 @@
           <a:lstStyle>
             <a:lvl1pPr marL="0" indent="0">
               <a:buNone/>
-              <a:defRPr sz="2400" b="0">
+              <a:defRPr sz="2800" b="0">
                 <a:solidFill>
-                  <a:schemeClr val="bg2">
-                    <a:lumMod val="40000"/>
-                    <a:lumOff val="60000"/>
+                  <a:schemeClr val="accent1">
+                    <a:lumMod val="75000"/>
                   </a:schemeClr>
                 </a:solidFill>
               </a:defRPr>
@@ -11079,12 +10950,12 @@
         </p:nvSpPr>
         <p:spPr>
           <a:xfrm>
-            <a:off x="1103312" y="2514600"/>
-            <a:ext cx="4396339" cy="3741738"/>
+            <a:off x="1484311" y="3335337"/>
+            <a:ext cx="4895056" cy="2455862"/>
           </a:xfrm>
         </p:spPr>
         <p:txBody>
-          <a:bodyPr>
+          <a:bodyPr anchor="t">
             <a:normAutofit/>
           </a:bodyPr>
           <a:lstStyle>
@@ -11166,8 +11037,8 @@
         </p:nvSpPr>
         <p:spPr>
           <a:xfrm>
-            <a:off x="5654495" y="1905000"/>
-            <a:ext cx="4396339" cy="576262"/>
+            <a:off x="6880487" y="2667000"/>
+            <a:ext cx="4622537" cy="576262"/>
           </a:xfrm>
         </p:spPr>
         <p:txBody>
@@ -11177,11 +11048,10 @@
           <a:lstStyle>
             <a:lvl1pPr marL="0" indent="0">
               <a:buNone/>
-              <a:defRPr sz="2400" b="0">
+              <a:defRPr sz="2800" b="0">
                 <a:solidFill>
-                  <a:schemeClr val="bg2">
-                    <a:lumMod val="40000"/>
-                    <a:lumOff val="60000"/>
+                  <a:schemeClr val="accent1">
+                    <a:lumMod val="75000"/>
                   </a:schemeClr>
                 </a:solidFill>
               </a:defRPr>
@@ -11240,12 +11110,12 @@
         </p:nvSpPr>
         <p:spPr>
           <a:xfrm>
-            <a:off x="5654495" y="2514600"/>
-            <a:ext cx="4396339" cy="3741738"/>
+            <a:off x="6607967" y="3335337"/>
+            <a:ext cx="4895056" cy="2455862"/>
           </a:xfrm>
         </p:spPr>
         <p:txBody>
-          <a:bodyPr>
+          <a:bodyPr anchor="t">
             <a:normAutofit/>
           </a:bodyPr>
           <a:lstStyle>
@@ -11383,7 +11253,7 @@
     </p:spTree>
     <p:extLst>
       <p:ext uri="{BB962C8B-B14F-4D97-AF65-F5344CB8AC3E}">
-        <p14:creationId xmlns:p14="http://schemas.microsoft.com/office/powerpoint/2010/main" val="2932156794"/>
+        <p14:creationId xmlns:p14="http://schemas.microsoft.com/office/powerpoint/2010/main" val="1716763143"/>
       </p:ext>
     </p:extLst>
   </p:cSld>
@@ -11435,7 +11305,7 @@
       </p:sp>
       <p:sp>
         <p:nvSpPr>
-          <p:cNvPr id="7" name="Date Placeholder 2"/>
+          <p:cNvPr id="3" name="Date Placeholder 2"/>
           <p:cNvSpPr>
             <a:spLocks noGrp="1"/>
           </p:cNvSpPr>
@@ -11458,7 +11328,7 @@
       </p:sp>
       <p:sp>
         <p:nvSpPr>
-          <p:cNvPr id="5" name="Footer Placeholder 3"/>
+          <p:cNvPr id="4" name="Footer Placeholder 3"/>
           <p:cNvSpPr>
             <a:spLocks noGrp="1"/>
           </p:cNvSpPr>
@@ -11477,7 +11347,7 @@
       </p:sp>
       <p:sp>
         <p:nvSpPr>
-          <p:cNvPr id="6" name="Slide Number Placeholder 4"/>
+          <p:cNvPr id="5" name="Slide Number Placeholder 4"/>
           <p:cNvSpPr>
             <a:spLocks noGrp="1"/>
           </p:cNvSpPr>
@@ -11501,7 +11371,7 @@
     </p:spTree>
     <p:extLst>
       <p:ext uri="{BB962C8B-B14F-4D97-AF65-F5344CB8AC3E}">
-        <p14:creationId xmlns:p14="http://schemas.microsoft.com/office/powerpoint/2010/main" val="2910329148"/>
+        <p14:creationId xmlns:p14="http://schemas.microsoft.com/office/powerpoint/2010/main" val="3162598050"/>
       </p:ext>
     </p:extLst>
   </p:cSld>
@@ -11530,7 +11400,7 @@
       </p:grpSpPr>
       <p:sp>
         <p:nvSpPr>
-          <p:cNvPr id="7" name="Date Placeholder 1"/>
+          <p:cNvPr id="2" name="Date Placeholder 1"/>
           <p:cNvSpPr>
             <a:spLocks noGrp="1"/>
           </p:cNvSpPr>
@@ -11553,7 +11423,7 @@
       </p:sp>
       <p:sp>
         <p:nvSpPr>
-          <p:cNvPr id="5" name="Footer Placeholder 2"/>
+          <p:cNvPr id="3" name="Footer Placeholder 2"/>
           <p:cNvSpPr>
             <a:spLocks noGrp="1"/>
           </p:cNvSpPr>
@@ -11572,7 +11442,7 @@
       </p:sp>
       <p:sp>
         <p:nvSpPr>
-          <p:cNvPr id="6" name="Slide Number Placeholder 3"/>
+          <p:cNvPr id="4" name="Slide Number Placeholder 3"/>
           <p:cNvSpPr>
             <a:spLocks noGrp="1"/>
           </p:cNvSpPr>
@@ -11596,7 +11466,7 @@
     </p:spTree>
     <p:extLst>
       <p:ext uri="{BB962C8B-B14F-4D97-AF65-F5344CB8AC3E}">
-        <p14:creationId xmlns:p14="http://schemas.microsoft.com/office/powerpoint/2010/main" val="1725465489"/>
+        <p14:creationId xmlns:p14="http://schemas.microsoft.com/office/powerpoint/2010/main" val="4218957367"/>
       </p:ext>
     </p:extLst>
   </p:cSld>
@@ -11635,14 +11505,16 @@
         </p:nvSpPr>
         <p:spPr>
           <a:xfrm>
-            <a:off x="1154953" y="1447800"/>
-            <a:ext cx="3401064" cy="1447800"/>
+            <a:off x="1484312" y="1600200"/>
+            <a:ext cx="3549121" cy="1371600"/>
           </a:xfrm>
         </p:spPr>
         <p:txBody>
-          <a:bodyPr anchor="b"/>
+          <a:bodyPr anchor="b">
+            <a:normAutofit/>
+          </a:bodyPr>
           <a:lstStyle>
-            <a:lvl1pPr algn="l">
+            <a:lvl1pPr algn="ctr">
               <a:defRPr sz="2400" b="0"/>
             </a:lvl1pPr>
           </a:lstStyle>
@@ -11667,8 +11539,8 @@
         </p:nvSpPr>
         <p:spPr>
           <a:xfrm>
-            <a:off x="4784616" y="1447800"/>
-            <a:ext cx="5195997" cy="4572000"/>
+            <a:off x="5262033" y="685799"/>
+            <a:ext cx="6240990" cy="5105401"/>
           </a:xfrm>
         </p:spPr>
         <p:txBody>
@@ -11754,16 +11626,18 @@
         </p:nvSpPr>
         <p:spPr>
           <a:xfrm>
-            <a:off x="1154953" y="3129280"/>
-            <a:ext cx="3401063" cy="2895599"/>
+            <a:off x="1484312" y="2971800"/>
+            <a:ext cx="3549121" cy="1828800"/>
           </a:xfrm>
         </p:spPr>
         <p:txBody>
-          <a:bodyPr/>
+          <a:bodyPr>
+            <a:normAutofit/>
+          </a:bodyPr>
           <a:lstStyle>
-            <a:lvl1pPr marL="0" indent="0">
+            <a:lvl1pPr marL="0" indent="0" algn="ctr">
               <a:buNone/>
-              <a:defRPr sz="1400"/>
+              <a:defRPr sz="1600"/>
             </a:lvl1pPr>
             <a:lvl2pPr marL="457200" indent="0">
               <a:buNone/>
@@ -11809,7 +11683,7 @@
       </p:sp>
       <p:sp>
         <p:nvSpPr>
-          <p:cNvPr id="7" name="Date Placeholder 4"/>
+          <p:cNvPr id="5" name="Date Placeholder 4"/>
           <p:cNvSpPr>
             <a:spLocks noGrp="1"/>
           </p:cNvSpPr>
@@ -11832,7 +11706,7 @@
       </p:sp>
       <p:sp>
         <p:nvSpPr>
-          <p:cNvPr id="5" name="Footer Placeholder 5"/>
+          <p:cNvPr id="6" name="Footer Placeholder 5"/>
           <p:cNvSpPr>
             <a:spLocks noGrp="1"/>
           </p:cNvSpPr>
@@ -11851,7 +11725,7 @@
       </p:sp>
       <p:sp>
         <p:nvSpPr>
-          <p:cNvPr id="6" name="Slide Number Placeholder 6"/>
+          <p:cNvPr id="7" name="Slide Number Placeholder 6"/>
           <p:cNvSpPr>
             <a:spLocks noGrp="1"/>
           </p:cNvSpPr>
@@ -11875,7 +11749,7 @@
     </p:spTree>
     <p:extLst>
       <p:ext uri="{BB962C8B-B14F-4D97-AF65-F5344CB8AC3E}">
-        <p14:creationId xmlns:p14="http://schemas.microsoft.com/office/powerpoint/2010/main" val="2596265992"/>
+        <p14:creationId xmlns:p14="http://schemas.microsoft.com/office/powerpoint/2010/main" val="203583609"/>
       </p:ext>
     </p:extLst>
   </p:cSld>
@@ -11914,8 +11788,8 @@
         </p:nvSpPr>
         <p:spPr>
           <a:xfrm>
-            <a:off x="1153907" y="1854192"/>
-            <a:ext cx="5092906" cy="1574808"/>
+            <a:off x="1482724" y="1752599"/>
+            <a:ext cx="5426158" cy="1371600"/>
           </a:xfrm>
         </p:spPr>
         <p:txBody>
@@ -11923,8 +11797,8 @@
             <a:normAutofit/>
           </a:bodyPr>
           <a:lstStyle>
-            <a:lvl1pPr algn="l">
-              <a:defRPr sz="3600" b="0"/>
+            <a:lvl1pPr algn="ctr">
+              <a:defRPr sz="2800" b="0"/>
             </a:lvl1pPr>
           </a:lstStyle>
           <a:p>
@@ -11938,7 +11812,7 @@
       </p:sp>
       <p:sp>
         <p:nvSpPr>
-          <p:cNvPr id="3" name="Picture Placeholder 2"/>
+          <p:cNvPr id="14" name="Picture Placeholder 2"/>
           <p:cNvSpPr>
             <a:spLocks noGrp="1" noChangeAspect="1"/>
           </p:cNvSpPr>
@@ -11948,20 +11822,36 @@
         </p:nvSpPr>
         <p:spPr>
           <a:xfrm>
-            <a:off x="6949546" y="1143000"/>
-            <a:ext cx="3200400" cy="4572000"/>
+            <a:off x="7594682" y="914400"/>
+            <a:ext cx="3280974" cy="4572000"/>
           </a:xfrm>
           <a:prstGeom prst="roundRect">
             <a:avLst>
-              <a:gd name="adj" fmla="val 1858"/>
+              <a:gd name="adj" fmla="val 4280"/>
             </a:avLst>
           </a:prstGeom>
+          <a:ln w="38100">
+            <a:gradFill flip="none" rotWithShape="1">
+              <a:gsLst>
+                <a:gs pos="0">
+                  <a:schemeClr val="bg2"/>
+                </a:gs>
+                <a:gs pos="100000">
+                  <a:schemeClr val="bg2">
+                    <a:lumMod val="75000"/>
+                  </a:schemeClr>
+                </a:gs>
+              </a:gsLst>
+              <a:lin ang="5400000" scaled="0"/>
+              <a:tileRect/>
+            </a:gradFill>
+          </a:ln>
           <a:effectLst>
-            <a:outerShdw blurRad="50800" dist="50800" dir="5400000" algn="tl" rotWithShape="0">
+            <a:innerShdw blurRad="57150" dist="38100" dir="14460000">
               <a:srgbClr val="000000">
-                <a:alpha val="43000"/>
+                <a:alpha val="70000"/>
               </a:srgbClr>
-            </a:outerShdw>
+            </a:innerShdw>
           </a:effectLst>
         </p:spPr>
         <p:txBody>
@@ -12027,8 +11917,8 @@
         </p:nvSpPr>
         <p:spPr>
           <a:xfrm>
-            <a:off x="1154954" y="3657600"/>
-            <a:ext cx="5084979" cy="1371600"/>
+            <a:off x="1482724" y="3124199"/>
+            <a:ext cx="5426158" cy="1828800"/>
           </a:xfrm>
         </p:spPr>
         <p:txBody>
@@ -12036,9 +11926,9 @@
             <a:normAutofit/>
           </a:bodyPr>
           <a:lstStyle>
-            <a:lvl1pPr marL="0" indent="0">
+            <a:lvl1pPr marL="0" indent="0" algn="ctr">
               <a:buNone/>
-              <a:defRPr sz="1400"/>
+              <a:defRPr sz="1800"/>
             </a:lvl1pPr>
             <a:lvl2pPr marL="457200" indent="0">
               <a:buNone/>
@@ -12150,7 +12040,7 @@
     </p:spTree>
     <p:extLst>
       <p:ext uri="{BB962C8B-B14F-4D97-AF65-F5344CB8AC3E}">
-        <p14:creationId xmlns:p14="http://schemas.microsoft.com/office/powerpoint/2010/main" val="2365141711"/>
+        <p14:creationId xmlns:p14="http://schemas.microsoft.com/office/powerpoint/2010/main" val="355280467"/>
       </p:ext>
     </p:extLst>
   </p:cSld>
@@ -12182,221 +12072,322 @@
           <a:chExt cx="0" cy="0"/>
         </a:xfrm>
       </p:grpSpPr>
-      <p:pic>
-        <p:nvPicPr>
-          <p:cNvPr id="8" name="Picture 7"/>
-          <p:cNvPicPr>
-            <a:picLocks noChangeAspect="1"/>
-          </p:cNvPicPr>
+      <p:grpSp>
+        <p:nvGrpSpPr>
+          <p:cNvPr id="7" name="Group 6"/>
+          <p:cNvGrpSpPr/>
           <p:nvPr/>
-        </p:nvPicPr>
-        <p:blipFill rotWithShape="1">
-          <a:blip r:embed="rId19">
-            <a:extLst>
-              <a:ext uri="{28A0092B-C50C-407E-A947-70E740481C1C}">
-                <a14:useLocalDpi xmlns:a14="http://schemas.microsoft.com/office/drawing/2010/main" val="0"/>
-              </a:ext>
-            </a:extLst>
-          </a:blip>
-          <a:srcRect l="3613"/>
-          <a:stretch/>
-        </p:blipFill>
-        <p:spPr>
+        </p:nvGrpSpPr>
+        <p:grpSpPr>
           <a:xfrm>
-            <a:off x="0" y="2669685"/>
-            <a:ext cx="4037012" cy="4188315"/>
+            <a:off x="150812" y="0"/>
+            <a:ext cx="2436813" cy="6858001"/>
+            <a:chOff x="1320800" y="0"/>
+            <a:chExt cx="2436813" cy="6858001"/>
           </a:xfrm>
-          <a:prstGeom prst="rect">
-            <a:avLst/>
-          </a:prstGeom>
-        </p:spPr>
-      </p:pic>
-      <p:pic>
-        <p:nvPicPr>
-          <p:cNvPr id="7" name="Picture 6"/>
-          <p:cNvPicPr>
-            <a:picLocks noChangeAspect="1"/>
-          </p:cNvPicPr>
-          <p:nvPr/>
-        </p:nvPicPr>
-        <p:blipFill rotWithShape="1">
-          <a:blip r:embed="rId20">
-            <a:extLst>
-              <a:ext uri="{28A0092B-C50C-407E-A947-70E740481C1C}">
-                <a14:useLocalDpi xmlns:a14="http://schemas.microsoft.com/office/drawing/2010/main" val="0"/>
-              </a:ext>
-            </a:extLst>
-          </a:blip>
-          <a:srcRect l="35640"/>
-          <a:stretch/>
-        </p:blipFill>
-        <p:spPr>
-          <a:xfrm>
-            <a:off x="0" y="2892347"/>
-            <a:ext cx="1522412" cy="2365453"/>
-          </a:xfrm>
-          <a:prstGeom prst="rect">
-            <a:avLst/>
-          </a:prstGeom>
-        </p:spPr>
-      </p:pic>
-      <p:sp>
-        <p:nvSpPr>
-          <p:cNvPr id="16" name="Oval 15"/>
-          <p:cNvSpPr/>
-          <p:nvPr/>
-        </p:nvSpPr>
-        <p:spPr>
-          <a:xfrm>
-            <a:off x="8609012" y="1676400"/>
-            <a:ext cx="2819400" cy="2819400"/>
-          </a:xfrm>
-          <a:prstGeom prst="ellipse">
-            <a:avLst/>
-          </a:prstGeom>
-          <a:gradFill flip="none" rotWithShape="1">
-            <a:gsLst>
-              <a:gs pos="0">
-                <a:schemeClr val="bg2">
-                  <a:lumMod val="60000"/>
-                  <a:lumOff val="40000"/>
-                  <a:alpha val="7000"/>
-                </a:schemeClr>
-              </a:gs>
-              <a:gs pos="69000">
-                <a:schemeClr val="bg2">
-                  <a:lumMod val="60000"/>
-                  <a:lumOff val="40000"/>
-                  <a:alpha val="0"/>
-                </a:schemeClr>
-              </a:gs>
-              <a:gs pos="36000">
-                <a:schemeClr val="bg2">
-                  <a:lumMod val="60000"/>
-                  <a:lumOff val="40000"/>
-                  <a:alpha val="6000"/>
-                </a:schemeClr>
-              </a:gs>
-            </a:gsLst>
-            <a:path path="circle">
-              <a:fillToRect l="50000" t="50000" r="50000" b="50000"/>
-            </a:path>
-            <a:tileRect/>
-          </a:gradFill>
-          <a:ln>
-            <a:noFill/>
-          </a:ln>
-          <a:effectLst/>
-        </p:spPr>
-        <p:style>
-          <a:lnRef idx="1">
-            <a:schemeClr val="accent1"/>
-          </a:lnRef>
-          <a:fillRef idx="3">
-            <a:schemeClr val="accent1"/>
-          </a:fillRef>
-          <a:effectRef idx="2">
-            <a:schemeClr val="accent1"/>
-          </a:effectRef>
-          <a:fontRef idx="minor">
-            <a:schemeClr val="lt1"/>
-          </a:fontRef>
-        </p:style>
-      </p:sp>
-      <p:pic>
-        <p:nvPicPr>
-          <p:cNvPr id="9" name="Picture 8"/>
-          <p:cNvPicPr>
-            <a:picLocks noChangeAspect="1"/>
-          </p:cNvPicPr>
-          <p:nvPr/>
-        </p:nvPicPr>
-        <p:blipFill rotWithShape="1">
-          <a:blip r:embed="rId21">
-            <a:extLst>
-              <a:ext uri="{28A0092B-C50C-407E-A947-70E740481C1C}">
-                <a14:useLocalDpi xmlns:a14="http://schemas.microsoft.com/office/drawing/2010/main" val="0"/>
-              </a:ext>
-            </a:extLst>
-          </a:blip>
-          <a:srcRect t="28813"/>
-          <a:stretch/>
-        </p:blipFill>
-        <p:spPr>
-          <a:xfrm>
-            <a:off x="7999412" y="0"/>
-            <a:ext cx="1603387" cy="1141407"/>
-          </a:xfrm>
-          <a:prstGeom prst="rect">
-            <a:avLst/>
-          </a:prstGeom>
-        </p:spPr>
-      </p:pic>
-      <p:pic>
-        <p:nvPicPr>
-          <p:cNvPr id="10" name="Picture 9"/>
-          <p:cNvPicPr>
-            <a:picLocks noChangeAspect="1"/>
-          </p:cNvPicPr>
-          <p:nvPr/>
-        </p:nvPicPr>
-        <p:blipFill rotWithShape="1">
-          <a:blip r:embed="rId22">
-            <a:extLst>
-              <a:ext uri="{28A0092B-C50C-407E-A947-70E740481C1C}">
-                <a14:useLocalDpi xmlns:a14="http://schemas.microsoft.com/office/drawing/2010/main" val="0"/>
-              </a:ext>
-            </a:extLst>
-          </a:blip>
-          <a:srcRect b="23320"/>
-          <a:stretch/>
-        </p:blipFill>
-        <p:spPr>
-          <a:xfrm>
-            <a:off x="8605878" y="6096000"/>
-            <a:ext cx="993734" cy="762000"/>
-          </a:xfrm>
-          <a:prstGeom prst="rect">
-            <a:avLst/>
-          </a:prstGeom>
-        </p:spPr>
-      </p:pic>
-      <p:sp>
-        <p:nvSpPr>
-          <p:cNvPr id="14" name="Rectangle 13"/>
-          <p:cNvSpPr/>
-          <p:nvPr/>
-        </p:nvSpPr>
-        <p:spPr>
-          <a:xfrm>
-            <a:off x="10437812" y="0"/>
-            <a:ext cx="685800" cy="1143000"/>
-          </a:xfrm>
-          <a:prstGeom prst="rect">
-            <a:avLst/>
-          </a:prstGeom>
-          <a:solidFill>
-            <a:schemeClr val="accent1"/>
-          </a:solidFill>
-          <a:ln>
-            <a:noFill/>
-          </a:ln>
-        </p:spPr>
-        <p:style>
-          <a:lnRef idx="1">
-            <a:schemeClr val="accent1"/>
-          </a:lnRef>
-          <a:fillRef idx="3">
-            <a:schemeClr val="accent1"/>
-          </a:fillRef>
-          <a:effectRef idx="2">
-            <a:schemeClr val="accent1"/>
-          </a:effectRef>
-          <a:fontRef idx="minor">
-            <a:schemeClr val="lt1"/>
-          </a:fontRef>
-        </p:style>
-      </p:sp>
+        </p:grpSpPr>
+        <p:sp>
+          <p:nvSpPr>
+            <p:cNvPr id="8" name="Freeform 6"/>
+            <p:cNvSpPr/>
+            <p:nvPr/>
+          </p:nvSpPr>
+          <p:spPr bwMode="auto">
+            <a:xfrm>
+              <a:off x="1627188" y="0"/>
+              <a:ext cx="1122363" cy="5329238"/>
+            </a:xfrm>
+            <a:custGeom>
+              <a:avLst/>
+              <a:gdLst/>
+              <a:ahLst/>
+              <a:cxnLst/>
+              <a:rect l="0" t="0" r="r" b="b"/>
+              <a:pathLst>
+                <a:path w="707" h="3357">
+                  <a:moveTo>
+                    <a:pt x="0" y="3330"/>
+                  </a:moveTo>
+                  <a:lnTo>
+                    <a:pt x="156" y="3357"/>
+                  </a:lnTo>
+                  <a:lnTo>
+                    <a:pt x="707" y="0"/>
+                  </a:lnTo>
+                  <a:lnTo>
+                    <a:pt x="547" y="0"/>
+                  </a:lnTo>
+                  <a:lnTo>
+                    <a:pt x="0" y="3330"/>
+                  </a:lnTo>
+                  <a:close/>
+                </a:path>
+              </a:pathLst>
+            </a:custGeom>
+            <a:solidFill>
+              <a:schemeClr val="accent1"/>
+            </a:solidFill>
+            <a:ln>
+              <a:noFill/>
+            </a:ln>
+          </p:spPr>
+        </p:sp>
+        <p:sp>
+          <p:nvSpPr>
+            <p:cNvPr id="9" name="Freeform 7"/>
+            <p:cNvSpPr/>
+            <p:nvPr/>
+          </p:nvSpPr>
+          <p:spPr bwMode="auto">
+            <a:xfrm>
+              <a:off x="1320800" y="0"/>
+              <a:ext cx="1117600" cy="5276850"/>
+            </a:xfrm>
+            <a:custGeom>
+              <a:avLst/>
+              <a:gdLst/>
+              <a:ahLst/>
+              <a:cxnLst/>
+              <a:rect l="0" t="0" r="r" b="b"/>
+              <a:pathLst>
+                <a:path w="704" h="3324">
+                  <a:moveTo>
+                    <a:pt x="704" y="0"/>
+                  </a:moveTo>
+                  <a:lnTo>
+                    <a:pt x="545" y="0"/>
+                  </a:lnTo>
+                  <a:lnTo>
+                    <a:pt x="0" y="3300"/>
+                  </a:lnTo>
+                  <a:lnTo>
+                    <a:pt x="157" y="3324"/>
+                  </a:lnTo>
+                  <a:lnTo>
+                    <a:pt x="704" y="0"/>
+                  </a:lnTo>
+                  <a:close/>
+                </a:path>
+              </a:pathLst>
+            </a:custGeom>
+            <a:solidFill>
+              <a:schemeClr val="tx1">
+                <a:lumMod val="65000"/>
+                <a:lumOff val="35000"/>
+              </a:schemeClr>
+            </a:solidFill>
+            <a:ln>
+              <a:noFill/>
+            </a:ln>
+          </p:spPr>
+        </p:sp>
+        <p:sp>
+          <p:nvSpPr>
+            <p:cNvPr id="10" name="Freeform 8"/>
+            <p:cNvSpPr/>
+            <p:nvPr/>
+          </p:nvSpPr>
+          <p:spPr bwMode="auto">
+            <a:xfrm>
+              <a:off x="1320800" y="5238750"/>
+              <a:ext cx="1228725" cy="1619250"/>
+            </a:xfrm>
+            <a:custGeom>
+              <a:avLst/>
+              <a:gdLst/>
+              <a:ahLst/>
+              <a:cxnLst/>
+              <a:rect l="0" t="0" r="r" b="b"/>
+              <a:pathLst>
+                <a:path w="774" h="1020">
+                  <a:moveTo>
+                    <a:pt x="0" y="0"/>
+                  </a:moveTo>
+                  <a:lnTo>
+                    <a:pt x="740" y="1020"/>
+                  </a:lnTo>
+                  <a:lnTo>
+                    <a:pt x="774" y="1020"/>
+                  </a:lnTo>
+                  <a:lnTo>
+                    <a:pt x="0" y="0"/>
+                  </a:lnTo>
+                  <a:close/>
+                </a:path>
+              </a:pathLst>
+            </a:custGeom>
+            <a:solidFill>
+              <a:schemeClr val="tx1">
+                <a:lumMod val="85000"/>
+                <a:lumOff val="15000"/>
+              </a:schemeClr>
+            </a:solidFill>
+            <a:ln>
+              <a:noFill/>
+            </a:ln>
+          </p:spPr>
+        </p:sp>
+        <p:sp>
+          <p:nvSpPr>
+            <p:cNvPr id="11" name="Freeform 9"/>
+            <p:cNvSpPr/>
+            <p:nvPr/>
+          </p:nvSpPr>
+          <p:spPr bwMode="auto">
+            <a:xfrm>
+              <a:off x="1627188" y="5291138"/>
+              <a:ext cx="1495425" cy="1566863"/>
+            </a:xfrm>
+            <a:custGeom>
+              <a:avLst/>
+              <a:gdLst/>
+              <a:ahLst/>
+              <a:cxnLst/>
+              <a:rect l="0" t="0" r="r" b="b"/>
+              <a:pathLst>
+                <a:path w="942" h="987">
+                  <a:moveTo>
+                    <a:pt x="0" y="0"/>
+                  </a:moveTo>
+                  <a:lnTo>
+                    <a:pt x="909" y="987"/>
+                  </a:lnTo>
+                  <a:lnTo>
+                    <a:pt x="942" y="987"/>
+                  </a:lnTo>
+                  <a:lnTo>
+                    <a:pt x="0" y="0"/>
+                  </a:lnTo>
+                  <a:close/>
+                </a:path>
+              </a:pathLst>
+            </a:custGeom>
+            <a:solidFill>
+              <a:schemeClr val="accent1">
+                <a:lumMod val="50000"/>
+              </a:schemeClr>
+            </a:solidFill>
+            <a:ln>
+              <a:noFill/>
+            </a:ln>
+          </p:spPr>
+        </p:sp>
+        <p:sp>
+          <p:nvSpPr>
+            <p:cNvPr id="12" name="Freeform 10"/>
+            <p:cNvSpPr/>
+            <p:nvPr/>
+          </p:nvSpPr>
+          <p:spPr bwMode="auto">
+            <a:xfrm>
+              <a:off x="1627188" y="5286375"/>
+              <a:ext cx="2130425" cy="1571625"/>
+            </a:xfrm>
+            <a:custGeom>
+              <a:avLst/>
+              <a:gdLst/>
+              <a:ahLst/>
+              <a:cxnLst/>
+              <a:rect l="0" t="0" r="r" b="b"/>
+              <a:pathLst>
+                <a:path w="1342" h="990">
+                  <a:moveTo>
+                    <a:pt x="0" y="3"/>
+                  </a:moveTo>
+                  <a:lnTo>
+                    <a:pt x="942" y="990"/>
+                  </a:lnTo>
+                  <a:lnTo>
+                    <a:pt x="1342" y="990"/>
+                  </a:lnTo>
+                  <a:lnTo>
+                    <a:pt x="156" y="27"/>
+                  </a:lnTo>
+                  <a:lnTo>
+                    <a:pt x="0" y="0"/>
+                  </a:lnTo>
+                  <a:lnTo>
+                    <a:pt x="0" y="3"/>
+                  </a:lnTo>
+                  <a:close/>
+                </a:path>
+              </a:pathLst>
+            </a:custGeom>
+            <a:solidFill>
+              <a:schemeClr val="accent1">
+                <a:lumMod val="75000"/>
+              </a:schemeClr>
+            </a:solidFill>
+            <a:ln>
+              <a:noFill/>
+            </a:ln>
+          </p:spPr>
+        </p:sp>
+        <p:sp>
+          <p:nvSpPr>
+            <p:cNvPr id="13" name="Freeform 11"/>
+            <p:cNvSpPr/>
+            <p:nvPr/>
+          </p:nvSpPr>
+          <p:spPr bwMode="auto">
+            <a:xfrm>
+              <a:off x="1320800" y="5238750"/>
+              <a:ext cx="1695450" cy="1619250"/>
+            </a:xfrm>
+            <a:custGeom>
+              <a:avLst/>
+              <a:gdLst/>
+              <a:ahLst/>
+              <a:cxnLst/>
+              <a:rect l="0" t="0" r="r" b="b"/>
+              <a:pathLst>
+                <a:path w="1068" h="1020">
+                  <a:moveTo>
+                    <a:pt x="1068" y="1020"/>
+                  </a:moveTo>
+                  <a:lnTo>
+                    <a:pt x="184" y="60"/>
+                  </a:lnTo>
+                  <a:lnTo>
+                    <a:pt x="154" y="27"/>
+                  </a:lnTo>
+                  <a:lnTo>
+                    <a:pt x="157" y="27"/>
+                  </a:lnTo>
+                  <a:lnTo>
+                    <a:pt x="157" y="24"/>
+                  </a:lnTo>
+                  <a:lnTo>
+                    <a:pt x="154" y="24"/>
+                  </a:lnTo>
+                  <a:lnTo>
+                    <a:pt x="0" y="0"/>
+                  </a:lnTo>
+                  <a:lnTo>
+                    <a:pt x="0" y="0"/>
+                  </a:lnTo>
+                  <a:lnTo>
+                    <a:pt x="774" y="1020"/>
+                  </a:lnTo>
+                  <a:lnTo>
+                    <a:pt x="1068" y="1020"/>
+                  </a:lnTo>
+                  <a:close/>
+                </a:path>
+              </a:pathLst>
+            </a:custGeom>
+            <a:solidFill>
+              <a:schemeClr val="tx1">
+                <a:lumMod val="75000"/>
+                <a:lumOff val="25000"/>
+              </a:schemeClr>
+            </a:solidFill>
+            <a:ln>
+              <a:noFill/>
+            </a:ln>
+          </p:spPr>
+        </p:sp>
+      </p:grpSp>
       <p:sp>
         <p:nvSpPr>
           <p:cNvPr id="2" name="Title Placeholder 1"/>
@@ -12409,16 +12400,17 @@
         </p:nvSpPr>
         <p:spPr>
           <a:xfrm>
-            <a:off x="646111" y="452718"/>
-            <a:ext cx="9404723" cy="1400530"/>
+            <a:off x="1484311" y="685800"/>
+            <a:ext cx="10018713" cy="1752599"/>
           </a:xfrm>
           <a:prstGeom prst="rect">
             <a:avLst/>
           </a:prstGeom>
+          <a:effectLst/>
         </p:spPr>
         <p:txBody>
-          <a:bodyPr vert="horz" lIns="91440" tIns="45720" rIns="91440" bIns="45720" rtlCol="0" anchor="t">
-            <a:noAutofit/>
+          <a:bodyPr vert="horz" lIns="91440" tIns="45720" rIns="91440" bIns="45720" rtlCol="0" anchor="ctr">
+            <a:normAutofit/>
           </a:bodyPr>
           <a:lstStyle/>
           <a:p>
@@ -12442,15 +12434,15 @@
         </p:nvSpPr>
         <p:spPr>
           <a:xfrm>
-            <a:off x="1103312" y="2052918"/>
-            <a:ext cx="8946541" cy="4195481"/>
+            <a:off x="1484310" y="2666999"/>
+            <a:ext cx="10018713" cy="3124201"/>
           </a:xfrm>
           <a:prstGeom prst="rect">
             <a:avLst/>
           </a:prstGeom>
         </p:spPr>
         <p:txBody>
-          <a:bodyPr vert="horz" lIns="91440" tIns="45720" rIns="91440" bIns="45720" rtlCol="0">
+          <a:bodyPr vert="horz" lIns="91440" tIns="45720" rIns="91440" bIns="45720" rtlCol="0" anchor="ctr">
             <a:normAutofit/>
           </a:bodyPr>
           <a:lstStyle/>
@@ -12503,25 +12495,24 @@
           </p:nvPr>
         </p:nvSpPr>
         <p:spPr>
-          <a:xfrm rot="5400000">
-            <a:off x="10155639" y="1790701"/>
-            <a:ext cx="990599" cy="304799"/>
+          <a:xfrm>
+            <a:off x="9732656" y="5883275"/>
+            <a:ext cx="1143000" cy="365125"/>
           </a:xfrm>
           <a:prstGeom prst="rect">
             <a:avLst/>
           </a:prstGeom>
         </p:spPr>
         <p:txBody>
-          <a:bodyPr vert="horz" lIns="91440" tIns="45720" rIns="91440" bIns="45720" rtlCol="0" anchor="t"/>
+          <a:bodyPr vert="horz" lIns="91440" tIns="45720" rIns="91440" bIns="45720" rtlCol="0" anchor="ctr"/>
           <a:lstStyle>
-            <a:lvl1pPr algn="l">
-              <a:defRPr sz="1100" b="0" i="0">
+            <a:lvl1pPr algn="r">
+              <a:defRPr sz="1000" b="0" i="0">
                 <a:solidFill>
-                  <a:schemeClr val="tx1">
-                    <a:tint val="75000"/>
-                    <a:alpha val="60000"/>
-                  </a:schemeClr>
+                  <a:schemeClr val="tx1"/>
                 </a:solidFill>
+                <a:effectLst/>
+                <a:latin typeface="+mn-lt"/>
               </a:defRPr>
             </a:lvl1pPr>
           </a:lstStyle>
@@ -12545,25 +12536,24 @@
           </p:nvPr>
         </p:nvSpPr>
         <p:spPr>
-          <a:xfrm rot="5400000">
-            <a:off x="8951573" y="3225297"/>
-            <a:ext cx="3859795" cy="304801"/>
+          <a:xfrm>
+            <a:off x="2572279" y="5883275"/>
+            <a:ext cx="7084177" cy="365125"/>
           </a:xfrm>
           <a:prstGeom prst="rect">
             <a:avLst/>
           </a:prstGeom>
         </p:spPr>
         <p:txBody>
-          <a:bodyPr vert="horz" lIns="91440" tIns="45720" rIns="91440" bIns="45720" rtlCol="0" anchor="b"/>
+          <a:bodyPr vert="horz" lIns="91440" tIns="45720" rIns="91440" bIns="45720" rtlCol="0" anchor="ctr"/>
           <a:lstStyle>
             <a:lvl1pPr algn="l">
-              <a:defRPr sz="1100" b="0" i="0">
+              <a:defRPr sz="1000" b="0" i="0">
                 <a:solidFill>
-                  <a:schemeClr val="tx1">
-                    <a:tint val="75000"/>
-                    <a:alpha val="60000"/>
-                  </a:schemeClr>
+                  <a:schemeClr val="tx1"/>
                 </a:solidFill>
+                <a:effectLst/>
+                <a:latin typeface="+mn-lt"/>
               </a:defRPr>
             </a:lvl1pPr>
           </a:lstStyle>
@@ -12582,25 +12572,25 @@
             <p:ph type="sldNum" sz="quarter" idx="4"/>
           </p:nvPr>
         </p:nvSpPr>
-        <p:spPr bwMode="gray">
+        <p:spPr>
           <a:xfrm>
-            <a:off x="10352540" y="295729"/>
-            <a:ext cx="838199" cy="767687"/>
+            <a:off x="10951856" y="5883275"/>
+            <a:ext cx="551167" cy="365125"/>
           </a:xfrm>
           <a:prstGeom prst="rect">
             <a:avLst/>
           </a:prstGeom>
         </p:spPr>
         <p:txBody>
-          <a:bodyPr vert="horz" lIns="91440" tIns="45720" rIns="91440" bIns="45720" rtlCol="0" anchor="b"/>
+          <a:bodyPr vert="horz" lIns="91440" tIns="45720" rIns="91440" bIns="45720" rtlCol="0" anchor="ctr"/>
           <a:lstStyle>
-            <a:lvl1pPr algn="ctr">
-              <a:defRPr sz="2800" b="0" i="0">
+            <a:lvl1pPr algn="r">
+              <a:defRPr sz="1000" b="0" i="0">
                 <a:solidFill>
-                  <a:schemeClr val="tx1">
-                    <a:tint val="75000"/>
-                  </a:schemeClr>
+                  <a:schemeClr val="tx1"/>
                 </a:solidFill>
+                <a:effectLst/>
+                <a:latin typeface="+mn-lt"/>
               </a:defRPr>
             </a:lvl1pPr>
           </a:lstStyle>
@@ -12616,41 +12606,45 @@
     </p:spTree>
     <p:extLst>
       <p:ext uri="{BB962C8B-B14F-4D97-AF65-F5344CB8AC3E}">
-        <p14:creationId xmlns:p14="http://schemas.microsoft.com/office/powerpoint/2010/main" val="2283059543"/>
+        <p14:creationId xmlns:p14="http://schemas.microsoft.com/office/powerpoint/2010/main" val="1373071129"/>
       </p:ext>
     </p:extLst>
   </p:cSld>
-  <p:clrMap bg1="dk1" tx1="lt1" bg2="dk2" tx2="lt2" accent1="accent1" accent2="accent2" accent3="accent3" accent4="accent4" accent5="accent5" accent6="accent6" hlink="hlink" folHlink="folHlink"/>
+  <p:clrMap bg1="lt1" tx1="dk1" bg2="lt2" tx2="dk2" accent1="accent1" accent2="accent2" accent3="accent3" accent4="accent4" accent5="accent5" accent6="accent6" hlink="hlink" folHlink="folHlink"/>
   <p:sldLayoutIdLst>
-    <p:sldLayoutId id="2147483726" r:id="rId1"/>
-    <p:sldLayoutId id="2147483727" r:id="rId2"/>
-    <p:sldLayoutId id="2147483728" r:id="rId3"/>
-    <p:sldLayoutId id="2147483729" r:id="rId4"/>
-    <p:sldLayoutId id="2147483730" r:id="rId5"/>
-    <p:sldLayoutId id="2147483731" r:id="rId6"/>
-    <p:sldLayoutId id="2147483732" r:id="rId7"/>
-    <p:sldLayoutId id="2147483733" r:id="rId8"/>
-    <p:sldLayoutId id="2147483734" r:id="rId9"/>
-    <p:sldLayoutId id="2147483735" r:id="rId10"/>
-    <p:sldLayoutId id="2147483736" r:id="rId11"/>
-    <p:sldLayoutId id="2147483737" r:id="rId12"/>
-    <p:sldLayoutId id="2147483738" r:id="rId13"/>
-    <p:sldLayoutId id="2147483739" r:id="rId14"/>
-    <p:sldLayoutId id="2147483740" r:id="rId15"/>
-    <p:sldLayoutId id="2147483741" r:id="rId16"/>
-    <p:sldLayoutId id="2147483742" r:id="rId17"/>
+    <p:sldLayoutId id="2147483762" r:id="rId1"/>
+    <p:sldLayoutId id="2147483763" r:id="rId2"/>
+    <p:sldLayoutId id="2147483764" r:id="rId3"/>
+    <p:sldLayoutId id="2147483765" r:id="rId4"/>
+    <p:sldLayoutId id="2147483766" r:id="rId5"/>
+    <p:sldLayoutId id="2147483767" r:id="rId6"/>
+    <p:sldLayoutId id="2147483768" r:id="rId7"/>
+    <p:sldLayoutId id="2147483769" r:id="rId8"/>
+    <p:sldLayoutId id="2147483770" r:id="rId9"/>
+    <p:sldLayoutId id="2147483771" r:id="rId10"/>
+    <p:sldLayoutId id="2147483772" r:id="rId11"/>
+    <p:sldLayoutId id="2147483773" r:id="rId12"/>
+    <p:sldLayoutId id="2147483774" r:id="rId13"/>
+    <p:sldLayoutId id="2147483775" r:id="rId14"/>
+    <p:sldLayoutId id="2147483776" r:id="rId15"/>
+    <p:sldLayoutId id="2147483777" r:id="rId16"/>
+    <p:sldLayoutId id="2147483778" r:id="rId17"/>
   </p:sldLayoutIdLst>
   <p:txStyles>
     <p:titleStyle>
-      <a:lvl1pPr algn="l" defTabSz="457200" rtl="0" eaLnBrk="1" latinLnBrk="0" hangingPunct="1">
+      <a:lvl1pPr algn="ctr" defTabSz="457200" rtl="0" eaLnBrk="1" latinLnBrk="0" hangingPunct="1">
         <a:spcBef>
           <a:spcPct val="0"/>
         </a:spcBef>
         <a:buNone/>
-        <a:defRPr sz="4200" b="0" i="0" kern="1200">
+        <a:defRPr sz="4000" kern="1200" cap="none">
+          <a:ln w="3175" cmpd="sng">
+            <a:noFill/>
+          </a:ln>
           <a:solidFill>
-            <a:schemeClr val="tx2"/>
+            <a:schemeClr val="tx1"/>
           </a:solidFill>
+          <a:effectLst/>
           <a:latin typeface="+mj-lt"/>
           <a:ea typeface="+mj-ea"/>
           <a:cs typeface="+mj-cs"/>
@@ -12714,229 +12708,229 @@
       </a:lvl9pPr>
     </p:titleStyle>
     <p:bodyStyle>
-      <a:lvl1pPr marL="342900" indent="-342900" algn="l" defTabSz="457200" rtl="0" eaLnBrk="1" latinLnBrk="0" hangingPunct="1">
+      <a:lvl1pPr marL="285750" indent="-285750" algn="l" defTabSz="457200" rtl="0" eaLnBrk="1" latinLnBrk="0" hangingPunct="1">
         <a:spcBef>
-          <a:spcPts val="1000"/>
+          <a:spcPct val="20000"/>
         </a:spcBef>
         <a:spcAft>
-          <a:spcPts val="0"/>
+          <a:spcPts val="600"/>
         </a:spcAft>
         <a:buClr>
-          <a:schemeClr val="bg2">
-            <a:lumMod val="40000"/>
-            <a:lumOff val="60000"/>
+          <a:schemeClr val="accent1">
+            <a:lumMod val="75000"/>
           </a:schemeClr>
         </a:buClr>
-        <a:buSzPct val="80000"/>
-        <a:buFont typeface="Wingdings 3" charset="2"/>
-        <a:buChar char=""/>
-        <a:defRPr sz="2000" b="0" i="0" kern="1200">
+        <a:buSzPct val="145000"/>
+        <a:buFont typeface="Arial"/>
+        <a:buChar char="•"/>
+        <a:defRPr sz="2400" kern="1200" cap="none">
           <a:solidFill>
             <a:schemeClr val="tx1"/>
           </a:solidFill>
-          <a:latin typeface="+mj-lt"/>
-          <a:ea typeface="+mj-ea"/>
-          <a:cs typeface="+mj-cs"/>
+          <a:effectLst/>
+          <a:latin typeface="+mn-lt"/>
+          <a:ea typeface="+mn-ea"/>
+          <a:cs typeface="+mn-cs"/>
         </a:defRPr>
       </a:lvl1pPr>
       <a:lvl2pPr marL="742950" indent="-285750" algn="l" defTabSz="457200" rtl="0" eaLnBrk="1" latinLnBrk="0" hangingPunct="1">
         <a:spcBef>
-          <a:spcPts val="1000"/>
+          <a:spcPct val="20000"/>
         </a:spcBef>
         <a:spcAft>
-          <a:spcPts val="0"/>
+          <a:spcPts val="600"/>
         </a:spcAft>
         <a:buClr>
-          <a:schemeClr val="bg2">
-            <a:lumMod val="40000"/>
-            <a:lumOff val="60000"/>
+          <a:schemeClr val="accent1">
+            <a:lumMod val="75000"/>
           </a:schemeClr>
         </a:buClr>
-        <a:buSzPct val="80000"/>
-        <a:buFont typeface="Wingdings 3" charset="2"/>
-        <a:buChar char=""/>
-        <a:defRPr sz="1800" b="0" i="0" kern="1200">
+        <a:buSzPct val="145000"/>
+        <a:buFont typeface="Arial"/>
+        <a:buChar char="•"/>
+        <a:defRPr sz="2000" kern="1200" cap="none">
           <a:solidFill>
             <a:schemeClr val="tx1"/>
           </a:solidFill>
-          <a:latin typeface="+mj-lt"/>
-          <a:ea typeface="+mj-ea"/>
-          <a:cs typeface="+mj-cs"/>
+          <a:effectLst/>
+          <a:latin typeface="+mn-lt"/>
+          <a:ea typeface="+mn-ea"/>
+          <a:cs typeface="+mn-cs"/>
         </a:defRPr>
       </a:lvl2pPr>
-      <a:lvl3pPr marL="1143000" indent="-228600" algn="l" defTabSz="457200" rtl="0" eaLnBrk="1" latinLnBrk="0" hangingPunct="1">
+      <a:lvl3pPr marL="1200150" indent="-285750" algn="l" defTabSz="457200" rtl="0" eaLnBrk="1" latinLnBrk="0" hangingPunct="1">
         <a:spcBef>
-          <a:spcPts val="1000"/>
+          <a:spcPct val="20000"/>
         </a:spcBef>
         <a:spcAft>
-          <a:spcPts val="0"/>
+          <a:spcPts val="600"/>
         </a:spcAft>
         <a:buClr>
-          <a:schemeClr val="bg2">
-            <a:lumMod val="40000"/>
-            <a:lumOff val="60000"/>
+          <a:schemeClr val="accent1">
+            <a:lumMod val="75000"/>
           </a:schemeClr>
         </a:buClr>
-        <a:buSzPct val="80000"/>
-        <a:buFont typeface="Wingdings 3" charset="2"/>
-        <a:buChar char=""/>
-        <a:defRPr sz="1600" b="0" i="0" kern="1200">
+        <a:buSzPct val="145000"/>
+        <a:buFont typeface="Arial"/>
+        <a:buChar char="•"/>
+        <a:defRPr sz="1800" kern="1200" cap="none">
           <a:solidFill>
             <a:schemeClr val="tx1"/>
           </a:solidFill>
-          <a:latin typeface="+mj-lt"/>
-          <a:ea typeface="+mj-ea"/>
-          <a:cs typeface="+mj-cs"/>
+          <a:effectLst/>
+          <a:latin typeface="+mn-lt"/>
+          <a:ea typeface="+mn-ea"/>
+          <a:cs typeface="+mn-cs"/>
         </a:defRPr>
       </a:lvl3pPr>
-      <a:lvl4pPr marL="1600200" indent="-228600" algn="l" defTabSz="457200" rtl="0" eaLnBrk="1" latinLnBrk="0" hangingPunct="1">
+      <a:lvl4pPr marL="1543050" indent="-171450" algn="l" defTabSz="457200" rtl="0" eaLnBrk="1" latinLnBrk="0" hangingPunct="1">
         <a:spcBef>
-          <a:spcPts val="1000"/>
+          <a:spcPct val="20000"/>
         </a:spcBef>
         <a:spcAft>
-          <a:spcPts val="0"/>
+          <a:spcPts val="600"/>
         </a:spcAft>
         <a:buClr>
-          <a:schemeClr val="bg2">
-            <a:lumMod val="40000"/>
-            <a:lumOff val="60000"/>
+          <a:schemeClr val="accent1">
+            <a:lumMod val="75000"/>
           </a:schemeClr>
         </a:buClr>
-        <a:buSzPct val="80000"/>
-        <a:buFont typeface="Wingdings 3" charset="2"/>
-        <a:buChar char=""/>
-        <a:defRPr sz="1400" b="0" i="0" kern="1200">
+        <a:buSzPct val="145000"/>
+        <a:buFont typeface="Arial"/>
+        <a:buChar char="•"/>
+        <a:defRPr sz="1600" kern="1200" cap="none">
           <a:solidFill>
             <a:schemeClr val="tx1"/>
           </a:solidFill>
-          <a:latin typeface="+mj-lt"/>
-          <a:ea typeface="+mj-ea"/>
-          <a:cs typeface="+mj-cs"/>
+          <a:effectLst/>
+          <a:latin typeface="+mn-lt"/>
+          <a:ea typeface="+mn-ea"/>
+          <a:cs typeface="+mn-cs"/>
         </a:defRPr>
       </a:lvl4pPr>
-      <a:lvl5pPr marL="2057400" indent="-228600" algn="l" defTabSz="457200" rtl="0" eaLnBrk="1" latinLnBrk="0" hangingPunct="1">
+      <a:lvl5pPr marL="2000250" indent="-171450" algn="l" defTabSz="457200" rtl="0" eaLnBrk="1" latinLnBrk="0" hangingPunct="1">
         <a:spcBef>
-          <a:spcPts val="1000"/>
+          <a:spcPct val="20000"/>
         </a:spcBef>
         <a:spcAft>
-          <a:spcPts val="0"/>
+          <a:spcPts val="600"/>
         </a:spcAft>
         <a:buClr>
-          <a:schemeClr val="bg2">
-            <a:lumMod val="40000"/>
-            <a:lumOff val="60000"/>
+          <a:schemeClr val="accent1">
+            <a:lumMod val="75000"/>
           </a:schemeClr>
         </a:buClr>
-        <a:buSzPct val="80000"/>
-        <a:buFont typeface="Wingdings 3" charset="2"/>
-        <a:buChar char=""/>
-        <a:defRPr sz="1400" b="0" i="0" kern="1200">
+        <a:buSzPct val="145000"/>
+        <a:buFont typeface="Arial"/>
+        <a:buChar char="•"/>
+        <a:defRPr sz="1400" kern="1200" cap="none">
           <a:solidFill>
             <a:schemeClr val="tx1"/>
           </a:solidFill>
-          <a:latin typeface="+mj-lt"/>
-          <a:ea typeface="+mj-ea"/>
-          <a:cs typeface="+mj-cs"/>
+          <a:effectLst/>
+          <a:latin typeface="+mn-lt"/>
+          <a:ea typeface="+mn-ea"/>
+          <a:cs typeface="+mn-cs"/>
         </a:defRPr>
       </a:lvl5pPr>
-      <a:lvl6pPr marL="2506000" indent="-228600" algn="l" defTabSz="457200" rtl="0" eaLnBrk="1" latinLnBrk="0" hangingPunct="1">
+      <a:lvl6pPr marL="2514600" indent="-228600" algn="l" defTabSz="457200" rtl="0" eaLnBrk="1" latinLnBrk="0" hangingPunct="1">
         <a:spcBef>
-          <a:spcPts val="1000"/>
+          <a:spcPct val="20000"/>
         </a:spcBef>
         <a:spcAft>
-          <a:spcPts val="0"/>
+          <a:spcPts val="600"/>
         </a:spcAft>
         <a:buClr>
-          <a:schemeClr val="bg2">
-            <a:lumMod val="40000"/>
-            <a:lumOff val="60000"/>
+          <a:schemeClr val="accent1">
+            <a:lumMod val="75000"/>
           </a:schemeClr>
         </a:buClr>
-        <a:buSzPct val="80000"/>
-        <a:buFont typeface="Wingdings 3" charset="2"/>
-        <a:buChar char=""/>
-        <a:defRPr sz="1400" b="0" i="0" kern="1200">
+        <a:buSzPct val="145000"/>
+        <a:buFont typeface="Arial"/>
+        <a:buChar char="•"/>
+        <a:defRPr sz="1400" kern="1200" cap="none">
           <a:solidFill>
             <a:schemeClr val="tx1"/>
           </a:solidFill>
-          <a:latin typeface="+mj-lt"/>
-          <a:ea typeface="+mj-ea"/>
-          <a:cs typeface="+mj-cs"/>
+          <a:effectLst/>
+          <a:latin typeface="+mn-lt"/>
+          <a:ea typeface="+mn-ea"/>
+          <a:cs typeface="+mn-cs"/>
         </a:defRPr>
       </a:lvl6pPr>
       <a:lvl7pPr marL="2971800" indent="-228600" algn="l" defTabSz="457200" rtl="0" eaLnBrk="1" latinLnBrk="0" hangingPunct="1">
         <a:spcBef>
-          <a:spcPts val="1000"/>
+          <a:spcPct val="20000"/>
         </a:spcBef>
         <a:spcAft>
-          <a:spcPts val="0"/>
+          <a:spcPts val="600"/>
         </a:spcAft>
         <a:buClr>
-          <a:schemeClr val="bg2">
-            <a:lumMod val="40000"/>
-            <a:lumOff val="60000"/>
+          <a:schemeClr val="accent1">
+            <a:lumMod val="75000"/>
           </a:schemeClr>
         </a:buClr>
-        <a:buSzPct val="80000"/>
-        <a:buFont typeface="Wingdings 3" charset="2"/>
-        <a:buChar char=""/>
-        <a:defRPr sz="1400" b="0" i="0" kern="1200">
+        <a:buSzPct val="145000"/>
+        <a:buFont typeface="Arial"/>
+        <a:buChar char="•"/>
+        <a:defRPr sz="1400" kern="1200" cap="none">
           <a:solidFill>
             <a:schemeClr val="tx1"/>
           </a:solidFill>
-          <a:latin typeface="+mj-lt"/>
-          <a:ea typeface="+mj-ea"/>
-          <a:cs typeface="+mj-cs"/>
+          <a:effectLst/>
+          <a:latin typeface="+mn-lt"/>
+          <a:ea typeface="+mn-ea"/>
+          <a:cs typeface="+mn-cs"/>
         </a:defRPr>
       </a:lvl7pPr>
       <a:lvl8pPr marL="3429000" indent="-228600" algn="l" defTabSz="457200" rtl="0" eaLnBrk="1" latinLnBrk="0" hangingPunct="1">
         <a:spcBef>
-          <a:spcPts val="1000"/>
+          <a:spcPct val="20000"/>
         </a:spcBef>
         <a:spcAft>
-          <a:spcPts val="0"/>
+          <a:spcPts val="600"/>
         </a:spcAft>
         <a:buClr>
-          <a:schemeClr val="bg2">
-            <a:lumMod val="40000"/>
-            <a:lumOff val="60000"/>
+          <a:schemeClr val="accent1">
+            <a:lumMod val="75000"/>
           </a:schemeClr>
         </a:buClr>
-        <a:buSzPct val="80000"/>
-        <a:buFont typeface="Wingdings 3" charset="2"/>
-        <a:buChar char=""/>
-        <a:defRPr sz="1400" b="0" i="0" kern="1200">
+        <a:buSzPct val="145000"/>
+        <a:buFont typeface="Arial"/>
+        <a:buChar char="•"/>
+        <a:defRPr sz="1400" kern="1200" cap="none">
           <a:solidFill>
             <a:schemeClr val="tx1"/>
           </a:solidFill>
-          <a:latin typeface="+mj-lt"/>
-          <a:ea typeface="+mj-ea"/>
-          <a:cs typeface="+mj-cs"/>
+          <a:effectLst/>
+          <a:latin typeface="+mn-lt"/>
+          <a:ea typeface="+mn-ea"/>
+          <a:cs typeface="+mn-cs"/>
         </a:defRPr>
       </a:lvl8pPr>
       <a:lvl9pPr marL="3886200" indent="-228600" algn="l" defTabSz="457200" rtl="0" eaLnBrk="1" latinLnBrk="0" hangingPunct="1">
         <a:spcBef>
-          <a:spcPts val="1000"/>
+          <a:spcPct val="20000"/>
         </a:spcBef>
         <a:spcAft>
-          <a:spcPts val="0"/>
+          <a:spcPts val="600"/>
         </a:spcAft>
         <a:buClr>
-          <a:schemeClr val="bg2">
-            <a:lumMod val="40000"/>
-            <a:lumOff val="60000"/>
+          <a:schemeClr val="accent1">
+            <a:lumMod val="75000"/>
           </a:schemeClr>
         </a:buClr>
-        <a:buSzPct val="80000"/>
-        <a:buFont typeface="Wingdings 3" charset="2"/>
-        <a:buChar char=""/>
-        <a:defRPr sz="1400" b="0" i="0" kern="1200">
+        <a:buSzPct val="145000"/>
+        <a:buFont typeface="Arial"/>
+        <a:buChar char="•"/>
+        <a:defRPr sz="1400" kern="1200" cap="none">
           <a:solidFill>
             <a:schemeClr val="tx1"/>
           </a:solidFill>
-          <a:latin typeface="+mj-lt"/>
-          <a:ea typeface="+mj-ea"/>
-          <a:cs typeface="+mj-cs"/>
+          <a:effectLst/>
+          <a:latin typeface="+mn-lt"/>
+          <a:ea typeface="+mn-ea"/>
+          <a:cs typeface="+mn-cs"/>
         </a:defRPr>
       </a:lvl9pPr>
     </p:bodyStyle>
@@ -13042,31 +13036,6 @@
 <file path=ppt/slides/slide1.xml><?xml version="1.0" encoding="utf-8"?>
 <p:sld xmlns:a="http://schemas.openxmlformats.org/drawingml/2006/main" xmlns:r="http://schemas.openxmlformats.org/officeDocument/2006/relationships" xmlns:p="http://schemas.openxmlformats.org/presentationml/2006/main">
   <p:cSld>
-    <p:bg>
-      <p:bgPr>
-        <a:blipFill rotWithShape="1">
-          <a:blip r:embed="rId2">
-            <a:duotone>
-              <a:schemeClr val="bg2">
-                <a:shade val="69000"/>
-                <a:hueMod val="108000"/>
-                <a:satMod val="164000"/>
-                <a:lumMod val="74000"/>
-              </a:schemeClr>
-              <a:schemeClr val="bg2">
-                <a:tint val="96000"/>
-                <a:hueMod val="88000"/>
-                <a:satMod val="140000"/>
-                <a:lumMod val="132000"/>
-              </a:schemeClr>
-            </a:duotone>
-            <a:extLst/>
-          </a:blip>
-          <a:stretch/>
-        </a:blipFill>
-        <a:effectLst/>
-      </p:bgPr>
-    </p:bg>
     <p:spTree>
       <p:nvGrpSpPr>
         <p:cNvPr id="1" name=""/>
@@ -13096,7 +13065,7 @@
           <p:nvPr/>
         </p:nvPicPr>
         <p:blipFill>
-          <a:blip r:embed="rId3">
+          <a:blip r:embed="rId2">
             <a:extLst>
               <a:ext uri="{28A0092B-C50C-407E-A947-70E740481C1C}">
                 <a14:useLocalDpi xmlns:a14="http://schemas.microsoft.com/office/drawing/2010/main" val="0"/>
@@ -13109,7 +13078,7 @@
         </p:blipFill>
         <p:spPr>
           <a:xfrm>
-            <a:off x="6285703" y="1086349"/>
+            <a:off x="6276995" y="1417625"/>
             <a:ext cx="4011848" cy="2841578"/>
           </a:xfrm>
           <a:prstGeom prst="rect">
@@ -13136,13 +13105,13 @@
         </p:nvSpPr>
         <p:spPr>
           <a:xfrm>
-            <a:off x="635458" y="4854344"/>
-            <a:ext cx="9345155" cy="861802"/>
+            <a:off x="643855" y="4345577"/>
+            <a:ext cx="10293799" cy="725074"/>
           </a:xfrm>
         </p:spPr>
         <p:txBody>
           <a:bodyPr vert="horz" lIns="91440" tIns="45720" rIns="91440" bIns="45720" rtlCol="0">
-            <a:normAutofit fontScale="90000"/>
+            <a:normAutofit/>
           </a:bodyPr>
           <a:lstStyle/>
           <a:p>
@@ -13228,8 +13197,8 @@
         </p:nvSpPr>
         <p:spPr>
           <a:xfrm>
-            <a:off x="643855" y="5722372"/>
-            <a:ext cx="9336758" cy="481701"/>
+            <a:off x="1767805" y="5262450"/>
+            <a:ext cx="9336758" cy="882718"/>
           </a:xfrm>
         </p:spPr>
         <p:txBody>
@@ -13243,16 +13212,42 @@
               <a:buChar char=""/>
             </a:pPr>
             <a:r>
-              <a:rPr lang="en-US" dirty="0"/>
-              <a:t>FARID </a:t>
+              <a:rPr lang="en-US" dirty="0" smtClean="0"/>
+              <a:t>Group Name: </a:t>
+            </a:r>
+            <a:r>
+              <a:rPr lang="en-US" dirty="0" err="1" smtClean="0"/>
+              <a:t>IoT</a:t>
             </a:r>
             <a:r>
               <a:rPr lang="en-US" dirty="0" smtClean="0"/>
-              <a:t>, Zarin</a:t>
+              <a:t> Group 2</a:t>
+            </a:r>
+          </a:p>
+          <a:p>
+            <a:pPr>
+              <a:buFont typeface="Wingdings 3" charset="2"/>
+              <a:buChar char=""/>
+            </a:pPr>
+            <a:r>
+              <a:rPr lang="en-US" dirty="0" smtClean="0"/>
+              <a:t>Group Members: </a:t>
             </a:r>
             <a:r>
               <a:rPr lang="en-US" dirty="0"/>
-              <a:t>, KENTON, MIHIR</a:t>
+              <a:t>FARID , </a:t>
+            </a:r>
+            <a:r>
+              <a:rPr lang="en-US" dirty="0" smtClean="0"/>
+              <a:t>KENTON,  </a:t>
+            </a:r>
+            <a:r>
+              <a:rPr lang="en-US" smtClean="0"/>
+              <a:t>ZARIN, </a:t>
+            </a:r>
+            <a:r>
+              <a:rPr lang="en-US" dirty="0"/>
+              <a:t>MIHIR</a:t>
             </a:r>
           </a:p>
         </p:txBody>
@@ -13272,7 +13267,7 @@
           <p:nvPr/>
         </p:nvPicPr>
         <p:blipFill>
-          <a:blip r:embed="rId4">
+          <a:blip r:embed="rId3">
             <a:extLst>
               <a:ext uri="{28A0092B-C50C-407E-A947-70E740481C1C}">
                 <a14:useLocalDpi xmlns:a14="http://schemas.microsoft.com/office/drawing/2010/main" val="0"/>
@@ -13285,13 +13280,73 @@
         </p:blipFill>
         <p:spPr>
           <a:xfrm>
-            <a:off x="1364565" y="1086349"/>
+            <a:off x="1260062" y="1539195"/>
             <a:ext cx="4770261" cy="2500913"/>
           </a:xfrm>
           <a:prstGeom prst="rect">
             <a:avLst/>
           </a:prstGeom>
           <a:effectLst/>
+        </p:spPr>
+      </p:pic>
+      <p:sp>
+        <p:nvSpPr>
+          <p:cNvPr id="5" name="TextBox 4"/>
+          <p:cNvSpPr txBox="1"/>
+          <p:nvPr/>
+        </p:nvSpPr>
+        <p:spPr>
+          <a:xfrm>
+            <a:off x="3021832" y="587395"/>
+            <a:ext cx="6016981" cy="646331"/>
+          </a:xfrm>
+          <a:prstGeom prst="rect">
+            <a:avLst/>
+          </a:prstGeom>
+          <a:noFill/>
+        </p:spPr>
+        <p:txBody>
+          <a:bodyPr wrap="square" rtlCol="0">
+            <a:spAutoFit/>
+          </a:bodyPr>
+          <a:lstStyle/>
+          <a:p>
+            <a:r>
+              <a:rPr lang="en-US" sz="3600" b="1" dirty="0" smtClean="0"/>
+              <a:t>UMKC Hackathon, Fall, 2018</a:t>
+            </a:r>
+            <a:endParaRPr lang="en-US" sz="3600" b="1" dirty="0"/>
+          </a:p>
+        </p:txBody>
+      </p:sp>
+      <p:pic>
+        <p:nvPicPr>
+          <p:cNvPr id="8" name="Picture 7"/>
+          <p:cNvPicPr>
+            <a:picLocks noChangeAspect="1"/>
+          </p:cNvPicPr>
+          <p:nvPr/>
+        </p:nvPicPr>
+        <p:blipFill>
+          <a:blip r:embed="rId4" cstate="hqprint">
+            <a:extLst>
+              <a:ext uri="{28A0092B-C50C-407E-A947-70E740481C1C}">
+                <a14:useLocalDpi xmlns:a14="http://schemas.microsoft.com/office/drawing/2010/main" val="0"/>
+              </a:ext>
+            </a:extLst>
+          </a:blip>
+          <a:stretch>
+            <a:fillRect/>
+          </a:stretch>
+        </p:blipFill>
+        <p:spPr>
+          <a:xfrm>
+            <a:off x="10801350" y="266523"/>
+            <a:ext cx="1246363" cy="550303"/>
+          </a:xfrm>
+          <a:prstGeom prst="rect">
+            <a:avLst/>
+          </a:prstGeom>
         </p:spPr>
       </p:pic>
     </p:spTree>
@@ -13376,13 +13431,13 @@
         </p:nvSpPr>
         <p:spPr>
           <a:xfrm>
-            <a:off x="838200" y="1245704"/>
+            <a:off x="1247775" y="1264754"/>
             <a:ext cx="10515600" cy="4931259"/>
           </a:xfrm>
         </p:spPr>
         <p:txBody>
           <a:bodyPr>
-            <a:normAutofit fontScale="92500" lnSpcReduction="10000"/>
+            <a:normAutofit fontScale="92500"/>
           </a:bodyPr>
           <a:lstStyle/>
           <a:p>
@@ -13402,7 +13457,15 @@
             </a:pPr>
             <a:r>
               <a:rPr lang="en-US" sz="2400" dirty="0"/>
-              <a:t> Sending of an email if the temperature, pressure or humidity goes above a certain set value.</a:t>
+              <a:t> Sending of an email if the temperature, pressure or humidity goes above a certain </a:t>
+            </a:r>
+            <a:r>
+              <a:rPr lang="en-US" sz="2400" dirty="0" smtClean="0"/>
+              <a:t>set value</a:t>
+            </a:r>
+            <a:r>
+              <a:rPr lang="en-US" sz="2400" dirty="0"/>
+              <a:t>.</a:t>
             </a:r>
           </a:p>
           <a:p>
@@ -13480,49 +13543,32 @@
       </p:sp>
       <p:pic>
         <p:nvPicPr>
-          <p:cNvPr id="1026" name="Picture 2" descr="https://lh5.googleusercontent.com/97bWEXqB95sgaykQgrh10leB-I7hiQG4jIFKGbd2inEeyn4_wqX8FSUeVdMKwnEW0dA185xf2Eu4XLpf1GotPQOni08WhSGUZhJJdKCcRi7JaX4RpB6gQpP1dxp8_oQXk4eLSUneB74">
-            <a:extLst>
-              <a:ext uri="{FF2B5EF4-FFF2-40B4-BE49-F238E27FC236}">
-                <a16:creationId xmlns:a16="http://schemas.microsoft.com/office/drawing/2014/main" id="{06CF701E-A7DB-4753-8237-90980DAD7E7B}"/>
-              </a:ext>
-            </a:extLst>
-          </p:cNvPr>
+          <p:cNvPr id="5" name="Picture 4"/>
           <p:cNvPicPr>
-            <a:picLocks noChangeAspect="1" noChangeArrowheads="1"/>
+            <a:picLocks noChangeAspect="1"/>
           </p:cNvPicPr>
           <p:nvPr/>
         </p:nvPicPr>
         <p:blipFill>
-          <a:blip r:embed="rId2">
+          <a:blip r:embed="rId2" cstate="hqprint">
             <a:extLst>
               <a:ext uri="{28A0092B-C50C-407E-A947-70E740481C1C}">
                 <a14:useLocalDpi xmlns:a14="http://schemas.microsoft.com/office/drawing/2010/main" val="0"/>
               </a:ext>
             </a:extLst>
           </a:blip>
-          <a:srcRect/>
           <a:stretch>
             <a:fillRect/>
           </a:stretch>
         </p:blipFill>
-        <p:spPr bwMode="auto">
+        <p:spPr>
           <a:xfrm>
-            <a:off x="10316307" y="5599474"/>
-            <a:ext cx="1603717" cy="1139483"/>
+            <a:off x="10848975" y="365126"/>
+            <a:ext cx="1249281" cy="551591"/>
           </a:xfrm>
           <a:prstGeom prst="rect">
             <a:avLst/>
           </a:prstGeom>
-          <a:noFill/>
-          <a:extLst>
-            <a:ext uri="{909E8E84-426E-40DD-AFC4-6F175D3DCCD1}">
-              <a14:hiddenFill xmlns:a14="http://schemas.microsoft.com/office/drawing/2010/main">
-                <a:solidFill>
-                  <a:srgbClr val="FFFFFF"/>
-                </a:solidFill>
-              </a14:hiddenFill>
-            </a:ext>
-          </a:extLst>
         </p:spPr>
       </p:pic>
     </p:spTree>
@@ -13573,7 +13619,7 @@
         </p:nvSpPr>
         <p:spPr>
           <a:xfrm>
-            <a:off x="973667" y="180447"/>
+            <a:off x="954617" y="437622"/>
             <a:ext cx="9229196" cy="1701361"/>
           </a:xfrm>
         </p:spPr>
@@ -13739,49 +13785,32 @@
       </p:cxnSp>
       <p:pic>
         <p:nvPicPr>
-          <p:cNvPr id="21" name="Picture 2" descr="https://lh5.googleusercontent.com/97bWEXqB95sgaykQgrh10leB-I7hiQG4jIFKGbd2inEeyn4_wqX8FSUeVdMKwnEW0dA185xf2Eu4XLpf1GotPQOni08WhSGUZhJJdKCcRi7JaX4RpB6gQpP1dxp8_oQXk4eLSUneB74">
-            <a:extLst>
-              <a:ext uri="{FF2B5EF4-FFF2-40B4-BE49-F238E27FC236}">
-                <a16:creationId xmlns:a16="http://schemas.microsoft.com/office/drawing/2014/main" id="{4DD5A075-1550-49A2-8B01-F88F26261ECE}"/>
-              </a:ext>
-            </a:extLst>
-          </p:cNvPr>
+          <p:cNvPr id="7" name="Picture 6"/>
           <p:cNvPicPr>
-            <a:picLocks noChangeAspect="1" noChangeArrowheads="1"/>
+            <a:picLocks noChangeAspect="1"/>
           </p:cNvPicPr>
           <p:nvPr/>
         </p:nvPicPr>
         <p:blipFill>
-          <a:blip r:embed="rId12">
+          <a:blip r:embed="rId12" cstate="hqprint">
             <a:extLst>
               <a:ext uri="{28A0092B-C50C-407E-A947-70E740481C1C}">
                 <a14:useLocalDpi xmlns:a14="http://schemas.microsoft.com/office/drawing/2010/main" val="0"/>
               </a:ext>
             </a:extLst>
           </a:blip>
-          <a:srcRect/>
           <a:stretch>
             <a:fillRect/>
           </a:stretch>
         </p:blipFill>
-        <p:spPr bwMode="auto">
+        <p:spPr>
           <a:xfrm>
-            <a:off x="10286827" y="5423707"/>
-            <a:ext cx="1603717" cy="1139483"/>
+            <a:off x="10797714" y="365022"/>
+            <a:ext cx="1244268" cy="549378"/>
           </a:xfrm>
           <a:prstGeom prst="rect">
             <a:avLst/>
           </a:prstGeom>
-          <a:noFill/>
-          <a:extLst>
-            <a:ext uri="{909E8E84-426E-40DD-AFC4-6F175D3DCCD1}">
-              <a14:hiddenFill xmlns:a14="http://schemas.microsoft.com/office/drawing/2010/main">
-                <a:solidFill>
-                  <a:srgbClr val="FFFFFF"/>
-                </a:solidFill>
-              </a14:hiddenFill>
-            </a:ext>
-          </a:extLst>
         </p:spPr>
       </p:pic>
     </p:spTree>
@@ -13934,53 +13963,6 @@
       </p:pic>
       <p:pic>
         <p:nvPicPr>
-          <p:cNvPr id="12" name="Picture 2" descr="https://lh5.googleusercontent.com/97bWEXqB95sgaykQgrh10leB-I7hiQG4jIFKGbd2inEeyn4_wqX8FSUeVdMKwnEW0dA185xf2Eu4XLpf1GotPQOni08WhSGUZhJJdKCcRi7JaX4RpB6gQpP1dxp8_oQXk4eLSUneB74">
-            <a:extLst>
-              <a:ext uri="{FF2B5EF4-FFF2-40B4-BE49-F238E27FC236}">
-                <a16:creationId xmlns:a16="http://schemas.microsoft.com/office/drawing/2014/main" id="{61F015DD-B907-4006-ADC8-AFE6F3095FC0}"/>
-              </a:ext>
-            </a:extLst>
-          </p:cNvPr>
-          <p:cNvPicPr>
-            <a:picLocks noChangeAspect="1" noChangeArrowheads="1"/>
-          </p:cNvPicPr>
-          <p:nvPr/>
-        </p:nvPicPr>
-        <p:blipFill>
-          <a:blip r:embed="rId4">
-            <a:extLst>
-              <a:ext uri="{28A0092B-C50C-407E-A947-70E740481C1C}">
-                <a14:useLocalDpi xmlns:a14="http://schemas.microsoft.com/office/drawing/2010/main" val="0"/>
-              </a:ext>
-            </a:extLst>
-          </a:blip>
-          <a:srcRect/>
-          <a:stretch>
-            <a:fillRect/>
-          </a:stretch>
-        </p:blipFill>
-        <p:spPr bwMode="auto">
-          <a:xfrm>
-            <a:off x="10516774" y="5678657"/>
-            <a:ext cx="1603717" cy="1139483"/>
-          </a:xfrm>
-          <a:prstGeom prst="rect">
-            <a:avLst/>
-          </a:prstGeom>
-          <a:noFill/>
-          <a:extLst>
-            <a:ext uri="{909E8E84-426E-40DD-AFC4-6F175D3DCCD1}">
-              <a14:hiddenFill xmlns:a14="http://schemas.microsoft.com/office/drawing/2010/main">
-                <a:solidFill>
-                  <a:srgbClr val="FFFFFF"/>
-                </a:solidFill>
-              </a14:hiddenFill>
-            </a:ext>
-          </a:extLst>
-        </p:spPr>
-      </p:pic>
-      <p:pic>
-        <p:nvPicPr>
           <p:cNvPr id="3" name="Picture 2"/>
           <p:cNvPicPr>
             <a:picLocks noChangeAspect="1"/>
@@ -13988,7 +13970,7 @@
           <p:nvPr/>
         </p:nvPicPr>
         <p:blipFill>
-          <a:blip r:embed="rId5">
+          <a:blip r:embed="rId4">
             <a:extLst>
               <a:ext uri="{28A0092B-C50C-407E-A947-70E740481C1C}">
                 <a14:useLocalDpi xmlns:a14="http://schemas.microsoft.com/office/drawing/2010/main" val="0"/>
@@ -14003,6 +13985,36 @@
           <a:xfrm>
             <a:off x="480438" y="1648379"/>
             <a:ext cx="3547988" cy="4730651"/>
+          </a:xfrm>
+          <a:prstGeom prst="rect">
+            <a:avLst/>
+          </a:prstGeom>
+        </p:spPr>
+      </p:pic>
+      <p:pic>
+        <p:nvPicPr>
+          <p:cNvPr id="8" name="Picture 7"/>
+          <p:cNvPicPr>
+            <a:picLocks noChangeAspect="1"/>
+          </p:cNvPicPr>
+          <p:nvPr/>
+        </p:nvPicPr>
+        <p:blipFill>
+          <a:blip r:embed="rId5" cstate="hqprint">
+            <a:extLst>
+              <a:ext uri="{28A0092B-C50C-407E-A947-70E740481C1C}">
+                <a14:useLocalDpi xmlns:a14="http://schemas.microsoft.com/office/drawing/2010/main" val="0"/>
+              </a:ext>
+            </a:extLst>
+          </a:blip>
+          <a:stretch>
+            <a:fillRect/>
+          </a:stretch>
+        </p:blipFill>
+        <p:spPr>
+          <a:xfrm>
+            <a:off x="10742808" y="531037"/>
+            <a:ext cx="1308755" cy="577851"/>
           </a:xfrm>
           <a:prstGeom prst="rect">
             <a:avLst/>
@@ -14092,8 +14104,8 @@
         </p:nvSpPr>
         <p:spPr>
           <a:xfrm>
-            <a:off x="498817" y="1139688"/>
-            <a:ext cx="11101000" cy="1864766"/>
+            <a:off x="1092661" y="1124485"/>
+            <a:ext cx="11311870" cy="1528195"/>
           </a:xfrm>
         </p:spPr>
         <p:txBody>
@@ -14130,11 +14142,7 @@
             </a:pPr>
             <a:r>
               <a:rPr lang="en-IN" sz="2400" dirty="0" smtClean="0"/>
-              <a:t>A low-power design which covers all aspects of a </a:t>
-            </a:r>
-            <a:r>
-              <a:rPr lang="en-IN" sz="2400" smtClean="0"/>
-              <a:t>safe home. </a:t>
+              <a:t>A low-power design which covers all aspects of a safe home. </a:t>
             </a:r>
             <a:endParaRPr lang="en-IN" sz="2400" dirty="0"/>
           </a:p>
@@ -14160,53 +14168,6 @@
       </p:sp>
       <p:pic>
         <p:nvPicPr>
-          <p:cNvPr id="4" name="Picture 2" descr="https://lh5.googleusercontent.com/97bWEXqB95sgaykQgrh10leB-I7hiQG4jIFKGbd2inEeyn4_wqX8FSUeVdMKwnEW0dA185xf2Eu4XLpf1GotPQOni08WhSGUZhJJdKCcRi7JaX4RpB6gQpP1dxp8_oQXk4eLSUneB74">
-            <a:extLst>
-              <a:ext uri="{FF2B5EF4-FFF2-40B4-BE49-F238E27FC236}">
-                <a16:creationId xmlns:a16="http://schemas.microsoft.com/office/drawing/2014/main" id="{7EDA7300-05A9-4F3E-853E-832C9382A58F}"/>
-              </a:ext>
-            </a:extLst>
-          </p:cNvPr>
-          <p:cNvPicPr>
-            <a:picLocks noChangeAspect="1" noChangeArrowheads="1"/>
-          </p:cNvPicPr>
-          <p:nvPr/>
-        </p:nvPicPr>
-        <p:blipFill>
-          <a:blip r:embed="rId2">
-            <a:extLst>
-              <a:ext uri="{28A0092B-C50C-407E-A947-70E740481C1C}">
-                <a14:useLocalDpi xmlns:a14="http://schemas.microsoft.com/office/drawing/2010/main" val="0"/>
-              </a:ext>
-            </a:extLst>
-          </a:blip>
-          <a:srcRect/>
-          <a:stretch>
-            <a:fillRect/>
-          </a:stretch>
-        </p:blipFill>
-        <p:spPr bwMode="auto">
-          <a:xfrm>
-            <a:off x="10428849" y="5612296"/>
-            <a:ext cx="1603717" cy="1139483"/>
-          </a:xfrm>
-          <a:prstGeom prst="rect">
-            <a:avLst/>
-          </a:prstGeom>
-          <a:noFill/>
-          <a:extLst>
-            <a:ext uri="{909E8E84-426E-40DD-AFC4-6F175D3DCCD1}">
-              <a14:hiddenFill xmlns:a14="http://schemas.microsoft.com/office/drawing/2010/main">
-                <a:solidFill>
-                  <a:srgbClr val="FFFFFF"/>
-                </a:solidFill>
-              </a14:hiddenFill>
-            </a:ext>
-          </a:extLst>
-        </p:spPr>
-      </p:pic>
-      <p:pic>
-        <p:nvPicPr>
           <p:cNvPr id="5" name="Picture 4"/>
           <p:cNvPicPr>
             <a:picLocks noChangeAspect="1"/>
@@ -14214,7 +14175,7 @@
           <p:nvPr/>
         </p:nvPicPr>
         <p:blipFill>
-          <a:blip r:embed="rId3">
+          <a:blip r:embed="rId2">
             <a:extLst>
               <a:ext uri="{28A0092B-C50C-407E-A947-70E740481C1C}">
                 <a14:useLocalDpi xmlns:a14="http://schemas.microsoft.com/office/drawing/2010/main" val="0"/>
@@ -14227,7 +14188,7 @@
         </p:blipFill>
         <p:spPr>
           <a:xfrm>
-            <a:off x="5769672" y="3004457"/>
+            <a:off x="5769672" y="2812866"/>
             <a:ext cx="2119782" cy="3770385"/>
           </a:xfrm>
           <a:prstGeom prst="rect">
@@ -14244,7 +14205,7 @@
           <p:nvPr/>
         </p:nvPicPr>
         <p:blipFill>
-          <a:blip r:embed="rId4" cstate="hqprint">
+          <a:blip r:embed="rId3" cstate="hqprint">
             <a:extLst>
               <a:ext uri="{28A0092B-C50C-407E-A947-70E740481C1C}">
                 <a14:useLocalDpi xmlns:a14="http://schemas.microsoft.com/office/drawing/2010/main" val="0"/>
@@ -14257,7 +14218,7 @@
         </p:blipFill>
         <p:spPr>
           <a:xfrm>
-            <a:off x="7970773" y="3027521"/>
+            <a:off x="7978603" y="2824398"/>
             <a:ext cx="1873660" cy="3747320"/>
           </a:xfrm>
           <a:prstGeom prst="rect">
@@ -14268,6 +14229,36 @@
       <p:pic>
         <p:nvPicPr>
           <p:cNvPr id="7" name="Picture 6"/>
+          <p:cNvPicPr>
+            <a:picLocks noChangeAspect="1"/>
+          </p:cNvPicPr>
+          <p:nvPr/>
+        </p:nvPicPr>
+        <p:blipFill>
+          <a:blip r:embed="rId4">
+            <a:extLst>
+              <a:ext uri="{28A0092B-C50C-407E-A947-70E740481C1C}">
+                <a14:useLocalDpi xmlns:a14="http://schemas.microsoft.com/office/drawing/2010/main" val="0"/>
+              </a:ext>
+            </a:extLst>
+          </a:blip>
+          <a:stretch>
+            <a:fillRect/>
+          </a:stretch>
+        </p:blipFill>
+        <p:spPr>
+          <a:xfrm>
+            <a:off x="9925752" y="2812866"/>
+            <a:ext cx="2106814" cy="3747320"/>
+          </a:xfrm>
+          <a:prstGeom prst="rect">
+            <a:avLst/>
+          </a:prstGeom>
+        </p:spPr>
+      </p:pic>
+      <p:pic>
+        <p:nvPicPr>
+          <p:cNvPr id="8" name="Picture 7"/>
           <p:cNvPicPr>
             <a:picLocks noChangeAspect="1"/>
           </p:cNvPicPr>
@@ -14287,37 +14278,7 @@
         </p:blipFill>
         <p:spPr>
           <a:xfrm>
-            <a:off x="9925752" y="3027521"/>
-            <a:ext cx="2106814" cy="3747320"/>
-          </a:xfrm>
-          <a:prstGeom prst="rect">
-            <a:avLst/>
-          </a:prstGeom>
-        </p:spPr>
-      </p:pic>
-      <p:pic>
-        <p:nvPicPr>
-          <p:cNvPr id="8" name="Picture 7"/>
-          <p:cNvPicPr>
-            <a:picLocks noChangeAspect="1"/>
-          </p:cNvPicPr>
-          <p:nvPr/>
-        </p:nvPicPr>
-        <p:blipFill>
-          <a:blip r:embed="rId6">
-            <a:extLst>
-              <a:ext uri="{28A0092B-C50C-407E-A947-70E740481C1C}">
-                <a14:useLocalDpi xmlns:a14="http://schemas.microsoft.com/office/drawing/2010/main" val="0"/>
-              </a:ext>
-            </a:extLst>
-          </a:blip>
-          <a:stretch>
-            <a:fillRect/>
-          </a:stretch>
-        </p:blipFill>
-        <p:spPr>
-          <a:xfrm>
-            <a:off x="3571439" y="3004456"/>
+            <a:off x="3563609" y="2812867"/>
             <a:ext cx="2116914" cy="3770385"/>
           </a:xfrm>
           <a:prstGeom prst="rect">
@@ -14333,8 +14294,8 @@
         </p:nvSpPr>
         <p:spPr>
           <a:xfrm>
-            <a:off x="489544" y="3004454"/>
-            <a:ext cx="3177021" cy="3913892"/>
+            <a:off x="1092661" y="2695510"/>
+            <a:ext cx="2640713" cy="3936462"/>
           </a:xfrm>
           <a:prstGeom prst="rect">
             <a:avLst/>
@@ -14346,40 +14307,56 @@
           </a:bodyPr>
           <a:lstStyle/>
           <a:p>
-            <a:pPr marL="342900" indent="-342900">
+            <a:pPr marL="285750" lvl="0" indent="-285750">
               <a:spcBef>
-                <a:spcPts val="1000"/>
+                <a:spcPct val="20000"/>
               </a:spcBef>
+              <a:spcAft>
+                <a:spcPts val="600"/>
+              </a:spcAft>
               <a:buClr>
-                <a:srgbClr val="1E5155">
-                  <a:lumMod val="40000"/>
-                  <a:lumOff val="60000"/>
+                <a:srgbClr val="30ACEC">
+                  <a:lumMod val="75000"/>
                 </a:srgbClr>
               </a:buClr>
-              <a:buSzPct val="80000"/>
+              <a:buSzPct val="145000"/>
               <a:buFont typeface="Wingdings" panose="05000000000000000000" pitchFamily="2" charset="2"/>
               <a:buChar char="Ø"/>
             </a:pPr>
             <a:r>
+              <a:rPr lang="en-IN" sz="2400" dirty="0" smtClean="0"/>
+              <a:t>Possibility </a:t>
+            </a:r>
+            <a:r>
               <a:rPr lang="en-IN" sz="2400" dirty="0"/>
-              <a:t>Possibility of sending text message/ making a call to 911 via node-red. </a:t>
+              <a:t>of sending text message/ making a call to 911 via </a:t>
             </a:r>
-          </a:p>
-          <a:p>
-            <a:pPr marL="342900" lvl="0" indent="-342900">
+            <a:r>
+              <a:rPr lang="en-IN" sz="2400" dirty="0" smtClean="0"/>
+              <a:t>node-red.</a:t>
+            </a:r>
+          </a:p>
+          <a:p>
+            <a:pPr marL="285750" lvl="0" indent="-285750">
               <a:spcBef>
-                <a:spcPts val="1000"/>
+                <a:spcPct val="20000"/>
               </a:spcBef>
+              <a:spcAft>
+                <a:spcPts val="600"/>
+              </a:spcAft>
               <a:buClr>
-                <a:srgbClr val="1E5155">
-                  <a:lumMod val="40000"/>
-                  <a:lumOff val="60000"/>
+                <a:srgbClr val="30ACEC">
+                  <a:lumMod val="75000"/>
                 </a:srgbClr>
               </a:buClr>
-              <a:buSzPct val="80000"/>
+              <a:buSzPct val="145000"/>
               <a:buFont typeface="Wingdings" panose="05000000000000000000" pitchFamily="2" charset="2"/>
               <a:buChar char="Ø"/>
             </a:pPr>
+            <a:r>
+              <a:rPr lang="en-IN" sz="2400" dirty="0" smtClean="0"/>
+              <a:t> </a:t>
+            </a:r>
             <a:r>
               <a:rPr lang="en-US" sz="2400" dirty="0" smtClean="0"/>
               <a:t>Interaction  </a:t>
@@ -14402,6 +14379,36 @@
           </a:p>
         </p:txBody>
       </p:sp>
+      <p:pic>
+        <p:nvPicPr>
+          <p:cNvPr id="9" name="Picture 8"/>
+          <p:cNvPicPr>
+            <a:picLocks noChangeAspect="1"/>
+          </p:cNvPicPr>
+          <p:nvPr/>
+        </p:nvPicPr>
+        <p:blipFill>
+          <a:blip r:embed="rId6" cstate="hqprint">
+            <a:extLst>
+              <a:ext uri="{28A0092B-C50C-407E-A947-70E740481C1C}">
+                <a14:useLocalDpi xmlns:a14="http://schemas.microsoft.com/office/drawing/2010/main" val="0"/>
+              </a:ext>
+            </a:extLst>
+          </a:blip>
+          <a:stretch>
+            <a:fillRect/>
+          </a:stretch>
+        </p:blipFill>
+        <p:spPr>
+          <a:xfrm>
+            <a:off x="10807462" y="354433"/>
+            <a:ext cx="1225104" cy="540917"/>
+          </a:xfrm>
+          <a:prstGeom prst="rect">
+            <a:avLst/>
+          </a:prstGeom>
+        </p:spPr>
+      </p:pic>
     </p:spTree>
     <p:extLst>
       <p:ext uri="{BB962C8B-B14F-4D97-AF65-F5344CB8AC3E}">
@@ -14416,9 +14423,9 @@
 </file>
 
 <file path=ppt/theme/theme1.xml><?xml version="1.0" encoding="utf-8"?>
-<a:theme xmlns:a="http://schemas.openxmlformats.org/drawingml/2006/main" name="Ion">
+<a:theme xmlns:a="http://schemas.openxmlformats.org/drawingml/2006/main" name="Parallax">
   <a:themeElements>
-    <a:clrScheme name="Ion">
+    <a:clrScheme name="Parallax">
       <a:dk1>
         <a:sysClr val="windowText" lastClr="000000"/>
       </a:dk1>
@@ -14426,52 +14433,52 @@
         <a:sysClr val="window" lastClr="FFFFFF"/>
       </a:lt1>
       <a:dk2>
-        <a:srgbClr val="1E5155"/>
+        <a:srgbClr val="212121"/>
       </a:dk2>
       <a:lt2>
-        <a:srgbClr val="EBEBEB"/>
+        <a:srgbClr val="CDD0D1"/>
       </a:lt2>
       <a:accent1>
-        <a:srgbClr val="B01513"/>
+        <a:srgbClr val="30ACEC"/>
       </a:accent1>
       <a:accent2>
-        <a:srgbClr val="EA6312"/>
+        <a:srgbClr val="80C34F"/>
       </a:accent2>
       <a:accent3>
-        <a:srgbClr val="E6B729"/>
+        <a:srgbClr val="E29D3E"/>
       </a:accent3>
       <a:accent4>
-        <a:srgbClr val="6AAC90"/>
+        <a:srgbClr val="D64A3B"/>
       </a:accent4>
       <a:accent5>
-        <a:srgbClr val="54849A"/>
+        <a:srgbClr val="D64787"/>
       </a:accent5>
       <a:accent6>
-        <a:srgbClr val="9E5E9B"/>
+        <a:srgbClr val="A666E1"/>
       </a:accent6>
       <a:hlink>
-        <a:srgbClr val="58C1BA"/>
+        <a:srgbClr val="3085ED"/>
       </a:hlink>
       <a:folHlink>
-        <a:srgbClr val="9DFFCB"/>
+        <a:srgbClr val="82B6F4"/>
       </a:folHlink>
     </a:clrScheme>
-    <a:fontScheme name="Ion">
+    <a:fontScheme name="Parallax">
       <a:majorFont>
-        <a:latin typeface="Century Gothic" panose="020B0502020202020204"/>
+        <a:latin typeface="Corbel" panose="020B0503020204020204"/>
         <a:ea typeface=""/>
         <a:cs typeface=""/>
-        <a:font script="Jpan" typeface="メイリオ"/>
-        <a:font script="Hang" typeface="맑은 고딕"/>
-        <a:font script="Hans" typeface="宋体"/>
+        <a:font script="Jpan" typeface="HGｺﾞｼｯｸM"/>
+        <a:font script="Hang" typeface="HY엽서L"/>
+        <a:font script="Hans" typeface="华文楷体"/>
         <a:font script="Hant" typeface="新細明體"/>
-        <a:font script="Arab" typeface="Times New Roman"/>
-        <a:font script="Hebr" typeface="Times New Roman"/>
-        <a:font script="Thai" typeface="Angsana New"/>
+        <a:font script="Arab" typeface="Tahoma"/>
+        <a:font script="Hebr" typeface="Miriam"/>
+        <a:font script="Thai" typeface="DilleniaUPC"/>
         <a:font script="Ethi" typeface="Nyala"/>
         <a:font script="Beng" typeface="Vrinda"/>
         <a:font script="Gujr" typeface="Shruti"/>
-        <a:font script="Khmr" typeface="MoolBoran"/>
+        <a:font script="Khmr" typeface="DaunPenh"/>
         <a:font script="Knda" typeface="Tunga"/>
         <a:font script="Guru" typeface="Raavi"/>
         <a:font script="Cans" typeface="Euphemia"/>
@@ -14488,21 +14495,21 @@
         <a:font script="Laoo" typeface="DokChampa"/>
         <a:font script="Sinh" typeface="Iskoola Pota"/>
         <a:font script="Mong" typeface="Mongolian Baiti"/>
-        <a:font script="Viet" typeface="Times New Roman"/>
+        <a:font script="Viet" typeface="Arial"/>
         <a:font script="Uigh" typeface="Microsoft Uighur"/>
         <a:font script="Geor" typeface="Sylfaen"/>
       </a:majorFont>
       <a:minorFont>
-        <a:latin typeface="Century Gothic" panose="020B0502020202020204"/>
+        <a:latin typeface="Corbel" panose="020B0503020204020204"/>
         <a:ea typeface=""/>
         <a:cs typeface=""/>
-        <a:font script="Jpan" typeface="メイリオ"/>
-        <a:font script="Hang" typeface="맑은 고딕"/>
-        <a:font script="Hans" typeface="宋体"/>
+        <a:font script="Jpan" typeface="HGｺﾞｼｯｸM"/>
+        <a:font script="Hang" typeface="HY엽서L"/>
+        <a:font script="Hans" typeface="华文楷体"/>
         <a:font script="Hant" typeface="新細明體"/>
-        <a:font script="Arab" typeface="Arial"/>
-        <a:font script="Hebr" typeface="Arial"/>
-        <a:font script="Thai" typeface="Cordia New"/>
+        <a:font script="Arab" typeface="Tahoma"/>
+        <a:font script="Hebr" typeface="Miriam"/>
+        <a:font script="Thai" typeface="DilleniaUPC"/>
         <a:font script="Ethi" typeface="Nyala"/>
         <a:font script="Beng" typeface="Vrinda"/>
         <a:font script="Gujr" typeface="Shruti"/>
@@ -14528,7 +14535,7 @@
         <a:font script="Geor" typeface="Sylfaen"/>
       </a:minorFont>
     </a:fontScheme>
-    <a:fmtScheme name="Ion">
+    <a:fmtScheme name="Parallax">
       <a:fillStyleLst>
         <a:solidFill>
           <a:schemeClr val="phClr"/>
@@ -14537,15 +14544,13 @@
           <a:gsLst>
             <a:gs pos="0">
               <a:schemeClr val="phClr">
-                <a:tint val="64000"/>
-                <a:lumMod val="118000"/>
+                <a:tint val="60000"/>
+                <a:lumMod val="104000"/>
               </a:schemeClr>
             </a:gs>
             <a:gs pos="100000">
               <a:schemeClr val="phClr">
-                <a:tint val="92000"/>
-                <a:alpha val="100000"/>
-                <a:lumMod val="110000"/>
+                <a:tint val="84000"/>
               </a:schemeClr>
             </a:gs>
           </a:gsLst>
@@ -14555,34 +14560,38 @@
           <a:gsLst>
             <a:gs pos="0">
               <a:schemeClr val="phClr">
-                <a:tint val="98000"/>
-                <a:lumMod val="114000"/>
+                <a:tint val="96000"/>
+                <a:lumMod val="102000"/>
               </a:schemeClr>
             </a:gs>
             <a:gs pos="100000">
               <a:schemeClr val="phClr">
-                <a:shade val="90000"/>
-                <a:lumMod val="84000"/>
+                <a:shade val="88000"/>
+                <a:lumMod val="94000"/>
               </a:schemeClr>
             </a:gs>
           </a:gsLst>
-          <a:lin ang="5400000" scaled="0"/>
+          <a:path path="circle">
+            <a:fillToRect l="50000" t="100000" r="100000" b="50000"/>
+          </a:path>
         </a:gradFill>
       </a:fillStyleLst>
       <a:lnStyleLst>
         <a:ln w="9525" cap="rnd" cmpd="sng" algn="ctr">
           <a:solidFill>
-            <a:schemeClr val="phClr"/>
+            <a:schemeClr val="phClr">
+              <a:tint val="60000"/>
+            </a:schemeClr>
           </a:solidFill>
           <a:prstDash val="solid"/>
         </a:ln>
-        <a:ln w="19050" cap="rnd" cmpd="sng" algn="ctr">
+        <a:ln w="15875" cap="rnd" cmpd="sng" algn="ctr">
           <a:solidFill>
             <a:schemeClr val="phClr"/>
           </a:solidFill>
           <a:prstDash val="solid"/>
         </a:ln>
-        <a:ln w="28575" cap="rnd" cmpd="sng" algn="ctr">
+        <a:ln w="22225" cap="rnd" cmpd="sng" algn="ctr">
           <a:solidFill>
             <a:schemeClr val="phClr"/>
           </a:solidFill>
@@ -14595,18 +14604,14 @@
         </a:effectStyle>
         <a:effectStyle>
           <a:effectLst>
-            <a:outerShdw blurRad="38100" dist="25400" dir="5400000" rotWithShape="0">
-              <a:srgbClr val="000000">
-                <a:alpha val="45000"/>
-              </a:srgbClr>
-            </a:outerShdw>
+            <a:reflection blurRad="12700" stA="26000" endPos="32000" dist="12700" dir="5400000" sy="-100000" rotWithShape="0"/>
           </a:effectLst>
         </a:effectStyle>
         <a:effectStyle>
           <a:effectLst>
-            <a:outerShdw blurRad="63500" dist="38100" dir="5400000" rotWithShape="0">
+            <a:outerShdw blurRad="38100" dist="25400" dir="5400000" rotWithShape="0">
               <a:srgbClr val="000000">
-                <a:alpha val="60000"/>
+                <a:alpha val="64000"/>
               </a:srgbClr>
             </a:outerShdw>
           </a:effectLst>
@@ -14614,10 +14619,12 @@
             <a:camera prst="orthographicFront">
               <a:rot lat="0" lon="0" rev="0"/>
             </a:camera>
-            <a:lightRig rig="threePt" dir="tl"/>
+            <a:lightRig rig="threePt" dir="tl">
+              <a:rot lat="0" lon="0" rev="1200000"/>
+            </a:lightRig>
           </a:scene3d>
-          <a:sp3d prstMaterial="plastic">
-            <a:bevelT w="0" h="0"/>
+          <a:sp3d>
+            <a:bevelT w="25400" h="12700"/>
           </a:sp3d>
         </a:effectStyle>
       </a:effectStyleLst>
@@ -14629,40 +14636,30 @@
           <a:gsLst>
             <a:gs pos="0">
               <a:schemeClr val="phClr">
-                <a:tint val="97000"/>
-                <a:hueMod val="88000"/>
-                <a:satMod val="130000"/>
-                <a:lumMod val="124000"/>
+                <a:tint val="90000"/>
+                <a:lumMod val="110000"/>
               </a:schemeClr>
             </a:gs>
             <a:gs pos="100000">
               <a:schemeClr val="phClr">
-                <a:tint val="96000"/>
-                <a:shade val="88000"/>
-                <a:hueMod val="108000"/>
-                <a:satMod val="164000"/>
-                <a:lumMod val="76000"/>
+                <a:shade val="64000"/>
+                <a:lumMod val="98000"/>
               </a:schemeClr>
             </a:gs>
           </a:gsLst>
-          <a:path path="circle">
-            <a:fillToRect l="45000" t="65000" r="125000" b="100000"/>
-          </a:path>
+          <a:lin ang="5400000" scaled="0"/>
         </a:gradFill>
         <a:blipFill rotWithShape="1">
           <a:blip xmlns:r="http://schemas.openxmlformats.org/officeDocument/2006/relationships" r:embed="rId1">
             <a:duotone>
               <a:schemeClr val="phClr">
-                <a:shade val="69000"/>
-                <a:hueMod val="108000"/>
-                <a:satMod val="164000"/>
-                <a:lumMod val="74000"/>
+                <a:shade val="76000"/>
+                <a:satMod val="180000"/>
               </a:schemeClr>
               <a:schemeClr val="phClr">
-                <a:tint val="96000"/>
-                <a:hueMod val="88000"/>
-                <a:satMod val="140000"/>
-                <a:lumMod val="132000"/>
+                <a:tint val="80000"/>
+                <a:satMod val="120000"/>
+                <a:lumMod val="180000"/>
               </a:schemeClr>
             </a:duotone>
           </a:blip>
@@ -14675,7 +14672,7 @@
   <a:extraClrSchemeLst/>
   <a:extLst>
     <a:ext uri="{05A4C25C-085E-4340-85A3-A5531E510DB2}">
-      <thm15:themeFamily xmlns:thm15="http://schemas.microsoft.com/office/thememl/2012/main" name="Ion" id="{B8441ADB-2E43-4AF7-B97A-BD870242C6A8}" vid="{292E63A9-BB86-4E3D-B92A-7223C6510D2E}"/>
+      <thm15:themeFamily xmlns:thm15="http://schemas.microsoft.com/office/thememl/2012/main" name="Parallax" id="{3388167B-A2EB-4685-9635-1831D9AEF8C4}" vid="{4F7A876A-7598-49CA-AFC8-8EDA2551E4A7}"/>
     </a:ext>
   </a:extLst>
 </a:theme>

--- a/Documentation/IOT-SMART-HOME-Firebot-and-Device-Automation.pptx
+++ b/Documentation/IOT-SMART-HOME-Firebot-and-Device-Automation.pptx
@@ -1740,10 +1740,9 @@
         <a:lstStyle/>
         <a:p>
           <a:r>
-            <a:rPr lang="en-IN" dirty="0" smtClean="0"/>
+            <a:rPr lang="en-IN" dirty="0"/>
             <a:t>Firebot</a:t>
           </a:r>
-          <a:endParaRPr lang="en-IN" dirty="0"/>
         </a:p>
       </dgm:t>
     </dgm:pt>
@@ -1777,10 +1776,9 @@
         <a:lstStyle/>
         <a:p>
           <a:r>
-            <a:rPr lang="en-US" sz="2200" dirty="0" smtClean="0"/>
+            <a:rPr lang="en-US" sz="2200" dirty="0"/>
             <a:t>Mobile Phone</a:t>
           </a:r>
-          <a:endParaRPr lang="en-US" sz="2200" dirty="0"/>
         </a:p>
       </dgm:t>
     </dgm:pt>
@@ -1814,13 +1812,6 @@
         </dgm:presLayoutVars>
       </dgm:prSet>
       <dgm:spPr/>
-      <dgm:t>
-        <a:bodyPr/>
-        <a:lstStyle/>
-        <a:p>
-          <a:endParaRPr lang="en-US"/>
-        </a:p>
-      </dgm:t>
     </dgm:pt>
     <dgm:pt modelId="{BC167AEB-6EDA-439B-96BE-07A483E43487}" type="pres">
       <dgm:prSet presAssocID="{EDAFAEAD-A953-40D9-8EFB-CB21DD1C3618}" presName="node" presStyleLbl="node1" presStyleIdx="0" presStyleCnt="5">
@@ -1829,35 +1820,14 @@
         </dgm:presLayoutVars>
       </dgm:prSet>
       <dgm:spPr/>
-      <dgm:t>
-        <a:bodyPr/>
-        <a:lstStyle/>
-        <a:p>
-          <a:endParaRPr lang="en-US"/>
-        </a:p>
-      </dgm:t>
     </dgm:pt>
     <dgm:pt modelId="{78A3DC04-3497-4902-AF98-68282BC6C03A}" type="pres">
       <dgm:prSet presAssocID="{F98CF3DA-0F5B-4E56-B493-EBFAA66FF6AC}" presName="sibTrans" presStyleLbl="sibTrans2D1" presStyleIdx="0" presStyleCnt="4"/>
       <dgm:spPr/>
-      <dgm:t>
-        <a:bodyPr/>
-        <a:lstStyle/>
-        <a:p>
-          <a:endParaRPr lang="en-US"/>
-        </a:p>
-      </dgm:t>
     </dgm:pt>
     <dgm:pt modelId="{E7DC1036-F1BE-4C9F-871B-29AEF0003E78}" type="pres">
       <dgm:prSet presAssocID="{F98CF3DA-0F5B-4E56-B493-EBFAA66FF6AC}" presName="connectorText" presStyleLbl="sibTrans2D1" presStyleIdx="0" presStyleCnt="4"/>
       <dgm:spPr/>
-      <dgm:t>
-        <a:bodyPr/>
-        <a:lstStyle/>
-        <a:p>
-          <a:endParaRPr lang="en-US"/>
-        </a:p>
-      </dgm:t>
     </dgm:pt>
     <dgm:pt modelId="{95E11F7A-C38A-4480-9BAE-3842FA5B6BAD}" type="pres">
       <dgm:prSet presAssocID="{5DA5B7E1-9B4D-441B-8671-CFE1670B1D47}" presName="node" presStyleLbl="node1" presStyleIdx="1" presStyleCnt="5">
@@ -1866,13 +1836,6 @@
         </dgm:presLayoutVars>
       </dgm:prSet>
       <dgm:spPr/>
-      <dgm:t>
-        <a:bodyPr/>
-        <a:lstStyle/>
-        <a:p>
-          <a:endParaRPr lang="en-US"/>
-        </a:p>
-      </dgm:t>
     </dgm:pt>
     <dgm:pt modelId="{FEF8AE67-254E-4138-9C61-EDD3879FCBF5}" type="pres">
       <dgm:prSet presAssocID="{9DF9B6C0-9ADB-4F96-9762-79685057A34B}" presName="sibTrans" presStyleLbl="sibTrans2D1" presStyleIdx="1" presStyleCnt="4" custScaleX="181172"/>
@@ -1881,24 +1844,10 @@
           <a:avLst/>
         </a:prstGeom>
       </dgm:spPr>
-      <dgm:t>
-        <a:bodyPr/>
-        <a:lstStyle/>
-        <a:p>
-          <a:endParaRPr lang="en-US"/>
-        </a:p>
-      </dgm:t>
     </dgm:pt>
     <dgm:pt modelId="{BE3087A1-0449-4776-AB81-EA9893A91C18}" type="pres">
       <dgm:prSet presAssocID="{9DF9B6C0-9ADB-4F96-9762-79685057A34B}" presName="connectorText" presStyleLbl="sibTrans2D1" presStyleIdx="1" presStyleCnt="4"/>
       <dgm:spPr/>
-      <dgm:t>
-        <a:bodyPr/>
-        <a:lstStyle/>
-        <a:p>
-          <a:endParaRPr lang="en-US"/>
-        </a:p>
-      </dgm:t>
     </dgm:pt>
     <dgm:pt modelId="{FC588FA0-AA79-428B-8EAA-D7370F1945C1}" type="pres">
       <dgm:prSet presAssocID="{DA1B01F4-8B0B-43C5-A4C6-F4619D499AEE}" presName="node" presStyleLbl="node1" presStyleIdx="2" presStyleCnt="5">
@@ -1907,35 +1856,14 @@
         </dgm:presLayoutVars>
       </dgm:prSet>
       <dgm:spPr/>
-      <dgm:t>
-        <a:bodyPr/>
-        <a:lstStyle/>
-        <a:p>
-          <a:endParaRPr lang="en-US"/>
-        </a:p>
-      </dgm:t>
     </dgm:pt>
     <dgm:pt modelId="{F14C4CE9-8C36-4338-979F-695F59B79844}" type="pres">
       <dgm:prSet presAssocID="{D935C3DF-04A6-4603-94DA-B3E8CE33C220}" presName="sibTrans" presStyleLbl="sibTrans2D1" presStyleIdx="2" presStyleCnt="4"/>
       <dgm:spPr/>
-      <dgm:t>
-        <a:bodyPr/>
-        <a:lstStyle/>
-        <a:p>
-          <a:endParaRPr lang="en-US"/>
-        </a:p>
-      </dgm:t>
     </dgm:pt>
     <dgm:pt modelId="{6A316665-6D1A-4C54-993C-29BA200DB135}" type="pres">
       <dgm:prSet presAssocID="{D935C3DF-04A6-4603-94DA-B3E8CE33C220}" presName="connectorText" presStyleLbl="sibTrans2D1" presStyleIdx="2" presStyleCnt="4"/>
       <dgm:spPr/>
-      <dgm:t>
-        <a:bodyPr/>
-        <a:lstStyle/>
-        <a:p>
-          <a:endParaRPr lang="en-US"/>
-        </a:p>
-      </dgm:t>
     </dgm:pt>
     <dgm:pt modelId="{29E92719-BAF7-4D77-A3C3-AADB5F9AD43A}" type="pres">
       <dgm:prSet presAssocID="{E75C62E8-C86E-4DDF-98BB-95E2925BC518}" presName="node" presStyleLbl="node1" presStyleIdx="3" presStyleCnt="5">
@@ -1944,35 +1872,14 @@
         </dgm:presLayoutVars>
       </dgm:prSet>
       <dgm:spPr/>
-      <dgm:t>
-        <a:bodyPr/>
-        <a:lstStyle/>
-        <a:p>
-          <a:endParaRPr lang="en-US"/>
-        </a:p>
-      </dgm:t>
     </dgm:pt>
     <dgm:pt modelId="{C98B66A3-B538-4755-8E9C-8FBBD957AF3C}" type="pres">
       <dgm:prSet presAssocID="{5119C2EA-ED5B-4414-9879-EDC73AA366F9}" presName="sibTrans" presStyleLbl="sibTrans2D1" presStyleIdx="3" presStyleCnt="4" custAng="14106145" custFlipHor="1" custScaleX="91635" custScaleY="89531" custLinFactX="100000" custLinFactNeighborX="101923" custLinFactNeighborY="2158"/>
       <dgm:spPr/>
-      <dgm:t>
-        <a:bodyPr/>
-        <a:lstStyle/>
-        <a:p>
-          <a:endParaRPr lang="en-US"/>
-        </a:p>
-      </dgm:t>
     </dgm:pt>
     <dgm:pt modelId="{B4BA6359-A867-4DDA-B369-5480781F9223}" type="pres">
       <dgm:prSet presAssocID="{5119C2EA-ED5B-4414-9879-EDC73AA366F9}" presName="connectorText" presStyleLbl="sibTrans2D1" presStyleIdx="3" presStyleCnt="4"/>
       <dgm:spPr/>
-      <dgm:t>
-        <a:bodyPr/>
-        <a:lstStyle/>
-        <a:p>
-          <a:endParaRPr lang="en-US"/>
-        </a:p>
-      </dgm:t>
     </dgm:pt>
     <dgm:pt modelId="{EE8DAAE9-044C-456D-A7E7-47C43183E8FA}" type="pres">
       <dgm:prSet presAssocID="{330425D8-D1F4-45F9-B881-6BA4E8C30549}" presName="node" presStyleLbl="node1" presStyleIdx="4" presStyleCnt="5" custLinFactX="43443" custLinFactNeighborX="100000" custLinFactNeighborY="97">
@@ -1981,35 +1888,28 @@
         </dgm:presLayoutVars>
       </dgm:prSet>
       <dgm:spPr/>
-      <dgm:t>
-        <a:bodyPr/>
-        <a:lstStyle/>
-        <a:p>
-          <a:endParaRPr lang="en-US"/>
-        </a:p>
-      </dgm:t>
     </dgm:pt>
   </dgm:ptLst>
   <dgm:cxnLst>
-    <dgm:cxn modelId="{CE9ED2E9-17CD-4C0B-90EA-1DA1B1E4146B}" type="presOf" srcId="{79550698-E5E1-4236-826F-FC9843C59BE4}" destId="{1DA59C19-2015-4A68-AB5B-CE0E3FB4A72A}" srcOrd="0" destOrd="0" presId="urn:microsoft.com/office/officeart/2005/8/layout/process5"/>
-    <dgm:cxn modelId="{3D603221-1748-475F-B6F6-947A747C9F84}" type="presOf" srcId="{5119C2EA-ED5B-4414-9879-EDC73AA366F9}" destId="{C98B66A3-B538-4755-8E9C-8FBBD957AF3C}" srcOrd="0" destOrd="0" presId="urn:microsoft.com/office/officeart/2005/8/layout/process5"/>
+    <dgm:cxn modelId="{46176A04-9B83-4031-8A19-AFFC0BA6B225}" srcId="{79550698-E5E1-4236-826F-FC9843C59BE4}" destId="{E75C62E8-C86E-4DDF-98BB-95E2925BC518}" srcOrd="3" destOrd="0" parTransId="{4DAD7412-04B0-4A89-A94F-08022B0E7BF4}" sibTransId="{5119C2EA-ED5B-4414-9879-EDC73AA366F9}"/>
+    <dgm:cxn modelId="{E6D2490C-85C7-4EE7-B0A9-D1593D6000FB}" type="presOf" srcId="{D935C3DF-04A6-4603-94DA-B3E8CE33C220}" destId="{6A316665-6D1A-4C54-993C-29BA200DB135}" srcOrd="1" destOrd="0" presId="urn:microsoft.com/office/officeart/2005/8/layout/process5"/>
     <dgm:cxn modelId="{B234560F-DCC6-4C2B-912B-3AFC20390007}" srcId="{79550698-E5E1-4236-826F-FC9843C59BE4}" destId="{EDAFAEAD-A953-40D9-8EFB-CB21DD1C3618}" srcOrd="0" destOrd="0" parTransId="{29A47A24-2C5C-4BC0-8F3A-A67CFDA6A61D}" sibTransId="{F98CF3DA-0F5B-4E56-B493-EBFAA66FF6AC}"/>
     <dgm:cxn modelId="{8758221A-91F1-42E7-AFE9-1F78EED6F09D}" type="presOf" srcId="{9DF9B6C0-9ADB-4F96-9762-79685057A34B}" destId="{FEF8AE67-254E-4138-9C61-EDD3879FCBF5}" srcOrd="0" destOrd="0" presId="urn:microsoft.com/office/officeart/2005/8/layout/process5"/>
+    <dgm:cxn modelId="{D299961B-1476-4868-B622-AF29845FF321}" type="presOf" srcId="{EDAFAEAD-A953-40D9-8EFB-CB21DD1C3618}" destId="{BC167AEB-6EDA-439B-96BE-07A483E43487}" srcOrd="0" destOrd="0" presId="urn:microsoft.com/office/officeart/2005/8/layout/process5"/>
+    <dgm:cxn modelId="{3D603221-1748-475F-B6F6-947A747C9F84}" type="presOf" srcId="{5119C2EA-ED5B-4414-9879-EDC73AA366F9}" destId="{C98B66A3-B538-4755-8E9C-8FBBD957AF3C}" srcOrd="0" destOrd="0" presId="urn:microsoft.com/office/officeart/2005/8/layout/process5"/>
+    <dgm:cxn modelId="{B4D0A22C-B13C-4F56-95EF-006BDBB84084}" type="presOf" srcId="{D935C3DF-04A6-4603-94DA-B3E8CE33C220}" destId="{F14C4CE9-8C36-4338-979F-695F59B79844}" srcOrd="0" destOrd="0" presId="urn:microsoft.com/office/officeart/2005/8/layout/process5"/>
     <dgm:cxn modelId="{BDD5BD61-9FE4-462B-BC86-B9D0EBEBC6EB}" type="presOf" srcId="{E75C62E8-C86E-4DDF-98BB-95E2925BC518}" destId="{29E92719-BAF7-4D77-A3C3-AADB5F9AD43A}" srcOrd="0" destOrd="0" presId="urn:microsoft.com/office/officeart/2005/8/layout/process5"/>
+    <dgm:cxn modelId="{3ED7D880-903D-4C65-8B6C-EB95C99BC659}" srcId="{79550698-E5E1-4236-826F-FC9843C59BE4}" destId="{330425D8-D1F4-45F9-B881-6BA4E8C30549}" srcOrd="4" destOrd="0" parTransId="{46F8E9C1-9407-484A-941F-D70E6CC51BB2}" sibTransId="{57B71C3F-0CBD-4B9C-B399-7815E2252CFE}"/>
+    <dgm:cxn modelId="{190DDE85-AAB0-44D5-953B-EE83E48A88EB}" type="presOf" srcId="{5119C2EA-ED5B-4414-9879-EDC73AA366F9}" destId="{B4BA6359-A867-4DDA-B369-5480781F9223}" srcOrd="1" destOrd="0" presId="urn:microsoft.com/office/officeart/2005/8/layout/process5"/>
+    <dgm:cxn modelId="{BF91DD89-A4BD-499D-8DD6-CE2329BA5811}" type="presOf" srcId="{330425D8-D1F4-45F9-B881-6BA4E8C30549}" destId="{EE8DAAE9-044C-456D-A7E7-47C43183E8FA}" srcOrd="0" destOrd="0" presId="urn:microsoft.com/office/officeart/2005/8/layout/process5"/>
+    <dgm:cxn modelId="{0E5FDC8B-25CF-41DD-B372-6E0D69B82892}" srcId="{79550698-E5E1-4236-826F-FC9843C59BE4}" destId="{DA1B01F4-8B0B-43C5-A4C6-F4619D499AEE}" srcOrd="2" destOrd="0" parTransId="{5F2B4C44-9ED6-4637-A567-DEF526A66C58}" sibTransId="{D935C3DF-04A6-4603-94DA-B3E8CE33C220}"/>
     <dgm:cxn modelId="{F776759B-773D-4B3D-8EA2-171F83E6DC14}" type="presOf" srcId="{F98CF3DA-0F5B-4E56-B493-EBFAA66FF6AC}" destId="{78A3DC04-3497-4902-AF98-68282BC6C03A}" srcOrd="0" destOrd="0" presId="urn:microsoft.com/office/officeart/2005/8/layout/process5"/>
-    <dgm:cxn modelId="{0E5FDC8B-25CF-41DD-B372-6E0D69B82892}" srcId="{79550698-E5E1-4236-826F-FC9843C59BE4}" destId="{DA1B01F4-8B0B-43C5-A4C6-F4619D499AEE}" srcOrd="2" destOrd="0" parTransId="{5F2B4C44-9ED6-4637-A567-DEF526A66C58}" sibTransId="{D935C3DF-04A6-4603-94DA-B3E8CE33C220}"/>
-    <dgm:cxn modelId="{46176A04-9B83-4031-8A19-AFFC0BA6B225}" srcId="{79550698-E5E1-4236-826F-FC9843C59BE4}" destId="{E75C62E8-C86E-4DDF-98BB-95E2925BC518}" srcOrd="3" destOrd="0" parTransId="{4DAD7412-04B0-4A89-A94F-08022B0E7BF4}" sibTransId="{5119C2EA-ED5B-4414-9879-EDC73AA366F9}"/>
-    <dgm:cxn modelId="{190DDE85-AAB0-44D5-953B-EE83E48A88EB}" type="presOf" srcId="{5119C2EA-ED5B-4414-9879-EDC73AA366F9}" destId="{B4BA6359-A867-4DDA-B369-5480781F9223}" srcOrd="1" destOrd="0" presId="urn:microsoft.com/office/officeart/2005/8/layout/process5"/>
-    <dgm:cxn modelId="{B4D0A22C-B13C-4F56-95EF-006BDBB84084}" type="presOf" srcId="{D935C3DF-04A6-4603-94DA-B3E8CE33C220}" destId="{F14C4CE9-8C36-4338-979F-695F59B79844}" srcOrd="0" destOrd="0" presId="urn:microsoft.com/office/officeart/2005/8/layout/process5"/>
-    <dgm:cxn modelId="{3ED7D880-903D-4C65-8B6C-EB95C99BC659}" srcId="{79550698-E5E1-4236-826F-FC9843C59BE4}" destId="{330425D8-D1F4-45F9-B881-6BA4E8C30549}" srcOrd="4" destOrd="0" parTransId="{46F8E9C1-9407-484A-941F-D70E6CC51BB2}" sibTransId="{57B71C3F-0CBD-4B9C-B399-7815E2252CFE}"/>
+    <dgm:cxn modelId="{5AA8E49C-9C60-4B76-B493-BB7745D6CBF8}" srcId="{79550698-E5E1-4236-826F-FC9843C59BE4}" destId="{5DA5B7E1-9B4D-441B-8671-CFE1670B1D47}" srcOrd="1" destOrd="0" parTransId="{53A8F51E-1A7A-47E9-B0D4-BA7C829C9228}" sibTransId="{9DF9B6C0-9ADB-4F96-9762-79685057A34B}"/>
+    <dgm:cxn modelId="{20D770B0-70D2-4933-A568-85475232FDD3}" type="presOf" srcId="{DA1B01F4-8B0B-43C5-A4C6-F4619D499AEE}" destId="{FC588FA0-AA79-428B-8EAA-D7370F1945C1}" srcOrd="0" destOrd="0" presId="urn:microsoft.com/office/officeart/2005/8/layout/process5"/>
+    <dgm:cxn modelId="{0C57CAC0-4B6F-4D20-9AEF-270B5F0212C5}" type="presOf" srcId="{5DA5B7E1-9B4D-441B-8671-CFE1670B1D47}" destId="{95E11F7A-C38A-4480-9BAE-3842FA5B6BAD}" srcOrd="0" destOrd="0" presId="urn:microsoft.com/office/officeart/2005/8/layout/process5"/>
     <dgm:cxn modelId="{D00C3BCD-89F9-4CDD-AC44-56D16961CC64}" type="presOf" srcId="{9DF9B6C0-9ADB-4F96-9762-79685057A34B}" destId="{BE3087A1-0449-4776-AB81-EA9893A91C18}" srcOrd="1" destOrd="0" presId="urn:microsoft.com/office/officeart/2005/8/layout/process5"/>
-    <dgm:cxn modelId="{E6D2490C-85C7-4EE7-B0A9-D1593D6000FB}" type="presOf" srcId="{D935C3DF-04A6-4603-94DA-B3E8CE33C220}" destId="{6A316665-6D1A-4C54-993C-29BA200DB135}" srcOrd="1" destOrd="0" presId="urn:microsoft.com/office/officeart/2005/8/layout/process5"/>
+    <dgm:cxn modelId="{CE9ED2E9-17CD-4C0B-90EA-1DA1B1E4146B}" type="presOf" srcId="{79550698-E5E1-4236-826F-FC9843C59BE4}" destId="{1DA59C19-2015-4A68-AB5B-CE0E3FB4A72A}" srcOrd="0" destOrd="0" presId="urn:microsoft.com/office/officeart/2005/8/layout/process5"/>
     <dgm:cxn modelId="{871871FA-D726-4604-B478-6CE6B3F2C058}" type="presOf" srcId="{F98CF3DA-0F5B-4E56-B493-EBFAA66FF6AC}" destId="{E7DC1036-F1BE-4C9F-871B-29AEF0003E78}" srcOrd="1" destOrd="0" presId="urn:microsoft.com/office/officeart/2005/8/layout/process5"/>
-    <dgm:cxn modelId="{D299961B-1476-4868-B622-AF29845FF321}" type="presOf" srcId="{EDAFAEAD-A953-40D9-8EFB-CB21DD1C3618}" destId="{BC167AEB-6EDA-439B-96BE-07A483E43487}" srcOrd="0" destOrd="0" presId="urn:microsoft.com/office/officeart/2005/8/layout/process5"/>
-    <dgm:cxn modelId="{BF91DD89-A4BD-499D-8DD6-CE2329BA5811}" type="presOf" srcId="{330425D8-D1F4-45F9-B881-6BA4E8C30549}" destId="{EE8DAAE9-044C-456D-A7E7-47C43183E8FA}" srcOrd="0" destOrd="0" presId="urn:microsoft.com/office/officeart/2005/8/layout/process5"/>
-    <dgm:cxn modelId="{5AA8E49C-9C60-4B76-B493-BB7745D6CBF8}" srcId="{79550698-E5E1-4236-826F-FC9843C59BE4}" destId="{5DA5B7E1-9B4D-441B-8671-CFE1670B1D47}" srcOrd="1" destOrd="0" parTransId="{53A8F51E-1A7A-47E9-B0D4-BA7C829C9228}" sibTransId="{9DF9B6C0-9ADB-4F96-9762-79685057A34B}"/>
-    <dgm:cxn modelId="{0C57CAC0-4B6F-4D20-9AEF-270B5F0212C5}" type="presOf" srcId="{5DA5B7E1-9B4D-441B-8671-CFE1670B1D47}" destId="{95E11F7A-C38A-4480-9BAE-3842FA5B6BAD}" srcOrd="0" destOrd="0" presId="urn:microsoft.com/office/officeart/2005/8/layout/process5"/>
-    <dgm:cxn modelId="{20D770B0-70D2-4933-A568-85475232FDD3}" type="presOf" srcId="{DA1B01F4-8B0B-43C5-A4C6-F4619D499AEE}" destId="{FC588FA0-AA79-428B-8EAA-D7370F1945C1}" srcOrd="0" destOrd="0" presId="urn:microsoft.com/office/officeart/2005/8/layout/process5"/>
     <dgm:cxn modelId="{6E1F23CD-16D4-47B0-AFE9-96AD640DFF00}" type="presParOf" srcId="{1DA59C19-2015-4A68-AB5B-CE0E3FB4A72A}" destId="{BC167AEB-6EDA-439B-96BE-07A483E43487}" srcOrd="0" destOrd="0" presId="urn:microsoft.com/office/officeart/2005/8/layout/process5"/>
     <dgm:cxn modelId="{A8A18762-F296-404B-B88D-06512E47FE1C}" type="presParOf" srcId="{1DA59C19-2015-4A68-AB5B-CE0E3FB4A72A}" destId="{78A3DC04-3497-4902-AF98-68282BC6C03A}" srcOrd="1" destOrd="0" presId="urn:microsoft.com/office/officeart/2005/8/layout/process5"/>
     <dgm:cxn modelId="{CF34BD4F-43D3-43E6-8723-4BFEFF0FF74D}" type="presParOf" srcId="{78A3DC04-3497-4902-AF98-68282BC6C03A}" destId="{E7DC1036-F1BE-4C9F-871B-29AEF0003E78}" srcOrd="0" destOrd="0" presId="urn:microsoft.com/office/officeart/2005/8/layout/process5"/>
@@ -2244,13 +2144,6 @@
         </dgm:presLayoutVars>
       </dgm:prSet>
       <dgm:spPr/>
-      <dgm:t>
-        <a:bodyPr/>
-        <a:lstStyle/>
-        <a:p>
-          <a:endParaRPr lang="en-US"/>
-        </a:p>
-      </dgm:t>
     </dgm:pt>
     <dgm:pt modelId="{DF71B0B5-F1F5-4037-9A3E-DB772AE969DD}" type="pres">
       <dgm:prSet presAssocID="{FF4DF19A-FCDF-4319-87B8-58D2FC6B82B0}" presName="node" presStyleLbl="node1" presStyleIdx="0" presStyleCnt="5">
@@ -2259,35 +2152,14 @@
         </dgm:presLayoutVars>
       </dgm:prSet>
       <dgm:spPr/>
-      <dgm:t>
-        <a:bodyPr/>
-        <a:lstStyle/>
-        <a:p>
-          <a:endParaRPr lang="en-US"/>
-        </a:p>
-      </dgm:t>
     </dgm:pt>
     <dgm:pt modelId="{FB522A7B-EB00-4BF4-B524-962474973FDB}" type="pres">
       <dgm:prSet presAssocID="{8EDC1B79-E251-4ABF-BDCF-32D39A02632B}" presName="sibTrans" presStyleLbl="sibTrans2D1" presStyleIdx="0" presStyleCnt="4"/>
       <dgm:spPr/>
-      <dgm:t>
-        <a:bodyPr/>
-        <a:lstStyle/>
-        <a:p>
-          <a:endParaRPr lang="en-US"/>
-        </a:p>
-      </dgm:t>
     </dgm:pt>
     <dgm:pt modelId="{EE7757F6-B714-4AA4-ABB6-9E91B712416B}" type="pres">
       <dgm:prSet presAssocID="{8EDC1B79-E251-4ABF-BDCF-32D39A02632B}" presName="connectorText" presStyleLbl="sibTrans2D1" presStyleIdx="0" presStyleCnt="4"/>
       <dgm:spPr/>
-      <dgm:t>
-        <a:bodyPr/>
-        <a:lstStyle/>
-        <a:p>
-          <a:endParaRPr lang="en-US"/>
-        </a:p>
-      </dgm:t>
     </dgm:pt>
     <dgm:pt modelId="{3A759FEB-66EA-4934-8F5C-9D882CCAFFAB}" type="pres">
       <dgm:prSet presAssocID="{2545D250-BFD5-481F-BA1D-7BEF6BBF1427}" presName="node" presStyleLbl="node1" presStyleIdx="1" presStyleCnt="5">
@@ -2296,13 +2168,6 @@
         </dgm:presLayoutVars>
       </dgm:prSet>
       <dgm:spPr/>
-      <dgm:t>
-        <a:bodyPr/>
-        <a:lstStyle/>
-        <a:p>
-          <a:endParaRPr lang="en-US"/>
-        </a:p>
-      </dgm:t>
     </dgm:pt>
     <dgm:pt modelId="{97821F69-0B45-448C-8E8A-AC4B1E272707}" type="pres">
       <dgm:prSet presAssocID="{12D9B701-D2CD-464B-9D29-BAC82825D3CD}" presName="sibTrans" presStyleLbl="sibTrans2D1" presStyleIdx="1" presStyleCnt="4" custScaleX="191334"/>
@@ -2311,24 +2176,10 @@
           <a:avLst/>
         </a:prstGeom>
       </dgm:spPr>
-      <dgm:t>
-        <a:bodyPr/>
-        <a:lstStyle/>
-        <a:p>
-          <a:endParaRPr lang="en-US"/>
-        </a:p>
-      </dgm:t>
     </dgm:pt>
     <dgm:pt modelId="{FC04ADFA-67FA-4BC8-A7D8-70E550CB8A67}" type="pres">
       <dgm:prSet presAssocID="{12D9B701-D2CD-464B-9D29-BAC82825D3CD}" presName="connectorText" presStyleLbl="sibTrans2D1" presStyleIdx="1" presStyleCnt="4"/>
       <dgm:spPr/>
-      <dgm:t>
-        <a:bodyPr/>
-        <a:lstStyle/>
-        <a:p>
-          <a:endParaRPr lang="en-US"/>
-        </a:p>
-      </dgm:t>
     </dgm:pt>
     <dgm:pt modelId="{5F0E0E36-B9D5-411F-A2EE-4A9D831C3336}" type="pres">
       <dgm:prSet presAssocID="{764764F7-A762-4109-B812-E29F8A565B9D}" presName="node" presStyleLbl="node1" presStyleIdx="2" presStyleCnt="5" custScaleX="110335">
@@ -2337,13 +2188,6 @@
         </dgm:presLayoutVars>
       </dgm:prSet>
       <dgm:spPr/>
-      <dgm:t>
-        <a:bodyPr/>
-        <a:lstStyle/>
-        <a:p>
-          <a:endParaRPr lang="en-US"/>
-        </a:p>
-      </dgm:t>
     </dgm:pt>
     <dgm:pt modelId="{E4AC00EC-9833-426E-AF4D-E6ACF6FAC684}" type="pres">
       <dgm:prSet presAssocID="{54B9D642-A167-49B2-B247-39C75D612B7E}" presName="sibTrans" presStyleLbl="sibTrans2D1" presStyleIdx="2" presStyleCnt="4" custScaleX="189725"/>
@@ -2352,24 +2196,10 @@
           <a:avLst/>
         </a:prstGeom>
       </dgm:spPr>
-      <dgm:t>
-        <a:bodyPr/>
-        <a:lstStyle/>
-        <a:p>
-          <a:endParaRPr lang="en-US"/>
-        </a:p>
-      </dgm:t>
     </dgm:pt>
     <dgm:pt modelId="{B61DA4DE-C906-4EF6-AFBD-6841F91C0EC5}" type="pres">
       <dgm:prSet presAssocID="{54B9D642-A167-49B2-B247-39C75D612B7E}" presName="connectorText" presStyleLbl="sibTrans2D1" presStyleIdx="2" presStyleCnt="4"/>
       <dgm:spPr/>
-      <dgm:t>
-        <a:bodyPr/>
-        <a:lstStyle/>
-        <a:p>
-          <a:endParaRPr lang="en-US"/>
-        </a:p>
-      </dgm:t>
     </dgm:pt>
     <dgm:pt modelId="{440967BF-7E77-4A6F-AD1B-25AC45CD6984}" type="pres">
       <dgm:prSet presAssocID="{45A47992-5E65-49C5-8D70-7678C1439A23}" presName="node" presStyleLbl="node1" presStyleIdx="3" presStyleCnt="5">
@@ -2378,35 +2208,14 @@
         </dgm:presLayoutVars>
       </dgm:prSet>
       <dgm:spPr/>
-      <dgm:t>
-        <a:bodyPr/>
-        <a:lstStyle/>
-        <a:p>
-          <a:endParaRPr lang="en-US"/>
-        </a:p>
-      </dgm:t>
     </dgm:pt>
     <dgm:pt modelId="{B2F8FA17-094F-42A5-95F0-2A5CC0E058D0}" type="pres">
       <dgm:prSet presAssocID="{EEC904FD-F7BE-4A92-88CF-F406158E05A6}" presName="sibTrans" presStyleLbl="sibTrans2D1" presStyleIdx="3" presStyleCnt="4"/>
       <dgm:spPr/>
-      <dgm:t>
-        <a:bodyPr/>
-        <a:lstStyle/>
-        <a:p>
-          <a:endParaRPr lang="en-US"/>
-        </a:p>
-      </dgm:t>
     </dgm:pt>
     <dgm:pt modelId="{9EDB90A7-E885-447F-927A-7F256777EA5C}" type="pres">
       <dgm:prSet presAssocID="{EEC904FD-F7BE-4A92-88CF-F406158E05A6}" presName="connectorText" presStyleLbl="sibTrans2D1" presStyleIdx="3" presStyleCnt="4"/>
       <dgm:spPr/>
-      <dgm:t>
-        <a:bodyPr/>
-        <a:lstStyle/>
-        <a:p>
-          <a:endParaRPr lang="en-US"/>
-        </a:p>
-      </dgm:t>
     </dgm:pt>
     <dgm:pt modelId="{CB515CC1-4F4E-406F-AAA9-F02F78BD4112}" type="pres">
       <dgm:prSet presAssocID="{F7BA1A21-A494-47FA-9D2E-53C350DDDAB5}" presName="node" presStyleLbl="node1" presStyleIdx="4" presStyleCnt="5">
@@ -2415,35 +2224,28 @@
         </dgm:presLayoutVars>
       </dgm:prSet>
       <dgm:spPr/>
-      <dgm:t>
-        <a:bodyPr/>
-        <a:lstStyle/>
-        <a:p>
-          <a:endParaRPr lang="en-US"/>
-        </a:p>
-      </dgm:t>
     </dgm:pt>
   </dgm:ptLst>
   <dgm:cxnLst>
+    <dgm:cxn modelId="{F003761A-CA9C-4AC4-9BAE-E32D864BC96C}" type="presOf" srcId="{45A47992-5E65-49C5-8D70-7678C1439A23}" destId="{440967BF-7E77-4A6F-AD1B-25AC45CD6984}" srcOrd="0" destOrd="0" presId="urn:microsoft.com/office/officeart/2005/8/layout/process5"/>
+    <dgm:cxn modelId="{874C1826-7151-4951-A688-7C8E06E53DC9}" srcId="{9A8C17B2-EF29-4D75-BBE0-BDB76371A160}" destId="{2545D250-BFD5-481F-BA1D-7BEF6BBF1427}" srcOrd="1" destOrd="0" parTransId="{6A730C6B-D8C0-4050-A29C-3C0D1EFDFD99}" sibTransId="{12D9B701-D2CD-464B-9D29-BAC82825D3CD}"/>
+    <dgm:cxn modelId="{8EB3D031-B447-4FFB-972C-6FFE5FF31DFB}" type="presOf" srcId="{54B9D642-A167-49B2-B247-39C75D612B7E}" destId="{B61DA4DE-C906-4EF6-AFBD-6841F91C0EC5}" srcOrd="1" destOrd="0" presId="urn:microsoft.com/office/officeart/2005/8/layout/process5"/>
+    <dgm:cxn modelId="{477BAD32-D9E3-4266-AA84-2E6BBD4239BC}" type="presOf" srcId="{EEC904FD-F7BE-4A92-88CF-F406158E05A6}" destId="{9EDB90A7-E885-447F-927A-7F256777EA5C}" srcOrd="1" destOrd="0" presId="urn:microsoft.com/office/officeart/2005/8/layout/process5"/>
+    <dgm:cxn modelId="{0497E535-2965-4F3D-A3E3-90F47B42135A}" type="presOf" srcId="{FF4DF19A-FCDF-4319-87B8-58D2FC6B82B0}" destId="{DF71B0B5-F1F5-4037-9A3E-DB772AE969DD}" srcOrd="0" destOrd="0" presId="urn:microsoft.com/office/officeart/2005/8/layout/process5"/>
+    <dgm:cxn modelId="{38FD3045-0C0B-41D4-B710-D8390DC9D886}" type="presOf" srcId="{12D9B701-D2CD-464B-9D29-BAC82825D3CD}" destId="{97821F69-0B45-448C-8E8A-AC4B1E272707}" srcOrd="0" destOrd="0" presId="urn:microsoft.com/office/officeart/2005/8/layout/process5"/>
+    <dgm:cxn modelId="{622AFF4E-70E3-4700-85D5-9BA48A8973CB}" type="presOf" srcId="{54B9D642-A167-49B2-B247-39C75D612B7E}" destId="{E4AC00EC-9833-426E-AF4D-E6ACF6FAC684}" srcOrd="0" destOrd="0" presId="urn:microsoft.com/office/officeart/2005/8/layout/process5"/>
     <dgm:cxn modelId="{81E6054F-581D-4130-9A03-A9EFBD721B96}" type="presOf" srcId="{8EDC1B79-E251-4ABF-BDCF-32D39A02632B}" destId="{FB522A7B-EB00-4BF4-B524-962474973FDB}" srcOrd="0" destOrd="0" presId="urn:microsoft.com/office/officeart/2005/8/layout/process5"/>
+    <dgm:cxn modelId="{88CD6971-C527-4572-83B8-549BC10E215F}" type="presOf" srcId="{764764F7-A762-4109-B812-E29F8A565B9D}" destId="{5F0E0E36-B9D5-411F-A2EE-4A9D831C3336}" srcOrd="0" destOrd="0" presId="urn:microsoft.com/office/officeart/2005/8/layout/process5"/>
+    <dgm:cxn modelId="{4CD0F675-7979-4C1C-BE89-8EB01166A73A}" type="presOf" srcId="{12D9B701-D2CD-464B-9D29-BAC82825D3CD}" destId="{FC04ADFA-67FA-4BC8-A7D8-70E550CB8A67}" srcOrd="1" destOrd="0" presId="urn:microsoft.com/office/officeart/2005/8/layout/process5"/>
+    <dgm:cxn modelId="{4667DE7C-36A2-46B5-B22B-19713C6FC003}" srcId="{9A8C17B2-EF29-4D75-BBE0-BDB76371A160}" destId="{764764F7-A762-4109-B812-E29F8A565B9D}" srcOrd="2" destOrd="0" parTransId="{776AF645-BCB2-406B-AC77-246336B5C8D8}" sibTransId="{54B9D642-A167-49B2-B247-39C75D612B7E}"/>
+    <dgm:cxn modelId="{D0A8FF8F-14A0-4142-B9C0-DABB360E769B}" type="presOf" srcId="{EEC904FD-F7BE-4A92-88CF-F406158E05A6}" destId="{B2F8FA17-094F-42A5-95F0-2A5CC0E058D0}" srcOrd="0" destOrd="0" presId="urn:microsoft.com/office/officeart/2005/8/layout/process5"/>
+    <dgm:cxn modelId="{3ECA749E-D478-47F8-BD7F-3E34DCB33EB9}" type="presOf" srcId="{F7BA1A21-A494-47FA-9D2E-53C350DDDAB5}" destId="{CB515CC1-4F4E-406F-AAA9-F02F78BD4112}" srcOrd="0" destOrd="0" presId="urn:microsoft.com/office/officeart/2005/8/layout/process5"/>
+    <dgm:cxn modelId="{18129BAB-42EB-42E7-92C9-F36CCCF12000}" type="presOf" srcId="{8EDC1B79-E251-4ABF-BDCF-32D39A02632B}" destId="{EE7757F6-B714-4AA4-ABB6-9E91B712416B}" srcOrd="1" destOrd="0" presId="urn:microsoft.com/office/officeart/2005/8/layout/process5"/>
+    <dgm:cxn modelId="{239B11AC-C12E-4289-9C6C-8B79A7482D7A}" srcId="{9A8C17B2-EF29-4D75-BBE0-BDB76371A160}" destId="{FF4DF19A-FCDF-4319-87B8-58D2FC6B82B0}" srcOrd="0" destOrd="0" parTransId="{C97EC9C2-5F3A-4D20-A5CF-A2CF9599BC65}" sibTransId="{8EDC1B79-E251-4ABF-BDCF-32D39A02632B}"/>
+    <dgm:cxn modelId="{4F7AB6B1-35EE-47DE-AC7B-3C66BBA3260B}" srcId="{9A8C17B2-EF29-4D75-BBE0-BDB76371A160}" destId="{F7BA1A21-A494-47FA-9D2E-53C350DDDAB5}" srcOrd="4" destOrd="0" parTransId="{8D1F684F-DEFD-44A5-A776-F0FAA9CC2A98}" sibTransId="{7E216E5F-152A-41FF-B069-CEE7A9F8FA39}"/>
+    <dgm:cxn modelId="{8E8996CE-0A38-4B0D-BD9A-5AD6E05C838D}" type="presOf" srcId="{9A8C17B2-EF29-4D75-BBE0-BDB76371A160}" destId="{66BDE385-0E61-4B15-8EBE-069F767CD3F8}" srcOrd="0" destOrd="0" presId="urn:microsoft.com/office/officeart/2005/8/layout/process5"/>
+    <dgm:cxn modelId="{6D4FA3E7-D04C-45E8-8586-BCFA392A3E46}" srcId="{9A8C17B2-EF29-4D75-BBE0-BDB76371A160}" destId="{45A47992-5E65-49C5-8D70-7678C1439A23}" srcOrd="3" destOrd="0" parTransId="{090C0F8C-868D-40FD-8072-041A136D9133}" sibTransId="{EEC904FD-F7BE-4A92-88CF-F406158E05A6}"/>
     <dgm:cxn modelId="{C7CC93FE-6621-458F-BAF9-0C149D2504AB}" type="presOf" srcId="{2545D250-BFD5-481F-BA1D-7BEF6BBF1427}" destId="{3A759FEB-66EA-4934-8F5C-9D882CCAFFAB}" srcOrd="0" destOrd="0" presId="urn:microsoft.com/office/officeart/2005/8/layout/process5"/>
-    <dgm:cxn modelId="{4667DE7C-36A2-46B5-B22B-19713C6FC003}" srcId="{9A8C17B2-EF29-4D75-BBE0-BDB76371A160}" destId="{764764F7-A762-4109-B812-E29F8A565B9D}" srcOrd="2" destOrd="0" parTransId="{776AF645-BCB2-406B-AC77-246336B5C8D8}" sibTransId="{54B9D642-A167-49B2-B247-39C75D612B7E}"/>
-    <dgm:cxn modelId="{239B11AC-C12E-4289-9C6C-8B79A7482D7A}" srcId="{9A8C17B2-EF29-4D75-BBE0-BDB76371A160}" destId="{FF4DF19A-FCDF-4319-87B8-58D2FC6B82B0}" srcOrd="0" destOrd="0" parTransId="{C97EC9C2-5F3A-4D20-A5CF-A2CF9599BC65}" sibTransId="{8EDC1B79-E251-4ABF-BDCF-32D39A02632B}"/>
-    <dgm:cxn modelId="{8E8996CE-0A38-4B0D-BD9A-5AD6E05C838D}" type="presOf" srcId="{9A8C17B2-EF29-4D75-BBE0-BDB76371A160}" destId="{66BDE385-0E61-4B15-8EBE-069F767CD3F8}" srcOrd="0" destOrd="0" presId="urn:microsoft.com/office/officeart/2005/8/layout/process5"/>
-    <dgm:cxn modelId="{4F7AB6B1-35EE-47DE-AC7B-3C66BBA3260B}" srcId="{9A8C17B2-EF29-4D75-BBE0-BDB76371A160}" destId="{F7BA1A21-A494-47FA-9D2E-53C350DDDAB5}" srcOrd="4" destOrd="0" parTransId="{8D1F684F-DEFD-44A5-A776-F0FAA9CC2A98}" sibTransId="{7E216E5F-152A-41FF-B069-CEE7A9F8FA39}"/>
-    <dgm:cxn modelId="{477BAD32-D9E3-4266-AA84-2E6BBD4239BC}" type="presOf" srcId="{EEC904FD-F7BE-4A92-88CF-F406158E05A6}" destId="{9EDB90A7-E885-447F-927A-7F256777EA5C}" srcOrd="1" destOrd="0" presId="urn:microsoft.com/office/officeart/2005/8/layout/process5"/>
-    <dgm:cxn modelId="{D0A8FF8F-14A0-4142-B9C0-DABB360E769B}" type="presOf" srcId="{EEC904FD-F7BE-4A92-88CF-F406158E05A6}" destId="{B2F8FA17-094F-42A5-95F0-2A5CC0E058D0}" srcOrd="0" destOrd="0" presId="urn:microsoft.com/office/officeart/2005/8/layout/process5"/>
-    <dgm:cxn modelId="{4CD0F675-7979-4C1C-BE89-8EB01166A73A}" type="presOf" srcId="{12D9B701-D2CD-464B-9D29-BAC82825D3CD}" destId="{FC04ADFA-67FA-4BC8-A7D8-70E550CB8A67}" srcOrd="1" destOrd="0" presId="urn:microsoft.com/office/officeart/2005/8/layout/process5"/>
-    <dgm:cxn modelId="{38FD3045-0C0B-41D4-B710-D8390DC9D886}" type="presOf" srcId="{12D9B701-D2CD-464B-9D29-BAC82825D3CD}" destId="{97821F69-0B45-448C-8E8A-AC4B1E272707}" srcOrd="0" destOrd="0" presId="urn:microsoft.com/office/officeart/2005/8/layout/process5"/>
-    <dgm:cxn modelId="{88CD6971-C527-4572-83B8-549BC10E215F}" type="presOf" srcId="{764764F7-A762-4109-B812-E29F8A565B9D}" destId="{5F0E0E36-B9D5-411F-A2EE-4A9D831C3336}" srcOrd="0" destOrd="0" presId="urn:microsoft.com/office/officeart/2005/8/layout/process5"/>
-    <dgm:cxn modelId="{3ECA749E-D478-47F8-BD7F-3E34DCB33EB9}" type="presOf" srcId="{F7BA1A21-A494-47FA-9D2E-53C350DDDAB5}" destId="{CB515CC1-4F4E-406F-AAA9-F02F78BD4112}" srcOrd="0" destOrd="0" presId="urn:microsoft.com/office/officeart/2005/8/layout/process5"/>
-    <dgm:cxn modelId="{622AFF4E-70E3-4700-85D5-9BA48A8973CB}" type="presOf" srcId="{54B9D642-A167-49B2-B247-39C75D612B7E}" destId="{E4AC00EC-9833-426E-AF4D-E6ACF6FAC684}" srcOrd="0" destOrd="0" presId="urn:microsoft.com/office/officeart/2005/8/layout/process5"/>
-    <dgm:cxn modelId="{8EB3D031-B447-4FFB-972C-6FFE5FF31DFB}" type="presOf" srcId="{54B9D642-A167-49B2-B247-39C75D612B7E}" destId="{B61DA4DE-C906-4EF6-AFBD-6841F91C0EC5}" srcOrd="1" destOrd="0" presId="urn:microsoft.com/office/officeart/2005/8/layout/process5"/>
-    <dgm:cxn modelId="{874C1826-7151-4951-A688-7C8E06E53DC9}" srcId="{9A8C17B2-EF29-4D75-BBE0-BDB76371A160}" destId="{2545D250-BFD5-481F-BA1D-7BEF6BBF1427}" srcOrd="1" destOrd="0" parTransId="{6A730C6B-D8C0-4050-A29C-3C0D1EFDFD99}" sibTransId="{12D9B701-D2CD-464B-9D29-BAC82825D3CD}"/>
-    <dgm:cxn modelId="{F003761A-CA9C-4AC4-9BAE-E32D864BC96C}" type="presOf" srcId="{45A47992-5E65-49C5-8D70-7678C1439A23}" destId="{440967BF-7E77-4A6F-AD1B-25AC45CD6984}" srcOrd="0" destOrd="0" presId="urn:microsoft.com/office/officeart/2005/8/layout/process5"/>
-    <dgm:cxn modelId="{6D4FA3E7-D04C-45E8-8586-BCFA392A3E46}" srcId="{9A8C17B2-EF29-4D75-BBE0-BDB76371A160}" destId="{45A47992-5E65-49C5-8D70-7678C1439A23}" srcOrd="3" destOrd="0" parTransId="{090C0F8C-868D-40FD-8072-041A136D9133}" sibTransId="{EEC904FD-F7BE-4A92-88CF-F406158E05A6}"/>
-    <dgm:cxn modelId="{0497E535-2965-4F3D-A3E3-90F47B42135A}" type="presOf" srcId="{FF4DF19A-FCDF-4319-87B8-58D2FC6B82B0}" destId="{DF71B0B5-F1F5-4037-9A3E-DB772AE969DD}" srcOrd="0" destOrd="0" presId="urn:microsoft.com/office/officeart/2005/8/layout/process5"/>
-    <dgm:cxn modelId="{18129BAB-42EB-42E7-92C9-F36CCCF12000}" type="presOf" srcId="{8EDC1B79-E251-4ABF-BDCF-32D39A02632B}" destId="{EE7757F6-B714-4AA4-ABB6-9E91B712416B}" srcOrd="1" destOrd="0" presId="urn:microsoft.com/office/officeart/2005/8/layout/process5"/>
     <dgm:cxn modelId="{673EB01B-B5C0-45F3-B81F-938D518F60B5}" type="presParOf" srcId="{66BDE385-0E61-4B15-8EBE-069F767CD3F8}" destId="{DF71B0B5-F1F5-4037-9A3E-DB772AE969DD}" srcOrd="0" destOrd="0" presId="urn:microsoft.com/office/officeart/2005/8/layout/process5"/>
     <dgm:cxn modelId="{5A47608E-41A5-4029-B8D0-7B68E49149EA}" type="presParOf" srcId="{66BDE385-0E61-4B15-8EBE-069F767CD3F8}" destId="{FB522A7B-EB00-4BF4-B524-962474973FDB}" srcOrd="1" destOrd="0" presId="urn:microsoft.com/office/officeart/2005/8/layout/process5"/>
     <dgm:cxn modelId="{B209CEC7-CFEB-49D1-8992-6AA17F2A52B8}" type="presParOf" srcId="{FB522A7B-EB00-4BF4-B524-962474973FDB}" destId="{EE7757F6-B714-4AA4-ABB6-9E91B712416B}" srcOrd="0" destOrd="0" presId="urn:microsoft.com/office/officeart/2005/8/layout/process5"/>
@@ -2556,7 +2358,7 @@
         </a:bodyPr>
         <a:lstStyle/>
         <a:p>
-          <a:pPr lvl="0" algn="ctr" defTabSz="977900">
+          <a:pPr marL="0" lvl="0" indent="0" algn="ctr" defTabSz="977900">
             <a:lnSpc>
               <a:spcPct val="90000"/>
             </a:lnSpc>
@@ -2566,6 +2368,7 @@
             <a:spcAft>
               <a:spcPct val="35000"/>
             </a:spcAft>
+            <a:buNone/>
           </a:pPr>
           <a:r>
             <a:rPr lang="en-IN" sz="2200" kern="1200" dirty="0"/>
@@ -2642,7 +2445,7 @@
         </a:bodyPr>
         <a:lstStyle/>
         <a:p>
-          <a:pPr lvl="0" algn="ctr" defTabSz="755650">
+          <a:pPr marL="0" lvl="0" indent="0" algn="ctr" defTabSz="755650">
             <a:lnSpc>
               <a:spcPct val="90000"/>
             </a:lnSpc>
@@ -2652,6 +2455,7 @@
             <a:spcAft>
               <a:spcPct val="35000"/>
             </a:spcAft>
+            <a:buNone/>
           </a:pPr>
           <a:endParaRPr lang="en-IN" sz="1700" kern="1200"/>
         </a:p>
@@ -2739,7 +2543,7 @@
         </a:bodyPr>
         <a:lstStyle/>
         <a:p>
-          <a:pPr lvl="0" algn="ctr" defTabSz="977900">
+          <a:pPr marL="0" lvl="0" indent="0" algn="ctr" defTabSz="977900">
             <a:lnSpc>
               <a:spcPct val="90000"/>
             </a:lnSpc>
@@ -2749,6 +2553,7 @@
             <a:spcAft>
               <a:spcPct val="35000"/>
             </a:spcAft>
+            <a:buNone/>
           </a:pPr>
           <a:r>
             <a:rPr lang="en-IN" sz="2200" kern="1200" dirty="0"/>
@@ -2822,7 +2627,7 @@
         </a:bodyPr>
         <a:lstStyle/>
         <a:p>
-          <a:pPr lvl="0" algn="ctr" defTabSz="933450">
+          <a:pPr marL="0" lvl="0" indent="0" algn="ctr" defTabSz="933450">
             <a:lnSpc>
               <a:spcPct val="90000"/>
             </a:lnSpc>
@@ -2832,6 +2637,7 @@
             <a:spcAft>
               <a:spcPct val="35000"/>
             </a:spcAft>
+            <a:buNone/>
           </a:pPr>
           <a:endParaRPr lang="en-IN" sz="2100" kern="1200"/>
         </a:p>
@@ -2919,7 +2725,7 @@
         </a:bodyPr>
         <a:lstStyle/>
         <a:p>
-          <a:pPr lvl="0" algn="ctr" defTabSz="1200150">
+          <a:pPr marL="0" lvl="0" indent="0" algn="ctr" defTabSz="1200150">
             <a:lnSpc>
               <a:spcPct val="90000"/>
             </a:lnSpc>
@@ -2929,6 +2735,7 @@
             <a:spcAft>
               <a:spcPct val="35000"/>
             </a:spcAft>
+            <a:buNone/>
           </a:pPr>
           <a:r>
             <a:rPr lang="en-IN" sz="2700" kern="1200" dirty="0"/>
@@ -3005,7 +2812,7 @@
         </a:bodyPr>
         <a:lstStyle/>
         <a:p>
-          <a:pPr lvl="0" algn="ctr" defTabSz="755650">
+          <a:pPr marL="0" lvl="0" indent="0" algn="ctr" defTabSz="755650">
             <a:lnSpc>
               <a:spcPct val="90000"/>
             </a:lnSpc>
@@ -3015,6 +2822,7 @@
             <a:spcAft>
               <a:spcPct val="35000"/>
             </a:spcAft>
+            <a:buNone/>
           </a:pPr>
           <a:endParaRPr lang="en-IN" sz="1700" kern="1200"/>
         </a:p>
@@ -3102,7 +2910,7 @@
         </a:bodyPr>
         <a:lstStyle/>
         <a:p>
-          <a:pPr lvl="0" algn="ctr" defTabSz="977900">
+          <a:pPr marL="0" lvl="0" indent="0" algn="ctr" defTabSz="977900">
             <a:lnSpc>
               <a:spcPct val="90000"/>
             </a:lnSpc>
@@ -3112,12 +2920,12 @@
             <a:spcAft>
               <a:spcPct val="35000"/>
             </a:spcAft>
+            <a:buNone/>
           </a:pPr>
           <a:r>
-            <a:rPr lang="en-US" sz="2200" kern="1200" dirty="0" smtClean="0"/>
+            <a:rPr lang="en-US" sz="2200" kern="1200" dirty="0"/>
             <a:t>Mobile Phone</a:t>
           </a:r>
-          <a:endParaRPr lang="en-US" sz="2200" kern="1200" dirty="0"/>
         </a:p>
       </dsp:txBody>
       <dsp:txXfrm>
@@ -3189,7 +2997,7 @@
         </a:bodyPr>
         <a:lstStyle/>
         <a:p>
-          <a:pPr lvl="0" algn="ctr" defTabSz="666750">
+          <a:pPr marL="0" lvl="0" indent="0" algn="ctr" defTabSz="666750">
             <a:lnSpc>
               <a:spcPct val="90000"/>
             </a:lnSpc>
@@ -3199,6 +3007,7 @@
             <a:spcAft>
               <a:spcPct val="35000"/>
             </a:spcAft>
+            <a:buNone/>
           </a:pPr>
           <a:endParaRPr lang="en-US" sz="1500" kern="1200"/>
         </a:p>
@@ -3286,7 +3095,7 @@
         </a:bodyPr>
         <a:lstStyle/>
         <a:p>
-          <a:pPr lvl="0" algn="ctr" defTabSz="1200150">
+          <a:pPr marL="0" lvl="0" indent="0" algn="ctr" defTabSz="1200150">
             <a:lnSpc>
               <a:spcPct val="90000"/>
             </a:lnSpc>
@@ -3296,12 +3105,12 @@
             <a:spcAft>
               <a:spcPct val="35000"/>
             </a:spcAft>
+            <a:buNone/>
           </a:pPr>
           <a:r>
-            <a:rPr lang="en-IN" sz="2700" kern="1200" dirty="0" smtClean="0"/>
+            <a:rPr lang="en-IN" sz="2700" kern="1200" dirty="0"/>
             <a:t>Firebot</a:t>
           </a:r>
-          <a:endParaRPr lang="en-IN" sz="2700" kern="1200" dirty="0"/>
         </a:p>
       </dsp:txBody>
       <dsp:txXfrm>
@@ -3399,7 +3208,7 @@
         </a:bodyPr>
         <a:lstStyle/>
         <a:p>
-          <a:pPr lvl="0" algn="ctr" defTabSz="977900">
+          <a:pPr marL="0" lvl="0" indent="0" algn="ctr" defTabSz="977900">
             <a:lnSpc>
               <a:spcPct val="90000"/>
             </a:lnSpc>
@@ -3409,6 +3218,7 @@
             <a:spcAft>
               <a:spcPct val="35000"/>
             </a:spcAft>
+            <a:buNone/>
           </a:pPr>
           <a:r>
             <a:rPr lang="en-IN" sz="2200" kern="1200" dirty="0"/>
@@ -3485,7 +3295,7 @@
         </a:bodyPr>
         <a:lstStyle/>
         <a:p>
-          <a:pPr lvl="0" algn="ctr" defTabSz="977900">
+          <a:pPr marL="0" lvl="0" indent="0" algn="ctr" defTabSz="977900">
             <a:lnSpc>
               <a:spcPct val="90000"/>
             </a:lnSpc>
@@ -3495,6 +3305,7 @@
             <a:spcAft>
               <a:spcPct val="35000"/>
             </a:spcAft>
+            <a:buNone/>
           </a:pPr>
           <a:endParaRPr lang="en-IN" sz="2200" kern="1200"/>
         </a:p>
@@ -3582,7 +3393,7 @@
         </a:bodyPr>
         <a:lstStyle/>
         <a:p>
-          <a:pPr lvl="0" algn="ctr" defTabSz="977900">
+          <a:pPr marL="0" lvl="0" indent="0" algn="ctr" defTabSz="977900">
             <a:lnSpc>
               <a:spcPct val="90000"/>
             </a:lnSpc>
@@ -3592,6 +3403,7 @@
             <a:spcAft>
               <a:spcPct val="35000"/>
             </a:spcAft>
+            <a:buNone/>
           </a:pPr>
           <a:r>
             <a:rPr lang="en-IN" sz="2200" kern="1200" dirty="0"/>
@@ -3665,7 +3477,7 @@
         </a:bodyPr>
         <a:lstStyle/>
         <a:p>
-          <a:pPr lvl="0" algn="ctr" defTabSz="977900">
+          <a:pPr marL="0" lvl="0" indent="0" algn="ctr" defTabSz="977900">
             <a:lnSpc>
               <a:spcPct val="90000"/>
             </a:lnSpc>
@@ -3675,6 +3487,7 @@
             <a:spcAft>
               <a:spcPct val="35000"/>
             </a:spcAft>
+            <a:buNone/>
           </a:pPr>
           <a:endParaRPr lang="en-IN" sz="2200" kern="1200"/>
         </a:p>
@@ -3762,7 +3575,7 @@
         </a:bodyPr>
         <a:lstStyle/>
         <a:p>
-          <a:pPr lvl="0" algn="ctr" defTabSz="977900">
+          <a:pPr marL="0" lvl="0" indent="0" algn="ctr" defTabSz="977900">
             <a:lnSpc>
               <a:spcPct val="90000"/>
             </a:lnSpc>
@@ -3772,6 +3585,7 @@
             <a:spcAft>
               <a:spcPct val="35000"/>
             </a:spcAft>
+            <a:buNone/>
           </a:pPr>
           <a:r>
             <a:rPr lang="en-IN" sz="2200" kern="1200" dirty="0"/>
@@ -3845,7 +3659,7 @@
         </a:bodyPr>
         <a:lstStyle/>
         <a:p>
-          <a:pPr lvl="0" algn="ctr" defTabSz="977900">
+          <a:pPr marL="0" lvl="0" indent="0" algn="ctr" defTabSz="977900">
             <a:lnSpc>
               <a:spcPct val="90000"/>
             </a:lnSpc>
@@ -3855,6 +3669,7 @@
             <a:spcAft>
               <a:spcPct val="35000"/>
             </a:spcAft>
+            <a:buNone/>
           </a:pPr>
           <a:endParaRPr lang="en-IN" sz="2200" kern="1200"/>
         </a:p>
@@ -3942,7 +3757,7 @@
         </a:bodyPr>
         <a:lstStyle/>
         <a:p>
-          <a:pPr lvl="0" algn="ctr" defTabSz="977900">
+          <a:pPr marL="0" lvl="0" indent="0" algn="ctr" defTabSz="977900">
             <a:lnSpc>
               <a:spcPct val="90000"/>
             </a:lnSpc>
@@ -3952,6 +3767,7 @@
             <a:spcAft>
               <a:spcPct val="35000"/>
             </a:spcAft>
+            <a:buNone/>
           </a:pPr>
           <a:r>
             <a:rPr lang="en-IN" sz="2200" kern="1200" dirty="0"/>
@@ -4028,7 +3844,7 @@
         </a:bodyPr>
         <a:lstStyle/>
         <a:p>
-          <a:pPr lvl="0" algn="ctr" defTabSz="977900">
+          <a:pPr marL="0" lvl="0" indent="0" algn="ctr" defTabSz="977900">
             <a:lnSpc>
               <a:spcPct val="90000"/>
             </a:lnSpc>
@@ -4038,6 +3854,7 @@
             <a:spcAft>
               <a:spcPct val="35000"/>
             </a:spcAft>
+            <a:buNone/>
           </a:pPr>
           <a:endParaRPr lang="en-IN" sz="2200" kern="1200"/>
         </a:p>
@@ -4125,7 +3942,7 @@
         </a:bodyPr>
         <a:lstStyle/>
         <a:p>
-          <a:pPr lvl="0" algn="ctr" defTabSz="977900">
+          <a:pPr marL="0" lvl="0" indent="0" algn="ctr" defTabSz="977900">
             <a:lnSpc>
               <a:spcPct val="90000"/>
             </a:lnSpc>
@@ -4135,6 +3952,7 @@
             <a:spcAft>
               <a:spcPct val="35000"/>
             </a:spcAft>
+            <a:buNone/>
           </a:pPr>
           <a:r>
             <a:rPr lang="en-IN" sz="2200" kern="1200" dirty="0"/>
@@ -7384,7 +7202,7 @@
           </a:lstStyle>
           <a:p>
             <a:r>
-              <a:rPr lang="en-US" smtClean="0"/>
+              <a:rPr lang="en-US"/>
               <a:t>Click to edit Master title style</a:t>
             </a:r>
             <a:endParaRPr lang="en-US" dirty="0"/>
@@ -7503,7 +7321,7 @@
           </a:lstStyle>
           <a:p>
             <a:r>
-              <a:rPr lang="en-US" smtClean="0"/>
+              <a:rPr lang="en-US"/>
               <a:t>Click to edit Master subtitle style</a:t>
             </a:r>
             <a:endParaRPr lang="en-US" dirty="0"/>
@@ -7637,7 +7455,7 @@
           </a:lstStyle>
           <a:p>
             <a:r>
-              <a:rPr lang="en-US" smtClean="0"/>
+              <a:rPr lang="en-US"/>
               <a:t>Click to edit Master title style</a:t>
             </a:r>
             <a:endParaRPr lang="en-US" dirty="0"/>
@@ -7732,7 +7550,7 @@
           </a:lstStyle>
           <a:p>
             <a:r>
-              <a:rPr lang="en-US" smtClean="0"/>
+              <a:rPr lang="en-US"/>
               <a:t>Click icon to add picture</a:t>
             </a:r>
             <a:endParaRPr lang="en-US" dirty="0"/>
@@ -7800,7 +7618,7 @@
           <a:p>
             <a:pPr lvl="0"/>
             <a:r>
-              <a:rPr lang="en-US" smtClean="0"/>
+              <a:rPr lang="en-US"/>
               <a:t>Edit Master text styles</a:t>
             </a:r>
           </a:p>
@@ -7928,7 +7746,7 @@
           </a:lstStyle>
           <a:p>
             <a:r>
-              <a:rPr lang="en-US" smtClean="0"/>
+              <a:rPr lang="en-US"/>
               <a:t>Click to edit Master title style</a:t>
             </a:r>
             <a:endParaRPr lang="en-US" dirty="0"/>
@@ -8048,7 +7866,7 @@
           <a:p>
             <a:pPr lvl="0"/>
             <a:r>
-              <a:rPr lang="en-US" smtClean="0"/>
+              <a:rPr lang="en-US"/>
               <a:t>Edit Master text styles</a:t>
             </a:r>
           </a:p>
@@ -8412,7 +8230,7 @@
           </a:lstStyle>
           <a:p>
             <a:r>
-              <a:rPr lang="en-US" smtClean="0"/>
+              <a:rPr lang="en-US"/>
               <a:t>Click to edit Master title style</a:t>
             </a:r>
             <a:endParaRPr lang="en-US" dirty="0"/>
@@ -8469,7 +8287,7 @@
           <a:p>
             <a:pPr lvl="0"/>
             <a:r>
-              <a:rPr lang="en-US" smtClean="0"/>
+              <a:rPr lang="en-US"/>
               <a:t>Edit Master text styles</a:t>
             </a:r>
           </a:p>
@@ -8588,7 +8406,7 @@
           <a:p>
             <a:pPr lvl="0"/>
             <a:r>
-              <a:rPr lang="en-US" smtClean="0"/>
+              <a:rPr lang="en-US"/>
               <a:t>Edit Master text styles</a:t>
             </a:r>
           </a:p>
@@ -8716,7 +8534,7 @@
           </a:lstStyle>
           <a:p>
             <a:r>
-              <a:rPr lang="en-US" smtClean="0"/>
+              <a:rPr lang="en-US"/>
               <a:t>Click to edit Master title style</a:t>
             </a:r>
             <a:endParaRPr lang="en-US" dirty="0"/>
@@ -8836,7 +8654,7 @@
           <a:p>
             <a:pPr lvl="0"/>
             <a:r>
-              <a:rPr lang="en-US" smtClean="0"/>
+              <a:rPr lang="en-US"/>
               <a:t>Edit Master text styles</a:t>
             </a:r>
           </a:p>
@@ -9200,7 +9018,7 @@
           </a:lstStyle>
           <a:p>
             <a:r>
-              <a:rPr lang="en-US" smtClean="0"/>
+              <a:rPr lang="en-US"/>
               <a:t>Click to edit Master title style</a:t>
             </a:r>
             <a:endParaRPr lang="en-US" dirty="0"/>
@@ -9249,7 +9067,7 @@
               <a:buNone/>
             </a:pPr>
             <a:r>
-              <a:rPr lang="en-US" smtClean="0"/>
+              <a:rPr lang="en-US"/>
               <a:t>Edit Master text styles</a:t>
             </a:r>
           </a:p>
@@ -9368,7 +9186,7 @@
           <a:p>
             <a:pPr lvl="0"/>
             <a:r>
-              <a:rPr lang="en-US" smtClean="0"/>
+              <a:rPr lang="en-US"/>
               <a:t>Edit Master text styles</a:t>
             </a:r>
           </a:p>
@@ -9497,7 +9315,7 @@
           <a:p>
             <a:pPr marL="0" lvl="0"/>
             <a:r>
-              <a:rPr lang="en-US" smtClean="0"/>
+              <a:rPr lang="en-US"/>
               <a:t>Click to edit Master title style</a:t>
             </a:r>
             <a:endParaRPr lang="en-US" dirty="0"/>
@@ -9546,7 +9364,7 @@
               <a:buNone/>
             </a:pPr>
             <a:r>
-              <a:rPr lang="en-US" smtClean="0"/>
+              <a:rPr lang="en-US"/>
               <a:t>Edit Master text styles</a:t>
             </a:r>
           </a:p>
@@ -9665,7 +9483,7 @@
           <a:p>
             <a:pPr lvl="0"/>
             <a:r>
-              <a:rPr lang="en-US" smtClean="0"/>
+              <a:rPr lang="en-US"/>
               <a:t>Edit Master text styles</a:t>
             </a:r>
           </a:p>
@@ -9786,7 +9604,7 @@
           </a:lstStyle>
           <a:p>
             <a:r>
-              <a:rPr lang="en-US" smtClean="0"/>
+              <a:rPr lang="en-US"/>
               <a:t>Click to edit Master title style</a:t>
             </a:r>
             <a:endParaRPr lang="en-US" dirty="0"/>
@@ -9810,35 +9628,35 @@
           <a:p>
             <a:pPr lvl="0"/>
             <a:r>
-              <a:rPr lang="en-US" smtClean="0"/>
+              <a:rPr lang="en-US"/>
               <a:t>Edit Master text styles</a:t>
             </a:r>
           </a:p>
           <a:p>
             <a:pPr lvl="1"/>
             <a:r>
-              <a:rPr lang="en-US" smtClean="0"/>
+              <a:rPr lang="en-US"/>
               <a:t>Second level</a:t>
             </a:r>
           </a:p>
           <a:p>
             <a:pPr lvl="2"/>
             <a:r>
-              <a:rPr lang="en-US" smtClean="0"/>
+              <a:rPr lang="en-US"/>
               <a:t>Third level</a:t>
             </a:r>
           </a:p>
           <a:p>
             <a:pPr lvl="3"/>
             <a:r>
-              <a:rPr lang="en-US" smtClean="0"/>
+              <a:rPr lang="en-US"/>
               <a:t>Fourth level</a:t>
             </a:r>
           </a:p>
           <a:p>
             <a:pPr lvl="4"/>
             <a:r>
-              <a:rPr lang="en-US" smtClean="0"/>
+              <a:rPr lang="en-US"/>
               <a:t>Fifth level</a:t>
             </a:r>
             <a:endParaRPr lang="en-US" dirty="0"/>
@@ -9961,7 +9779,7 @@
           <a:lstStyle/>
           <a:p>
             <a:r>
-              <a:rPr lang="en-US" smtClean="0"/>
+              <a:rPr lang="en-US"/>
               <a:t>Click to edit Master title style</a:t>
             </a:r>
             <a:endParaRPr lang="en-US" dirty="0"/>
@@ -9990,35 +9808,35 @@
           <a:p>
             <a:pPr lvl="0"/>
             <a:r>
-              <a:rPr lang="en-US" smtClean="0"/>
+              <a:rPr lang="en-US"/>
               <a:t>Edit Master text styles</a:t>
             </a:r>
           </a:p>
           <a:p>
             <a:pPr lvl="1"/>
             <a:r>
-              <a:rPr lang="en-US" smtClean="0"/>
+              <a:rPr lang="en-US"/>
               <a:t>Second level</a:t>
             </a:r>
           </a:p>
           <a:p>
             <a:pPr lvl="2"/>
             <a:r>
-              <a:rPr lang="en-US" smtClean="0"/>
+              <a:rPr lang="en-US"/>
               <a:t>Third level</a:t>
             </a:r>
           </a:p>
           <a:p>
             <a:pPr lvl="3"/>
             <a:r>
-              <a:rPr lang="en-US" smtClean="0"/>
+              <a:rPr lang="en-US"/>
               <a:t>Fourth level</a:t>
             </a:r>
           </a:p>
           <a:p>
             <a:pPr lvl="4"/>
             <a:r>
-              <a:rPr lang="en-US" smtClean="0"/>
+              <a:rPr lang="en-US"/>
               <a:t>Fifth level</a:t>
             </a:r>
             <a:endParaRPr lang="en-US" dirty="0"/>
@@ -10136,7 +9954,7 @@
           <a:lstStyle/>
           <a:p>
             <a:r>
-              <a:rPr lang="en-US" smtClean="0"/>
+              <a:rPr lang="en-US"/>
               <a:t>Click to edit Master title style</a:t>
             </a:r>
             <a:endParaRPr lang="en-US" dirty="0"/>
@@ -10160,35 +9978,35 @@
           <a:p>
             <a:pPr lvl="0"/>
             <a:r>
-              <a:rPr lang="en-US" smtClean="0"/>
+              <a:rPr lang="en-US"/>
               <a:t>Edit Master text styles</a:t>
             </a:r>
           </a:p>
           <a:p>
             <a:pPr lvl="1"/>
             <a:r>
-              <a:rPr lang="en-US" smtClean="0"/>
+              <a:rPr lang="en-US"/>
               <a:t>Second level</a:t>
             </a:r>
           </a:p>
           <a:p>
             <a:pPr lvl="2"/>
             <a:r>
-              <a:rPr lang="en-US" smtClean="0"/>
+              <a:rPr lang="en-US"/>
               <a:t>Third level</a:t>
             </a:r>
           </a:p>
           <a:p>
             <a:pPr lvl="3"/>
             <a:r>
-              <a:rPr lang="en-US" smtClean="0"/>
+              <a:rPr lang="en-US"/>
               <a:t>Fourth level</a:t>
             </a:r>
           </a:p>
           <a:p>
             <a:pPr lvl="4"/>
             <a:r>
-              <a:rPr lang="en-US" smtClean="0"/>
+              <a:rPr lang="en-US"/>
               <a:t>Fifth level</a:t>
             </a:r>
             <a:endParaRPr lang="en-US" dirty="0"/>
@@ -10320,7 +10138,7 @@
           </a:lstStyle>
           <a:p>
             <a:r>
-              <a:rPr lang="en-US" smtClean="0"/>
+              <a:rPr lang="en-US"/>
               <a:t>Click to edit Master title style</a:t>
             </a:r>
             <a:endParaRPr lang="en-US" dirty="0"/>
@@ -10440,7 +10258,7 @@
           <a:p>
             <a:pPr lvl="0"/>
             <a:r>
-              <a:rPr lang="en-US" smtClean="0"/>
+              <a:rPr lang="en-US"/>
               <a:t>Edit Master text styles</a:t>
             </a:r>
           </a:p>
@@ -10562,7 +10380,7 @@
           <a:lstStyle/>
           <a:p>
             <a:r>
-              <a:rPr lang="en-US" smtClean="0"/>
+              <a:rPr lang="en-US"/>
               <a:t>Click to edit Master title style</a:t>
             </a:r>
             <a:endParaRPr lang="en-US" dirty="0"/>
@@ -10621,35 +10439,35 @@
           <a:p>
             <a:pPr lvl="0"/>
             <a:r>
-              <a:rPr lang="en-US" smtClean="0"/>
+              <a:rPr lang="en-US"/>
               <a:t>Edit Master text styles</a:t>
             </a:r>
           </a:p>
           <a:p>
             <a:pPr lvl="1"/>
             <a:r>
-              <a:rPr lang="en-US" smtClean="0"/>
+              <a:rPr lang="en-US"/>
               <a:t>Second level</a:t>
             </a:r>
           </a:p>
           <a:p>
             <a:pPr lvl="2"/>
             <a:r>
-              <a:rPr lang="en-US" smtClean="0"/>
+              <a:rPr lang="en-US"/>
               <a:t>Third level</a:t>
             </a:r>
           </a:p>
           <a:p>
             <a:pPr lvl="3"/>
             <a:r>
-              <a:rPr lang="en-US" smtClean="0"/>
+              <a:rPr lang="en-US"/>
               <a:t>Fourth level</a:t>
             </a:r>
           </a:p>
           <a:p>
             <a:pPr lvl="4"/>
             <a:r>
-              <a:rPr lang="en-US" smtClean="0"/>
+              <a:rPr lang="en-US"/>
               <a:t>Fifth level</a:t>
             </a:r>
             <a:endParaRPr lang="en-US" dirty="0"/>
@@ -10708,35 +10526,35 @@
           <a:p>
             <a:pPr lvl="0"/>
             <a:r>
-              <a:rPr lang="en-US" smtClean="0"/>
+              <a:rPr lang="en-US"/>
               <a:t>Edit Master text styles</a:t>
             </a:r>
           </a:p>
           <a:p>
             <a:pPr lvl="1"/>
             <a:r>
-              <a:rPr lang="en-US" smtClean="0"/>
+              <a:rPr lang="en-US"/>
               <a:t>Second level</a:t>
             </a:r>
           </a:p>
           <a:p>
             <a:pPr lvl="2"/>
             <a:r>
-              <a:rPr lang="en-US" smtClean="0"/>
+              <a:rPr lang="en-US"/>
               <a:t>Third level</a:t>
             </a:r>
           </a:p>
           <a:p>
             <a:pPr lvl="3"/>
             <a:r>
-              <a:rPr lang="en-US" smtClean="0"/>
+              <a:rPr lang="en-US"/>
               <a:t>Fourth level</a:t>
             </a:r>
           </a:p>
           <a:p>
             <a:pPr lvl="4"/>
             <a:r>
-              <a:rPr lang="en-US" smtClean="0"/>
+              <a:rPr lang="en-US"/>
               <a:t>Fifth level</a:t>
             </a:r>
             <a:endParaRPr lang="en-US" dirty="0"/>
@@ -10858,7 +10676,7 @@
           </a:lstStyle>
           <a:p>
             <a:r>
-              <a:rPr lang="en-US" smtClean="0"/>
+              <a:rPr lang="en-US"/>
               <a:t>Click to edit Master title style</a:t>
             </a:r>
             <a:endParaRPr lang="en-US" dirty="0"/>
@@ -10932,7 +10750,7 @@
           <a:p>
             <a:pPr lvl="0"/>
             <a:r>
-              <a:rPr lang="en-US" smtClean="0"/>
+              <a:rPr lang="en-US"/>
               <a:t>Edit Master text styles</a:t>
             </a:r>
           </a:p>
@@ -10990,35 +10808,35 @@
           <a:p>
             <a:pPr lvl="0"/>
             <a:r>
-              <a:rPr lang="en-US" smtClean="0"/>
+              <a:rPr lang="en-US"/>
               <a:t>Edit Master text styles</a:t>
             </a:r>
           </a:p>
           <a:p>
             <a:pPr lvl="1"/>
             <a:r>
-              <a:rPr lang="en-US" smtClean="0"/>
+              <a:rPr lang="en-US"/>
               <a:t>Second level</a:t>
             </a:r>
           </a:p>
           <a:p>
             <a:pPr lvl="2"/>
             <a:r>
-              <a:rPr lang="en-US" smtClean="0"/>
+              <a:rPr lang="en-US"/>
               <a:t>Third level</a:t>
             </a:r>
           </a:p>
           <a:p>
             <a:pPr lvl="3"/>
             <a:r>
-              <a:rPr lang="en-US" smtClean="0"/>
+              <a:rPr lang="en-US"/>
               <a:t>Fourth level</a:t>
             </a:r>
           </a:p>
           <a:p>
             <a:pPr lvl="4"/>
             <a:r>
-              <a:rPr lang="en-US" smtClean="0"/>
+              <a:rPr lang="en-US"/>
               <a:t>Fifth level</a:t>
             </a:r>
             <a:endParaRPr lang="en-US" dirty="0"/>
@@ -11092,7 +10910,7 @@
           <a:p>
             <a:pPr lvl="0"/>
             <a:r>
-              <a:rPr lang="en-US" smtClean="0"/>
+              <a:rPr lang="en-US"/>
               <a:t>Edit Master text styles</a:t>
             </a:r>
           </a:p>
@@ -11150,35 +10968,35 @@
           <a:p>
             <a:pPr lvl="0"/>
             <a:r>
-              <a:rPr lang="en-US" smtClean="0"/>
+              <a:rPr lang="en-US"/>
               <a:t>Edit Master text styles</a:t>
             </a:r>
           </a:p>
           <a:p>
             <a:pPr lvl="1"/>
             <a:r>
-              <a:rPr lang="en-US" smtClean="0"/>
+              <a:rPr lang="en-US"/>
               <a:t>Second level</a:t>
             </a:r>
           </a:p>
           <a:p>
             <a:pPr lvl="2"/>
             <a:r>
-              <a:rPr lang="en-US" smtClean="0"/>
+              <a:rPr lang="en-US"/>
               <a:t>Third level</a:t>
             </a:r>
           </a:p>
           <a:p>
             <a:pPr lvl="3"/>
             <a:r>
-              <a:rPr lang="en-US" smtClean="0"/>
+              <a:rPr lang="en-US"/>
               <a:t>Fourth level</a:t>
             </a:r>
           </a:p>
           <a:p>
             <a:pPr lvl="4"/>
             <a:r>
-              <a:rPr lang="en-US" smtClean="0"/>
+              <a:rPr lang="en-US"/>
               <a:t>Fifth level</a:t>
             </a:r>
             <a:endParaRPr lang="en-US" dirty="0"/>
@@ -11296,7 +11114,7 @@
           <a:lstStyle/>
           <a:p>
             <a:r>
-              <a:rPr lang="en-US" smtClean="0"/>
+              <a:rPr lang="en-US"/>
               <a:t>Click to edit Master title style</a:t>
             </a:r>
             <a:endParaRPr lang="en-US" dirty="0"/>
@@ -11520,7 +11338,7 @@
           </a:lstStyle>
           <a:p>
             <a:r>
-              <a:rPr lang="en-US" smtClean="0"/>
+              <a:rPr lang="en-US"/>
               <a:t>Click to edit Master title style</a:t>
             </a:r>
             <a:endParaRPr lang="en-US" dirty="0"/>
@@ -11579,35 +11397,35 @@
           <a:p>
             <a:pPr lvl="0"/>
             <a:r>
-              <a:rPr lang="en-US" smtClean="0"/>
+              <a:rPr lang="en-US"/>
               <a:t>Edit Master text styles</a:t>
             </a:r>
           </a:p>
           <a:p>
             <a:pPr lvl="1"/>
             <a:r>
-              <a:rPr lang="en-US" smtClean="0"/>
+              <a:rPr lang="en-US"/>
               <a:t>Second level</a:t>
             </a:r>
           </a:p>
           <a:p>
             <a:pPr lvl="2"/>
             <a:r>
-              <a:rPr lang="en-US" smtClean="0"/>
+              <a:rPr lang="en-US"/>
               <a:t>Third level</a:t>
             </a:r>
           </a:p>
           <a:p>
             <a:pPr lvl="3"/>
             <a:r>
-              <a:rPr lang="en-US" smtClean="0"/>
+              <a:rPr lang="en-US"/>
               <a:t>Fourth level</a:t>
             </a:r>
           </a:p>
           <a:p>
             <a:pPr lvl="4"/>
             <a:r>
-              <a:rPr lang="en-US" smtClean="0"/>
+              <a:rPr lang="en-US"/>
               <a:t>Fifth level</a:t>
             </a:r>
             <a:endParaRPr lang="en-US" dirty="0"/>
@@ -11675,7 +11493,7 @@
           <a:p>
             <a:pPr lvl="0"/>
             <a:r>
-              <a:rPr lang="en-US" smtClean="0"/>
+              <a:rPr lang="en-US"/>
               <a:t>Edit Master text styles</a:t>
             </a:r>
           </a:p>
@@ -11803,7 +11621,7 @@
           </a:lstStyle>
           <a:p>
             <a:r>
-              <a:rPr lang="en-US" smtClean="0"/>
+              <a:rPr lang="en-US"/>
               <a:t>Click to edit Master title style</a:t>
             </a:r>
             <a:endParaRPr lang="en-US" dirty="0"/>
@@ -11898,7 +11716,7 @@
           </a:lstStyle>
           <a:p>
             <a:r>
-              <a:rPr lang="en-US" smtClean="0"/>
+              <a:rPr lang="en-US"/>
               <a:t>Click icon to add picture</a:t>
             </a:r>
             <a:endParaRPr lang="en-US" dirty="0"/>
@@ -11966,7 +11784,7 @@
           <a:p>
             <a:pPr lvl="0"/>
             <a:r>
-              <a:rPr lang="en-US" smtClean="0"/>
+              <a:rPr lang="en-US"/>
               <a:t>Edit Master text styles</a:t>
             </a:r>
           </a:p>
@@ -12415,7 +12233,7 @@
           <a:lstStyle/>
           <a:p>
             <a:r>
-              <a:rPr lang="en-US" smtClean="0"/>
+              <a:rPr lang="en-US"/>
               <a:t>Click to edit Master title style</a:t>
             </a:r>
             <a:endParaRPr lang="en-US" dirty="0"/>
@@ -12449,35 +12267,35 @@
           <a:p>
             <a:pPr lvl="0"/>
             <a:r>
-              <a:rPr lang="en-US" smtClean="0"/>
+              <a:rPr lang="en-US"/>
               <a:t>Edit Master text styles</a:t>
             </a:r>
           </a:p>
           <a:p>
             <a:pPr lvl="1"/>
             <a:r>
-              <a:rPr lang="en-US" smtClean="0"/>
+              <a:rPr lang="en-US"/>
               <a:t>Second level</a:t>
             </a:r>
           </a:p>
           <a:p>
             <a:pPr lvl="2"/>
             <a:r>
-              <a:rPr lang="en-US" smtClean="0"/>
+              <a:rPr lang="en-US"/>
               <a:t>Third level</a:t>
             </a:r>
           </a:p>
           <a:p>
             <a:pPr lvl="3"/>
             <a:r>
-              <a:rPr lang="en-US" smtClean="0"/>
+              <a:rPr lang="en-US"/>
               <a:t>Fourth level</a:t>
             </a:r>
           </a:p>
           <a:p>
             <a:pPr lvl="4"/>
             <a:r>
-              <a:rPr lang="en-US" smtClean="0"/>
+              <a:rPr lang="en-US"/>
               <a:t>Fifth level</a:t>
             </a:r>
             <a:endParaRPr lang="en-US" dirty="0"/>
@@ -13145,11 +12963,11 @@
               <a:t> and </a:t>
             </a:r>
             <a:r>
-              <a:rPr lang="en-US" sz="3000" dirty="0" smtClean="0"/>
+              <a:rPr lang="en-US" sz="3000" dirty="0"/>
               <a:t>Device</a:t>
             </a:r>
             <a:r>
-              <a:rPr lang="en-US" sz="3000" b="0" i="0" kern="1200" dirty="0" smtClean="0">
+              <a:rPr lang="en-US" sz="3000" b="0" i="0" kern="1200" dirty="0">
                 <a:latin typeface="+mj-lt"/>
                 <a:ea typeface="+mj-ea"/>
                 <a:cs typeface="+mj-cs"/>
@@ -13161,20 +12979,12 @@
               <a:t>A</a:t>
             </a:r>
             <a:r>
-              <a:rPr lang="en-US" sz="3000" b="0" i="0" kern="1200" dirty="0" smtClean="0">
-                <a:latin typeface="+mj-lt"/>
-                <a:ea typeface="+mj-ea"/>
-                <a:cs typeface="+mj-cs"/>
-              </a:rPr>
-              <a:t>utomation</a:t>
-            </a:r>
-            <a:r>
               <a:rPr lang="en-US" sz="3000" b="0" i="0" kern="1200" dirty="0">
                 <a:latin typeface="+mj-lt"/>
                 <a:ea typeface="+mj-ea"/>
                 <a:cs typeface="+mj-cs"/>
               </a:rPr>
-              <a:t>)</a:t>
+              <a:t>utomation)</a:t>
             </a:r>
           </a:p>
         </p:txBody>
@@ -13212,15 +13022,15 @@
               <a:buChar char=""/>
             </a:pPr>
             <a:r>
-              <a:rPr lang="en-US" dirty="0" smtClean="0"/>
+              <a:rPr lang="en-US" dirty="0"/>
               <a:t>Group Name: </a:t>
             </a:r>
             <a:r>
-              <a:rPr lang="en-US" dirty="0" err="1" smtClean="0"/>
+              <a:rPr lang="en-US" dirty="0" err="1"/>
               <a:t>IoT</a:t>
             </a:r>
             <a:r>
-              <a:rPr lang="en-US" dirty="0" smtClean="0"/>
+              <a:rPr lang="en-US" dirty="0"/>
               <a:t> Group 2</a:t>
             </a:r>
           </a:p>
@@ -13230,19 +13040,11 @@
               <a:buChar char=""/>
             </a:pPr>
             <a:r>
-              <a:rPr lang="en-US" dirty="0" smtClean="0"/>
-              <a:t>Group Members: </a:t>
+              <a:rPr lang="en-US" dirty="0"/>
+              <a:t>Group Members: FARID , KENTON,  </a:t>
             </a:r>
             <a:r>
-              <a:rPr lang="en-US" dirty="0"/>
-              <a:t>FARID , </a:t>
-            </a:r>
-            <a:r>
-              <a:rPr lang="en-US" dirty="0" smtClean="0"/>
-              <a:t>KENTON,  </a:t>
-            </a:r>
-            <a:r>
-              <a:rPr lang="en-US" smtClean="0"/>
+              <a:rPr lang="en-US"/>
               <a:t>ZARIN, </a:t>
             </a:r>
             <a:r>
@@ -13312,10 +13114,9 @@
           <a:lstStyle/>
           <a:p>
             <a:r>
-              <a:rPr lang="en-US" sz="3600" b="1" dirty="0" smtClean="0"/>
+              <a:rPr lang="en-US" sz="3600" b="1" dirty="0"/>
               <a:t>UMKC Hackathon, Fall, 2018</a:t>
             </a:r>
-            <a:endParaRPr lang="en-US" sz="3600" b="1" dirty="0"/>
           </a:p>
         </p:txBody>
       </p:sp>
@@ -13437,7 +13238,7 @@
         </p:spPr>
         <p:txBody>
           <a:bodyPr>
-            <a:normAutofit fontScale="92500"/>
+            <a:normAutofit/>
           </a:bodyPr>
           <a:lstStyle/>
           <a:p>
@@ -13447,7 +13248,7 @@
             </a:pPr>
             <a:r>
               <a:rPr lang="en-US" sz="2400" dirty="0"/>
-              <a:t>Visualization and control of the temperature, pressure and humidity of the home from a remote place.</a:t>
+              <a:t>Visualization of the temperature, pressure and humidity of the home from a remote place.</a:t>
             </a:r>
           </a:p>
           <a:p>
@@ -13457,15 +13258,7 @@
             </a:pPr>
             <a:r>
               <a:rPr lang="en-US" sz="2400" dirty="0"/>
-              <a:t> Sending of an email if the temperature, pressure or humidity goes above a certain </a:t>
-            </a:r>
-            <a:r>
-              <a:rPr lang="en-US" sz="2400" dirty="0" smtClean="0"/>
-              <a:t>set value</a:t>
-            </a:r>
-            <a:r>
-              <a:rPr lang="en-US" sz="2400" dirty="0"/>
-              <a:t>.</a:t>
+              <a:t> Sending off an email if the temperature, pressure or humidity goes above a certain set value.</a:t>
             </a:r>
           </a:p>
           <a:p>
@@ -13493,23 +13286,8 @@
             </a:pPr>
             <a:r>
               <a:rPr lang="en-US" sz="2400" dirty="0"/>
-              <a:t>Putting out the fire by splashing water to the fire affected areas in the given proximity</a:t>
+              <a:t>Putting out the fire by splashing water.</a:t>
             </a:r>
-            <a:r>
-              <a:rPr lang="en-US" sz="2400" dirty="0" smtClean="0"/>
-              <a:t>.</a:t>
-            </a:r>
-          </a:p>
-          <a:p>
-            <a:pPr>
-              <a:buFont typeface="Wingdings" panose="05000000000000000000" pitchFamily="2" charset="2"/>
-              <a:buChar char="Ø"/>
-            </a:pPr>
-            <a:r>
-              <a:rPr lang="en-US" sz="2400" dirty="0" smtClean="0"/>
-              <a:t>Making a high pitched sound in case of fire which can warn the nearby people.</a:t>
-            </a:r>
-            <a:endParaRPr lang="en-US" sz="2400" dirty="0"/>
           </a:p>
           <a:p>
             <a:pPr>
@@ -13518,7 +13296,7 @@
             </a:pPr>
             <a:r>
               <a:rPr lang="en-US" sz="2400" dirty="0"/>
-              <a:t>Controlling the AC, fans, lights via one button build in MIT app inventor application.</a:t>
+              <a:t>Making a high pitched sound in case of fire which can warn the nearby people.</a:t>
             </a:r>
           </a:p>
           <a:p>
@@ -13528,7 +13306,17 @@
             </a:pPr>
             <a:r>
               <a:rPr lang="en-US" sz="2400" dirty="0"/>
-              <a:t>Economic and cost effective design for a safe environment at home.</a:t>
+              <a:t>Controlling the AC, fans, lights in a MIT app inventor android application.</a:t>
+            </a:r>
+          </a:p>
+          <a:p>
+            <a:pPr>
+              <a:buFont typeface="Wingdings" panose="05000000000000000000" pitchFamily="2" charset="2"/>
+              <a:buChar char="Ø"/>
+            </a:pPr>
+            <a:r>
+              <a:rPr lang="en-US" sz="2400" dirty="0"/>
+              <a:t>Economic and cost-effective design for a safe environment at home.</a:t>
             </a:r>
             <a:endParaRPr lang="en-IN" sz="2400" dirty="0"/>
           </a:p>
@@ -13636,38 +13424,14 @@
             </a:pPr>
             <a:r>
               <a:rPr lang="en-IN" dirty="0"/>
-              <a:t> </a:t>
-            </a:r>
-            <a:r>
-              <a:rPr lang="en-IN" dirty="0" smtClean="0"/>
-              <a:t>Flow Diagram</a:t>
-            </a:r>
-            <a:r>
-              <a:rPr lang="en-IN" dirty="0"/>
-              <a:t/>
+              <a:t> Flow Diagram</a:t>
             </a:r>
             <a:br>
               <a:rPr lang="en-IN" dirty="0"/>
             </a:br>
             <a:r>
               <a:rPr lang="en-IN" dirty="0"/>
-              <a:t>Hardware </a:t>
-            </a:r>
-            <a:r>
-              <a:rPr lang="en-IN" dirty="0" smtClean="0"/>
-              <a:t>Flow      </a:t>
-            </a:r>
-            <a:r>
-              <a:rPr lang="en-IN" dirty="0"/>
-              <a:t>Software </a:t>
-            </a:r>
-            <a:r>
-              <a:rPr lang="en-IN" dirty="0" smtClean="0"/>
-              <a:t>Flow</a:t>
-            </a:r>
-            <a:r>
-              <a:rPr lang="en-IN" dirty="0"/>
-              <a:t/>
+              <a:t>Hardware Flow      Software Flow</a:t>
             </a:r>
             <a:br>
               <a:rPr lang="en-IN" dirty="0"/>
@@ -13871,20 +13635,8 @@
           <a:p>
             <a:pPr algn="ctr"/>
             <a:r>
-              <a:rPr lang="en-IN" sz="3600" dirty="0" smtClean="0"/>
-              <a:t>Fire Fighting Robot &amp; User </a:t>
-            </a:r>
-            <a:r>
               <a:rPr lang="en-IN" sz="3600" dirty="0"/>
-              <a:t>Interface on MIT </a:t>
-            </a:r>
-            <a:r>
-              <a:rPr lang="en-IN" sz="3600" dirty="0" smtClean="0"/>
-              <a:t>App </a:t>
-            </a:r>
-            <a:r>
-              <a:rPr lang="en-IN" sz="3600" dirty="0"/>
-              <a:t>Inventor</a:t>
+              <a:t>Fire Fighting Robot &amp; User Interface on MIT App Inventor</a:t>
             </a:r>
           </a:p>
         </p:txBody>
@@ -14079,10 +13831,9 @@
           <a:p>
             <a:pPr algn="ctr"/>
             <a:r>
-              <a:rPr lang="en-IN" dirty="0" smtClean="0"/>
+              <a:rPr lang="en-IN" dirty="0"/>
               <a:t>Advantages</a:t>
             </a:r>
-            <a:endParaRPr lang="en-IN" dirty="0"/>
           </a:p>
         </p:txBody>
       </p:sp>
@@ -14120,19 +13871,7 @@
             </a:pPr>
             <a:r>
               <a:rPr lang="en-IN" sz="2400" dirty="0"/>
-              <a:t>Easy to deploy and cost effective </a:t>
-            </a:r>
-            <a:r>
-              <a:rPr lang="en-IN" sz="2400" dirty="0" smtClean="0"/>
-              <a:t>product (around $80) </a:t>
-            </a:r>
-            <a:r>
-              <a:rPr lang="en-IN" sz="2400" dirty="0"/>
-              <a:t>for smart </a:t>
-            </a:r>
-            <a:r>
-              <a:rPr lang="en-IN" sz="2400" dirty="0" smtClean="0"/>
-              <a:t>home.</a:t>
+              <a:t>Easy to deploy and cost-effective product (around $80) for smart home.</a:t>
             </a:r>
           </a:p>
           <a:p>
@@ -14141,28 +13880,14 @@
               <a:buChar char="Ø"/>
             </a:pPr>
             <a:r>
-              <a:rPr lang="en-IN" sz="2400" dirty="0" smtClean="0"/>
-              <a:t>A low-power design which covers all aspects of a safe home. </a:t>
+              <a:rPr lang="en-IN" sz="2400" dirty="0"/>
+              <a:t>The firefighting robot needs no human interaction to put out a potential </a:t>
+            </a:r>
+            <a:r>
+              <a:rPr lang="en-IN" sz="2400"/>
+              <a:t>house fire.</a:t>
             </a:r>
             <a:endParaRPr lang="en-IN" sz="2400" dirty="0"/>
-          </a:p>
-          <a:p>
-            <a:pPr>
-              <a:buFont typeface="Wingdings" panose="05000000000000000000" pitchFamily="2" charset="2"/>
-              <a:buChar char="Ø"/>
-            </a:pPr>
-            <a:r>
-              <a:rPr lang="en-IN" sz="2400" dirty="0" smtClean="0"/>
-              <a:t>Reachability of the fire fighting robot </a:t>
-            </a:r>
-            <a:r>
-              <a:rPr lang="en-IN" sz="2400" dirty="0"/>
-              <a:t>to </a:t>
-            </a:r>
-            <a:r>
-              <a:rPr lang="en-IN" sz="2400" dirty="0" smtClean="0"/>
-              <a:t>remote location to put out fire.</a:t>
-            </a:r>
           </a:p>
         </p:txBody>
       </p:sp>
@@ -14324,16 +14049,8 @@
               <a:buChar char="Ø"/>
             </a:pPr>
             <a:r>
-              <a:rPr lang="en-IN" sz="2400" dirty="0" smtClean="0"/>
-              <a:t>Possibility </a:t>
-            </a:r>
-            <a:r>
               <a:rPr lang="en-IN" sz="2400" dirty="0"/>
-              <a:t>of sending text message/ making a call to 911 via </a:t>
-            </a:r>
-            <a:r>
-              <a:rPr lang="en-IN" sz="2400" dirty="0" smtClean="0"/>
-              <a:t>node-red.</a:t>
+              <a:t>Possibility of sending text message/ making a call to 911 via node-red.</a:t>
             </a:r>
           </a:p>
           <a:p>
@@ -14354,20 +14071,12 @@
               <a:buChar char="Ø"/>
             </a:pPr>
             <a:r>
-              <a:rPr lang="en-IN" sz="2400" dirty="0" smtClean="0"/>
+              <a:rPr lang="en-IN" sz="2400" dirty="0"/>
               <a:t> </a:t>
             </a:r>
             <a:r>
-              <a:rPr lang="en-US" sz="2400" dirty="0" smtClean="0"/>
-              <a:t>Interaction  </a:t>
-            </a:r>
-            <a:r>
               <a:rPr lang="en-US" sz="2400" dirty="0"/>
-              <a:t>with user using all kinds of communication techniques</a:t>
-            </a:r>
-            <a:r>
-              <a:rPr lang="en-US" sz="2400" dirty="0" smtClean="0"/>
-              <a:t>.</a:t>
+              <a:t>Interaction  with an user using all kinds of communication techniques.</a:t>
             </a:r>
             <a:endParaRPr lang="en-IN" sz="2400" dirty="0">
               <a:solidFill>

--- a/Documentation/IOT-SMART-HOME-Firebot-and-Device-Automation.pptx
+++ b/Documentation/IOT-SMART-HOME-Firebot-and-Device-Automation.pptx
@@ -1812,6 +1812,13 @@
         </dgm:presLayoutVars>
       </dgm:prSet>
       <dgm:spPr/>
+      <dgm:t>
+        <a:bodyPr/>
+        <a:lstStyle/>
+        <a:p>
+          <a:endParaRPr lang="en-US"/>
+        </a:p>
+      </dgm:t>
     </dgm:pt>
     <dgm:pt modelId="{BC167AEB-6EDA-439B-96BE-07A483E43487}" type="pres">
       <dgm:prSet presAssocID="{EDAFAEAD-A953-40D9-8EFB-CB21DD1C3618}" presName="node" presStyleLbl="node1" presStyleIdx="0" presStyleCnt="5">
@@ -1820,14 +1827,35 @@
         </dgm:presLayoutVars>
       </dgm:prSet>
       <dgm:spPr/>
+      <dgm:t>
+        <a:bodyPr/>
+        <a:lstStyle/>
+        <a:p>
+          <a:endParaRPr lang="en-US"/>
+        </a:p>
+      </dgm:t>
     </dgm:pt>
     <dgm:pt modelId="{78A3DC04-3497-4902-AF98-68282BC6C03A}" type="pres">
       <dgm:prSet presAssocID="{F98CF3DA-0F5B-4E56-B493-EBFAA66FF6AC}" presName="sibTrans" presStyleLbl="sibTrans2D1" presStyleIdx="0" presStyleCnt="4"/>
       <dgm:spPr/>
+      <dgm:t>
+        <a:bodyPr/>
+        <a:lstStyle/>
+        <a:p>
+          <a:endParaRPr lang="en-US"/>
+        </a:p>
+      </dgm:t>
     </dgm:pt>
     <dgm:pt modelId="{E7DC1036-F1BE-4C9F-871B-29AEF0003E78}" type="pres">
       <dgm:prSet presAssocID="{F98CF3DA-0F5B-4E56-B493-EBFAA66FF6AC}" presName="connectorText" presStyleLbl="sibTrans2D1" presStyleIdx="0" presStyleCnt="4"/>
       <dgm:spPr/>
+      <dgm:t>
+        <a:bodyPr/>
+        <a:lstStyle/>
+        <a:p>
+          <a:endParaRPr lang="en-US"/>
+        </a:p>
+      </dgm:t>
     </dgm:pt>
     <dgm:pt modelId="{95E11F7A-C38A-4480-9BAE-3842FA5B6BAD}" type="pres">
       <dgm:prSet presAssocID="{5DA5B7E1-9B4D-441B-8671-CFE1670B1D47}" presName="node" presStyleLbl="node1" presStyleIdx="1" presStyleCnt="5">
@@ -1836,6 +1864,13 @@
         </dgm:presLayoutVars>
       </dgm:prSet>
       <dgm:spPr/>
+      <dgm:t>
+        <a:bodyPr/>
+        <a:lstStyle/>
+        <a:p>
+          <a:endParaRPr lang="en-US"/>
+        </a:p>
+      </dgm:t>
     </dgm:pt>
     <dgm:pt modelId="{FEF8AE67-254E-4138-9C61-EDD3879FCBF5}" type="pres">
       <dgm:prSet presAssocID="{9DF9B6C0-9ADB-4F96-9762-79685057A34B}" presName="sibTrans" presStyleLbl="sibTrans2D1" presStyleIdx="1" presStyleCnt="4" custScaleX="181172"/>
@@ -1844,10 +1879,24 @@
           <a:avLst/>
         </a:prstGeom>
       </dgm:spPr>
+      <dgm:t>
+        <a:bodyPr/>
+        <a:lstStyle/>
+        <a:p>
+          <a:endParaRPr lang="en-US"/>
+        </a:p>
+      </dgm:t>
     </dgm:pt>
     <dgm:pt modelId="{BE3087A1-0449-4776-AB81-EA9893A91C18}" type="pres">
       <dgm:prSet presAssocID="{9DF9B6C0-9ADB-4F96-9762-79685057A34B}" presName="connectorText" presStyleLbl="sibTrans2D1" presStyleIdx="1" presStyleCnt="4"/>
       <dgm:spPr/>
+      <dgm:t>
+        <a:bodyPr/>
+        <a:lstStyle/>
+        <a:p>
+          <a:endParaRPr lang="en-US"/>
+        </a:p>
+      </dgm:t>
     </dgm:pt>
     <dgm:pt modelId="{FC588FA0-AA79-428B-8EAA-D7370F1945C1}" type="pres">
       <dgm:prSet presAssocID="{DA1B01F4-8B0B-43C5-A4C6-F4619D499AEE}" presName="node" presStyleLbl="node1" presStyleIdx="2" presStyleCnt="5">
@@ -1856,14 +1905,35 @@
         </dgm:presLayoutVars>
       </dgm:prSet>
       <dgm:spPr/>
+      <dgm:t>
+        <a:bodyPr/>
+        <a:lstStyle/>
+        <a:p>
+          <a:endParaRPr lang="en-US"/>
+        </a:p>
+      </dgm:t>
     </dgm:pt>
     <dgm:pt modelId="{F14C4CE9-8C36-4338-979F-695F59B79844}" type="pres">
       <dgm:prSet presAssocID="{D935C3DF-04A6-4603-94DA-B3E8CE33C220}" presName="sibTrans" presStyleLbl="sibTrans2D1" presStyleIdx="2" presStyleCnt="4"/>
       <dgm:spPr/>
+      <dgm:t>
+        <a:bodyPr/>
+        <a:lstStyle/>
+        <a:p>
+          <a:endParaRPr lang="en-US"/>
+        </a:p>
+      </dgm:t>
     </dgm:pt>
     <dgm:pt modelId="{6A316665-6D1A-4C54-993C-29BA200DB135}" type="pres">
       <dgm:prSet presAssocID="{D935C3DF-04A6-4603-94DA-B3E8CE33C220}" presName="connectorText" presStyleLbl="sibTrans2D1" presStyleIdx="2" presStyleCnt="4"/>
       <dgm:spPr/>
+      <dgm:t>
+        <a:bodyPr/>
+        <a:lstStyle/>
+        <a:p>
+          <a:endParaRPr lang="en-US"/>
+        </a:p>
+      </dgm:t>
     </dgm:pt>
     <dgm:pt modelId="{29E92719-BAF7-4D77-A3C3-AADB5F9AD43A}" type="pres">
       <dgm:prSet presAssocID="{E75C62E8-C86E-4DDF-98BB-95E2925BC518}" presName="node" presStyleLbl="node1" presStyleIdx="3" presStyleCnt="5">
@@ -1872,14 +1942,35 @@
         </dgm:presLayoutVars>
       </dgm:prSet>
       <dgm:spPr/>
+      <dgm:t>
+        <a:bodyPr/>
+        <a:lstStyle/>
+        <a:p>
+          <a:endParaRPr lang="en-US"/>
+        </a:p>
+      </dgm:t>
     </dgm:pt>
     <dgm:pt modelId="{C98B66A3-B538-4755-8E9C-8FBBD957AF3C}" type="pres">
       <dgm:prSet presAssocID="{5119C2EA-ED5B-4414-9879-EDC73AA366F9}" presName="sibTrans" presStyleLbl="sibTrans2D1" presStyleIdx="3" presStyleCnt="4" custAng="14106145" custFlipHor="1" custScaleX="91635" custScaleY="89531" custLinFactX="100000" custLinFactNeighborX="101923" custLinFactNeighborY="2158"/>
       <dgm:spPr/>
+      <dgm:t>
+        <a:bodyPr/>
+        <a:lstStyle/>
+        <a:p>
+          <a:endParaRPr lang="en-US"/>
+        </a:p>
+      </dgm:t>
     </dgm:pt>
     <dgm:pt modelId="{B4BA6359-A867-4DDA-B369-5480781F9223}" type="pres">
       <dgm:prSet presAssocID="{5119C2EA-ED5B-4414-9879-EDC73AA366F9}" presName="connectorText" presStyleLbl="sibTrans2D1" presStyleIdx="3" presStyleCnt="4"/>
       <dgm:spPr/>
+      <dgm:t>
+        <a:bodyPr/>
+        <a:lstStyle/>
+        <a:p>
+          <a:endParaRPr lang="en-US"/>
+        </a:p>
+      </dgm:t>
     </dgm:pt>
     <dgm:pt modelId="{EE8DAAE9-044C-456D-A7E7-47C43183E8FA}" type="pres">
       <dgm:prSet presAssocID="{330425D8-D1F4-45F9-B881-6BA4E8C30549}" presName="node" presStyleLbl="node1" presStyleIdx="4" presStyleCnt="5" custLinFactX="43443" custLinFactNeighborX="100000" custLinFactNeighborY="97">
@@ -1888,28 +1979,35 @@
         </dgm:presLayoutVars>
       </dgm:prSet>
       <dgm:spPr/>
+      <dgm:t>
+        <a:bodyPr/>
+        <a:lstStyle/>
+        <a:p>
+          <a:endParaRPr lang="en-US"/>
+        </a:p>
+      </dgm:t>
     </dgm:pt>
   </dgm:ptLst>
   <dgm:cxnLst>
-    <dgm:cxn modelId="{46176A04-9B83-4031-8A19-AFFC0BA6B225}" srcId="{79550698-E5E1-4236-826F-FC9843C59BE4}" destId="{E75C62E8-C86E-4DDF-98BB-95E2925BC518}" srcOrd="3" destOrd="0" parTransId="{4DAD7412-04B0-4A89-A94F-08022B0E7BF4}" sibTransId="{5119C2EA-ED5B-4414-9879-EDC73AA366F9}"/>
-    <dgm:cxn modelId="{E6D2490C-85C7-4EE7-B0A9-D1593D6000FB}" type="presOf" srcId="{D935C3DF-04A6-4603-94DA-B3E8CE33C220}" destId="{6A316665-6D1A-4C54-993C-29BA200DB135}" srcOrd="1" destOrd="0" presId="urn:microsoft.com/office/officeart/2005/8/layout/process5"/>
+    <dgm:cxn modelId="{CE9ED2E9-17CD-4C0B-90EA-1DA1B1E4146B}" type="presOf" srcId="{79550698-E5E1-4236-826F-FC9843C59BE4}" destId="{1DA59C19-2015-4A68-AB5B-CE0E3FB4A72A}" srcOrd="0" destOrd="0" presId="urn:microsoft.com/office/officeart/2005/8/layout/process5"/>
+    <dgm:cxn modelId="{3D603221-1748-475F-B6F6-947A747C9F84}" type="presOf" srcId="{5119C2EA-ED5B-4414-9879-EDC73AA366F9}" destId="{C98B66A3-B538-4755-8E9C-8FBBD957AF3C}" srcOrd="0" destOrd="0" presId="urn:microsoft.com/office/officeart/2005/8/layout/process5"/>
     <dgm:cxn modelId="{B234560F-DCC6-4C2B-912B-3AFC20390007}" srcId="{79550698-E5E1-4236-826F-FC9843C59BE4}" destId="{EDAFAEAD-A953-40D9-8EFB-CB21DD1C3618}" srcOrd="0" destOrd="0" parTransId="{29A47A24-2C5C-4BC0-8F3A-A67CFDA6A61D}" sibTransId="{F98CF3DA-0F5B-4E56-B493-EBFAA66FF6AC}"/>
     <dgm:cxn modelId="{8758221A-91F1-42E7-AFE9-1F78EED6F09D}" type="presOf" srcId="{9DF9B6C0-9ADB-4F96-9762-79685057A34B}" destId="{FEF8AE67-254E-4138-9C61-EDD3879FCBF5}" srcOrd="0" destOrd="0" presId="urn:microsoft.com/office/officeart/2005/8/layout/process5"/>
+    <dgm:cxn modelId="{BDD5BD61-9FE4-462B-BC86-B9D0EBEBC6EB}" type="presOf" srcId="{E75C62E8-C86E-4DDF-98BB-95E2925BC518}" destId="{29E92719-BAF7-4D77-A3C3-AADB5F9AD43A}" srcOrd="0" destOrd="0" presId="urn:microsoft.com/office/officeart/2005/8/layout/process5"/>
+    <dgm:cxn modelId="{F776759B-773D-4B3D-8EA2-171F83E6DC14}" type="presOf" srcId="{F98CF3DA-0F5B-4E56-B493-EBFAA66FF6AC}" destId="{78A3DC04-3497-4902-AF98-68282BC6C03A}" srcOrd="0" destOrd="0" presId="urn:microsoft.com/office/officeart/2005/8/layout/process5"/>
+    <dgm:cxn modelId="{0E5FDC8B-25CF-41DD-B372-6E0D69B82892}" srcId="{79550698-E5E1-4236-826F-FC9843C59BE4}" destId="{DA1B01F4-8B0B-43C5-A4C6-F4619D499AEE}" srcOrd="2" destOrd="0" parTransId="{5F2B4C44-9ED6-4637-A567-DEF526A66C58}" sibTransId="{D935C3DF-04A6-4603-94DA-B3E8CE33C220}"/>
+    <dgm:cxn modelId="{46176A04-9B83-4031-8A19-AFFC0BA6B225}" srcId="{79550698-E5E1-4236-826F-FC9843C59BE4}" destId="{E75C62E8-C86E-4DDF-98BB-95E2925BC518}" srcOrd="3" destOrd="0" parTransId="{4DAD7412-04B0-4A89-A94F-08022B0E7BF4}" sibTransId="{5119C2EA-ED5B-4414-9879-EDC73AA366F9}"/>
+    <dgm:cxn modelId="{190DDE85-AAB0-44D5-953B-EE83E48A88EB}" type="presOf" srcId="{5119C2EA-ED5B-4414-9879-EDC73AA366F9}" destId="{B4BA6359-A867-4DDA-B369-5480781F9223}" srcOrd="1" destOrd="0" presId="urn:microsoft.com/office/officeart/2005/8/layout/process5"/>
+    <dgm:cxn modelId="{B4D0A22C-B13C-4F56-95EF-006BDBB84084}" type="presOf" srcId="{D935C3DF-04A6-4603-94DA-B3E8CE33C220}" destId="{F14C4CE9-8C36-4338-979F-695F59B79844}" srcOrd="0" destOrd="0" presId="urn:microsoft.com/office/officeart/2005/8/layout/process5"/>
+    <dgm:cxn modelId="{3ED7D880-903D-4C65-8B6C-EB95C99BC659}" srcId="{79550698-E5E1-4236-826F-FC9843C59BE4}" destId="{330425D8-D1F4-45F9-B881-6BA4E8C30549}" srcOrd="4" destOrd="0" parTransId="{46F8E9C1-9407-484A-941F-D70E6CC51BB2}" sibTransId="{57B71C3F-0CBD-4B9C-B399-7815E2252CFE}"/>
+    <dgm:cxn modelId="{D00C3BCD-89F9-4CDD-AC44-56D16961CC64}" type="presOf" srcId="{9DF9B6C0-9ADB-4F96-9762-79685057A34B}" destId="{BE3087A1-0449-4776-AB81-EA9893A91C18}" srcOrd="1" destOrd="0" presId="urn:microsoft.com/office/officeart/2005/8/layout/process5"/>
+    <dgm:cxn modelId="{E6D2490C-85C7-4EE7-B0A9-D1593D6000FB}" type="presOf" srcId="{D935C3DF-04A6-4603-94DA-B3E8CE33C220}" destId="{6A316665-6D1A-4C54-993C-29BA200DB135}" srcOrd="1" destOrd="0" presId="urn:microsoft.com/office/officeart/2005/8/layout/process5"/>
+    <dgm:cxn modelId="{871871FA-D726-4604-B478-6CE6B3F2C058}" type="presOf" srcId="{F98CF3DA-0F5B-4E56-B493-EBFAA66FF6AC}" destId="{E7DC1036-F1BE-4C9F-871B-29AEF0003E78}" srcOrd="1" destOrd="0" presId="urn:microsoft.com/office/officeart/2005/8/layout/process5"/>
     <dgm:cxn modelId="{D299961B-1476-4868-B622-AF29845FF321}" type="presOf" srcId="{EDAFAEAD-A953-40D9-8EFB-CB21DD1C3618}" destId="{BC167AEB-6EDA-439B-96BE-07A483E43487}" srcOrd="0" destOrd="0" presId="urn:microsoft.com/office/officeart/2005/8/layout/process5"/>
-    <dgm:cxn modelId="{3D603221-1748-475F-B6F6-947A747C9F84}" type="presOf" srcId="{5119C2EA-ED5B-4414-9879-EDC73AA366F9}" destId="{C98B66A3-B538-4755-8E9C-8FBBD957AF3C}" srcOrd="0" destOrd="0" presId="urn:microsoft.com/office/officeart/2005/8/layout/process5"/>
-    <dgm:cxn modelId="{B4D0A22C-B13C-4F56-95EF-006BDBB84084}" type="presOf" srcId="{D935C3DF-04A6-4603-94DA-B3E8CE33C220}" destId="{F14C4CE9-8C36-4338-979F-695F59B79844}" srcOrd="0" destOrd="0" presId="urn:microsoft.com/office/officeart/2005/8/layout/process5"/>
-    <dgm:cxn modelId="{BDD5BD61-9FE4-462B-BC86-B9D0EBEBC6EB}" type="presOf" srcId="{E75C62E8-C86E-4DDF-98BB-95E2925BC518}" destId="{29E92719-BAF7-4D77-A3C3-AADB5F9AD43A}" srcOrd="0" destOrd="0" presId="urn:microsoft.com/office/officeart/2005/8/layout/process5"/>
-    <dgm:cxn modelId="{3ED7D880-903D-4C65-8B6C-EB95C99BC659}" srcId="{79550698-E5E1-4236-826F-FC9843C59BE4}" destId="{330425D8-D1F4-45F9-B881-6BA4E8C30549}" srcOrd="4" destOrd="0" parTransId="{46F8E9C1-9407-484A-941F-D70E6CC51BB2}" sibTransId="{57B71C3F-0CBD-4B9C-B399-7815E2252CFE}"/>
-    <dgm:cxn modelId="{190DDE85-AAB0-44D5-953B-EE83E48A88EB}" type="presOf" srcId="{5119C2EA-ED5B-4414-9879-EDC73AA366F9}" destId="{B4BA6359-A867-4DDA-B369-5480781F9223}" srcOrd="1" destOrd="0" presId="urn:microsoft.com/office/officeart/2005/8/layout/process5"/>
     <dgm:cxn modelId="{BF91DD89-A4BD-499D-8DD6-CE2329BA5811}" type="presOf" srcId="{330425D8-D1F4-45F9-B881-6BA4E8C30549}" destId="{EE8DAAE9-044C-456D-A7E7-47C43183E8FA}" srcOrd="0" destOrd="0" presId="urn:microsoft.com/office/officeart/2005/8/layout/process5"/>
-    <dgm:cxn modelId="{0E5FDC8B-25CF-41DD-B372-6E0D69B82892}" srcId="{79550698-E5E1-4236-826F-FC9843C59BE4}" destId="{DA1B01F4-8B0B-43C5-A4C6-F4619D499AEE}" srcOrd="2" destOrd="0" parTransId="{5F2B4C44-9ED6-4637-A567-DEF526A66C58}" sibTransId="{D935C3DF-04A6-4603-94DA-B3E8CE33C220}"/>
-    <dgm:cxn modelId="{F776759B-773D-4B3D-8EA2-171F83E6DC14}" type="presOf" srcId="{F98CF3DA-0F5B-4E56-B493-EBFAA66FF6AC}" destId="{78A3DC04-3497-4902-AF98-68282BC6C03A}" srcOrd="0" destOrd="0" presId="urn:microsoft.com/office/officeart/2005/8/layout/process5"/>
     <dgm:cxn modelId="{5AA8E49C-9C60-4B76-B493-BB7745D6CBF8}" srcId="{79550698-E5E1-4236-826F-FC9843C59BE4}" destId="{5DA5B7E1-9B4D-441B-8671-CFE1670B1D47}" srcOrd="1" destOrd="0" parTransId="{53A8F51E-1A7A-47E9-B0D4-BA7C829C9228}" sibTransId="{9DF9B6C0-9ADB-4F96-9762-79685057A34B}"/>
+    <dgm:cxn modelId="{0C57CAC0-4B6F-4D20-9AEF-270B5F0212C5}" type="presOf" srcId="{5DA5B7E1-9B4D-441B-8671-CFE1670B1D47}" destId="{95E11F7A-C38A-4480-9BAE-3842FA5B6BAD}" srcOrd="0" destOrd="0" presId="urn:microsoft.com/office/officeart/2005/8/layout/process5"/>
     <dgm:cxn modelId="{20D770B0-70D2-4933-A568-85475232FDD3}" type="presOf" srcId="{DA1B01F4-8B0B-43C5-A4C6-F4619D499AEE}" destId="{FC588FA0-AA79-428B-8EAA-D7370F1945C1}" srcOrd="0" destOrd="0" presId="urn:microsoft.com/office/officeart/2005/8/layout/process5"/>
-    <dgm:cxn modelId="{0C57CAC0-4B6F-4D20-9AEF-270B5F0212C5}" type="presOf" srcId="{5DA5B7E1-9B4D-441B-8671-CFE1670B1D47}" destId="{95E11F7A-C38A-4480-9BAE-3842FA5B6BAD}" srcOrd="0" destOrd="0" presId="urn:microsoft.com/office/officeart/2005/8/layout/process5"/>
-    <dgm:cxn modelId="{D00C3BCD-89F9-4CDD-AC44-56D16961CC64}" type="presOf" srcId="{9DF9B6C0-9ADB-4F96-9762-79685057A34B}" destId="{BE3087A1-0449-4776-AB81-EA9893A91C18}" srcOrd="1" destOrd="0" presId="urn:microsoft.com/office/officeart/2005/8/layout/process5"/>
-    <dgm:cxn modelId="{CE9ED2E9-17CD-4C0B-90EA-1DA1B1E4146B}" type="presOf" srcId="{79550698-E5E1-4236-826F-FC9843C59BE4}" destId="{1DA59C19-2015-4A68-AB5B-CE0E3FB4A72A}" srcOrd="0" destOrd="0" presId="urn:microsoft.com/office/officeart/2005/8/layout/process5"/>
-    <dgm:cxn modelId="{871871FA-D726-4604-B478-6CE6B3F2C058}" type="presOf" srcId="{F98CF3DA-0F5B-4E56-B493-EBFAA66FF6AC}" destId="{E7DC1036-F1BE-4C9F-871B-29AEF0003E78}" srcOrd="1" destOrd="0" presId="urn:microsoft.com/office/officeart/2005/8/layout/process5"/>
     <dgm:cxn modelId="{6E1F23CD-16D4-47B0-AFE9-96AD640DFF00}" type="presParOf" srcId="{1DA59C19-2015-4A68-AB5B-CE0E3FB4A72A}" destId="{BC167AEB-6EDA-439B-96BE-07A483E43487}" srcOrd="0" destOrd="0" presId="urn:microsoft.com/office/officeart/2005/8/layout/process5"/>
     <dgm:cxn modelId="{A8A18762-F296-404B-B88D-06512E47FE1C}" type="presParOf" srcId="{1DA59C19-2015-4A68-AB5B-CE0E3FB4A72A}" destId="{78A3DC04-3497-4902-AF98-68282BC6C03A}" srcOrd="1" destOrd="0" presId="urn:microsoft.com/office/officeart/2005/8/layout/process5"/>
     <dgm:cxn modelId="{CF34BD4F-43D3-43E6-8723-4BFEFF0FF74D}" type="presParOf" srcId="{78A3DC04-3497-4902-AF98-68282BC6C03A}" destId="{E7DC1036-F1BE-4C9F-871B-29AEF0003E78}" srcOrd="0" destOrd="0" presId="urn:microsoft.com/office/officeart/2005/8/layout/process5"/>
@@ -2144,6 +2242,13 @@
         </dgm:presLayoutVars>
       </dgm:prSet>
       <dgm:spPr/>
+      <dgm:t>
+        <a:bodyPr/>
+        <a:lstStyle/>
+        <a:p>
+          <a:endParaRPr lang="en-US"/>
+        </a:p>
+      </dgm:t>
     </dgm:pt>
     <dgm:pt modelId="{DF71B0B5-F1F5-4037-9A3E-DB772AE969DD}" type="pres">
       <dgm:prSet presAssocID="{FF4DF19A-FCDF-4319-87B8-58D2FC6B82B0}" presName="node" presStyleLbl="node1" presStyleIdx="0" presStyleCnt="5">
@@ -2152,14 +2257,35 @@
         </dgm:presLayoutVars>
       </dgm:prSet>
       <dgm:spPr/>
+      <dgm:t>
+        <a:bodyPr/>
+        <a:lstStyle/>
+        <a:p>
+          <a:endParaRPr lang="en-US"/>
+        </a:p>
+      </dgm:t>
     </dgm:pt>
     <dgm:pt modelId="{FB522A7B-EB00-4BF4-B524-962474973FDB}" type="pres">
       <dgm:prSet presAssocID="{8EDC1B79-E251-4ABF-BDCF-32D39A02632B}" presName="sibTrans" presStyleLbl="sibTrans2D1" presStyleIdx="0" presStyleCnt="4"/>
       <dgm:spPr/>
+      <dgm:t>
+        <a:bodyPr/>
+        <a:lstStyle/>
+        <a:p>
+          <a:endParaRPr lang="en-US"/>
+        </a:p>
+      </dgm:t>
     </dgm:pt>
     <dgm:pt modelId="{EE7757F6-B714-4AA4-ABB6-9E91B712416B}" type="pres">
       <dgm:prSet presAssocID="{8EDC1B79-E251-4ABF-BDCF-32D39A02632B}" presName="connectorText" presStyleLbl="sibTrans2D1" presStyleIdx="0" presStyleCnt="4"/>
       <dgm:spPr/>
+      <dgm:t>
+        <a:bodyPr/>
+        <a:lstStyle/>
+        <a:p>
+          <a:endParaRPr lang="en-US"/>
+        </a:p>
+      </dgm:t>
     </dgm:pt>
     <dgm:pt modelId="{3A759FEB-66EA-4934-8F5C-9D882CCAFFAB}" type="pres">
       <dgm:prSet presAssocID="{2545D250-BFD5-481F-BA1D-7BEF6BBF1427}" presName="node" presStyleLbl="node1" presStyleIdx="1" presStyleCnt="5">
@@ -2168,6 +2294,13 @@
         </dgm:presLayoutVars>
       </dgm:prSet>
       <dgm:spPr/>
+      <dgm:t>
+        <a:bodyPr/>
+        <a:lstStyle/>
+        <a:p>
+          <a:endParaRPr lang="en-US"/>
+        </a:p>
+      </dgm:t>
     </dgm:pt>
     <dgm:pt modelId="{97821F69-0B45-448C-8E8A-AC4B1E272707}" type="pres">
       <dgm:prSet presAssocID="{12D9B701-D2CD-464B-9D29-BAC82825D3CD}" presName="sibTrans" presStyleLbl="sibTrans2D1" presStyleIdx="1" presStyleCnt="4" custScaleX="191334"/>
@@ -2176,10 +2309,24 @@
           <a:avLst/>
         </a:prstGeom>
       </dgm:spPr>
+      <dgm:t>
+        <a:bodyPr/>
+        <a:lstStyle/>
+        <a:p>
+          <a:endParaRPr lang="en-US"/>
+        </a:p>
+      </dgm:t>
     </dgm:pt>
     <dgm:pt modelId="{FC04ADFA-67FA-4BC8-A7D8-70E550CB8A67}" type="pres">
       <dgm:prSet presAssocID="{12D9B701-D2CD-464B-9D29-BAC82825D3CD}" presName="connectorText" presStyleLbl="sibTrans2D1" presStyleIdx="1" presStyleCnt="4"/>
       <dgm:spPr/>
+      <dgm:t>
+        <a:bodyPr/>
+        <a:lstStyle/>
+        <a:p>
+          <a:endParaRPr lang="en-US"/>
+        </a:p>
+      </dgm:t>
     </dgm:pt>
     <dgm:pt modelId="{5F0E0E36-B9D5-411F-A2EE-4A9D831C3336}" type="pres">
       <dgm:prSet presAssocID="{764764F7-A762-4109-B812-E29F8A565B9D}" presName="node" presStyleLbl="node1" presStyleIdx="2" presStyleCnt="5" custScaleX="110335">
@@ -2188,6 +2335,13 @@
         </dgm:presLayoutVars>
       </dgm:prSet>
       <dgm:spPr/>
+      <dgm:t>
+        <a:bodyPr/>
+        <a:lstStyle/>
+        <a:p>
+          <a:endParaRPr lang="en-US"/>
+        </a:p>
+      </dgm:t>
     </dgm:pt>
     <dgm:pt modelId="{E4AC00EC-9833-426E-AF4D-E6ACF6FAC684}" type="pres">
       <dgm:prSet presAssocID="{54B9D642-A167-49B2-B247-39C75D612B7E}" presName="sibTrans" presStyleLbl="sibTrans2D1" presStyleIdx="2" presStyleCnt="4" custScaleX="189725"/>
@@ -2196,10 +2350,24 @@
           <a:avLst/>
         </a:prstGeom>
       </dgm:spPr>
+      <dgm:t>
+        <a:bodyPr/>
+        <a:lstStyle/>
+        <a:p>
+          <a:endParaRPr lang="en-US"/>
+        </a:p>
+      </dgm:t>
     </dgm:pt>
     <dgm:pt modelId="{B61DA4DE-C906-4EF6-AFBD-6841F91C0EC5}" type="pres">
       <dgm:prSet presAssocID="{54B9D642-A167-49B2-B247-39C75D612B7E}" presName="connectorText" presStyleLbl="sibTrans2D1" presStyleIdx="2" presStyleCnt="4"/>
       <dgm:spPr/>
+      <dgm:t>
+        <a:bodyPr/>
+        <a:lstStyle/>
+        <a:p>
+          <a:endParaRPr lang="en-US"/>
+        </a:p>
+      </dgm:t>
     </dgm:pt>
     <dgm:pt modelId="{440967BF-7E77-4A6F-AD1B-25AC45CD6984}" type="pres">
       <dgm:prSet presAssocID="{45A47992-5E65-49C5-8D70-7678C1439A23}" presName="node" presStyleLbl="node1" presStyleIdx="3" presStyleCnt="5">
@@ -2208,14 +2376,35 @@
         </dgm:presLayoutVars>
       </dgm:prSet>
       <dgm:spPr/>
+      <dgm:t>
+        <a:bodyPr/>
+        <a:lstStyle/>
+        <a:p>
+          <a:endParaRPr lang="en-US"/>
+        </a:p>
+      </dgm:t>
     </dgm:pt>
     <dgm:pt modelId="{B2F8FA17-094F-42A5-95F0-2A5CC0E058D0}" type="pres">
       <dgm:prSet presAssocID="{EEC904FD-F7BE-4A92-88CF-F406158E05A6}" presName="sibTrans" presStyleLbl="sibTrans2D1" presStyleIdx="3" presStyleCnt="4"/>
       <dgm:spPr/>
+      <dgm:t>
+        <a:bodyPr/>
+        <a:lstStyle/>
+        <a:p>
+          <a:endParaRPr lang="en-US"/>
+        </a:p>
+      </dgm:t>
     </dgm:pt>
     <dgm:pt modelId="{9EDB90A7-E885-447F-927A-7F256777EA5C}" type="pres">
       <dgm:prSet presAssocID="{EEC904FD-F7BE-4A92-88CF-F406158E05A6}" presName="connectorText" presStyleLbl="sibTrans2D1" presStyleIdx="3" presStyleCnt="4"/>
       <dgm:spPr/>
+      <dgm:t>
+        <a:bodyPr/>
+        <a:lstStyle/>
+        <a:p>
+          <a:endParaRPr lang="en-US"/>
+        </a:p>
+      </dgm:t>
     </dgm:pt>
     <dgm:pt modelId="{CB515CC1-4F4E-406F-AAA9-F02F78BD4112}" type="pres">
       <dgm:prSet presAssocID="{F7BA1A21-A494-47FA-9D2E-53C350DDDAB5}" presName="node" presStyleLbl="node1" presStyleIdx="4" presStyleCnt="5">
@@ -2224,28 +2413,35 @@
         </dgm:presLayoutVars>
       </dgm:prSet>
       <dgm:spPr/>
+      <dgm:t>
+        <a:bodyPr/>
+        <a:lstStyle/>
+        <a:p>
+          <a:endParaRPr lang="en-US"/>
+        </a:p>
+      </dgm:t>
     </dgm:pt>
   </dgm:ptLst>
   <dgm:cxnLst>
+    <dgm:cxn modelId="{81E6054F-581D-4130-9A03-A9EFBD721B96}" type="presOf" srcId="{8EDC1B79-E251-4ABF-BDCF-32D39A02632B}" destId="{FB522A7B-EB00-4BF4-B524-962474973FDB}" srcOrd="0" destOrd="0" presId="urn:microsoft.com/office/officeart/2005/8/layout/process5"/>
+    <dgm:cxn modelId="{C7CC93FE-6621-458F-BAF9-0C149D2504AB}" type="presOf" srcId="{2545D250-BFD5-481F-BA1D-7BEF6BBF1427}" destId="{3A759FEB-66EA-4934-8F5C-9D882CCAFFAB}" srcOrd="0" destOrd="0" presId="urn:microsoft.com/office/officeart/2005/8/layout/process5"/>
+    <dgm:cxn modelId="{4667DE7C-36A2-46B5-B22B-19713C6FC003}" srcId="{9A8C17B2-EF29-4D75-BBE0-BDB76371A160}" destId="{764764F7-A762-4109-B812-E29F8A565B9D}" srcOrd="2" destOrd="0" parTransId="{776AF645-BCB2-406B-AC77-246336B5C8D8}" sibTransId="{54B9D642-A167-49B2-B247-39C75D612B7E}"/>
+    <dgm:cxn modelId="{239B11AC-C12E-4289-9C6C-8B79A7482D7A}" srcId="{9A8C17B2-EF29-4D75-BBE0-BDB76371A160}" destId="{FF4DF19A-FCDF-4319-87B8-58D2FC6B82B0}" srcOrd="0" destOrd="0" parTransId="{C97EC9C2-5F3A-4D20-A5CF-A2CF9599BC65}" sibTransId="{8EDC1B79-E251-4ABF-BDCF-32D39A02632B}"/>
+    <dgm:cxn modelId="{8E8996CE-0A38-4B0D-BD9A-5AD6E05C838D}" type="presOf" srcId="{9A8C17B2-EF29-4D75-BBE0-BDB76371A160}" destId="{66BDE385-0E61-4B15-8EBE-069F767CD3F8}" srcOrd="0" destOrd="0" presId="urn:microsoft.com/office/officeart/2005/8/layout/process5"/>
+    <dgm:cxn modelId="{4F7AB6B1-35EE-47DE-AC7B-3C66BBA3260B}" srcId="{9A8C17B2-EF29-4D75-BBE0-BDB76371A160}" destId="{F7BA1A21-A494-47FA-9D2E-53C350DDDAB5}" srcOrd="4" destOrd="0" parTransId="{8D1F684F-DEFD-44A5-A776-F0FAA9CC2A98}" sibTransId="{7E216E5F-152A-41FF-B069-CEE7A9F8FA39}"/>
+    <dgm:cxn modelId="{477BAD32-D9E3-4266-AA84-2E6BBD4239BC}" type="presOf" srcId="{EEC904FD-F7BE-4A92-88CF-F406158E05A6}" destId="{9EDB90A7-E885-447F-927A-7F256777EA5C}" srcOrd="1" destOrd="0" presId="urn:microsoft.com/office/officeart/2005/8/layout/process5"/>
+    <dgm:cxn modelId="{D0A8FF8F-14A0-4142-B9C0-DABB360E769B}" type="presOf" srcId="{EEC904FD-F7BE-4A92-88CF-F406158E05A6}" destId="{B2F8FA17-094F-42A5-95F0-2A5CC0E058D0}" srcOrd="0" destOrd="0" presId="urn:microsoft.com/office/officeart/2005/8/layout/process5"/>
+    <dgm:cxn modelId="{4CD0F675-7979-4C1C-BE89-8EB01166A73A}" type="presOf" srcId="{12D9B701-D2CD-464B-9D29-BAC82825D3CD}" destId="{FC04ADFA-67FA-4BC8-A7D8-70E550CB8A67}" srcOrd="1" destOrd="0" presId="urn:microsoft.com/office/officeart/2005/8/layout/process5"/>
+    <dgm:cxn modelId="{38FD3045-0C0B-41D4-B710-D8390DC9D886}" type="presOf" srcId="{12D9B701-D2CD-464B-9D29-BAC82825D3CD}" destId="{97821F69-0B45-448C-8E8A-AC4B1E272707}" srcOrd="0" destOrd="0" presId="urn:microsoft.com/office/officeart/2005/8/layout/process5"/>
+    <dgm:cxn modelId="{88CD6971-C527-4572-83B8-549BC10E215F}" type="presOf" srcId="{764764F7-A762-4109-B812-E29F8A565B9D}" destId="{5F0E0E36-B9D5-411F-A2EE-4A9D831C3336}" srcOrd="0" destOrd="0" presId="urn:microsoft.com/office/officeart/2005/8/layout/process5"/>
+    <dgm:cxn modelId="{3ECA749E-D478-47F8-BD7F-3E34DCB33EB9}" type="presOf" srcId="{F7BA1A21-A494-47FA-9D2E-53C350DDDAB5}" destId="{CB515CC1-4F4E-406F-AAA9-F02F78BD4112}" srcOrd="0" destOrd="0" presId="urn:microsoft.com/office/officeart/2005/8/layout/process5"/>
+    <dgm:cxn modelId="{622AFF4E-70E3-4700-85D5-9BA48A8973CB}" type="presOf" srcId="{54B9D642-A167-49B2-B247-39C75D612B7E}" destId="{E4AC00EC-9833-426E-AF4D-E6ACF6FAC684}" srcOrd="0" destOrd="0" presId="urn:microsoft.com/office/officeart/2005/8/layout/process5"/>
+    <dgm:cxn modelId="{8EB3D031-B447-4FFB-972C-6FFE5FF31DFB}" type="presOf" srcId="{54B9D642-A167-49B2-B247-39C75D612B7E}" destId="{B61DA4DE-C906-4EF6-AFBD-6841F91C0EC5}" srcOrd="1" destOrd="0" presId="urn:microsoft.com/office/officeart/2005/8/layout/process5"/>
+    <dgm:cxn modelId="{874C1826-7151-4951-A688-7C8E06E53DC9}" srcId="{9A8C17B2-EF29-4D75-BBE0-BDB76371A160}" destId="{2545D250-BFD5-481F-BA1D-7BEF6BBF1427}" srcOrd="1" destOrd="0" parTransId="{6A730C6B-D8C0-4050-A29C-3C0D1EFDFD99}" sibTransId="{12D9B701-D2CD-464B-9D29-BAC82825D3CD}"/>
     <dgm:cxn modelId="{F003761A-CA9C-4AC4-9BAE-E32D864BC96C}" type="presOf" srcId="{45A47992-5E65-49C5-8D70-7678C1439A23}" destId="{440967BF-7E77-4A6F-AD1B-25AC45CD6984}" srcOrd="0" destOrd="0" presId="urn:microsoft.com/office/officeart/2005/8/layout/process5"/>
-    <dgm:cxn modelId="{874C1826-7151-4951-A688-7C8E06E53DC9}" srcId="{9A8C17B2-EF29-4D75-BBE0-BDB76371A160}" destId="{2545D250-BFD5-481F-BA1D-7BEF6BBF1427}" srcOrd="1" destOrd="0" parTransId="{6A730C6B-D8C0-4050-A29C-3C0D1EFDFD99}" sibTransId="{12D9B701-D2CD-464B-9D29-BAC82825D3CD}"/>
-    <dgm:cxn modelId="{8EB3D031-B447-4FFB-972C-6FFE5FF31DFB}" type="presOf" srcId="{54B9D642-A167-49B2-B247-39C75D612B7E}" destId="{B61DA4DE-C906-4EF6-AFBD-6841F91C0EC5}" srcOrd="1" destOrd="0" presId="urn:microsoft.com/office/officeart/2005/8/layout/process5"/>
-    <dgm:cxn modelId="{477BAD32-D9E3-4266-AA84-2E6BBD4239BC}" type="presOf" srcId="{EEC904FD-F7BE-4A92-88CF-F406158E05A6}" destId="{9EDB90A7-E885-447F-927A-7F256777EA5C}" srcOrd="1" destOrd="0" presId="urn:microsoft.com/office/officeart/2005/8/layout/process5"/>
+    <dgm:cxn modelId="{6D4FA3E7-D04C-45E8-8586-BCFA392A3E46}" srcId="{9A8C17B2-EF29-4D75-BBE0-BDB76371A160}" destId="{45A47992-5E65-49C5-8D70-7678C1439A23}" srcOrd="3" destOrd="0" parTransId="{090C0F8C-868D-40FD-8072-041A136D9133}" sibTransId="{EEC904FD-F7BE-4A92-88CF-F406158E05A6}"/>
     <dgm:cxn modelId="{0497E535-2965-4F3D-A3E3-90F47B42135A}" type="presOf" srcId="{FF4DF19A-FCDF-4319-87B8-58D2FC6B82B0}" destId="{DF71B0B5-F1F5-4037-9A3E-DB772AE969DD}" srcOrd="0" destOrd="0" presId="urn:microsoft.com/office/officeart/2005/8/layout/process5"/>
-    <dgm:cxn modelId="{38FD3045-0C0B-41D4-B710-D8390DC9D886}" type="presOf" srcId="{12D9B701-D2CD-464B-9D29-BAC82825D3CD}" destId="{97821F69-0B45-448C-8E8A-AC4B1E272707}" srcOrd="0" destOrd="0" presId="urn:microsoft.com/office/officeart/2005/8/layout/process5"/>
-    <dgm:cxn modelId="{622AFF4E-70E3-4700-85D5-9BA48A8973CB}" type="presOf" srcId="{54B9D642-A167-49B2-B247-39C75D612B7E}" destId="{E4AC00EC-9833-426E-AF4D-E6ACF6FAC684}" srcOrd="0" destOrd="0" presId="urn:microsoft.com/office/officeart/2005/8/layout/process5"/>
-    <dgm:cxn modelId="{81E6054F-581D-4130-9A03-A9EFBD721B96}" type="presOf" srcId="{8EDC1B79-E251-4ABF-BDCF-32D39A02632B}" destId="{FB522A7B-EB00-4BF4-B524-962474973FDB}" srcOrd="0" destOrd="0" presId="urn:microsoft.com/office/officeart/2005/8/layout/process5"/>
-    <dgm:cxn modelId="{88CD6971-C527-4572-83B8-549BC10E215F}" type="presOf" srcId="{764764F7-A762-4109-B812-E29F8A565B9D}" destId="{5F0E0E36-B9D5-411F-A2EE-4A9D831C3336}" srcOrd="0" destOrd="0" presId="urn:microsoft.com/office/officeart/2005/8/layout/process5"/>
-    <dgm:cxn modelId="{4CD0F675-7979-4C1C-BE89-8EB01166A73A}" type="presOf" srcId="{12D9B701-D2CD-464B-9D29-BAC82825D3CD}" destId="{FC04ADFA-67FA-4BC8-A7D8-70E550CB8A67}" srcOrd="1" destOrd="0" presId="urn:microsoft.com/office/officeart/2005/8/layout/process5"/>
-    <dgm:cxn modelId="{4667DE7C-36A2-46B5-B22B-19713C6FC003}" srcId="{9A8C17B2-EF29-4D75-BBE0-BDB76371A160}" destId="{764764F7-A762-4109-B812-E29F8A565B9D}" srcOrd="2" destOrd="0" parTransId="{776AF645-BCB2-406B-AC77-246336B5C8D8}" sibTransId="{54B9D642-A167-49B2-B247-39C75D612B7E}"/>
-    <dgm:cxn modelId="{D0A8FF8F-14A0-4142-B9C0-DABB360E769B}" type="presOf" srcId="{EEC904FD-F7BE-4A92-88CF-F406158E05A6}" destId="{B2F8FA17-094F-42A5-95F0-2A5CC0E058D0}" srcOrd="0" destOrd="0" presId="urn:microsoft.com/office/officeart/2005/8/layout/process5"/>
-    <dgm:cxn modelId="{3ECA749E-D478-47F8-BD7F-3E34DCB33EB9}" type="presOf" srcId="{F7BA1A21-A494-47FA-9D2E-53C350DDDAB5}" destId="{CB515CC1-4F4E-406F-AAA9-F02F78BD4112}" srcOrd="0" destOrd="0" presId="urn:microsoft.com/office/officeart/2005/8/layout/process5"/>
     <dgm:cxn modelId="{18129BAB-42EB-42E7-92C9-F36CCCF12000}" type="presOf" srcId="{8EDC1B79-E251-4ABF-BDCF-32D39A02632B}" destId="{EE7757F6-B714-4AA4-ABB6-9E91B712416B}" srcOrd="1" destOrd="0" presId="urn:microsoft.com/office/officeart/2005/8/layout/process5"/>
-    <dgm:cxn modelId="{239B11AC-C12E-4289-9C6C-8B79A7482D7A}" srcId="{9A8C17B2-EF29-4D75-BBE0-BDB76371A160}" destId="{FF4DF19A-FCDF-4319-87B8-58D2FC6B82B0}" srcOrd="0" destOrd="0" parTransId="{C97EC9C2-5F3A-4D20-A5CF-A2CF9599BC65}" sibTransId="{8EDC1B79-E251-4ABF-BDCF-32D39A02632B}"/>
-    <dgm:cxn modelId="{4F7AB6B1-35EE-47DE-AC7B-3C66BBA3260B}" srcId="{9A8C17B2-EF29-4D75-BBE0-BDB76371A160}" destId="{F7BA1A21-A494-47FA-9D2E-53C350DDDAB5}" srcOrd="4" destOrd="0" parTransId="{8D1F684F-DEFD-44A5-A776-F0FAA9CC2A98}" sibTransId="{7E216E5F-152A-41FF-B069-CEE7A9F8FA39}"/>
-    <dgm:cxn modelId="{8E8996CE-0A38-4B0D-BD9A-5AD6E05C838D}" type="presOf" srcId="{9A8C17B2-EF29-4D75-BBE0-BDB76371A160}" destId="{66BDE385-0E61-4B15-8EBE-069F767CD3F8}" srcOrd="0" destOrd="0" presId="urn:microsoft.com/office/officeart/2005/8/layout/process5"/>
-    <dgm:cxn modelId="{6D4FA3E7-D04C-45E8-8586-BCFA392A3E46}" srcId="{9A8C17B2-EF29-4D75-BBE0-BDB76371A160}" destId="{45A47992-5E65-49C5-8D70-7678C1439A23}" srcOrd="3" destOrd="0" parTransId="{090C0F8C-868D-40FD-8072-041A136D9133}" sibTransId="{EEC904FD-F7BE-4A92-88CF-F406158E05A6}"/>
-    <dgm:cxn modelId="{C7CC93FE-6621-458F-BAF9-0C149D2504AB}" type="presOf" srcId="{2545D250-BFD5-481F-BA1D-7BEF6BBF1427}" destId="{3A759FEB-66EA-4934-8F5C-9D882CCAFFAB}" srcOrd="0" destOrd="0" presId="urn:microsoft.com/office/officeart/2005/8/layout/process5"/>
     <dgm:cxn modelId="{673EB01B-B5C0-45F3-B81F-938D518F60B5}" type="presParOf" srcId="{66BDE385-0E61-4B15-8EBE-069F767CD3F8}" destId="{DF71B0B5-F1F5-4037-9A3E-DB772AE969DD}" srcOrd="0" destOrd="0" presId="urn:microsoft.com/office/officeart/2005/8/layout/process5"/>
     <dgm:cxn modelId="{5A47608E-41A5-4029-B8D0-7B68E49149EA}" type="presParOf" srcId="{66BDE385-0E61-4B15-8EBE-069F767CD3F8}" destId="{FB522A7B-EB00-4BF4-B524-962474973FDB}" srcOrd="1" destOrd="0" presId="urn:microsoft.com/office/officeart/2005/8/layout/process5"/>
     <dgm:cxn modelId="{B209CEC7-CFEB-49D1-8992-6AA17F2A52B8}" type="presParOf" srcId="{FB522A7B-EB00-4BF4-B524-962474973FDB}" destId="{EE7757F6-B714-4AA4-ABB6-9E91B712416B}" srcOrd="0" destOrd="0" presId="urn:microsoft.com/office/officeart/2005/8/layout/process5"/>
@@ -2358,7 +2554,7 @@
         </a:bodyPr>
         <a:lstStyle/>
         <a:p>
-          <a:pPr marL="0" lvl="0" indent="0" algn="ctr" defTabSz="977900">
+          <a:pPr lvl="0" algn="ctr" defTabSz="977900">
             <a:lnSpc>
               <a:spcPct val="90000"/>
             </a:lnSpc>
@@ -2368,7 +2564,6 @@
             <a:spcAft>
               <a:spcPct val="35000"/>
             </a:spcAft>
-            <a:buNone/>
           </a:pPr>
           <a:r>
             <a:rPr lang="en-IN" sz="2200" kern="1200" dirty="0"/>
@@ -2445,7 +2640,7 @@
         </a:bodyPr>
         <a:lstStyle/>
         <a:p>
-          <a:pPr marL="0" lvl="0" indent="0" algn="ctr" defTabSz="755650">
+          <a:pPr lvl="0" algn="ctr" defTabSz="755650">
             <a:lnSpc>
               <a:spcPct val="90000"/>
             </a:lnSpc>
@@ -2455,7 +2650,6 @@
             <a:spcAft>
               <a:spcPct val="35000"/>
             </a:spcAft>
-            <a:buNone/>
           </a:pPr>
           <a:endParaRPr lang="en-IN" sz="1700" kern="1200"/>
         </a:p>
@@ -2543,7 +2737,7 @@
         </a:bodyPr>
         <a:lstStyle/>
         <a:p>
-          <a:pPr marL="0" lvl="0" indent="0" algn="ctr" defTabSz="977900">
+          <a:pPr lvl="0" algn="ctr" defTabSz="977900">
             <a:lnSpc>
               <a:spcPct val="90000"/>
             </a:lnSpc>
@@ -2553,7 +2747,6 @@
             <a:spcAft>
               <a:spcPct val="35000"/>
             </a:spcAft>
-            <a:buNone/>
           </a:pPr>
           <a:r>
             <a:rPr lang="en-IN" sz="2200" kern="1200" dirty="0"/>
@@ -2627,7 +2820,7 @@
         </a:bodyPr>
         <a:lstStyle/>
         <a:p>
-          <a:pPr marL="0" lvl="0" indent="0" algn="ctr" defTabSz="933450">
+          <a:pPr lvl="0" algn="ctr" defTabSz="933450">
             <a:lnSpc>
               <a:spcPct val="90000"/>
             </a:lnSpc>
@@ -2637,7 +2830,6 @@
             <a:spcAft>
               <a:spcPct val="35000"/>
             </a:spcAft>
-            <a:buNone/>
           </a:pPr>
           <a:endParaRPr lang="en-IN" sz="2100" kern="1200"/>
         </a:p>
@@ -2725,7 +2917,7 @@
         </a:bodyPr>
         <a:lstStyle/>
         <a:p>
-          <a:pPr marL="0" lvl="0" indent="0" algn="ctr" defTabSz="1200150">
+          <a:pPr lvl="0" algn="ctr" defTabSz="1200150">
             <a:lnSpc>
               <a:spcPct val="90000"/>
             </a:lnSpc>
@@ -2735,7 +2927,6 @@
             <a:spcAft>
               <a:spcPct val="35000"/>
             </a:spcAft>
-            <a:buNone/>
           </a:pPr>
           <a:r>
             <a:rPr lang="en-IN" sz="2700" kern="1200" dirty="0"/>
@@ -2812,7 +3003,7 @@
         </a:bodyPr>
         <a:lstStyle/>
         <a:p>
-          <a:pPr marL="0" lvl="0" indent="0" algn="ctr" defTabSz="755650">
+          <a:pPr lvl="0" algn="ctr" defTabSz="755650">
             <a:lnSpc>
               <a:spcPct val="90000"/>
             </a:lnSpc>
@@ -2822,7 +3013,6 @@
             <a:spcAft>
               <a:spcPct val="35000"/>
             </a:spcAft>
-            <a:buNone/>
           </a:pPr>
           <a:endParaRPr lang="en-IN" sz="1700" kern="1200"/>
         </a:p>
@@ -2910,7 +3100,7 @@
         </a:bodyPr>
         <a:lstStyle/>
         <a:p>
-          <a:pPr marL="0" lvl="0" indent="0" algn="ctr" defTabSz="977900">
+          <a:pPr lvl="0" algn="ctr" defTabSz="977900">
             <a:lnSpc>
               <a:spcPct val="90000"/>
             </a:lnSpc>
@@ -2920,7 +3110,6 @@
             <a:spcAft>
               <a:spcPct val="35000"/>
             </a:spcAft>
-            <a:buNone/>
           </a:pPr>
           <a:r>
             <a:rPr lang="en-US" sz="2200" kern="1200" dirty="0"/>
@@ -2997,7 +3186,7 @@
         </a:bodyPr>
         <a:lstStyle/>
         <a:p>
-          <a:pPr marL="0" lvl="0" indent="0" algn="ctr" defTabSz="666750">
+          <a:pPr lvl="0" algn="ctr" defTabSz="666750">
             <a:lnSpc>
               <a:spcPct val="90000"/>
             </a:lnSpc>
@@ -3007,7 +3196,6 @@
             <a:spcAft>
               <a:spcPct val="35000"/>
             </a:spcAft>
-            <a:buNone/>
           </a:pPr>
           <a:endParaRPr lang="en-US" sz="1500" kern="1200"/>
         </a:p>
@@ -3095,7 +3283,7 @@
         </a:bodyPr>
         <a:lstStyle/>
         <a:p>
-          <a:pPr marL="0" lvl="0" indent="0" algn="ctr" defTabSz="1200150">
+          <a:pPr lvl="0" algn="ctr" defTabSz="1200150">
             <a:lnSpc>
               <a:spcPct val="90000"/>
             </a:lnSpc>
@@ -3105,7 +3293,6 @@
             <a:spcAft>
               <a:spcPct val="35000"/>
             </a:spcAft>
-            <a:buNone/>
           </a:pPr>
           <a:r>
             <a:rPr lang="en-IN" sz="2700" kern="1200" dirty="0"/>
@@ -3208,7 +3395,7 @@
         </a:bodyPr>
         <a:lstStyle/>
         <a:p>
-          <a:pPr marL="0" lvl="0" indent="0" algn="ctr" defTabSz="977900">
+          <a:pPr lvl="0" algn="ctr" defTabSz="977900">
             <a:lnSpc>
               <a:spcPct val="90000"/>
             </a:lnSpc>
@@ -3218,7 +3405,6 @@
             <a:spcAft>
               <a:spcPct val="35000"/>
             </a:spcAft>
-            <a:buNone/>
           </a:pPr>
           <a:r>
             <a:rPr lang="en-IN" sz="2200" kern="1200" dirty="0"/>
@@ -3295,7 +3481,7 @@
         </a:bodyPr>
         <a:lstStyle/>
         <a:p>
-          <a:pPr marL="0" lvl="0" indent="0" algn="ctr" defTabSz="977900">
+          <a:pPr lvl="0" algn="ctr" defTabSz="977900">
             <a:lnSpc>
               <a:spcPct val="90000"/>
             </a:lnSpc>
@@ -3305,7 +3491,6 @@
             <a:spcAft>
               <a:spcPct val="35000"/>
             </a:spcAft>
-            <a:buNone/>
           </a:pPr>
           <a:endParaRPr lang="en-IN" sz="2200" kern="1200"/>
         </a:p>
@@ -3393,7 +3578,7 @@
         </a:bodyPr>
         <a:lstStyle/>
         <a:p>
-          <a:pPr marL="0" lvl="0" indent="0" algn="ctr" defTabSz="977900">
+          <a:pPr lvl="0" algn="ctr" defTabSz="977900">
             <a:lnSpc>
               <a:spcPct val="90000"/>
             </a:lnSpc>
@@ -3403,7 +3588,6 @@
             <a:spcAft>
               <a:spcPct val="35000"/>
             </a:spcAft>
-            <a:buNone/>
           </a:pPr>
           <a:r>
             <a:rPr lang="en-IN" sz="2200" kern="1200" dirty="0"/>
@@ -3477,7 +3661,7 @@
         </a:bodyPr>
         <a:lstStyle/>
         <a:p>
-          <a:pPr marL="0" lvl="0" indent="0" algn="ctr" defTabSz="977900">
+          <a:pPr lvl="0" algn="ctr" defTabSz="977900">
             <a:lnSpc>
               <a:spcPct val="90000"/>
             </a:lnSpc>
@@ -3487,7 +3671,6 @@
             <a:spcAft>
               <a:spcPct val="35000"/>
             </a:spcAft>
-            <a:buNone/>
           </a:pPr>
           <a:endParaRPr lang="en-IN" sz="2200" kern="1200"/>
         </a:p>
@@ -3575,7 +3758,7 @@
         </a:bodyPr>
         <a:lstStyle/>
         <a:p>
-          <a:pPr marL="0" lvl="0" indent="0" algn="ctr" defTabSz="977900">
+          <a:pPr lvl="0" algn="ctr" defTabSz="977900">
             <a:lnSpc>
               <a:spcPct val="90000"/>
             </a:lnSpc>
@@ -3585,7 +3768,6 @@
             <a:spcAft>
               <a:spcPct val="35000"/>
             </a:spcAft>
-            <a:buNone/>
           </a:pPr>
           <a:r>
             <a:rPr lang="en-IN" sz="2200" kern="1200" dirty="0"/>
@@ -3659,7 +3841,7 @@
         </a:bodyPr>
         <a:lstStyle/>
         <a:p>
-          <a:pPr marL="0" lvl="0" indent="0" algn="ctr" defTabSz="977900">
+          <a:pPr lvl="0" algn="ctr" defTabSz="977900">
             <a:lnSpc>
               <a:spcPct val="90000"/>
             </a:lnSpc>
@@ -3669,7 +3851,6 @@
             <a:spcAft>
               <a:spcPct val="35000"/>
             </a:spcAft>
-            <a:buNone/>
           </a:pPr>
           <a:endParaRPr lang="en-IN" sz="2200" kern="1200"/>
         </a:p>
@@ -3757,7 +3938,7 @@
         </a:bodyPr>
         <a:lstStyle/>
         <a:p>
-          <a:pPr marL="0" lvl="0" indent="0" algn="ctr" defTabSz="977900">
+          <a:pPr lvl="0" algn="ctr" defTabSz="977900">
             <a:lnSpc>
               <a:spcPct val="90000"/>
             </a:lnSpc>
@@ -3767,7 +3948,6 @@
             <a:spcAft>
               <a:spcPct val="35000"/>
             </a:spcAft>
-            <a:buNone/>
           </a:pPr>
           <a:r>
             <a:rPr lang="en-IN" sz="2200" kern="1200" dirty="0"/>
@@ -3844,7 +4024,7 @@
         </a:bodyPr>
         <a:lstStyle/>
         <a:p>
-          <a:pPr marL="0" lvl="0" indent="0" algn="ctr" defTabSz="977900">
+          <a:pPr lvl="0" algn="ctr" defTabSz="977900">
             <a:lnSpc>
               <a:spcPct val="90000"/>
             </a:lnSpc>
@@ -3854,7 +4034,6 @@
             <a:spcAft>
               <a:spcPct val="35000"/>
             </a:spcAft>
-            <a:buNone/>
           </a:pPr>
           <a:endParaRPr lang="en-IN" sz="2200" kern="1200"/>
         </a:p>
@@ -3942,7 +4121,7 @@
         </a:bodyPr>
         <a:lstStyle/>
         <a:p>
-          <a:pPr marL="0" lvl="0" indent="0" algn="ctr" defTabSz="977900">
+          <a:pPr lvl="0" algn="ctr" defTabSz="977900">
             <a:lnSpc>
               <a:spcPct val="90000"/>
             </a:lnSpc>
@@ -3952,7 +4131,6 @@
             <a:spcAft>
               <a:spcPct val="35000"/>
             </a:spcAft>
-            <a:buNone/>
           </a:pPr>
           <a:r>
             <a:rPr lang="en-IN" sz="2200" kern="1200" dirty="0"/>
@@ -13855,8 +14033,8 @@
         </p:nvSpPr>
         <p:spPr>
           <a:xfrm>
-            <a:off x="1092661" y="1124485"/>
-            <a:ext cx="11311870" cy="1528195"/>
+            <a:off x="996867" y="1167770"/>
+            <a:ext cx="11311870" cy="1444043"/>
           </a:xfrm>
         </p:spPr>
         <p:txBody>
@@ -13881,13 +14059,8 @@
             </a:pPr>
             <a:r>
               <a:rPr lang="en-IN" sz="2400" dirty="0"/>
-              <a:t>The firefighting robot needs no human interaction to put out a potential </a:t>
+              <a:t>The firefighting robot needs no human interaction to put out a potential house fire.</a:t>
             </a:r>
-            <a:r>
-              <a:rPr lang="en-IN" sz="2400"/>
-              <a:t>house fire.</a:t>
-            </a:r>
-            <a:endParaRPr lang="en-IN" sz="2400" dirty="0"/>
           </a:p>
         </p:txBody>
       </p:sp>
@@ -14019,7 +14192,7 @@
         </p:nvSpPr>
         <p:spPr>
           <a:xfrm>
-            <a:off x="1092661" y="2695510"/>
+            <a:off x="996867" y="2408128"/>
             <a:ext cx="2640713" cy="3936462"/>
           </a:xfrm>
           <a:prstGeom prst="rect">
